--- a/Implementation & evaluation 20172774 송정우.pptx
+++ b/Implementation & evaluation 20172774 송정우.pptx
@@ -2,31 +2,31 @@
 <file path=ppt/presentation.xml><?xml version="1.0" encoding="utf-8"?>
 <p:presentation xmlns:a="http://schemas.openxmlformats.org/drawingml/2006/main" xmlns:r="http://schemas.openxmlformats.org/officeDocument/2006/relationships" xmlns:p="http://schemas.openxmlformats.org/presentationml/2006/main">
   <p:sldMasterIdLst>
-    <p:sldMasterId id="2147483648" r:id="rId5"/>
+    <p:sldMasterId id="2147483648" r:id="rId1"/>
   </p:sldMasterIdLst>
   <p:notesMasterIdLst>
-    <p:notesMasterId r:id="rId7"/>
+    <p:notesMasterId r:id="rId21"/>
   </p:notesMasterIdLst>
   <p:sldIdLst>
-    <p:sldId id="256" r:id="rId8"/>
-    <p:sldId id="257" r:id="rId9"/>
-    <p:sldId id="258" r:id="rId10"/>
-    <p:sldId id="259" r:id="rId11"/>
-    <p:sldId id="260" r:id="rId12"/>
-    <p:sldId id="261" r:id="rId13"/>
-    <p:sldId id="262" r:id="rId14"/>
-    <p:sldId id="263" r:id="rId15"/>
-    <p:sldId id="264" r:id="rId16"/>
-    <p:sldId id="265" r:id="rId17"/>
-    <p:sldId id="266" r:id="rId18"/>
-    <p:sldId id="267" r:id="rId19"/>
-    <p:sldId id="268" r:id="rId20"/>
-    <p:sldId id="269" r:id="rId21"/>
-    <p:sldId id="270" r:id="rId22"/>
-    <p:sldId id="271" r:id="rId23"/>
-    <p:sldId id="272" r:id="rId24"/>
-    <p:sldId id="273" r:id="rId25"/>
-    <p:sldId id="274" r:id="rId26"/>
+    <p:sldId id="256" r:id="rId2"/>
+    <p:sldId id="257" r:id="rId3"/>
+    <p:sldId id="258" r:id="rId4"/>
+    <p:sldId id="259" r:id="rId5"/>
+    <p:sldId id="260" r:id="rId6"/>
+    <p:sldId id="261" r:id="rId7"/>
+    <p:sldId id="262" r:id="rId8"/>
+    <p:sldId id="263" r:id="rId9"/>
+    <p:sldId id="264" r:id="rId10"/>
+    <p:sldId id="265" r:id="rId11"/>
+    <p:sldId id="266" r:id="rId12"/>
+    <p:sldId id="267" r:id="rId13"/>
+    <p:sldId id="268" r:id="rId14"/>
+    <p:sldId id="269" r:id="rId15"/>
+    <p:sldId id="270" r:id="rId16"/>
+    <p:sldId id="271" r:id="rId17"/>
+    <p:sldId id="272" r:id="rId18"/>
+    <p:sldId id="273" r:id="rId19"/>
+    <p:sldId id="274" r:id="rId20"/>
   </p:sldIdLst>
   <p:sldSz cx="13004800" cy="9753600"/>
   <p:notesSz cx="6858000" cy="9144000"/>
@@ -46,7 +46,7 @@
       <a:buFontTx/>
       <a:buNone/>
       <a:tabLst/>
-      <a:defRPr b="0" baseline="0" cap="none" i="0" spc="0" strike="noStrike" sz="1800" u="none" kumimoji="0" normalizeH="0">
+      <a:defRPr kumimoji="0" sz="1800" b="0" i="0" u="none" strike="noStrike" cap="none" spc="0" normalizeH="0" baseline="0">
         <a:ln>
           <a:noFill/>
         </a:ln>
@@ -72,7 +72,7 @@
       <a:buFontTx/>
       <a:buNone/>
       <a:tabLst/>
-      <a:defRPr b="1" baseline="0" cap="none" i="0" spc="0" strike="noStrike" sz="2400" u="none" kumimoji="0" normalizeH="0">
+      <a:defRPr kumimoji="0" sz="2400" b="1" i="0" u="none" strike="noStrike" cap="none" spc="0" normalizeH="0" baseline="0">
         <a:ln>
           <a:noFill/>
         </a:ln>
@@ -102,7 +102,7 @@
       <a:buFontTx/>
       <a:buNone/>
       <a:tabLst/>
-      <a:defRPr b="1" baseline="0" cap="none" i="0" spc="0" strike="noStrike" sz="2400" u="none" kumimoji="0" normalizeH="0">
+      <a:defRPr kumimoji="0" sz="2400" b="1" i="0" u="none" strike="noStrike" cap="none" spc="0" normalizeH="0" baseline="0">
         <a:ln>
           <a:noFill/>
         </a:ln>
@@ -132,7 +132,7 @@
       <a:buFontTx/>
       <a:buNone/>
       <a:tabLst/>
-      <a:defRPr b="1" baseline="0" cap="none" i="0" spc="0" strike="noStrike" sz="2400" u="none" kumimoji="0" normalizeH="0">
+      <a:defRPr kumimoji="0" sz="2400" b="1" i="0" u="none" strike="noStrike" cap="none" spc="0" normalizeH="0" baseline="0">
         <a:ln>
           <a:noFill/>
         </a:ln>
@@ -162,7 +162,7 @@
       <a:buFontTx/>
       <a:buNone/>
       <a:tabLst/>
-      <a:defRPr b="1" baseline="0" cap="none" i="0" spc="0" strike="noStrike" sz="2400" u="none" kumimoji="0" normalizeH="0">
+      <a:defRPr kumimoji="0" sz="2400" b="1" i="0" u="none" strike="noStrike" cap="none" spc="0" normalizeH="0" baseline="0">
         <a:ln>
           <a:noFill/>
         </a:ln>
@@ -192,7 +192,7 @@
       <a:buFontTx/>
       <a:buNone/>
       <a:tabLst/>
-      <a:defRPr b="1" baseline="0" cap="none" i="0" spc="0" strike="noStrike" sz="2400" u="none" kumimoji="0" normalizeH="0">
+      <a:defRPr kumimoji="0" sz="2400" b="1" i="0" u="none" strike="noStrike" cap="none" spc="0" normalizeH="0" baseline="0">
         <a:ln>
           <a:noFill/>
         </a:ln>
@@ -222,7 +222,7 @@
       <a:buFontTx/>
       <a:buNone/>
       <a:tabLst/>
-      <a:defRPr b="1" baseline="0" cap="none" i="0" spc="0" strike="noStrike" sz="2400" u="none" kumimoji="0" normalizeH="0">
+      <a:defRPr kumimoji="0" sz="2400" b="1" i="0" u="none" strike="noStrike" cap="none" spc="0" normalizeH="0" baseline="0">
         <a:ln>
           <a:noFill/>
         </a:ln>
@@ -252,7 +252,7 @@
       <a:buFontTx/>
       <a:buNone/>
       <a:tabLst/>
-      <a:defRPr b="1" baseline="0" cap="none" i="0" spc="0" strike="noStrike" sz="2400" u="none" kumimoji="0" normalizeH="0">
+      <a:defRPr kumimoji="0" sz="2400" b="1" i="0" u="none" strike="noStrike" cap="none" spc="0" normalizeH="0" baseline="0">
         <a:ln>
           <a:noFill/>
         </a:ln>
@@ -282,7 +282,7 @@
       <a:buFontTx/>
       <a:buNone/>
       <a:tabLst/>
-      <a:defRPr b="1" baseline="0" cap="none" i="0" spc="0" strike="noStrike" sz="2400" u="none" kumimoji="0" normalizeH="0">
+      <a:defRPr kumimoji="0" sz="2400" b="1" i="0" u="none" strike="noStrike" cap="none" spc="0" normalizeH="0" baseline="0">
         <a:ln>
           <a:noFill/>
         </a:ln>
@@ -312,7 +312,7 @@
       <a:buFontTx/>
       <a:buNone/>
       <a:tabLst/>
-      <a:defRPr b="1" baseline="0" cap="none" i="0" spc="0" strike="noStrike" sz="2400" u="none" kumimoji="0" normalizeH="0">
+      <a:defRPr kumimoji="0" sz="2400" b="1" i="0" u="none" strike="noStrike" cap="none" spc="0" normalizeH="0" baseline="0">
         <a:ln>
           <a:noFill/>
         </a:ln>
@@ -331,13 +331,18 @@
 </p:presentation>
 </file>
 
-<file path=ppt/commentAuthors.xml><?xml version="1.0" encoding="utf-8"?>
-<p:cmAuthorLst xmlns:a="http://schemas.openxmlformats.org/drawingml/2006/main" xmlns:r="http://schemas.openxmlformats.org/officeDocument/2006/relationships" xmlns:p="http://schemas.openxmlformats.org/presentationml/2006/main"/>
+<file path=ppt/revisionInfo.xml><?xml version="1.0" encoding="utf-8"?>
+<p1510:revInfo xmlns:a="http://schemas.openxmlformats.org/drawingml/2006/main" xmlns:r="http://schemas.openxmlformats.org/officeDocument/2006/relationships" xmlns:p1510="http://schemas.microsoft.com/office/powerpoint/2015/10/main"/>
 </file>
 
 <file path=ppt/notesMasters/notesMaster1.xml><?xml version="1.0" encoding="utf-8"?>
 <p:notesMaster xmlns:a="http://schemas.openxmlformats.org/drawingml/2006/main" xmlns:r="http://schemas.openxmlformats.org/officeDocument/2006/relationships" xmlns:p="http://schemas.openxmlformats.org/presentationml/2006/main">
   <p:cSld>
+    <p:bg>
+      <p:bgRef idx="1001">
+        <a:schemeClr val="bg1"/>
+      </p:bgRef>
+    </p:bg>
     <p:spTree>
       <p:nvGrpSpPr>
         <p:cNvPr id="1" name=""/>
@@ -355,7 +360,9 @@
       <p:sp>
         <p:nvSpPr>
           <p:cNvPr id="116" name="Shape 116"/>
-          <p:cNvSpPr/>
+          <p:cNvSpPr>
+            <a:spLocks noGrp="1" noRot="1" noChangeAspect="1"/>
+          </p:cNvSpPr>
           <p:nvPr>
             <p:ph type="sldImg"/>
           </p:nvPr>
@@ -373,14 +380,16 @@
           <a:bodyPr/>
           <a:lstStyle/>
           <a:p>
-            <a:pPr/>
+            <a:endParaRPr/>
           </a:p>
         </p:txBody>
       </p:sp>
       <p:sp>
         <p:nvSpPr>
           <p:cNvPr id="117" name="Shape 117"/>
-          <p:cNvSpPr/>
+          <p:cNvSpPr>
+            <a:spLocks noGrp="1"/>
+          </p:cNvSpPr>
           <p:nvPr>
             <p:ph type="body" sz="quarter" idx="1"/>
           </p:nvPr>
@@ -398,7 +407,7 @@
           <a:bodyPr/>
           <a:lstStyle/>
           <a:p>
-            <a:pPr/>
+            <a:endParaRPr/>
           </a:p>
         </p:txBody>
       </p:sp>
@@ -510,7 +519,7 @@
 </file>
 
 <file path=ppt/slideLayouts/slideLayout1.xml><?xml version="1.0" encoding="utf-8"?>
-<p:sldLayout xmlns:a="http://schemas.openxmlformats.org/drawingml/2006/main" xmlns:r="http://schemas.openxmlformats.org/officeDocument/2006/relationships" xmlns:p="http://schemas.openxmlformats.org/presentationml/2006/main" type="title" showMasterSp="1" showMasterPhAnim="1">
+<p:sldLayout xmlns:a="http://schemas.openxmlformats.org/drawingml/2006/main" xmlns:r="http://schemas.openxmlformats.org/officeDocument/2006/relationships" xmlns:p="http://schemas.openxmlformats.org/presentationml/2006/main" type="title">
   <p:cSld name="제목 및 부제">
     <p:spTree>
       <p:nvGrpSpPr>
@@ -529,7 +538,9 @@
       <p:sp>
         <p:nvSpPr>
           <p:cNvPr id="11" name="제목 텍스트"/>
-          <p:cNvSpPr txBox="1"/>
+          <p:cNvSpPr txBox="1">
+            <a:spLocks noGrp="1"/>
+          </p:cNvSpPr>
           <p:nvPr>
             <p:ph type="title"/>
           </p:nvPr>
@@ -547,7 +558,6 @@
           <a:bodyPr anchor="b"/>
           <a:lstStyle/>
           <a:p>
-            <a:pPr/>
             <a:r>
               <a:t>제목 텍스트</a:t>
             </a:r>
@@ -557,7 +567,9 @@
       <p:sp>
         <p:nvSpPr>
           <p:cNvPr id="12" name="본문 첫 번째 줄…"/>
-          <p:cNvSpPr txBox="1"/>
+          <p:cNvSpPr txBox="1">
+            <a:spLocks noGrp="1"/>
+          </p:cNvSpPr>
           <p:nvPr>
             <p:ph type="body" sz="quarter" idx="1"/>
           </p:nvPr>
@@ -621,7 +633,6 @@
             </a:lvl5pPr>
           </a:lstStyle>
           <a:p>
-            <a:pPr/>
             <a:r>
               <a:t>본문 첫 번째 줄</a:t>
             </a:r>
@@ -655,7 +666,9 @@
       <p:sp>
         <p:nvSpPr>
           <p:cNvPr id="13" name="슬라이드 번호"/>
-          <p:cNvSpPr txBox="1"/>
+          <p:cNvSpPr txBox="1">
+            <a:spLocks noGrp="1"/>
+          </p:cNvSpPr>
           <p:nvPr>
             <p:ph type="sldNum" sz="quarter" idx="2"/>
           </p:nvPr>
@@ -669,8 +682,10 @@
           <a:bodyPr/>
           <a:lstStyle/>
           <a:p>
-            <a:pPr/>
-            <a:fld id="{86CB4B4D-7CA3-9044-876B-883B54F8677D}" type="slidenum"/>
+            <a:fld id="{86CB4B4D-7CA3-9044-876B-883B54F8677D}" type="slidenum">
+              <a:t>‹#›</a:t>
+            </a:fld>
+            <a:endParaRPr/>
           </a:p>
         </p:txBody>
       </p:sp>
@@ -679,12 +694,12 @@
   <p:clrMapOvr>
     <a:masterClrMapping/>
   </p:clrMapOvr>
-  <p:transition xmlns:p14="http://schemas.microsoft.com/office/powerpoint/2010/main" spd="med" advClick="1"/>
+  <p:transition spd="med"/>
 </p:sldLayout>
 </file>
 
 <file path=ppt/slideLayouts/slideLayout10.xml><?xml version="1.0" encoding="utf-8"?>
-<p:sldLayout xmlns:a="http://schemas.openxmlformats.org/drawingml/2006/main" xmlns:r="http://schemas.openxmlformats.org/officeDocument/2006/relationships" xmlns:p="http://schemas.openxmlformats.org/presentationml/2006/main" type="tx" showMasterSp="1" showMasterPhAnim="1">
+<p:sldLayout xmlns:a="http://schemas.openxmlformats.org/drawingml/2006/main" xmlns:r="http://schemas.openxmlformats.org/officeDocument/2006/relationships" xmlns:p="http://schemas.openxmlformats.org/presentationml/2006/main" type="tx">
   <p:cSld name="인용">
     <p:spTree>
       <p:nvGrpSpPr>
@@ -703,7 +718,9 @@
       <p:sp>
         <p:nvSpPr>
           <p:cNvPr id="93" name="–Johnny Appleseed"/>
-          <p:cNvSpPr txBox="1"/>
+          <p:cNvSpPr txBox="1">
+            <a:spLocks noGrp="1"/>
+          </p:cNvSpPr>
           <p:nvPr>
             <p:ph type="body" sz="quarter" idx="13"/>
           </p:nvPr>
@@ -729,11 +746,10 @@
               <a:buClrTx/>
               <a:buSzTx/>
               <a:buNone/>
-              <a:defRPr i="1" sz="2400"/>
+              <a:defRPr sz="2400" i="1"/>
             </a:lvl1pPr>
           </a:lstStyle>
           <a:p>
-            <a:pPr/>
             <a:r>
               <a:t>–Johnny Appleseed</a:t>
             </a:r>
@@ -743,7 +759,9 @@
       <p:sp>
         <p:nvSpPr>
           <p:cNvPr id="94" name="“여기에 인용을 입력하십시오.”"/>
-          <p:cNvSpPr txBox="1"/>
+          <p:cNvSpPr txBox="1">
+            <a:spLocks noGrp="1"/>
+          </p:cNvSpPr>
           <p:nvPr>
             <p:ph type="body" sz="quarter" idx="14"/>
           </p:nvPr>
@@ -778,7 +796,6 @@
             </a:lvl1pPr>
           </a:lstStyle>
           <a:p>
-            <a:pPr/>
             <a:r>
               <a:t>“여기에 인용을 입력하십시오.” </a:t>
             </a:r>
@@ -788,7 +805,9 @@
       <p:sp>
         <p:nvSpPr>
           <p:cNvPr id="95" name="슬라이드 번호"/>
-          <p:cNvSpPr txBox="1"/>
+          <p:cNvSpPr txBox="1">
+            <a:spLocks noGrp="1"/>
+          </p:cNvSpPr>
           <p:nvPr>
             <p:ph type="sldNum" sz="quarter" idx="2"/>
           </p:nvPr>
@@ -802,8 +821,10 @@
           <a:bodyPr/>
           <a:lstStyle/>
           <a:p>
-            <a:pPr/>
-            <a:fld id="{86CB4B4D-7CA3-9044-876B-883B54F8677D}" type="slidenum"/>
+            <a:fld id="{86CB4B4D-7CA3-9044-876B-883B54F8677D}" type="slidenum">
+              <a:t>‹#›</a:t>
+            </a:fld>
+            <a:endParaRPr/>
           </a:p>
         </p:txBody>
       </p:sp>
@@ -812,12 +833,12 @@
   <p:clrMapOvr>
     <a:masterClrMapping/>
   </p:clrMapOvr>
-  <p:transition xmlns:p14="http://schemas.microsoft.com/office/powerpoint/2010/main" spd="med" advClick="1"/>
+  <p:transition spd="med"/>
 </p:sldLayout>
 </file>
 
 <file path=ppt/slideLayouts/slideLayout11.xml><?xml version="1.0" encoding="utf-8"?>
-<p:sldLayout xmlns:a="http://schemas.openxmlformats.org/drawingml/2006/main" xmlns:r="http://schemas.openxmlformats.org/officeDocument/2006/relationships" xmlns:p="http://schemas.openxmlformats.org/presentationml/2006/main" type="tx" showMasterSp="1" showMasterPhAnim="1">
+<p:sldLayout xmlns:a="http://schemas.openxmlformats.org/drawingml/2006/main" xmlns:r="http://schemas.openxmlformats.org/officeDocument/2006/relationships" xmlns:p="http://schemas.openxmlformats.org/presentationml/2006/main" type="tx">
   <p:cSld name="사진">
     <p:spTree>
       <p:nvGrpSpPr>
@@ -836,7 +857,9 @@
       <p:sp>
         <p:nvSpPr>
           <p:cNvPr id="102" name="이미지"/>
-          <p:cNvSpPr/>
+          <p:cNvSpPr>
+            <a:spLocks noGrp="1"/>
+          </p:cNvSpPr>
           <p:nvPr>
             <p:ph type="pic" idx="13"/>
           </p:nvPr>
@@ -856,14 +879,16 @@
           </a:bodyPr>
           <a:lstStyle/>
           <a:p>
-            <a:pPr/>
+            <a:endParaRPr/>
           </a:p>
         </p:txBody>
       </p:sp>
       <p:sp>
         <p:nvSpPr>
           <p:cNvPr id="103" name="슬라이드 번호"/>
-          <p:cNvSpPr txBox="1"/>
+          <p:cNvSpPr txBox="1">
+            <a:spLocks noGrp="1"/>
+          </p:cNvSpPr>
           <p:nvPr>
             <p:ph type="sldNum" sz="quarter" idx="2"/>
           </p:nvPr>
@@ -877,8 +902,10 @@
           <a:bodyPr/>
           <a:lstStyle/>
           <a:p>
-            <a:pPr/>
-            <a:fld id="{86CB4B4D-7CA3-9044-876B-883B54F8677D}" type="slidenum"/>
+            <a:fld id="{86CB4B4D-7CA3-9044-876B-883B54F8677D}" type="slidenum">
+              <a:t>‹#›</a:t>
+            </a:fld>
+            <a:endParaRPr/>
           </a:p>
         </p:txBody>
       </p:sp>
@@ -887,12 +914,12 @@
   <p:clrMapOvr>
     <a:masterClrMapping/>
   </p:clrMapOvr>
-  <p:transition xmlns:p14="http://schemas.microsoft.com/office/powerpoint/2010/main" spd="med" advClick="1"/>
+  <p:transition spd="med"/>
 </p:sldLayout>
 </file>
 
 <file path=ppt/slideLayouts/slideLayout12.xml><?xml version="1.0" encoding="utf-8"?>
-<p:sldLayout xmlns:a="http://schemas.openxmlformats.org/drawingml/2006/main" xmlns:r="http://schemas.openxmlformats.org/officeDocument/2006/relationships" xmlns:p="http://schemas.openxmlformats.org/presentationml/2006/main" type="tx" showMasterSp="1" showMasterPhAnim="1">
+<p:sldLayout xmlns:a="http://schemas.openxmlformats.org/drawingml/2006/main" xmlns:r="http://schemas.openxmlformats.org/officeDocument/2006/relationships" xmlns:p="http://schemas.openxmlformats.org/presentationml/2006/main" type="tx">
   <p:cSld name="빈 페이지">
     <p:spTree>
       <p:nvGrpSpPr>
@@ -911,7 +938,9 @@
       <p:sp>
         <p:nvSpPr>
           <p:cNvPr id="110" name="슬라이드 번호"/>
-          <p:cNvSpPr txBox="1"/>
+          <p:cNvSpPr txBox="1">
+            <a:spLocks noGrp="1"/>
+          </p:cNvSpPr>
           <p:nvPr>
             <p:ph type="sldNum" sz="quarter" idx="2"/>
           </p:nvPr>
@@ -925,8 +954,10 @@
           <a:bodyPr/>
           <a:lstStyle/>
           <a:p>
-            <a:pPr/>
-            <a:fld id="{86CB4B4D-7CA3-9044-876B-883B54F8677D}" type="slidenum"/>
+            <a:fld id="{86CB4B4D-7CA3-9044-876B-883B54F8677D}" type="slidenum">
+              <a:t>‹#›</a:t>
+            </a:fld>
+            <a:endParaRPr/>
           </a:p>
         </p:txBody>
       </p:sp>
@@ -935,12 +966,12 @@
   <p:clrMapOvr>
     <a:masterClrMapping/>
   </p:clrMapOvr>
-  <p:transition xmlns:p14="http://schemas.microsoft.com/office/powerpoint/2010/main" spd="med" advClick="1"/>
+  <p:transition spd="med"/>
 </p:sldLayout>
 </file>
 
 <file path=ppt/slideLayouts/slideLayout2.xml><?xml version="1.0" encoding="utf-8"?>
-<p:sldLayout xmlns:a="http://schemas.openxmlformats.org/drawingml/2006/main" xmlns:r="http://schemas.openxmlformats.org/officeDocument/2006/relationships" xmlns:p="http://schemas.openxmlformats.org/presentationml/2006/main" type="tx" showMasterSp="1" showMasterPhAnim="1">
+<p:sldLayout xmlns:a="http://schemas.openxmlformats.org/drawingml/2006/main" xmlns:r="http://schemas.openxmlformats.org/officeDocument/2006/relationships" xmlns:p="http://schemas.openxmlformats.org/presentationml/2006/main" type="tx">
   <p:cSld name="사진 - 수평">
     <p:spTree>
       <p:nvGrpSpPr>
@@ -959,7 +990,9 @@
       <p:sp>
         <p:nvSpPr>
           <p:cNvPr id="20" name="이미지"/>
-          <p:cNvSpPr/>
+          <p:cNvSpPr>
+            <a:spLocks noGrp="1"/>
+          </p:cNvSpPr>
           <p:nvPr>
             <p:ph type="pic" idx="13"/>
           </p:nvPr>
@@ -979,14 +1012,16 @@
           </a:bodyPr>
           <a:lstStyle/>
           <a:p>
-            <a:pPr/>
+            <a:endParaRPr/>
           </a:p>
         </p:txBody>
       </p:sp>
       <p:sp>
         <p:nvSpPr>
           <p:cNvPr id="21" name="제목 텍스트"/>
-          <p:cNvSpPr txBox="1"/>
+          <p:cNvSpPr txBox="1">
+            <a:spLocks noGrp="1"/>
+          </p:cNvSpPr>
           <p:nvPr>
             <p:ph type="title"/>
           </p:nvPr>
@@ -1004,7 +1039,6 @@
           <a:bodyPr/>
           <a:lstStyle/>
           <a:p>
-            <a:pPr/>
             <a:r>
               <a:t>제목 텍스트</a:t>
             </a:r>
@@ -1014,7 +1048,9 @@
       <p:sp>
         <p:nvSpPr>
           <p:cNvPr id="22" name="본문 첫 번째 줄…"/>
-          <p:cNvSpPr txBox="1"/>
+          <p:cNvSpPr txBox="1">
+            <a:spLocks noGrp="1"/>
+          </p:cNvSpPr>
           <p:nvPr>
             <p:ph type="body" sz="quarter" idx="1"/>
           </p:nvPr>
@@ -1078,7 +1114,6 @@
             </a:lvl5pPr>
           </a:lstStyle>
           <a:p>
-            <a:pPr/>
             <a:r>
               <a:t>본문 첫 번째 줄</a:t>
             </a:r>
@@ -1112,7 +1147,9 @@
       <p:sp>
         <p:nvSpPr>
           <p:cNvPr id="23" name="슬라이드 번호"/>
-          <p:cNvSpPr txBox="1"/>
+          <p:cNvSpPr txBox="1">
+            <a:spLocks noGrp="1"/>
+          </p:cNvSpPr>
           <p:nvPr>
             <p:ph type="sldNum" sz="quarter" idx="2"/>
           </p:nvPr>
@@ -1126,8 +1163,10 @@
           <a:bodyPr/>
           <a:lstStyle/>
           <a:p>
-            <a:pPr/>
-            <a:fld id="{86CB4B4D-7CA3-9044-876B-883B54F8677D}" type="slidenum"/>
+            <a:fld id="{86CB4B4D-7CA3-9044-876B-883B54F8677D}" type="slidenum">
+              <a:t>‹#›</a:t>
+            </a:fld>
+            <a:endParaRPr/>
           </a:p>
         </p:txBody>
       </p:sp>
@@ -1136,12 +1175,12 @@
   <p:clrMapOvr>
     <a:masterClrMapping/>
   </p:clrMapOvr>
-  <p:transition xmlns:p14="http://schemas.microsoft.com/office/powerpoint/2010/main" spd="med" advClick="1"/>
+  <p:transition spd="med"/>
 </p:sldLayout>
 </file>
 
 <file path=ppt/slideLayouts/slideLayout3.xml><?xml version="1.0" encoding="utf-8"?>
-<p:sldLayout xmlns:a="http://schemas.openxmlformats.org/drawingml/2006/main" xmlns:r="http://schemas.openxmlformats.org/officeDocument/2006/relationships" xmlns:p="http://schemas.openxmlformats.org/presentationml/2006/main" type="tx" showMasterSp="1" showMasterPhAnim="1">
+<p:sldLayout xmlns:a="http://schemas.openxmlformats.org/drawingml/2006/main" xmlns:r="http://schemas.openxmlformats.org/officeDocument/2006/relationships" xmlns:p="http://schemas.openxmlformats.org/presentationml/2006/main" type="tx">
   <p:cSld name="제목 - 가운데">
     <p:spTree>
       <p:nvGrpSpPr>
@@ -1160,7 +1199,9 @@
       <p:sp>
         <p:nvSpPr>
           <p:cNvPr id="30" name="제목 텍스트"/>
-          <p:cNvSpPr txBox="1"/>
+          <p:cNvSpPr txBox="1">
+            <a:spLocks noGrp="1"/>
+          </p:cNvSpPr>
           <p:nvPr>
             <p:ph type="title"/>
           </p:nvPr>
@@ -1178,7 +1219,6 @@
           <a:bodyPr/>
           <a:lstStyle/>
           <a:p>
-            <a:pPr/>
             <a:r>
               <a:t>제목 텍스트</a:t>
             </a:r>
@@ -1188,7 +1228,9 @@
       <p:sp>
         <p:nvSpPr>
           <p:cNvPr id="31" name="슬라이드 번호"/>
-          <p:cNvSpPr txBox="1"/>
+          <p:cNvSpPr txBox="1">
+            <a:spLocks noGrp="1"/>
+          </p:cNvSpPr>
           <p:nvPr>
             <p:ph type="sldNum" sz="quarter" idx="2"/>
           </p:nvPr>
@@ -1202,8 +1244,10 @@
           <a:bodyPr/>
           <a:lstStyle/>
           <a:p>
-            <a:pPr/>
-            <a:fld id="{86CB4B4D-7CA3-9044-876B-883B54F8677D}" type="slidenum"/>
+            <a:fld id="{86CB4B4D-7CA3-9044-876B-883B54F8677D}" type="slidenum">
+              <a:t>‹#›</a:t>
+            </a:fld>
+            <a:endParaRPr/>
           </a:p>
         </p:txBody>
       </p:sp>
@@ -1212,12 +1256,12 @@
   <p:clrMapOvr>
     <a:masterClrMapping/>
   </p:clrMapOvr>
-  <p:transition xmlns:p14="http://schemas.microsoft.com/office/powerpoint/2010/main" spd="med" advClick="1"/>
+  <p:transition spd="med"/>
 </p:sldLayout>
 </file>
 
 <file path=ppt/slideLayouts/slideLayout4.xml><?xml version="1.0" encoding="utf-8"?>
-<p:sldLayout xmlns:a="http://schemas.openxmlformats.org/drawingml/2006/main" xmlns:r="http://schemas.openxmlformats.org/officeDocument/2006/relationships" xmlns:p="http://schemas.openxmlformats.org/presentationml/2006/main" type="tx" showMasterSp="1" showMasterPhAnim="1">
+<p:sldLayout xmlns:a="http://schemas.openxmlformats.org/drawingml/2006/main" xmlns:r="http://schemas.openxmlformats.org/officeDocument/2006/relationships" xmlns:p="http://schemas.openxmlformats.org/presentationml/2006/main" type="tx">
   <p:cSld name="사진 - 수직">
     <p:spTree>
       <p:nvGrpSpPr>
@@ -1236,7 +1280,9 @@
       <p:sp>
         <p:nvSpPr>
           <p:cNvPr id="38" name="이미지"/>
-          <p:cNvSpPr/>
+          <p:cNvSpPr>
+            <a:spLocks noGrp="1"/>
+          </p:cNvSpPr>
           <p:nvPr>
             <p:ph type="pic" sz="half" idx="13"/>
           </p:nvPr>
@@ -1256,14 +1302,16 @@
           </a:bodyPr>
           <a:lstStyle/>
           <a:p>
-            <a:pPr/>
+            <a:endParaRPr/>
           </a:p>
         </p:txBody>
       </p:sp>
       <p:sp>
         <p:nvSpPr>
           <p:cNvPr id="39" name="제목 텍스트"/>
-          <p:cNvSpPr txBox="1"/>
+          <p:cNvSpPr txBox="1">
+            <a:spLocks noGrp="1"/>
+          </p:cNvSpPr>
           <p:nvPr>
             <p:ph type="title"/>
           </p:nvPr>
@@ -1285,7 +1333,6 @@
             </a:lvl1pPr>
           </a:lstStyle>
           <a:p>
-            <a:pPr/>
             <a:r>
               <a:t>제목 텍스트</a:t>
             </a:r>
@@ -1295,7 +1342,9 @@
       <p:sp>
         <p:nvSpPr>
           <p:cNvPr id="40" name="본문 첫 번째 줄…"/>
-          <p:cNvSpPr txBox="1"/>
+          <p:cNvSpPr txBox="1">
+            <a:spLocks noGrp="1"/>
+          </p:cNvSpPr>
           <p:nvPr>
             <p:ph type="body" sz="quarter" idx="1"/>
           </p:nvPr>
@@ -1359,7 +1408,6 @@
             </a:lvl5pPr>
           </a:lstStyle>
           <a:p>
-            <a:pPr/>
             <a:r>
               <a:t>본문 첫 번째 줄</a:t>
             </a:r>
@@ -1393,7 +1441,9 @@
       <p:sp>
         <p:nvSpPr>
           <p:cNvPr id="41" name="슬라이드 번호"/>
-          <p:cNvSpPr txBox="1"/>
+          <p:cNvSpPr txBox="1">
+            <a:spLocks noGrp="1"/>
+          </p:cNvSpPr>
           <p:nvPr>
             <p:ph type="sldNum" sz="quarter" idx="2"/>
           </p:nvPr>
@@ -1407,8 +1457,10 @@
           <a:bodyPr/>
           <a:lstStyle/>
           <a:p>
-            <a:pPr/>
-            <a:fld id="{86CB4B4D-7CA3-9044-876B-883B54F8677D}" type="slidenum"/>
+            <a:fld id="{86CB4B4D-7CA3-9044-876B-883B54F8677D}" type="slidenum">
+              <a:t>‹#›</a:t>
+            </a:fld>
+            <a:endParaRPr/>
           </a:p>
         </p:txBody>
       </p:sp>
@@ -1417,12 +1469,12 @@
   <p:clrMapOvr>
     <a:masterClrMapping/>
   </p:clrMapOvr>
-  <p:transition xmlns:p14="http://schemas.microsoft.com/office/powerpoint/2010/main" spd="med" advClick="1"/>
+  <p:transition spd="med"/>
 </p:sldLayout>
 </file>
 
 <file path=ppt/slideLayouts/slideLayout5.xml><?xml version="1.0" encoding="utf-8"?>
-<p:sldLayout xmlns:a="http://schemas.openxmlformats.org/drawingml/2006/main" xmlns:r="http://schemas.openxmlformats.org/officeDocument/2006/relationships" xmlns:p="http://schemas.openxmlformats.org/presentationml/2006/main" type="tx" showMasterSp="1" showMasterPhAnim="1">
+<p:sldLayout xmlns:a="http://schemas.openxmlformats.org/drawingml/2006/main" xmlns:r="http://schemas.openxmlformats.org/officeDocument/2006/relationships" xmlns:p="http://schemas.openxmlformats.org/presentationml/2006/main" type="tx">
   <p:cSld name="제목 - 상단">
     <p:spTree>
       <p:nvGrpSpPr>
@@ -1441,7 +1493,9 @@
       <p:sp>
         <p:nvSpPr>
           <p:cNvPr id="48" name="제목 텍스트"/>
-          <p:cNvSpPr txBox="1"/>
+          <p:cNvSpPr txBox="1">
+            <a:spLocks noGrp="1"/>
+          </p:cNvSpPr>
           <p:nvPr>
             <p:ph type="title"/>
           </p:nvPr>
@@ -1455,7 +1509,6 @@
           <a:bodyPr/>
           <a:lstStyle/>
           <a:p>
-            <a:pPr/>
             <a:r>
               <a:t>제목 텍스트</a:t>
             </a:r>
@@ -1465,7 +1518,9 @@
       <p:sp>
         <p:nvSpPr>
           <p:cNvPr id="49" name="슬라이드 번호"/>
-          <p:cNvSpPr txBox="1"/>
+          <p:cNvSpPr txBox="1">
+            <a:spLocks noGrp="1"/>
+          </p:cNvSpPr>
           <p:nvPr>
             <p:ph type="sldNum" sz="quarter" idx="2"/>
           </p:nvPr>
@@ -1479,8 +1534,10 @@
           <a:bodyPr/>
           <a:lstStyle/>
           <a:p>
-            <a:pPr/>
-            <a:fld id="{86CB4B4D-7CA3-9044-876B-883B54F8677D}" type="slidenum"/>
+            <a:fld id="{86CB4B4D-7CA3-9044-876B-883B54F8677D}" type="slidenum">
+              <a:t>‹#›</a:t>
+            </a:fld>
+            <a:endParaRPr/>
           </a:p>
         </p:txBody>
       </p:sp>
@@ -1489,12 +1546,12 @@
   <p:clrMapOvr>
     <a:masterClrMapping/>
   </p:clrMapOvr>
-  <p:transition xmlns:p14="http://schemas.microsoft.com/office/powerpoint/2010/main" spd="med" advClick="1"/>
+  <p:transition spd="med"/>
 </p:sldLayout>
 </file>
 
 <file path=ppt/slideLayouts/slideLayout6.xml><?xml version="1.0" encoding="utf-8"?>
-<p:sldLayout xmlns:a="http://schemas.openxmlformats.org/drawingml/2006/main" xmlns:r="http://schemas.openxmlformats.org/officeDocument/2006/relationships" xmlns:p="http://schemas.openxmlformats.org/presentationml/2006/main" type="tx" showMasterSp="1" showMasterPhAnim="1">
+<p:sldLayout xmlns:a="http://schemas.openxmlformats.org/drawingml/2006/main" xmlns:r="http://schemas.openxmlformats.org/officeDocument/2006/relationships" xmlns:p="http://schemas.openxmlformats.org/presentationml/2006/main" type="tx">
   <p:cSld name="제목 및 구분점">
     <p:spTree>
       <p:nvGrpSpPr>
@@ -1513,7 +1570,9 @@
       <p:sp>
         <p:nvSpPr>
           <p:cNvPr id="56" name="제목 텍스트"/>
-          <p:cNvSpPr txBox="1"/>
+          <p:cNvSpPr txBox="1">
+            <a:spLocks noGrp="1"/>
+          </p:cNvSpPr>
           <p:nvPr>
             <p:ph type="title"/>
           </p:nvPr>
@@ -1527,7 +1586,6 @@
           <a:bodyPr/>
           <a:lstStyle/>
           <a:p>
-            <a:pPr/>
             <a:r>
               <a:t>제목 텍스트</a:t>
             </a:r>
@@ -1537,7 +1595,9 @@
       <p:sp>
         <p:nvSpPr>
           <p:cNvPr id="57" name="본문 첫 번째 줄…"/>
-          <p:cNvSpPr txBox="1"/>
+          <p:cNvSpPr txBox="1">
+            <a:spLocks noGrp="1"/>
+          </p:cNvSpPr>
           <p:nvPr>
             <p:ph type="body" idx="1"/>
           </p:nvPr>
@@ -1567,7 +1627,6 @@
             </a:lvl5pPr>
           </a:lstStyle>
           <a:p>
-            <a:pPr/>
             <a:r>
               <a:t>본문 첫 번째 줄</a:t>
             </a:r>
@@ -1601,7 +1660,9 @@
       <p:sp>
         <p:nvSpPr>
           <p:cNvPr id="58" name="슬라이드 번호"/>
-          <p:cNvSpPr txBox="1"/>
+          <p:cNvSpPr txBox="1">
+            <a:spLocks noGrp="1"/>
+          </p:cNvSpPr>
           <p:nvPr>
             <p:ph type="sldNum" sz="quarter" idx="2"/>
           </p:nvPr>
@@ -1615,8 +1676,10 @@
           <a:bodyPr/>
           <a:lstStyle/>
           <a:p>
-            <a:pPr/>
-            <a:fld id="{86CB4B4D-7CA3-9044-876B-883B54F8677D}" type="slidenum"/>
+            <a:fld id="{86CB4B4D-7CA3-9044-876B-883B54F8677D}" type="slidenum">
+              <a:t>‹#›</a:t>
+            </a:fld>
+            <a:endParaRPr/>
           </a:p>
         </p:txBody>
       </p:sp>
@@ -1625,12 +1688,12 @@
   <p:clrMapOvr>
     <a:masterClrMapping/>
   </p:clrMapOvr>
-  <p:transition xmlns:p14="http://schemas.microsoft.com/office/powerpoint/2010/main" spd="med" advClick="1"/>
+  <p:transition spd="med"/>
 </p:sldLayout>
 </file>
 
 <file path=ppt/slideLayouts/slideLayout7.xml><?xml version="1.0" encoding="utf-8"?>
-<p:sldLayout xmlns:a="http://schemas.openxmlformats.org/drawingml/2006/main" xmlns:r="http://schemas.openxmlformats.org/officeDocument/2006/relationships" xmlns:p="http://schemas.openxmlformats.org/presentationml/2006/main" type="tx" showMasterSp="1" showMasterPhAnim="1">
+<p:sldLayout xmlns:a="http://schemas.openxmlformats.org/drawingml/2006/main" xmlns:r="http://schemas.openxmlformats.org/officeDocument/2006/relationships" xmlns:p="http://schemas.openxmlformats.org/presentationml/2006/main" type="tx">
   <p:cSld name="제목, 구분점 및 사진">
     <p:spTree>
       <p:nvGrpSpPr>
@@ -1649,7 +1712,9 @@
       <p:sp>
         <p:nvSpPr>
           <p:cNvPr id="65" name="이미지"/>
-          <p:cNvSpPr/>
+          <p:cNvSpPr>
+            <a:spLocks noGrp="1"/>
+          </p:cNvSpPr>
           <p:nvPr>
             <p:ph type="pic" sz="half" idx="13"/>
           </p:nvPr>
@@ -1669,14 +1734,16 @@
           </a:bodyPr>
           <a:lstStyle/>
           <a:p>
-            <a:pPr/>
+            <a:endParaRPr/>
           </a:p>
         </p:txBody>
       </p:sp>
       <p:sp>
         <p:nvSpPr>
           <p:cNvPr id="66" name="제목 텍스트"/>
-          <p:cNvSpPr txBox="1"/>
+          <p:cNvSpPr txBox="1">
+            <a:spLocks noGrp="1"/>
+          </p:cNvSpPr>
           <p:nvPr>
             <p:ph type="title"/>
           </p:nvPr>
@@ -1690,7 +1757,6 @@
           <a:bodyPr/>
           <a:lstStyle/>
           <a:p>
-            <a:pPr/>
             <a:r>
               <a:t>제목 텍스트</a:t>
             </a:r>
@@ -1700,7 +1766,9 @@
       <p:sp>
         <p:nvSpPr>
           <p:cNvPr id="67" name="본문 첫 번째 줄…"/>
-          <p:cNvSpPr txBox="1"/>
+          <p:cNvSpPr txBox="1">
+            <a:spLocks noGrp="1"/>
+          </p:cNvSpPr>
           <p:nvPr>
             <p:ph type="body" sz="half" idx="1"/>
           </p:nvPr>
@@ -1754,7 +1822,6 @@
             </a:lvl5pPr>
           </a:lstStyle>
           <a:p>
-            <a:pPr/>
             <a:r>
               <a:t>본문 첫 번째 줄</a:t>
             </a:r>
@@ -1788,7 +1855,9 @@
       <p:sp>
         <p:nvSpPr>
           <p:cNvPr id="68" name="슬라이드 번호"/>
-          <p:cNvSpPr txBox="1"/>
+          <p:cNvSpPr txBox="1">
+            <a:spLocks noGrp="1"/>
+          </p:cNvSpPr>
           <p:nvPr>
             <p:ph type="sldNum" sz="quarter" idx="2"/>
           </p:nvPr>
@@ -1802,8 +1871,10 @@
           <a:bodyPr/>
           <a:lstStyle/>
           <a:p>
-            <a:pPr/>
-            <a:fld id="{86CB4B4D-7CA3-9044-876B-883B54F8677D}" type="slidenum"/>
+            <a:fld id="{86CB4B4D-7CA3-9044-876B-883B54F8677D}" type="slidenum">
+              <a:t>‹#›</a:t>
+            </a:fld>
+            <a:endParaRPr/>
           </a:p>
         </p:txBody>
       </p:sp>
@@ -1812,12 +1883,12 @@
   <p:clrMapOvr>
     <a:masterClrMapping/>
   </p:clrMapOvr>
-  <p:transition xmlns:p14="http://schemas.microsoft.com/office/powerpoint/2010/main" spd="med" advClick="1"/>
+  <p:transition spd="med"/>
 </p:sldLayout>
 </file>
 
 <file path=ppt/slideLayouts/slideLayout8.xml><?xml version="1.0" encoding="utf-8"?>
-<p:sldLayout xmlns:a="http://schemas.openxmlformats.org/drawingml/2006/main" xmlns:r="http://schemas.openxmlformats.org/officeDocument/2006/relationships" xmlns:p="http://schemas.openxmlformats.org/presentationml/2006/main" type="tx" showMasterSp="1" showMasterPhAnim="1">
+<p:sldLayout xmlns:a="http://schemas.openxmlformats.org/drawingml/2006/main" xmlns:r="http://schemas.openxmlformats.org/officeDocument/2006/relationships" xmlns:p="http://schemas.openxmlformats.org/presentationml/2006/main" type="tx">
   <p:cSld name="구분점">
     <p:spTree>
       <p:nvGrpSpPr>
@@ -1836,7 +1907,9 @@
       <p:sp>
         <p:nvSpPr>
           <p:cNvPr id="75" name="본문 첫 번째 줄…"/>
-          <p:cNvSpPr txBox="1"/>
+          <p:cNvSpPr txBox="1">
+            <a:spLocks noGrp="1"/>
+          </p:cNvSpPr>
           <p:nvPr>
             <p:ph type="body" idx="1"/>
           </p:nvPr>
@@ -1870,7 +1943,6 @@
             </a:lvl5pPr>
           </a:lstStyle>
           <a:p>
-            <a:pPr/>
             <a:r>
               <a:t>본문 첫 번째 줄</a:t>
             </a:r>
@@ -1904,7 +1976,9 @@
       <p:sp>
         <p:nvSpPr>
           <p:cNvPr id="76" name="슬라이드 번호"/>
-          <p:cNvSpPr txBox="1"/>
+          <p:cNvSpPr txBox="1">
+            <a:spLocks noGrp="1"/>
+          </p:cNvSpPr>
           <p:nvPr>
             <p:ph type="sldNum" sz="quarter" idx="2"/>
           </p:nvPr>
@@ -1918,8 +1992,10 @@
           <a:bodyPr/>
           <a:lstStyle/>
           <a:p>
-            <a:pPr/>
-            <a:fld id="{86CB4B4D-7CA3-9044-876B-883B54F8677D}" type="slidenum"/>
+            <a:fld id="{86CB4B4D-7CA3-9044-876B-883B54F8677D}" type="slidenum">
+              <a:t>‹#›</a:t>
+            </a:fld>
+            <a:endParaRPr/>
           </a:p>
         </p:txBody>
       </p:sp>
@@ -1928,12 +2004,12 @@
   <p:clrMapOvr>
     <a:masterClrMapping/>
   </p:clrMapOvr>
-  <p:transition xmlns:p14="http://schemas.microsoft.com/office/powerpoint/2010/main" spd="med" advClick="1"/>
+  <p:transition spd="med"/>
 </p:sldLayout>
 </file>
 
 <file path=ppt/slideLayouts/slideLayout9.xml><?xml version="1.0" encoding="utf-8"?>
-<p:sldLayout xmlns:a="http://schemas.openxmlformats.org/drawingml/2006/main" xmlns:r="http://schemas.openxmlformats.org/officeDocument/2006/relationships" xmlns:p="http://schemas.openxmlformats.org/presentationml/2006/main" type="tx" showMasterSp="1" showMasterPhAnim="1">
+<p:sldLayout xmlns:a="http://schemas.openxmlformats.org/drawingml/2006/main" xmlns:r="http://schemas.openxmlformats.org/officeDocument/2006/relationships" xmlns:p="http://schemas.openxmlformats.org/presentationml/2006/main" type="tx">
   <p:cSld name="사진 - 3장">
     <p:spTree>
       <p:nvGrpSpPr>
@@ -1952,7 +2028,9 @@
       <p:sp>
         <p:nvSpPr>
           <p:cNvPr id="83" name="이미지"/>
-          <p:cNvSpPr/>
+          <p:cNvSpPr>
+            <a:spLocks noGrp="1"/>
+          </p:cNvSpPr>
           <p:nvPr>
             <p:ph type="pic" sz="quarter" idx="13"/>
           </p:nvPr>
@@ -1972,14 +2050,16 @@
           </a:bodyPr>
           <a:lstStyle/>
           <a:p>
-            <a:pPr/>
+            <a:endParaRPr/>
           </a:p>
         </p:txBody>
       </p:sp>
       <p:sp>
         <p:nvSpPr>
           <p:cNvPr id="84" name="이미지"/>
-          <p:cNvSpPr/>
+          <p:cNvSpPr>
+            <a:spLocks noGrp="1"/>
+          </p:cNvSpPr>
           <p:nvPr>
             <p:ph type="pic" sz="quarter" idx="14"/>
           </p:nvPr>
@@ -1999,14 +2079,16 @@
           </a:bodyPr>
           <a:lstStyle/>
           <a:p>
-            <a:pPr/>
+            <a:endParaRPr/>
           </a:p>
         </p:txBody>
       </p:sp>
       <p:sp>
         <p:nvSpPr>
           <p:cNvPr id="85" name="이미지"/>
-          <p:cNvSpPr/>
+          <p:cNvSpPr>
+            <a:spLocks noGrp="1"/>
+          </p:cNvSpPr>
           <p:nvPr>
             <p:ph type="pic" sz="half" idx="15"/>
           </p:nvPr>
@@ -2026,14 +2108,16 @@
           </a:bodyPr>
           <a:lstStyle/>
           <a:p>
-            <a:pPr/>
+            <a:endParaRPr/>
           </a:p>
         </p:txBody>
       </p:sp>
       <p:sp>
         <p:nvSpPr>
           <p:cNvPr id="86" name="슬라이드 번호"/>
-          <p:cNvSpPr txBox="1"/>
+          <p:cNvSpPr txBox="1">
+            <a:spLocks noGrp="1"/>
+          </p:cNvSpPr>
           <p:nvPr>
             <p:ph type="sldNum" sz="quarter" idx="2"/>
           </p:nvPr>
@@ -2047,8 +2131,10 @@
           <a:bodyPr/>
           <a:lstStyle/>
           <a:p>
-            <a:pPr/>
-            <a:fld id="{86CB4B4D-7CA3-9044-876B-883B54F8677D}" type="slidenum"/>
+            <a:fld id="{86CB4B4D-7CA3-9044-876B-883B54F8677D}" type="slidenum">
+              <a:t>‹#›</a:t>
+            </a:fld>
+            <a:endParaRPr/>
           </a:p>
         </p:txBody>
       </p:sp>
@@ -2057,7 +2143,7 @@
   <p:clrMapOvr>
     <a:masterClrMapping/>
   </p:clrMapOvr>
-  <p:transition xmlns:p14="http://schemas.microsoft.com/office/powerpoint/2010/main" spd="med" advClick="1"/>
+  <p:transition spd="med"/>
 </p:sldLayout>
 </file>
 
@@ -2069,6 +2155,7 @@
         <a:solidFill>
           <a:srgbClr val="000000"/>
         </a:solidFill>
+        <a:effectLst/>
       </p:bgPr>
     </p:bg>
     <p:spTree>
@@ -2088,7 +2175,9 @@
       <p:sp>
         <p:nvSpPr>
           <p:cNvPr id="2" name="제목 텍스트"/>
-          <p:cNvSpPr txBox="1"/>
+          <p:cNvSpPr txBox="1">
+            <a:spLocks noGrp="1"/>
+          </p:cNvSpPr>
           <p:nvPr>
             <p:ph type="title"/>
           </p:nvPr>
@@ -2106,17 +2195,16 @@
           </a:ln>
           <a:extLst>
             <a:ext uri="{C572A759-6A51-4108-AA02-DFA0A04FC94B}">
-              <ma14:wrappingTextBoxFlag xmlns:ma14="http://schemas.microsoft.com/office/mac/drawingml/2011/main" val="1"/>
+              <ma14:wrappingTextBoxFlag xmlns:ma14="http://schemas.microsoft.com/office/mac/drawingml/2011/main" xmlns="" val="1"/>
             </a:ext>
           </a:extLst>
         </p:spPr>
         <p:txBody>
           <a:bodyPr lIns="50800" tIns="50800" rIns="50800" bIns="50800" anchor="ctr">
-            <a:normAutofit fontScale="100000" lnSpcReduction="0"/>
+            <a:normAutofit/>
           </a:bodyPr>
           <a:lstStyle/>
           <a:p>
-            <a:pPr/>
             <a:r>
               <a:t>제목 텍스트</a:t>
             </a:r>
@@ -2126,7 +2214,9 @@
       <p:sp>
         <p:nvSpPr>
           <p:cNvPr id="3" name="본문 첫 번째 줄…"/>
-          <p:cNvSpPr txBox="1"/>
+          <p:cNvSpPr txBox="1">
+            <a:spLocks noGrp="1"/>
+          </p:cNvSpPr>
           <p:nvPr>
             <p:ph type="body" idx="1"/>
           </p:nvPr>
@@ -2144,17 +2234,16 @@
           </a:ln>
           <a:extLst>
             <a:ext uri="{C572A759-6A51-4108-AA02-DFA0A04FC94B}">
-              <ma14:wrappingTextBoxFlag xmlns:ma14="http://schemas.microsoft.com/office/mac/drawingml/2011/main" val="1"/>
+              <ma14:wrappingTextBoxFlag xmlns:ma14="http://schemas.microsoft.com/office/mac/drawingml/2011/main" xmlns="" val="1"/>
             </a:ext>
           </a:extLst>
         </p:spPr>
         <p:txBody>
           <a:bodyPr lIns="50800" tIns="50800" rIns="50800" bIns="50800" anchor="ctr">
-            <a:normAutofit fontScale="100000" lnSpcReduction="0"/>
+            <a:normAutofit/>
           </a:bodyPr>
           <a:lstStyle/>
           <a:p>
-            <a:pPr/>
             <a:r>
               <a:t>본문 첫 번째 줄</a:t>
             </a:r>
@@ -2188,7 +2277,9 @@
       <p:sp>
         <p:nvSpPr>
           <p:cNvPr id="4" name="슬라이드 번호"/>
-          <p:cNvSpPr txBox="1"/>
+          <p:cNvSpPr txBox="1">
+            <a:spLocks noGrp="1"/>
+          </p:cNvSpPr>
           <p:nvPr>
             <p:ph type="sldNum" sz="quarter" idx="2"/>
           </p:nvPr>
@@ -2211,7 +2302,7 @@
           </a:bodyPr>
           <a:lstStyle>
             <a:lvl1pPr>
-              <a:defRPr b="0" sz="1600">
+              <a:defRPr sz="1600" b="0">
                 <a:latin typeface="Helvetica Neue Light"/>
                 <a:ea typeface="Helvetica Neue Light"/>
                 <a:cs typeface="Helvetica Neue Light"/>
@@ -2220,8 +2311,10 @@
             </a:lvl1pPr>
           </a:lstStyle>
           <a:p>
-            <a:pPr/>
-            <a:fld id="{86CB4B4D-7CA3-9044-876B-883B54F8677D}" type="slidenum"/>
+            <a:fld id="{86CB4B4D-7CA3-9044-876B-883B54F8677D}" type="slidenum">
+              <a:t>‹#›</a:t>
+            </a:fld>
+            <a:endParaRPr/>
           </a:p>
         </p:txBody>
       </p:sp>
@@ -2229,20 +2322,20 @@
   </p:cSld>
   <p:clrMap bg1="dk1" tx1="lt1" bg2="dk2" tx2="lt2" accent1="accent1" accent2="accent2" accent3="accent3" accent4="accent4" accent5="accent5" accent6="accent6" hlink="hlink" folHlink="folHlink"/>
   <p:sldLayoutIdLst>
-    <p:sldLayoutId id="2147483649" r:id="rId2"/>
-    <p:sldLayoutId id="2147483650" r:id="rId3"/>
-    <p:sldLayoutId id="2147483651" r:id="rId4"/>
-    <p:sldLayoutId id="2147483652" r:id="rId5"/>
-    <p:sldLayoutId id="2147483653" r:id="rId6"/>
-    <p:sldLayoutId id="2147483654" r:id="rId7"/>
-    <p:sldLayoutId id="2147483655" r:id="rId8"/>
-    <p:sldLayoutId id="2147483656" r:id="rId9"/>
-    <p:sldLayoutId id="2147483657" r:id="rId10"/>
-    <p:sldLayoutId id="2147483658" r:id="rId11"/>
-    <p:sldLayoutId id="2147483659" r:id="rId12"/>
-    <p:sldLayoutId id="2147483660" r:id="rId13"/>
+    <p:sldLayoutId id="2147483649" r:id="rId1"/>
+    <p:sldLayoutId id="2147483650" r:id="rId2"/>
+    <p:sldLayoutId id="2147483651" r:id="rId3"/>
+    <p:sldLayoutId id="2147483652" r:id="rId4"/>
+    <p:sldLayoutId id="2147483653" r:id="rId5"/>
+    <p:sldLayoutId id="2147483654" r:id="rId6"/>
+    <p:sldLayoutId id="2147483655" r:id="rId7"/>
+    <p:sldLayoutId id="2147483656" r:id="rId8"/>
+    <p:sldLayoutId id="2147483657" r:id="rId9"/>
+    <p:sldLayoutId id="2147483658" r:id="rId10"/>
+    <p:sldLayoutId id="2147483659" r:id="rId11"/>
+    <p:sldLayoutId id="2147483660" r:id="rId12"/>
   </p:sldLayoutIdLst>
-  <p:transition xmlns:p14="http://schemas.microsoft.com/office/powerpoint/2010/main" spd="med" advClick="1"/>
+  <p:transition spd="med"/>
   <p:txStyles>
     <p:titleStyle>
       <a:lvl1pPr marL="0" marR="0" indent="0" algn="ctr" defTabSz="584200" rtl="0" latinLnBrk="0">
@@ -2260,7 +2353,7 @@
         <a:buFontTx/>
         <a:buNone/>
         <a:tabLst/>
-        <a:defRPr b="0" baseline="0" cap="none" i="0" spc="0" strike="noStrike" sz="8000" u="none">
+        <a:defRPr sz="8000" b="0" i="0" u="none" strike="noStrike" cap="none" spc="0" baseline="0">
           <a:ln>
             <a:noFill/>
           </a:ln>
@@ -2289,7 +2382,7 @@
         <a:buFontTx/>
         <a:buNone/>
         <a:tabLst/>
-        <a:defRPr b="0" baseline="0" cap="none" i="0" spc="0" strike="noStrike" sz="8000" u="none">
+        <a:defRPr sz="8000" b="0" i="0" u="none" strike="noStrike" cap="none" spc="0" baseline="0">
           <a:ln>
             <a:noFill/>
           </a:ln>
@@ -2318,7 +2411,7 @@
         <a:buFontTx/>
         <a:buNone/>
         <a:tabLst/>
-        <a:defRPr b="0" baseline="0" cap="none" i="0" spc="0" strike="noStrike" sz="8000" u="none">
+        <a:defRPr sz="8000" b="0" i="0" u="none" strike="noStrike" cap="none" spc="0" baseline="0">
           <a:ln>
             <a:noFill/>
           </a:ln>
@@ -2347,7 +2440,7 @@
         <a:buFontTx/>
         <a:buNone/>
         <a:tabLst/>
-        <a:defRPr b="0" baseline="0" cap="none" i="0" spc="0" strike="noStrike" sz="8000" u="none">
+        <a:defRPr sz="8000" b="0" i="0" u="none" strike="noStrike" cap="none" spc="0" baseline="0">
           <a:ln>
             <a:noFill/>
           </a:ln>
@@ -2376,7 +2469,7 @@
         <a:buFontTx/>
         <a:buNone/>
         <a:tabLst/>
-        <a:defRPr b="0" baseline="0" cap="none" i="0" spc="0" strike="noStrike" sz="8000" u="none">
+        <a:defRPr sz="8000" b="0" i="0" u="none" strike="noStrike" cap="none" spc="0" baseline="0">
           <a:ln>
             <a:noFill/>
           </a:ln>
@@ -2405,7 +2498,7 @@
         <a:buFontTx/>
         <a:buNone/>
         <a:tabLst/>
-        <a:defRPr b="0" baseline="0" cap="none" i="0" spc="0" strike="noStrike" sz="8000" u="none">
+        <a:defRPr sz="8000" b="0" i="0" u="none" strike="noStrike" cap="none" spc="0" baseline="0">
           <a:ln>
             <a:noFill/>
           </a:ln>
@@ -2434,7 +2527,7 @@
         <a:buFontTx/>
         <a:buNone/>
         <a:tabLst/>
-        <a:defRPr b="0" baseline="0" cap="none" i="0" spc="0" strike="noStrike" sz="8000" u="none">
+        <a:defRPr sz="8000" b="0" i="0" u="none" strike="noStrike" cap="none" spc="0" baseline="0">
           <a:ln>
             <a:noFill/>
           </a:ln>
@@ -2463,7 +2556,7 @@
         <a:buFontTx/>
         <a:buNone/>
         <a:tabLst/>
-        <a:defRPr b="0" baseline="0" cap="none" i="0" spc="0" strike="noStrike" sz="8000" u="none">
+        <a:defRPr sz="8000" b="0" i="0" u="none" strike="noStrike" cap="none" spc="0" baseline="0">
           <a:ln>
             <a:noFill/>
           </a:ln>
@@ -2492,7 +2585,7 @@
         <a:buFontTx/>
         <a:buNone/>
         <a:tabLst/>
-        <a:defRPr b="0" baseline="0" cap="none" i="0" spc="0" strike="noStrike" sz="8000" u="none">
+        <a:defRPr sz="8000" b="0" i="0" u="none" strike="noStrike" cap="none" spc="0" baseline="0">
           <a:ln>
             <a:noFill/>
           </a:ln>
@@ -2525,7 +2618,7 @@
         <a:buFontTx/>
         <a:buChar char="•"/>
         <a:tabLst/>
-        <a:defRPr b="0" baseline="0" cap="none" i="0" spc="0" strike="noStrike" sz="3200" u="none">
+        <a:defRPr sz="3200" b="0" i="0" u="none" strike="noStrike" cap="none" spc="0" baseline="0">
           <a:ln>
             <a:noFill/>
           </a:ln>
@@ -2556,7 +2649,7 @@
         <a:buFontTx/>
         <a:buChar char="•"/>
         <a:tabLst/>
-        <a:defRPr b="0" baseline="0" cap="none" i="0" spc="0" strike="noStrike" sz="3200" u="none">
+        <a:defRPr sz="3200" b="0" i="0" u="none" strike="noStrike" cap="none" spc="0" baseline="0">
           <a:ln>
             <a:noFill/>
           </a:ln>
@@ -2587,7 +2680,7 @@
         <a:buFontTx/>
         <a:buChar char="•"/>
         <a:tabLst/>
-        <a:defRPr b="0" baseline="0" cap="none" i="0" spc="0" strike="noStrike" sz="3200" u="none">
+        <a:defRPr sz="3200" b="0" i="0" u="none" strike="noStrike" cap="none" spc="0" baseline="0">
           <a:ln>
             <a:noFill/>
           </a:ln>
@@ -2618,7 +2711,7 @@
         <a:buFontTx/>
         <a:buChar char="•"/>
         <a:tabLst/>
-        <a:defRPr b="0" baseline="0" cap="none" i="0" spc="0" strike="noStrike" sz="3200" u="none">
+        <a:defRPr sz="3200" b="0" i="0" u="none" strike="noStrike" cap="none" spc="0" baseline="0">
           <a:ln>
             <a:noFill/>
           </a:ln>
@@ -2649,7 +2742,7 @@
         <a:buFontTx/>
         <a:buChar char="•"/>
         <a:tabLst/>
-        <a:defRPr b="0" baseline="0" cap="none" i="0" spc="0" strike="noStrike" sz="3200" u="none">
+        <a:defRPr sz="3200" b="0" i="0" u="none" strike="noStrike" cap="none" spc="0" baseline="0">
           <a:ln>
             <a:noFill/>
           </a:ln>
@@ -2680,7 +2773,7 @@
         <a:buFontTx/>
         <a:buChar char="•"/>
         <a:tabLst/>
-        <a:defRPr b="0" baseline="0" cap="none" i="0" spc="0" strike="noStrike" sz="3200" u="none">
+        <a:defRPr sz="3200" b="0" i="0" u="none" strike="noStrike" cap="none" spc="0" baseline="0">
           <a:ln>
             <a:noFill/>
           </a:ln>
@@ -2711,7 +2804,7 @@
         <a:buFontTx/>
         <a:buChar char="•"/>
         <a:tabLst/>
-        <a:defRPr b="0" baseline="0" cap="none" i="0" spc="0" strike="noStrike" sz="3200" u="none">
+        <a:defRPr sz="3200" b="0" i="0" u="none" strike="noStrike" cap="none" spc="0" baseline="0">
           <a:ln>
             <a:noFill/>
           </a:ln>
@@ -2742,7 +2835,7 @@
         <a:buFontTx/>
         <a:buChar char="•"/>
         <a:tabLst/>
-        <a:defRPr b="0" baseline="0" cap="none" i="0" spc="0" strike="noStrike" sz="3200" u="none">
+        <a:defRPr sz="3200" b="0" i="0" u="none" strike="noStrike" cap="none" spc="0" baseline="0">
           <a:ln>
             <a:noFill/>
           </a:ln>
@@ -2773,7 +2866,7 @@
         <a:buFontTx/>
         <a:buChar char="•"/>
         <a:tabLst/>
-        <a:defRPr b="0" baseline="0" cap="none" i="0" spc="0" strike="noStrike" sz="3200" u="none">
+        <a:defRPr sz="3200" b="0" i="0" u="none" strike="noStrike" cap="none" spc="0" baseline="0">
           <a:ln>
             <a:noFill/>
           </a:ln>
@@ -2804,7 +2897,7 @@
         <a:buFontTx/>
         <a:buNone/>
         <a:tabLst/>
-        <a:defRPr b="0" baseline="0" cap="none" i="0" spc="0" strike="noStrike" sz="1600" u="none">
+        <a:defRPr sz="1600" b="0" i="0" u="none" strike="noStrike" cap="none" spc="0" baseline="0">
           <a:ln>
             <a:noFill/>
           </a:ln>
@@ -2833,7 +2926,7 @@
         <a:buFontTx/>
         <a:buNone/>
         <a:tabLst/>
-        <a:defRPr b="0" baseline="0" cap="none" i="0" spc="0" strike="noStrike" sz="1600" u="none">
+        <a:defRPr sz="1600" b="0" i="0" u="none" strike="noStrike" cap="none" spc="0" baseline="0">
           <a:ln>
             <a:noFill/>
           </a:ln>
@@ -2862,7 +2955,7 @@
         <a:buFontTx/>
         <a:buNone/>
         <a:tabLst/>
-        <a:defRPr b="0" baseline="0" cap="none" i="0" spc="0" strike="noStrike" sz="1600" u="none">
+        <a:defRPr sz="1600" b="0" i="0" u="none" strike="noStrike" cap="none" spc="0" baseline="0">
           <a:ln>
             <a:noFill/>
           </a:ln>
@@ -2891,7 +2984,7 @@
         <a:buFontTx/>
         <a:buNone/>
         <a:tabLst/>
-        <a:defRPr b="0" baseline="0" cap="none" i="0" spc="0" strike="noStrike" sz="1600" u="none">
+        <a:defRPr sz="1600" b="0" i="0" u="none" strike="noStrike" cap="none" spc="0" baseline="0">
           <a:ln>
             <a:noFill/>
           </a:ln>
@@ -2920,7 +3013,7 @@
         <a:buFontTx/>
         <a:buNone/>
         <a:tabLst/>
-        <a:defRPr b="0" baseline="0" cap="none" i="0" spc="0" strike="noStrike" sz="1600" u="none">
+        <a:defRPr sz="1600" b="0" i="0" u="none" strike="noStrike" cap="none" spc="0" baseline="0">
           <a:ln>
             <a:noFill/>
           </a:ln>
@@ -2949,7 +3042,7 @@
         <a:buFontTx/>
         <a:buNone/>
         <a:tabLst/>
-        <a:defRPr b="0" baseline="0" cap="none" i="0" spc="0" strike="noStrike" sz="1600" u="none">
+        <a:defRPr sz="1600" b="0" i="0" u="none" strike="noStrike" cap="none" spc="0" baseline="0">
           <a:ln>
             <a:noFill/>
           </a:ln>
@@ -2978,7 +3071,7 @@
         <a:buFontTx/>
         <a:buNone/>
         <a:tabLst/>
-        <a:defRPr b="0" baseline="0" cap="none" i="0" spc="0" strike="noStrike" sz="1600" u="none">
+        <a:defRPr sz="1600" b="0" i="0" u="none" strike="noStrike" cap="none" spc="0" baseline="0">
           <a:ln>
             <a:noFill/>
           </a:ln>
@@ -3007,7 +3100,7 @@
         <a:buFontTx/>
         <a:buNone/>
         <a:tabLst/>
-        <a:defRPr b="0" baseline="0" cap="none" i="0" spc="0" strike="noStrike" sz="1600" u="none">
+        <a:defRPr sz="1600" b="0" i="0" u="none" strike="noStrike" cap="none" spc="0" baseline="0">
           <a:ln>
             <a:noFill/>
           </a:ln>
@@ -3036,7 +3129,7 @@
         <a:buFontTx/>
         <a:buNone/>
         <a:tabLst/>
-        <a:defRPr b="0" baseline="0" cap="none" i="0" spc="0" strike="noStrike" sz="1600" u="none">
+        <a:defRPr sz="1600" b="0" i="0" u="none" strike="noStrike" cap="none" spc="0" baseline="0">
           <a:ln>
             <a:noFill/>
           </a:ln>
@@ -3056,7 +3149,7 @@
 </file>
 
 <file path=ppt/slides/slide1.xml><?xml version="1.0" encoding="utf-8"?>
-<p:sld xmlns:a="http://schemas.openxmlformats.org/drawingml/2006/main" xmlns:r="http://schemas.openxmlformats.org/officeDocument/2006/relationships" xmlns:p="http://schemas.openxmlformats.org/presentationml/2006/main" showMasterSp="1" showMasterPhAnim="1">
+<p:sld xmlns:a="http://schemas.openxmlformats.org/drawingml/2006/main" xmlns:r="http://schemas.openxmlformats.org/officeDocument/2006/relationships" xmlns:p="http://schemas.openxmlformats.org/presentationml/2006/main">
   <p:cSld>
     <p:spTree>
       <p:nvGrpSpPr>
@@ -3075,7 +3168,9 @@
       <p:sp>
         <p:nvSpPr>
           <p:cNvPr id="119" name="Implementation…"/>
-          <p:cNvSpPr txBox="1"/>
+          <p:cNvSpPr txBox="1">
+            <a:spLocks noGrp="1"/>
+          </p:cNvSpPr>
           <p:nvPr>
             <p:ph type="ctrTitle"/>
           </p:nvPr>
@@ -3093,19 +3188,16 @@
           <a:bodyPr/>
           <a:lstStyle/>
           <a:p>
-            <a:pPr/>
             <a:r>
               <a:t>Implementation </a:t>
             </a:r>
           </a:p>
           <a:p>
-            <a:pPr/>
             <a:r>
               <a:t>&amp; </a:t>
             </a:r>
           </a:p>
           <a:p>
-            <a:pPr/>
             <a:r>
               <a:t>evaluation</a:t>
             </a:r>
@@ -3115,7 +3207,9 @@
       <p:sp>
         <p:nvSpPr>
           <p:cNvPr id="120" name="SW 프로그래밍(2)…"/>
-          <p:cNvSpPr txBox="1"/>
+          <p:cNvSpPr txBox="1">
+            <a:spLocks noGrp="1"/>
+          </p:cNvSpPr>
           <p:nvPr>
             <p:ph type="subTitle" sz="quarter" idx="1"/>
           </p:nvPr>
@@ -3155,12 +3249,12 @@
   <p:clrMapOvr>
     <a:masterClrMapping/>
   </p:clrMapOvr>
-  <p:transition xmlns:p14="http://schemas.microsoft.com/office/powerpoint/2010/main" spd="med" advClick="1"/>
+  <p:transition spd="med"/>
 </p:sld>
 </file>
 
 <file path=ppt/slides/slide10.xml><?xml version="1.0" encoding="utf-8"?>
-<p:sld xmlns:a="http://schemas.openxmlformats.org/drawingml/2006/main" xmlns:r="http://schemas.openxmlformats.org/officeDocument/2006/relationships" xmlns:p="http://schemas.openxmlformats.org/presentationml/2006/main" showMasterSp="1" showMasterPhAnim="1">
+<p:sld xmlns:a="http://schemas.openxmlformats.org/drawingml/2006/main" xmlns:r="http://schemas.openxmlformats.org/officeDocument/2006/relationships" xmlns:p="http://schemas.openxmlformats.org/presentationml/2006/main">
   <p:cSld>
     <p:spTree>
       <p:nvGrpSpPr>
@@ -3224,7 +3318,7 @@
           </a:ln>
           <a:extLst>
             <a:ext uri="{C572A759-6A51-4108-AA02-DFA0A04FC94B}">
-              <ma14:wrappingTextBoxFlag xmlns:ma14="http://schemas.microsoft.com/office/mac/drawingml/2011/main" val="1"/>
+              <ma14:wrappingTextBoxFlag xmlns:ma14="http://schemas.microsoft.com/office/mac/drawingml/2011/main" xmlns="" val="1"/>
             </a:ext>
           </a:extLst>
         </p:spPr>
@@ -3238,7 +3332,6 @@
             </a:lvl1pPr>
           </a:lstStyle>
           <a:p>
-            <a:pPr/>
             <a:r>
               <a:t>4 +. Rank가 0인 것은 관련성이 없는 것이므로 출력하지 않는다.</a:t>
             </a:r>
@@ -3250,12 +3343,12 @@
   <p:clrMapOvr>
     <a:masterClrMapping/>
   </p:clrMapOvr>
-  <p:transition xmlns:p14="http://schemas.microsoft.com/office/powerpoint/2010/main" spd="med" advClick="1"/>
+  <p:transition spd="med"/>
 </p:sld>
 </file>
 
 <file path=ppt/slides/slide11.xml><?xml version="1.0" encoding="utf-8"?>
-<p:sld xmlns:a="http://schemas.openxmlformats.org/drawingml/2006/main" xmlns:r="http://schemas.openxmlformats.org/officeDocument/2006/relationships" xmlns:p="http://schemas.openxmlformats.org/presentationml/2006/main" showMasterSp="1" showMasterPhAnim="1">
+<p:sld xmlns:a="http://schemas.openxmlformats.org/drawingml/2006/main" xmlns:r="http://schemas.openxmlformats.org/officeDocument/2006/relationships" xmlns:p="http://schemas.openxmlformats.org/presentationml/2006/main">
   <p:cSld>
     <p:spTree>
       <p:nvGrpSpPr>
@@ -3290,7 +3383,7 @@
           </a:ln>
           <a:extLst>
             <a:ext uri="{C572A759-6A51-4108-AA02-DFA0A04FC94B}">
-              <ma14:wrappingTextBoxFlag xmlns:ma14="http://schemas.microsoft.com/office/mac/drawingml/2011/main" val="1"/>
+              <ma14:wrappingTextBoxFlag xmlns:ma14="http://schemas.microsoft.com/office/mac/drawingml/2011/main" xmlns="" val="1"/>
             </a:ext>
           </a:extLst>
         </p:spPr>
@@ -3304,7 +3397,6 @@
             </a:lvl1pPr>
           </a:lstStyle>
           <a:p>
-            <a:pPr/>
             <a:r>
               <a:t>https://github.com/Jw-Bluayer/softwareprogramming</a:t>
             </a:r>
@@ -3330,7 +3422,7 @@
           </a:ln>
           <a:extLst>
             <a:ext uri="{C572A759-6A51-4108-AA02-DFA0A04FC94B}">
-              <ma14:wrappingTextBoxFlag xmlns:ma14="http://schemas.microsoft.com/office/mac/drawingml/2011/main" val="1"/>
+              <ma14:wrappingTextBoxFlag xmlns:ma14="http://schemas.microsoft.com/office/mac/drawingml/2011/main" xmlns="" val="1"/>
             </a:ext>
           </a:extLst>
         </p:spPr>
@@ -3344,7 +3436,6 @@
             </a:lvl1pPr>
           </a:lstStyle>
           <a:p>
-            <a:pPr/>
             <a:r>
               <a:t>이미 현재 코드는 github에 올라가 있습니다. </a:t>
             </a:r>
@@ -3356,12 +3447,12 @@
   <p:clrMapOvr>
     <a:masterClrMapping/>
   </p:clrMapOvr>
-  <p:transition xmlns:p14="http://schemas.microsoft.com/office/powerpoint/2010/main" spd="med" advClick="1"/>
+  <p:transition spd="med"/>
 </p:sld>
 </file>
 
 <file path=ppt/slides/slide12.xml><?xml version="1.0" encoding="utf-8"?>
-<p:sld xmlns:a="http://schemas.openxmlformats.org/drawingml/2006/main" xmlns:r="http://schemas.openxmlformats.org/officeDocument/2006/relationships" xmlns:p="http://schemas.openxmlformats.org/presentationml/2006/main" showMasterSp="1" showMasterPhAnim="1">
+<p:sld xmlns:a="http://schemas.openxmlformats.org/drawingml/2006/main" xmlns:r="http://schemas.openxmlformats.org/officeDocument/2006/relationships" xmlns:p="http://schemas.openxmlformats.org/presentationml/2006/main">
   <p:cSld>
     <p:spTree>
       <p:nvGrpSpPr>
@@ -3425,7 +3516,7 @@
           </a:ln>
           <a:extLst>
             <a:ext uri="{C572A759-6A51-4108-AA02-DFA0A04FC94B}">
-              <ma14:wrappingTextBoxFlag xmlns:ma14="http://schemas.microsoft.com/office/mac/drawingml/2011/main" val="1"/>
+              <ma14:wrappingTextBoxFlag xmlns:ma14="http://schemas.microsoft.com/office/mac/drawingml/2011/main" xmlns="" val="1"/>
             </a:ext>
           </a:extLst>
         </p:spPr>
@@ -3435,7 +3526,6 @@
           </a:bodyPr>
           <a:lstStyle/>
           <a:p>
-            <a:pPr/>
             <a:r>
               <a:t>‘and’ 입력시</a:t>
             </a:r>
@@ -3447,12 +3537,12 @@
   <p:clrMapOvr>
     <a:masterClrMapping/>
   </p:clrMapOvr>
-  <p:transition xmlns:p14="http://schemas.microsoft.com/office/powerpoint/2010/main" spd="med" advClick="1"/>
+  <p:transition spd="med"/>
 </p:sld>
 </file>
 
 <file path=ppt/slides/slide13.xml><?xml version="1.0" encoding="utf-8"?>
-<p:sld xmlns:a="http://schemas.openxmlformats.org/drawingml/2006/main" xmlns:r="http://schemas.openxmlformats.org/officeDocument/2006/relationships" xmlns:p="http://schemas.openxmlformats.org/presentationml/2006/main" showMasterSp="1" showMasterPhAnim="1">
+<p:sld xmlns:a="http://schemas.openxmlformats.org/drawingml/2006/main" xmlns:r="http://schemas.openxmlformats.org/officeDocument/2006/relationships" xmlns:p="http://schemas.openxmlformats.org/presentationml/2006/main">
   <p:cSld>
     <p:spTree>
       <p:nvGrpSpPr>
@@ -3516,7 +3606,7 @@
           </a:ln>
           <a:extLst>
             <a:ext uri="{C572A759-6A51-4108-AA02-DFA0A04FC94B}">
-              <ma14:wrappingTextBoxFlag xmlns:ma14="http://schemas.microsoft.com/office/mac/drawingml/2011/main" val="1"/>
+              <ma14:wrappingTextBoxFlag xmlns:ma14="http://schemas.microsoft.com/office/mac/drawingml/2011/main" xmlns="" val="1"/>
             </a:ext>
           </a:extLst>
         </p:spPr>
@@ -3526,7 +3616,6 @@
           </a:bodyPr>
           <a:lstStyle/>
           <a:p>
-            <a:pPr/>
             <a:r>
               <a:t>‘and’ 입력시</a:t>
             </a:r>
@@ -3538,12 +3627,12 @@
   <p:clrMapOvr>
     <a:masterClrMapping/>
   </p:clrMapOvr>
-  <p:transition xmlns:p14="http://schemas.microsoft.com/office/powerpoint/2010/main" spd="med" advClick="1"/>
+  <p:transition spd="med"/>
 </p:sld>
 </file>
 
 <file path=ppt/slides/slide14.xml><?xml version="1.0" encoding="utf-8"?>
-<p:sld xmlns:a="http://schemas.openxmlformats.org/drawingml/2006/main" xmlns:r="http://schemas.openxmlformats.org/officeDocument/2006/relationships" xmlns:p="http://schemas.openxmlformats.org/presentationml/2006/main" showMasterSp="1" showMasterPhAnim="1">
+<p:sld xmlns:a="http://schemas.openxmlformats.org/drawingml/2006/main" xmlns:r="http://schemas.openxmlformats.org/officeDocument/2006/relationships" xmlns:p="http://schemas.openxmlformats.org/presentationml/2006/main">
   <p:cSld>
     <p:spTree>
       <p:nvGrpSpPr>
@@ -3607,7 +3696,7 @@
           </a:ln>
           <a:extLst>
             <a:ext uri="{C572A759-6A51-4108-AA02-DFA0A04FC94B}">
-              <ma14:wrappingTextBoxFlag xmlns:ma14="http://schemas.microsoft.com/office/mac/drawingml/2011/main" val="1"/>
+              <ma14:wrappingTextBoxFlag xmlns:ma14="http://schemas.microsoft.com/office/mac/drawingml/2011/main" xmlns="" val="1"/>
             </a:ext>
           </a:extLst>
         </p:spPr>
@@ -3617,7 +3706,6 @@
           </a:bodyPr>
           <a:lstStyle/>
           <a:p>
-            <a:pPr/>
             <a:r>
               <a:t>‘land’ 입력시</a:t>
             </a:r>
@@ -3629,12 +3717,12 @@
   <p:clrMapOvr>
     <a:masterClrMapping/>
   </p:clrMapOvr>
-  <p:transition xmlns:p14="http://schemas.microsoft.com/office/powerpoint/2010/main" spd="med" advClick="1"/>
+  <p:transition spd="med"/>
 </p:sld>
 </file>
 
 <file path=ppt/slides/slide15.xml><?xml version="1.0" encoding="utf-8"?>
-<p:sld xmlns:a="http://schemas.openxmlformats.org/drawingml/2006/main" xmlns:r="http://schemas.openxmlformats.org/officeDocument/2006/relationships" xmlns:p="http://schemas.openxmlformats.org/presentationml/2006/main" showMasterSp="1" showMasterPhAnim="1">
+<p:sld xmlns:a="http://schemas.openxmlformats.org/drawingml/2006/main" xmlns:r="http://schemas.openxmlformats.org/officeDocument/2006/relationships" xmlns:p="http://schemas.openxmlformats.org/presentationml/2006/main">
   <p:cSld>
     <p:spTree>
       <p:nvGrpSpPr>
@@ -3698,7 +3786,7 @@
           </a:ln>
           <a:extLst>
             <a:ext uri="{C572A759-6A51-4108-AA02-DFA0A04FC94B}">
-              <ma14:wrappingTextBoxFlag xmlns:ma14="http://schemas.microsoft.com/office/mac/drawingml/2011/main" val="1"/>
+              <ma14:wrappingTextBoxFlag xmlns:ma14="http://schemas.microsoft.com/office/mac/drawingml/2011/main" xmlns="" val="1"/>
             </a:ext>
           </a:extLst>
         </p:spPr>
@@ -3708,7 +3796,6 @@
           </a:bodyPr>
           <a:lstStyle/>
           <a:p>
-            <a:pPr/>
             <a:r>
               <a:t>‘apple’ 입력시</a:t>
             </a:r>
@@ -3720,12 +3807,12 @@
   <p:clrMapOvr>
     <a:masterClrMapping/>
   </p:clrMapOvr>
-  <p:transition xmlns:p14="http://schemas.microsoft.com/office/powerpoint/2010/main" spd="med" advClick="1"/>
+  <p:transition spd="med"/>
 </p:sld>
 </file>
 
 <file path=ppt/slides/slide16.xml><?xml version="1.0" encoding="utf-8"?>
-<p:sld xmlns:a="http://schemas.openxmlformats.org/drawingml/2006/main" xmlns:r="http://schemas.openxmlformats.org/officeDocument/2006/relationships" xmlns:p="http://schemas.openxmlformats.org/presentationml/2006/main" showMasterSp="1" showMasterPhAnim="1">
+<p:sld xmlns:a="http://schemas.openxmlformats.org/drawingml/2006/main" xmlns:r="http://schemas.openxmlformats.org/officeDocument/2006/relationships" xmlns:p="http://schemas.openxmlformats.org/presentationml/2006/main">
   <p:cSld>
     <p:spTree>
       <p:nvGrpSpPr>
@@ -3775,12 +3862,12 @@
   <p:clrMapOvr>
     <a:masterClrMapping/>
   </p:clrMapOvr>
-  <p:transition xmlns:p14="http://schemas.microsoft.com/office/powerpoint/2010/main" spd="med" advClick="1"/>
+  <p:transition spd="med"/>
 </p:sld>
 </file>
 
 <file path=ppt/slides/slide17.xml><?xml version="1.0" encoding="utf-8"?>
-<p:sld xmlns:a="http://schemas.openxmlformats.org/drawingml/2006/main" xmlns:r="http://schemas.openxmlformats.org/officeDocument/2006/relationships" xmlns:p="http://schemas.openxmlformats.org/presentationml/2006/main" showMasterSp="1" showMasterPhAnim="1">
+<p:sld xmlns:a="http://schemas.openxmlformats.org/drawingml/2006/main" xmlns:r="http://schemas.openxmlformats.org/officeDocument/2006/relationships" xmlns:p="http://schemas.openxmlformats.org/presentationml/2006/main">
   <p:cSld>
     <p:spTree>
       <p:nvGrpSpPr>
@@ -3815,7 +3902,7 @@
           </a:ln>
           <a:extLst>
             <a:ext uri="{C572A759-6A51-4108-AA02-DFA0A04FC94B}">
-              <ma14:wrappingTextBoxFlag xmlns:ma14="http://schemas.microsoft.com/office/mac/drawingml/2011/main" val="1"/>
+              <ma14:wrappingTextBoxFlag xmlns:ma14="http://schemas.microsoft.com/office/mac/drawingml/2011/main" xmlns="" val="1"/>
             </a:ext>
           </a:extLst>
         </p:spPr>
@@ -3876,12 +3963,12 @@
   <p:clrMapOvr>
     <a:masterClrMapping/>
   </p:clrMapOvr>
-  <p:transition xmlns:p14="http://schemas.microsoft.com/office/powerpoint/2010/main" spd="med" advClick="1"/>
+  <p:transition spd="med"/>
 </p:sld>
 </file>
 
 <file path=ppt/slides/slide18.xml><?xml version="1.0" encoding="utf-8"?>
-<p:sld xmlns:a="http://schemas.openxmlformats.org/drawingml/2006/main" xmlns:r="http://schemas.openxmlformats.org/officeDocument/2006/relationships" xmlns:p="http://schemas.openxmlformats.org/presentationml/2006/main" showMasterSp="1" showMasterPhAnim="1">
+<p:sld xmlns:a="http://schemas.openxmlformats.org/drawingml/2006/main" xmlns:r="http://schemas.openxmlformats.org/officeDocument/2006/relationships" xmlns:p="http://schemas.openxmlformats.org/presentationml/2006/main">
   <p:cSld>
     <p:spTree>
       <p:nvGrpSpPr>
@@ -3945,7 +4032,7 @@
           </a:ln>
           <a:extLst>
             <a:ext uri="{C572A759-6A51-4108-AA02-DFA0A04FC94B}">
-              <ma14:wrappingTextBoxFlag xmlns:ma14="http://schemas.microsoft.com/office/mac/drawingml/2011/main" val="1"/>
+              <ma14:wrappingTextBoxFlag xmlns:ma14="http://schemas.microsoft.com/office/mac/drawingml/2011/main" xmlns="" val="1"/>
             </a:ext>
           </a:extLst>
         </p:spPr>
@@ -3959,7 +4046,6 @@
             </a:lvl1pPr>
           </a:lstStyle>
           <a:p>
-            <a:pPr/>
             <a:r>
               <a:t>계속 업데이트 하고 있습니다.</a:t>
             </a:r>
@@ -3971,12 +4057,12 @@
   <p:clrMapOvr>
     <a:masterClrMapping/>
   </p:clrMapOvr>
-  <p:transition xmlns:p14="http://schemas.microsoft.com/office/powerpoint/2010/main" spd="med" advClick="1"/>
+  <p:transition spd="med"/>
 </p:sld>
 </file>
 
 <file path=ppt/slides/slide19.xml><?xml version="1.0" encoding="utf-8"?>
-<p:sld xmlns:a="http://schemas.openxmlformats.org/drawingml/2006/main" xmlns:r="http://schemas.openxmlformats.org/officeDocument/2006/relationships" xmlns:p="http://schemas.openxmlformats.org/presentationml/2006/main" showMasterSp="1" showMasterPhAnim="1">
+<p:sld xmlns:a="http://schemas.openxmlformats.org/drawingml/2006/main" xmlns:r="http://schemas.openxmlformats.org/officeDocument/2006/relationships" xmlns:p="http://schemas.openxmlformats.org/presentationml/2006/main">
   <p:cSld>
     <p:spTree>
       <p:nvGrpSpPr>
@@ -4011,7 +4097,7 @@
           </a:ln>
           <a:extLst>
             <a:ext uri="{C572A759-6A51-4108-AA02-DFA0A04FC94B}">
-              <ma14:wrappingTextBoxFlag xmlns:ma14="http://schemas.microsoft.com/office/mac/drawingml/2011/main" val="1"/>
+              <ma14:wrappingTextBoxFlag xmlns:ma14="http://schemas.microsoft.com/office/mac/drawingml/2011/main" xmlns="" val="1"/>
             </a:ext>
           </a:extLst>
         </p:spPr>
@@ -4025,7 +4111,6 @@
             </a:lvl1pPr>
           </a:lstStyle>
           <a:p>
-            <a:pPr/>
             <a:r>
               <a:t>감사합니다.</a:t>
             </a:r>
@@ -4037,12 +4122,12 @@
   <p:clrMapOvr>
     <a:masterClrMapping/>
   </p:clrMapOvr>
-  <p:transition xmlns:p14="http://schemas.microsoft.com/office/powerpoint/2010/main" spd="med" advClick="1"/>
+  <p:transition spd="med"/>
 </p:sld>
 </file>
 
 <file path=ppt/slides/slide2.xml><?xml version="1.0" encoding="utf-8"?>
-<p:sld xmlns:a="http://schemas.openxmlformats.org/drawingml/2006/main" xmlns:r="http://schemas.openxmlformats.org/officeDocument/2006/relationships" xmlns:p="http://schemas.openxmlformats.org/presentationml/2006/main" showMasterSp="1" showMasterPhAnim="1">
+<p:sld xmlns:a="http://schemas.openxmlformats.org/drawingml/2006/main" xmlns:r="http://schemas.openxmlformats.org/officeDocument/2006/relationships" xmlns:p="http://schemas.openxmlformats.org/presentationml/2006/main">
   <p:cSld>
     <p:spTree>
       <p:nvGrpSpPr>
@@ -4077,7 +4162,7 @@
           </a:ln>
           <a:extLst>
             <a:ext uri="{C572A759-6A51-4108-AA02-DFA0A04FC94B}">
-              <ma14:wrappingTextBoxFlag xmlns:ma14="http://schemas.microsoft.com/office/mac/drawingml/2011/main" val="1"/>
+              <ma14:wrappingTextBoxFlag xmlns:ma14="http://schemas.microsoft.com/office/mac/drawingml/2011/main" xmlns="" val="1"/>
             </a:ext>
           </a:extLst>
         </p:spPr>
@@ -4089,7 +4174,7 @@
           <a:p>
             <a:pPr marL="714375" indent="-714375" algn="l">
               <a:buSzPct val="100000"/>
-              <a:buAutoNum type="arabicPeriod" startAt="1"/>
+              <a:buAutoNum type="arabicPeriod"/>
               <a:defRPr sz="3600"/>
             </a:pPr>
             <a:r>
@@ -4099,7 +4184,7 @@
           <a:p>
             <a:pPr marL="714375" indent="-714375" algn="l">
               <a:buSzPct val="100000"/>
-              <a:buAutoNum type="arabicPeriod" startAt="1"/>
+              <a:buAutoNum type="arabicPeriod"/>
               <a:defRPr sz="3600"/>
             </a:pPr>
             <a:r>
@@ -4109,7 +4194,7 @@
           <a:p>
             <a:pPr marL="714375" indent="-714375" algn="l">
               <a:buSzPct val="100000"/>
-              <a:buAutoNum type="arabicPeriod" startAt="1"/>
+              <a:buAutoNum type="arabicPeriod"/>
               <a:defRPr sz="3600"/>
             </a:pPr>
             <a:r>
@@ -4119,7 +4204,7 @@
           <a:p>
             <a:pPr marL="714375" indent="-714375" algn="l">
               <a:buSzPct val="100000"/>
-              <a:buAutoNum type="arabicPeriod" startAt="1"/>
+              <a:buAutoNum type="arabicPeriod"/>
               <a:defRPr sz="3600"/>
             </a:pPr>
             <a:r>
@@ -4182,6 +4267,7 @@
             <a:pPr algn="l">
               <a:defRPr sz="3600"/>
             </a:pPr>
+            <a:endParaRPr/>
           </a:p>
           <a:p>
             <a:pPr algn="l">
@@ -4195,6 +4281,7 @@
             <a:pPr algn="l">
               <a:defRPr sz="3600"/>
             </a:pPr>
+            <a:endParaRPr/>
           </a:p>
           <a:p>
             <a:pPr algn="l">
@@ -4211,12 +4298,12 @@
   <p:clrMapOvr>
     <a:masterClrMapping/>
   </p:clrMapOvr>
-  <p:transition xmlns:p14="http://schemas.microsoft.com/office/powerpoint/2010/main" spd="med" advClick="1"/>
+  <p:transition spd="med"/>
 </p:sld>
 </file>
 
 <file path=ppt/slides/slide3.xml><?xml version="1.0" encoding="utf-8"?>
-<p:sld xmlns:a="http://schemas.openxmlformats.org/drawingml/2006/main" xmlns:r="http://schemas.openxmlformats.org/officeDocument/2006/relationships" xmlns:p="http://schemas.openxmlformats.org/presentationml/2006/main" showMasterSp="1" showMasterPhAnim="1">
+<p:sld xmlns:a="http://schemas.openxmlformats.org/drawingml/2006/main" xmlns:r="http://schemas.openxmlformats.org/officeDocument/2006/relationships" xmlns:p="http://schemas.openxmlformats.org/presentationml/2006/main">
   <p:cSld>
     <p:spTree>
       <p:nvGrpSpPr>
@@ -4280,7 +4367,7 @@
           </a:ln>
           <a:extLst>
             <a:ext uri="{C572A759-6A51-4108-AA02-DFA0A04FC94B}">
-              <ma14:wrappingTextBoxFlag xmlns:ma14="http://schemas.microsoft.com/office/mac/drawingml/2011/main" val="1"/>
+              <ma14:wrappingTextBoxFlag xmlns:ma14="http://schemas.microsoft.com/office/mac/drawingml/2011/main" xmlns="" val="1"/>
             </a:ext>
           </a:extLst>
         </p:spPr>
@@ -4291,12 +4378,11 @@
           <a:lstStyle>
             <a:lvl1pPr marL="476250" indent="-476250">
               <a:buSzPct val="100000"/>
-              <a:buAutoNum type="arabicPeriod" startAt="1"/>
+              <a:buAutoNum type="arabicPeriod"/>
               <a:defRPr sz="3000"/>
             </a:lvl1pPr>
           </a:lstStyle>
           <a:p>
-            <a:pPr/>
             <a:r>
               <a:t>총 파일 개수를 카운트한다.</a:t>
             </a:r>
@@ -4322,7 +4408,7 @@
           </a:ln>
           <a:extLst>
             <a:ext uri="{C572A759-6A51-4108-AA02-DFA0A04FC94B}">
-              <ma14:wrappingTextBoxFlag xmlns:ma14="http://schemas.microsoft.com/office/mac/drawingml/2011/main" val="1"/>
+              <ma14:wrappingTextBoxFlag xmlns:ma14="http://schemas.microsoft.com/office/mac/drawingml/2011/main" xmlns="" val="1"/>
             </a:ext>
           </a:extLst>
         </p:spPr>
@@ -4336,7 +4422,6 @@
             </a:lvl1pPr>
           </a:lstStyle>
           <a:p>
-            <a:pPr/>
             <a:r>
               <a:t>_findfirst 와 findnext를 통해 얻어낸다.</a:t>
             </a:r>
@@ -4348,12 +4433,12 @@
   <p:clrMapOvr>
     <a:masterClrMapping/>
   </p:clrMapOvr>
-  <p:transition xmlns:p14="http://schemas.microsoft.com/office/powerpoint/2010/main" spd="med" advClick="1"/>
+  <p:transition spd="med"/>
 </p:sld>
 </file>
 
 <file path=ppt/slides/slide4.xml><?xml version="1.0" encoding="utf-8"?>
-<p:sld xmlns:a="http://schemas.openxmlformats.org/drawingml/2006/main" xmlns:r="http://schemas.openxmlformats.org/officeDocument/2006/relationships" xmlns:p="http://schemas.openxmlformats.org/presentationml/2006/main" showMasterSp="1" showMasterPhAnim="1">
+<p:sld xmlns:a="http://schemas.openxmlformats.org/drawingml/2006/main" xmlns:r="http://schemas.openxmlformats.org/officeDocument/2006/relationships" xmlns:p="http://schemas.openxmlformats.org/presentationml/2006/main">
   <p:cSld>
     <p:spTree>
       <p:nvGrpSpPr>
@@ -4417,7 +4502,7 @@
           </a:ln>
           <a:extLst>
             <a:ext uri="{C572A759-6A51-4108-AA02-DFA0A04FC94B}">
-              <ma14:wrappingTextBoxFlag xmlns:ma14="http://schemas.microsoft.com/office/mac/drawingml/2011/main" val="1"/>
+              <ma14:wrappingTextBoxFlag xmlns:ma14="http://schemas.microsoft.com/office/mac/drawingml/2011/main" xmlns="" val="1"/>
             </a:ext>
           </a:extLst>
         </p:spPr>
@@ -4446,6 +4531,7 @@
             <a:pPr algn="just">
               <a:defRPr sz="3000"/>
             </a:pPr>
+            <a:endParaRPr/>
           </a:p>
           <a:p>
             <a:pPr algn="just">
@@ -4462,12 +4548,12 @@
   <p:clrMapOvr>
     <a:masterClrMapping/>
   </p:clrMapOvr>
-  <p:transition xmlns:p14="http://schemas.microsoft.com/office/powerpoint/2010/main" spd="med" advClick="1"/>
+  <p:transition spd="med"/>
 </p:sld>
 </file>
 
 <file path=ppt/slides/slide5.xml><?xml version="1.0" encoding="utf-8"?>
-<p:sld xmlns:a="http://schemas.openxmlformats.org/drawingml/2006/main" xmlns:r="http://schemas.openxmlformats.org/officeDocument/2006/relationships" xmlns:p="http://schemas.openxmlformats.org/presentationml/2006/main" showMasterSp="1" showMasterPhAnim="1">
+<p:sld xmlns:a="http://schemas.openxmlformats.org/drawingml/2006/main" xmlns:r="http://schemas.openxmlformats.org/officeDocument/2006/relationships" xmlns:p="http://schemas.openxmlformats.org/presentationml/2006/main">
   <p:cSld>
     <p:spTree>
       <p:nvGrpSpPr>
@@ -4487,7 +4573,7 @@
         <p:nvPicPr>
           <p:cNvPr id="131" name="파일 연 후 ranking.jpg" descr="파일 연 후 ranking.jpg"/>
           <p:cNvPicPr>
-            <a:picLocks noChangeAspect="0"/>
+            <a:picLocks/>
           </p:cNvPicPr>
           <p:nvPr/>
         </p:nvPicPr>
@@ -4531,7 +4617,7 @@
           </a:ln>
           <a:extLst>
             <a:ext uri="{C572A759-6A51-4108-AA02-DFA0A04FC94B}">
-              <ma14:wrappingTextBoxFlag xmlns:ma14="http://schemas.microsoft.com/office/mac/drawingml/2011/main" val="1"/>
+              <ma14:wrappingTextBoxFlag xmlns:ma14="http://schemas.microsoft.com/office/mac/drawingml/2011/main" xmlns="" val="1"/>
             </a:ext>
           </a:extLst>
         </p:spPr>
@@ -4552,6 +4638,7 @@
             <a:pPr algn="just">
               <a:defRPr sz="3000"/>
             </a:pPr>
+            <a:endParaRPr/>
           </a:p>
           <a:p>
             <a:pPr algn="just">
@@ -4600,12 +4687,12 @@
   <p:clrMapOvr>
     <a:masterClrMapping/>
   </p:clrMapOvr>
-  <p:transition xmlns:p14="http://schemas.microsoft.com/office/powerpoint/2010/main" spd="med" advClick="1"/>
+  <p:transition spd="med"/>
 </p:sld>
 </file>
 
 <file path=ppt/slides/slide6.xml><?xml version="1.0" encoding="utf-8"?>
-<p:sld xmlns:a="http://schemas.openxmlformats.org/drawingml/2006/main" xmlns:r="http://schemas.openxmlformats.org/officeDocument/2006/relationships" xmlns:p="http://schemas.openxmlformats.org/presentationml/2006/main" showMasterSp="1" showMasterPhAnim="1">
+<p:sld xmlns:a="http://schemas.openxmlformats.org/drawingml/2006/main" xmlns:r="http://schemas.openxmlformats.org/officeDocument/2006/relationships" xmlns:p="http://schemas.openxmlformats.org/presentationml/2006/main">
   <p:cSld>
     <p:spTree>
       <p:nvGrpSpPr>
@@ -4669,7 +4756,7 @@
           </a:ln>
           <a:extLst>
             <a:ext uri="{C572A759-6A51-4108-AA02-DFA0A04FC94B}">
-              <ma14:wrappingTextBoxFlag xmlns:ma14="http://schemas.microsoft.com/office/mac/drawingml/2011/main" val="1"/>
+              <ma14:wrappingTextBoxFlag xmlns:ma14="http://schemas.microsoft.com/office/mac/drawingml/2011/main" xmlns="" val="1"/>
             </a:ext>
           </a:extLst>
         </p:spPr>
@@ -4690,6 +4777,7 @@
             <a:pPr algn="just">
               <a:defRPr sz="3000"/>
             </a:pPr>
+            <a:endParaRPr/>
           </a:p>
           <a:p>
             <a:pPr algn="just">
@@ -4714,12 +4802,12 @@
   <p:clrMapOvr>
     <a:masterClrMapping/>
   </p:clrMapOvr>
-  <p:transition xmlns:p14="http://schemas.microsoft.com/office/powerpoint/2010/main" spd="med" advClick="1"/>
+  <p:transition spd="med"/>
 </p:sld>
 </file>
 
 <file path=ppt/slides/slide7.xml><?xml version="1.0" encoding="utf-8"?>
-<p:sld xmlns:a="http://schemas.openxmlformats.org/drawingml/2006/main" xmlns:r="http://schemas.openxmlformats.org/officeDocument/2006/relationships" xmlns:p="http://schemas.openxmlformats.org/presentationml/2006/main" showMasterSp="1" showMasterPhAnim="1">
+<p:sld xmlns:a="http://schemas.openxmlformats.org/drawingml/2006/main" xmlns:r="http://schemas.openxmlformats.org/officeDocument/2006/relationships" xmlns:p="http://schemas.openxmlformats.org/presentationml/2006/main">
   <p:cSld>
     <p:spTree>
       <p:nvGrpSpPr>
@@ -4772,8 +4860,8 @@
         </p:nvSpPr>
         <p:spPr>
           <a:xfrm>
-            <a:off x="575832" y="497041"/>
-            <a:ext cx="12329923" cy="3068075"/>
+            <a:off x="904260" y="825620"/>
+            <a:ext cx="11673067" cy="2410916"/>
           </a:xfrm>
           <a:prstGeom prst="rect">
             <a:avLst/>
@@ -4783,7 +4871,7 @@
           </a:ln>
           <a:extLst>
             <a:ext uri="{C572A759-6A51-4108-AA02-DFA0A04FC94B}">
-              <ma14:wrappingTextBoxFlag xmlns:ma14="http://schemas.microsoft.com/office/mac/drawingml/2011/main" val="1"/>
+              <ma14:wrappingTextBoxFlag xmlns:ma14="http://schemas.microsoft.com/office/mac/drawingml/2011/main" xmlns="" val="1"/>
             </a:ext>
           </a:extLst>
         </p:spPr>
@@ -4797,20 +4885,124 @@
               <a:defRPr sz="3000"/>
             </a:pPr>
             <a:r>
-              <a:t>4 +. 입력 관련</a:t>
-            </a:r>
+              <a:rPr sz="2500" dirty="0"/>
+              <a:t>4 +. </a:t>
+            </a:r>
+            <a:r>
+              <a:rPr sz="2500" dirty="0" err="1"/>
+              <a:t>입력</a:t>
+            </a:r>
+            <a:r>
+              <a:rPr sz="2500" dirty="0"/>
+              <a:t> </a:t>
+            </a:r>
+            <a:r>
+              <a:rPr sz="2500" dirty="0" err="1"/>
+              <a:t>관련</a:t>
+            </a:r>
+            <a:endParaRPr sz="2500" dirty="0"/>
           </a:p>
           <a:p>
             <a:pPr algn="just">
               <a:defRPr sz="3000"/>
             </a:pPr>
+            <a:endParaRPr sz="2500" dirty="0"/>
           </a:p>
           <a:p>
             <a:pPr algn="just">
               <a:defRPr sz="3000"/>
             </a:pPr>
             <a:r>
-              <a:t>맨 앞에 단어가 나올 경우 (대문자)(소문자)(소문자)… 과 같은 단어 형태를 이룬다.</a:t>
+              <a:rPr sz="2500" dirty="0"/>
+              <a:t>맨 </a:t>
+            </a:r>
+            <a:r>
+              <a:rPr sz="2500" dirty="0" err="1"/>
+              <a:t>앞에</a:t>
+            </a:r>
+            <a:r>
+              <a:rPr sz="2500" dirty="0"/>
+              <a:t> </a:t>
+            </a:r>
+            <a:r>
+              <a:rPr sz="2500" dirty="0" err="1"/>
+              <a:t>단어가</a:t>
+            </a:r>
+            <a:r>
+              <a:rPr sz="2500" dirty="0"/>
+              <a:t> </a:t>
+            </a:r>
+            <a:r>
+              <a:rPr sz="2500" dirty="0" err="1"/>
+              <a:t>나올</a:t>
+            </a:r>
+            <a:r>
+              <a:rPr sz="2500" dirty="0"/>
+              <a:t> </a:t>
+            </a:r>
+            <a:r>
+              <a:rPr sz="2500" dirty="0" err="1"/>
+              <a:t>경우</a:t>
+            </a:r>
+            <a:r>
+              <a:rPr sz="2500" dirty="0"/>
+              <a:t> (</a:t>
+            </a:r>
+            <a:r>
+              <a:rPr sz="2500" dirty="0" err="1"/>
+              <a:t>대문자</a:t>
+            </a:r>
+            <a:r>
+              <a:rPr sz="2500" dirty="0"/>
+              <a:t>)(</a:t>
+            </a:r>
+            <a:r>
+              <a:rPr sz="2500" dirty="0" err="1"/>
+              <a:t>소문자</a:t>
+            </a:r>
+            <a:r>
+              <a:rPr sz="2500" dirty="0"/>
+              <a:t>)(</a:t>
+            </a:r>
+            <a:r>
+              <a:rPr sz="2500" dirty="0" err="1"/>
+              <a:t>소문자</a:t>
+            </a:r>
+            <a:r>
+              <a:rPr sz="2500" dirty="0"/>
+              <a:t>)… 과 </a:t>
+            </a:r>
+            <a:r>
+              <a:rPr sz="2500" dirty="0" err="1"/>
+              <a:t>같은</a:t>
+            </a:r>
+            <a:r>
+              <a:rPr sz="2500" dirty="0"/>
+              <a:t> </a:t>
+            </a:r>
+            <a:r>
+              <a:rPr sz="2500" dirty="0" err="1"/>
+              <a:t>단어</a:t>
+            </a:r>
+            <a:r>
+              <a:rPr sz="2500" dirty="0"/>
+              <a:t> </a:t>
+            </a:r>
+            <a:r>
+              <a:rPr sz="2500" dirty="0" err="1"/>
+              <a:t>형태를</a:t>
+            </a:r>
+            <a:r>
+              <a:rPr sz="2500" dirty="0"/>
+              <a:t> </a:t>
+            </a:r>
+            <a:r>
+              <a:rPr sz="2500" dirty="0" err="1"/>
+              <a:t>이룬다</a:t>
+            </a:r>
+            <a:r>
+              <a:rPr sz="2500" dirty="0"/>
+              <a:t>.</a:t>
             </a:r>
           </a:p>
           <a:p>
@@ -4818,15 +5010,126 @@
               <a:defRPr sz="3000"/>
             </a:pPr>
             <a:r>
-              <a:t>현재 텍스트에서 키워드를 찾을 때는 입력시킨 것과 같은지 만을 확인하기 때문에</a:t>
-            </a:r>
+              <a:rPr sz="2500" dirty="0" err="1"/>
+              <a:t>현재</a:t>
+            </a:r>
+            <a:r>
+              <a:rPr sz="2500" dirty="0"/>
+              <a:t> </a:t>
+            </a:r>
+            <a:r>
+              <a:rPr sz="2500" dirty="0" err="1"/>
+              <a:t>텍스트에서</a:t>
+            </a:r>
+            <a:r>
+              <a:rPr sz="2500" dirty="0"/>
+              <a:t> </a:t>
+            </a:r>
+            <a:r>
+              <a:rPr sz="2500" dirty="0" err="1"/>
+              <a:t>키워드를</a:t>
+            </a:r>
+            <a:r>
+              <a:rPr sz="2500" dirty="0"/>
+              <a:t> </a:t>
+            </a:r>
+            <a:r>
+              <a:rPr sz="2500" dirty="0" err="1"/>
+              <a:t>찾을</a:t>
+            </a:r>
+            <a:r>
+              <a:rPr sz="2500" dirty="0"/>
+              <a:t> </a:t>
+            </a:r>
+            <a:r>
+              <a:rPr sz="2500" dirty="0" err="1"/>
+              <a:t>때는</a:t>
+            </a:r>
+            <a:r>
+              <a:rPr sz="2500" dirty="0"/>
+              <a:t> </a:t>
+            </a:r>
+            <a:r>
+              <a:rPr sz="2500" dirty="0" err="1"/>
+              <a:t>입력시킨</a:t>
+            </a:r>
+            <a:r>
+              <a:rPr sz="2500" dirty="0"/>
+              <a:t> </a:t>
+            </a:r>
+            <a:r>
+              <a:rPr sz="2500" dirty="0" err="1"/>
+              <a:t>것과</a:t>
+            </a:r>
+            <a:r>
+              <a:rPr sz="2500" dirty="0"/>
+              <a:t> </a:t>
+            </a:r>
+            <a:r>
+              <a:rPr sz="2500" dirty="0" err="1"/>
+              <a:t>같은지</a:t>
+            </a:r>
+            <a:r>
+              <a:rPr sz="2500" dirty="0"/>
+              <a:t> </a:t>
+            </a:r>
+            <a:r>
+              <a:rPr sz="2500" dirty="0" err="1"/>
+              <a:t>만을</a:t>
+            </a:r>
+            <a:r>
+              <a:rPr sz="2500" dirty="0"/>
+              <a:t> </a:t>
+            </a:r>
+            <a:r>
+              <a:rPr sz="2500" dirty="0" err="1"/>
+              <a:t>확인하기</a:t>
+            </a:r>
+            <a:r>
+              <a:rPr sz="2500" dirty="0"/>
+              <a:t> </a:t>
+            </a:r>
+            <a:r>
+              <a:rPr sz="2500" dirty="0" err="1"/>
+              <a:t>때문에</a:t>
+            </a:r>
+            <a:endParaRPr sz="2500" dirty="0"/>
           </a:p>
           <a:p>
             <a:pPr algn="just">
               <a:defRPr sz="3000"/>
             </a:pPr>
             <a:r>
-              <a:t>서치의 정확도가 높다고 할 수 없다. </a:t>
+              <a:rPr sz="2500" dirty="0" err="1"/>
+              <a:t>서치의</a:t>
+            </a:r>
+            <a:r>
+              <a:rPr sz="2500" dirty="0"/>
+              <a:t> </a:t>
+            </a:r>
+            <a:r>
+              <a:rPr sz="2500" dirty="0" err="1"/>
+              <a:t>정확도가</a:t>
+            </a:r>
+            <a:r>
+              <a:rPr sz="2500" dirty="0"/>
+              <a:t> </a:t>
+            </a:r>
+            <a:r>
+              <a:rPr sz="2500" dirty="0" err="1"/>
+              <a:t>높다고</a:t>
+            </a:r>
+            <a:r>
+              <a:rPr sz="2500" dirty="0"/>
+              <a:t> 할 수 </a:t>
+            </a:r>
+            <a:r>
+              <a:rPr sz="2500" dirty="0" err="1"/>
+              <a:t>없다</a:t>
+            </a:r>
+            <a:r>
+              <a:rPr sz="2500" dirty="0"/>
+              <a:t>. </a:t>
             </a:r>
           </a:p>
           <a:p>
@@ -4834,7 +5137,84 @@
               <a:defRPr sz="3000"/>
             </a:pPr>
             <a:r>
-              <a:t>따라서 텍스트 파일과 입력 전체를 모두 소문자화시켜 서치의 정확도를 높인다.</a:t>
+              <a:rPr sz="2500" dirty="0" err="1"/>
+              <a:t>따라서</a:t>
+            </a:r>
+            <a:r>
+              <a:rPr sz="2500" dirty="0"/>
+              <a:t> </a:t>
+            </a:r>
+            <a:r>
+              <a:rPr sz="2500" dirty="0" err="1"/>
+              <a:t>텍스트</a:t>
+            </a:r>
+            <a:r>
+              <a:rPr sz="2500" dirty="0"/>
+              <a:t> </a:t>
+            </a:r>
+            <a:r>
+              <a:rPr sz="2500" dirty="0" err="1"/>
+              <a:t>파일과</a:t>
+            </a:r>
+            <a:r>
+              <a:rPr sz="2500" dirty="0"/>
+              <a:t> </a:t>
+            </a:r>
+            <a:r>
+              <a:rPr sz="2500" dirty="0" err="1"/>
+              <a:t>입력</a:t>
+            </a:r>
+            <a:r>
+              <a:rPr sz="2500" dirty="0"/>
+              <a:t> </a:t>
+            </a:r>
+            <a:r>
+              <a:rPr sz="2500" dirty="0" err="1"/>
+              <a:t>전체를</a:t>
+            </a:r>
+            <a:r>
+              <a:rPr sz="2500" dirty="0"/>
+              <a:t> </a:t>
+            </a:r>
+            <a:r>
+              <a:rPr sz="2500" dirty="0" err="1"/>
+              <a:t>모두</a:t>
+            </a:r>
+            <a:r>
+              <a:rPr sz="2500" dirty="0"/>
+              <a:t> </a:t>
+            </a:r>
+            <a:r>
+              <a:rPr sz="2500" dirty="0" err="1"/>
+              <a:t>소문자화시켜</a:t>
+            </a:r>
+            <a:r>
+              <a:rPr sz="2500" dirty="0"/>
+              <a:t> </a:t>
+            </a:r>
+            <a:r>
+              <a:rPr sz="2500" dirty="0" err="1"/>
+              <a:t>서치의</a:t>
+            </a:r>
+            <a:r>
+              <a:rPr sz="2500" dirty="0"/>
+              <a:t> </a:t>
+            </a:r>
+            <a:r>
+              <a:rPr sz="2500" dirty="0" err="1"/>
+              <a:t>정확도를</a:t>
+            </a:r>
+            <a:r>
+              <a:rPr sz="2500" dirty="0"/>
+              <a:t> </a:t>
+            </a:r>
+            <a:r>
+              <a:rPr sz="2500" dirty="0" err="1"/>
+              <a:t>높인다</a:t>
+            </a:r>
+            <a:r>
+              <a:rPr sz="2500" dirty="0"/>
+              <a:t>.</a:t>
             </a:r>
           </a:p>
         </p:txBody>
@@ -4844,12 +5224,12 @@
   <p:clrMapOvr>
     <a:masterClrMapping/>
   </p:clrMapOvr>
-  <p:transition xmlns:p14="http://schemas.microsoft.com/office/powerpoint/2010/main" spd="med" advClick="1"/>
+  <p:transition spd="med"/>
 </p:sld>
 </file>
 
 <file path=ppt/slides/slide8.xml><?xml version="1.0" encoding="utf-8"?>
-<p:sld xmlns:a="http://schemas.openxmlformats.org/drawingml/2006/main" xmlns:r="http://schemas.openxmlformats.org/officeDocument/2006/relationships" xmlns:p="http://schemas.openxmlformats.org/presentationml/2006/main" showMasterSp="1" showMasterPhAnim="1">
+<p:sld xmlns:a="http://schemas.openxmlformats.org/drawingml/2006/main" xmlns:r="http://schemas.openxmlformats.org/officeDocument/2006/relationships" xmlns:p="http://schemas.openxmlformats.org/presentationml/2006/main">
   <p:cSld>
     <p:spTree>
       <p:nvGrpSpPr>
@@ -4942,7 +5322,7 @@
           </a:ln>
           <a:extLst>
             <a:ext uri="{C572A759-6A51-4108-AA02-DFA0A04FC94B}">
-              <ma14:wrappingTextBoxFlag xmlns:ma14="http://schemas.microsoft.com/office/mac/drawingml/2011/main" val="1"/>
+              <ma14:wrappingTextBoxFlag xmlns:ma14="http://schemas.microsoft.com/office/mac/drawingml/2011/main" xmlns="" val="1"/>
             </a:ext>
           </a:extLst>
         </p:spPr>
@@ -4956,7 +5336,6 @@
             </a:lvl1pPr>
           </a:lstStyle>
           <a:p>
-            <a:pPr/>
             <a:r>
               <a:t>4. Rank를 가지고 quick sort로 정렬한 후 출력한다.</a:t>
             </a:r>
@@ -4968,12 +5347,12 @@
   <p:clrMapOvr>
     <a:masterClrMapping/>
   </p:clrMapOvr>
-  <p:transition xmlns:p14="http://schemas.microsoft.com/office/powerpoint/2010/main" spd="med" advClick="1"/>
+  <p:transition spd="med"/>
 </p:sld>
 </file>
 
 <file path=ppt/slides/slide9.xml><?xml version="1.0" encoding="utf-8"?>
-<p:sld xmlns:a="http://schemas.openxmlformats.org/drawingml/2006/main" xmlns:r="http://schemas.openxmlformats.org/officeDocument/2006/relationships" xmlns:p="http://schemas.openxmlformats.org/presentationml/2006/main" showMasterSp="1" showMasterPhAnim="1">
+<p:sld xmlns:a="http://schemas.openxmlformats.org/drawingml/2006/main" xmlns:r="http://schemas.openxmlformats.org/officeDocument/2006/relationships" xmlns:p="http://schemas.openxmlformats.org/presentationml/2006/main">
   <p:cSld>
     <p:spTree>
       <p:nvGrpSpPr>
@@ -5037,7 +5416,7 @@
           </a:ln>
           <a:extLst>
             <a:ext uri="{C572A759-6A51-4108-AA02-DFA0A04FC94B}">
-              <ma14:wrappingTextBoxFlag xmlns:ma14="http://schemas.microsoft.com/office/mac/drawingml/2011/main" val="1"/>
+              <ma14:wrappingTextBoxFlag xmlns:ma14="http://schemas.microsoft.com/office/mac/drawingml/2011/main" xmlns="" val="1"/>
             </a:ext>
           </a:extLst>
         </p:spPr>
@@ -5051,7 +5430,6 @@
             </a:lvl1pPr>
           </a:lstStyle>
           <a:p>
-            <a:pPr/>
             <a:r>
               <a:t>4 +. Rank를 가지고 quick sort로 정렬한 후 출력한다.</a:t>
             </a:r>
@@ -5063,12 +5441,12 @@
   <p:clrMapOvr>
     <a:masterClrMapping/>
   </p:clrMapOvr>
-  <p:transition xmlns:p14="http://schemas.microsoft.com/office/powerpoint/2010/main" spd="med" advClick="1"/>
+  <p:transition spd="med"/>
 </p:sld>
 </file>
 
 <file path=ppt/theme/theme1.xml><?xml version="1.0" encoding="utf-8"?>
-<a:theme xmlns:a="http://schemas.openxmlformats.org/drawingml/2006/main" xmlns:r="http://schemas.openxmlformats.org/officeDocument/2006/relationships" name="Black">
+<a:theme xmlns:a="http://schemas.openxmlformats.org/drawingml/2006/main" name="Black">
   <a:themeElements>
     <a:clrScheme name="Black">
       <a:dk1>
@@ -5269,7 +5647,7 @@
         <a:effectLst/>
         <a:sp3d/>
       </a:spPr>
-      <a:bodyPr rot="0" spcFirstLastPara="1" vertOverflow="overflow" horzOverflow="overflow" vert="horz" wrap="square" lIns="50800" tIns="50800" rIns="50800" bIns="50800" numCol="1" spcCol="38100" rtlCol="0" anchor="ctr" upright="0">
+      <a:bodyPr rot="0" spcFirstLastPara="1" vertOverflow="overflow" horzOverflow="overflow" vert="horz" wrap="square" lIns="50800" tIns="50800" rIns="50800" bIns="50800" numCol="1" spcCol="38100" rtlCol="0" anchor="ctr">
         <a:spAutoFit/>
       </a:bodyPr>
       <a:lstStyle>
@@ -5288,7 +5666,7 @@
           <a:buFontTx/>
           <a:buNone/>
           <a:tabLst/>
-          <a:defRPr b="0" baseline="0" cap="none" i="0" spc="0" strike="noStrike" sz="2200" u="none" kumimoji="0" normalizeH="0">
+          <a:defRPr kumimoji="0" sz="2200" b="0" i="0" u="none" strike="noStrike" cap="none" spc="0" normalizeH="0" baseline="0">
             <a:ln>
               <a:noFill/>
             </a:ln>
@@ -5318,7 +5696,7 @@
           <a:buFontTx/>
           <a:buNone/>
           <a:tabLst/>
-          <a:defRPr b="0" baseline="0" cap="none" i="0" spc="0" strike="noStrike" sz="1800" u="none" kumimoji="0" normalizeH="0">
+          <a:defRPr kumimoji="0" sz="1800" b="0" i="0" u="none" strike="noStrike" cap="none" spc="0" normalizeH="0" baseline="0">
             <a:ln>
               <a:noFill/>
             </a:ln>
@@ -5344,7 +5722,7 @@
           <a:buFontTx/>
           <a:buNone/>
           <a:tabLst/>
-          <a:defRPr b="0" baseline="0" cap="none" i="0" spc="0" strike="noStrike" sz="1800" u="none" kumimoji="0" normalizeH="0">
+          <a:defRPr kumimoji="0" sz="1800" b="0" i="0" u="none" strike="noStrike" cap="none" spc="0" normalizeH="0" baseline="0">
             <a:ln>
               <a:noFill/>
             </a:ln>
@@ -5370,7 +5748,7 @@
           <a:buFontTx/>
           <a:buNone/>
           <a:tabLst/>
-          <a:defRPr b="0" baseline="0" cap="none" i="0" spc="0" strike="noStrike" sz="1800" u="none" kumimoji="0" normalizeH="0">
+          <a:defRPr kumimoji="0" sz="1800" b="0" i="0" u="none" strike="noStrike" cap="none" spc="0" normalizeH="0" baseline="0">
             <a:ln>
               <a:noFill/>
             </a:ln>
@@ -5396,7 +5774,7 @@
           <a:buFontTx/>
           <a:buNone/>
           <a:tabLst/>
-          <a:defRPr b="0" baseline="0" cap="none" i="0" spc="0" strike="noStrike" sz="1800" u="none" kumimoji="0" normalizeH="0">
+          <a:defRPr kumimoji="0" sz="1800" b="0" i="0" u="none" strike="noStrike" cap="none" spc="0" normalizeH="0" baseline="0">
             <a:ln>
               <a:noFill/>
             </a:ln>
@@ -5422,7 +5800,7 @@
           <a:buFontTx/>
           <a:buNone/>
           <a:tabLst/>
-          <a:defRPr b="0" baseline="0" cap="none" i="0" spc="0" strike="noStrike" sz="1800" u="none" kumimoji="0" normalizeH="0">
+          <a:defRPr kumimoji="0" sz="1800" b="0" i="0" u="none" strike="noStrike" cap="none" spc="0" normalizeH="0" baseline="0">
             <a:ln>
               <a:noFill/>
             </a:ln>
@@ -5448,7 +5826,7 @@
           <a:buFontTx/>
           <a:buNone/>
           <a:tabLst/>
-          <a:defRPr b="0" baseline="0" cap="none" i="0" spc="0" strike="noStrike" sz="1800" u="none" kumimoji="0" normalizeH="0">
+          <a:defRPr kumimoji="0" sz="1800" b="0" i="0" u="none" strike="noStrike" cap="none" spc="0" normalizeH="0" baseline="0">
             <a:ln>
               <a:noFill/>
             </a:ln>
@@ -5474,7 +5852,7 @@
           <a:buFontTx/>
           <a:buNone/>
           <a:tabLst/>
-          <a:defRPr b="0" baseline="0" cap="none" i="0" spc="0" strike="noStrike" sz="1800" u="none" kumimoji="0" normalizeH="0">
+          <a:defRPr kumimoji="0" sz="1800" b="0" i="0" u="none" strike="noStrike" cap="none" spc="0" normalizeH="0" baseline="0">
             <a:ln>
               <a:noFill/>
             </a:ln>
@@ -5500,7 +5878,7 @@
           <a:buFontTx/>
           <a:buNone/>
           <a:tabLst/>
-          <a:defRPr b="0" baseline="0" cap="none" i="0" spc="0" strike="noStrike" sz="1800" u="none" kumimoji="0" normalizeH="0">
+          <a:defRPr kumimoji="0" sz="1800" b="0" i="0" u="none" strike="noStrike" cap="none" spc="0" normalizeH="0" baseline="0">
             <a:ln>
               <a:noFill/>
             </a:ln>
@@ -5526,7 +5904,7 @@
           <a:buFontTx/>
           <a:buNone/>
           <a:tabLst/>
-          <a:defRPr b="0" baseline="0" cap="none" i="0" spc="0" strike="noStrike" sz="1800" u="none" kumimoji="0" normalizeH="0">
+          <a:defRPr kumimoji="0" sz="1800" b="0" i="0" u="none" strike="noStrike" cap="none" spc="0" normalizeH="0" baseline="0">
             <a:ln>
               <a:noFill/>
             </a:ln>
@@ -5539,9 +5917,15 @@
         </a:lvl9pPr>
       </a:lstStyle>
       <a:style>
-        <a:lnRef idx="0"/>
-        <a:fillRef idx="0"/>
-        <a:effectRef idx="0"/>
+        <a:lnRef idx="0">
+          <a:scrgbClr r="0" g="0" b="0"/>
+        </a:lnRef>
+        <a:fillRef idx="0">
+          <a:scrgbClr r="0" g="0" b="0"/>
+        </a:fillRef>
+        <a:effectRef idx="0">
+          <a:scrgbClr r="0" g="0" b="0"/>
+        </a:effectRef>
         <a:fontRef idx="none"/>
       </a:style>
     </a:spDef>
@@ -5558,7 +5942,7 @@
         <a:effectLst/>
         <a:sp3d/>
       </a:spPr>
-      <a:bodyPr rot="0" spcFirstLastPara="1" vertOverflow="overflow" horzOverflow="overflow" vert="horz" wrap="square" lIns="91439" tIns="45719" rIns="91439" bIns="45719" numCol="1" spcCol="38100" rtlCol="0" anchor="t" upright="0">
+      <a:bodyPr rot="0" spcFirstLastPara="1" vertOverflow="overflow" horzOverflow="overflow" vert="horz" wrap="square" lIns="91439" tIns="45719" rIns="91439" bIns="45719" numCol="1" spcCol="38100" rtlCol="0" anchor="t">
         <a:noAutofit/>
       </a:bodyPr>
       <a:lstStyle>
@@ -5577,7 +5961,7 @@
           <a:buFontTx/>
           <a:buNone/>
           <a:tabLst/>
-          <a:defRPr b="0" baseline="0" cap="none" i="0" spc="0" strike="noStrike" sz="1800" u="none" kumimoji="0" normalizeH="0">
+          <a:defRPr kumimoji="0" sz="1800" b="0" i="0" u="none" strike="noStrike" cap="none" spc="0" normalizeH="0" baseline="0">
             <a:ln>
               <a:noFill/>
             </a:ln>
@@ -5603,7 +5987,7 @@
           <a:buFontTx/>
           <a:buNone/>
           <a:tabLst/>
-          <a:defRPr b="0" baseline="0" cap="none" i="0" spc="0" strike="noStrike" sz="1800" u="none" kumimoji="0" normalizeH="0">
+          <a:defRPr kumimoji="0" sz="1800" b="0" i="0" u="none" strike="noStrike" cap="none" spc="0" normalizeH="0" baseline="0">
             <a:ln>
               <a:noFill/>
             </a:ln>
@@ -5629,7 +6013,7 @@
           <a:buFontTx/>
           <a:buNone/>
           <a:tabLst/>
-          <a:defRPr b="0" baseline="0" cap="none" i="0" spc="0" strike="noStrike" sz="1800" u="none" kumimoji="0" normalizeH="0">
+          <a:defRPr kumimoji="0" sz="1800" b="0" i="0" u="none" strike="noStrike" cap="none" spc="0" normalizeH="0" baseline="0">
             <a:ln>
               <a:noFill/>
             </a:ln>
@@ -5655,7 +6039,7 @@
           <a:buFontTx/>
           <a:buNone/>
           <a:tabLst/>
-          <a:defRPr b="0" baseline="0" cap="none" i="0" spc="0" strike="noStrike" sz="1800" u="none" kumimoji="0" normalizeH="0">
+          <a:defRPr kumimoji="0" sz="1800" b="0" i="0" u="none" strike="noStrike" cap="none" spc="0" normalizeH="0" baseline="0">
             <a:ln>
               <a:noFill/>
             </a:ln>
@@ -5681,7 +6065,7 @@
           <a:buFontTx/>
           <a:buNone/>
           <a:tabLst/>
-          <a:defRPr b="0" baseline="0" cap="none" i="0" spc="0" strike="noStrike" sz="1800" u="none" kumimoji="0" normalizeH="0">
+          <a:defRPr kumimoji="0" sz="1800" b="0" i="0" u="none" strike="noStrike" cap="none" spc="0" normalizeH="0" baseline="0">
             <a:ln>
               <a:noFill/>
             </a:ln>
@@ -5707,7 +6091,7 @@
           <a:buFontTx/>
           <a:buNone/>
           <a:tabLst/>
-          <a:defRPr b="0" baseline="0" cap="none" i="0" spc="0" strike="noStrike" sz="1800" u="none" kumimoji="0" normalizeH="0">
+          <a:defRPr kumimoji="0" sz="1800" b="0" i="0" u="none" strike="noStrike" cap="none" spc="0" normalizeH="0" baseline="0">
             <a:ln>
               <a:noFill/>
             </a:ln>
@@ -5733,7 +6117,7 @@
           <a:buFontTx/>
           <a:buNone/>
           <a:tabLst/>
-          <a:defRPr b="0" baseline="0" cap="none" i="0" spc="0" strike="noStrike" sz="1800" u="none" kumimoji="0" normalizeH="0">
+          <a:defRPr kumimoji="0" sz="1800" b="0" i="0" u="none" strike="noStrike" cap="none" spc="0" normalizeH="0" baseline="0">
             <a:ln>
               <a:noFill/>
             </a:ln>
@@ -5759,7 +6143,7 @@
           <a:buFontTx/>
           <a:buNone/>
           <a:tabLst/>
-          <a:defRPr b="0" baseline="0" cap="none" i="0" spc="0" strike="noStrike" sz="1800" u="none" kumimoji="0" normalizeH="0">
+          <a:defRPr kumimoji="0" sz="1800" b="0" i="0" u="none" strike="noStrike" cap="none" spc="0" normalizeH="0" baseline="0">
             <a:ln>
               <a:noFill/>
             </a:ln>
@@ -5785,7 +6169,7 @@
           <a:buFontTx/>
           <a:buNone/>
           <a:tabLst/>
-          <a:defRPr b="0" baseline="0" cap="none" i="0" spc="0" strike="noStrike" sz="1800" u="none" kumimoji="0" normalizeH="0">
+          <a:defRPr kumimoji="0" sz="1800" b="0" i="0" u="none" strike="noStrike" cap="none" spc="0" normalizeH="0" baseline="0">
             <a:ln>
               <a:noFill/>
             </a:ln>
@@ -5811,7 +6195,7 @@
           <a:buFontTx/>
           <a:buNone/>
           <a:tabLst/>
-          <a:defRPr b="0" baseline="0" cap="none" i="0" spc="0" strike="noStrike" sz="1800" u="none" kumimoji="0" normalizeH="0">
+          <a:defRPr kumimoji="0" sz="1800" b="0" i="0" u="none" strike="noStrike" cap="none" spc="0" normalizeH="0" baseline="0">
             <a:ln>
               <a:noFill/>
             </a:ln>
@@ -5824,9 +6208,15 @@
         </a:lvl9pPr>
       </a:lstStyle>
       <a:style>
-        <a:lnRef idx="0"/>
-        <a:fillRef idx="0"/>
-        <a:effectRef idx="0"/>
+        <a:lnRef idx="0">
+          <a:scrgbClr r="0" g="0" b="0"/>
+        </a:lnRef>
+        <a:fillRef idx="0">
+          <a:scrgbClr r="0" g="0" b="0"/>
+        </a:fillRef>
+        <a:effectRef idx="0">
+          <a:scrgbClr r="0" g="0" b="0"/>
+        </a:effectRef>
         <a:fontRef idx="none"/>
       </a:style>
     </a:lnDef>
@@ -5840,7 +6230,7 @@
         <a:effectLst/>
         <a:sp3d/>
       </a:spPr>
-      <a:bodyPr rot="0" spcFirstLastPara="1" vertOverflow="overflow" horzOverflow="overflow" vert="horz" wrap="square" lIns="50800" tIns="50800" rIns="50800" bIns="50800" numCol="1" spcCol="38100" rtlCol="0" anchor="ctr" upright="0">
+      <a:bodyPr rot="0" spcFirstLastPara="1" vertOverflow="overflow" horzOverflow="overflow" vert="horz" wrap="square" lIns="50800" tIns="50800" rIns="50800" bIns="50800" numCol="1" spcCol="38100" rtlCol="0" anchor="ctr">
         <a:spAutoFit/>
       </a:bodyPr>
       <a:lstStyle>
@@ -5859,7 +6249,7 @@
           <a:buFontTx/>
           <a:buNone/>
           <a:tabLst/>
-          <a:defRPr b="1" baseline="0" cap="none" i="0" spc="0" strike="noStrike" sz="2400" u="none" kumimoji="0" normalizeH="0">
+          <a:defRPr kumimoji="0" sz="2400" b="1" i="0" u="none" strike="noStrike" cap="none" spc="0" normalizeH="0" baseline="0">
             <a:ln>
               <a:noFill/>
             </a:ln>
@@ -5889,7 +6279,7 @@
           <a:buFontTx/>
           <a:buNone/>
           <a:tabLst/>
-          <a:defRPr b="0" baseline="0" cap="none" i="0" spc="0" strike="noStrike" sz="1800" u="none" kumimoji="0" normalizeH="0">
+          <a:defRPr kumimoji="0" sz="1800" b="0" i="0" u="none" strike="noStrike" cap="none" spc="0" normalizeH="0" baseline="0">
             <a:ln>
               <a:noFill/>
             </a:ln>
@@ -5915,7 +6305,7 @@
           <a:buFontTx/>
           <a:buNone/>
           <a:tabLst/>
-          <a:defRPr b="0" baseline="0" cap="none" i="0" spc="0" strike="noStrike" sz="1800" u="none" kumimoji="0" normalizeH="0">
+          <a:defRPr kumimoji="0" sz="1800" b="0" i="0" u="none" strike="noStrike" cap="none" spc="0" normalizeH="0" baseline="0">
             <a:ln>
               <a:noFill/>
             </a:ln>
@@ -5941,7 +6331,7 @@
           <a:buFontTx/>
           <a:buNone/>
           <a:tabLst/>
-          <a:defRPr b="0" baseline="0" cap="none" i="0" spc="0" strike="noStrike" sz="1800" u="none" kumimoji="0" normalizeH="0">
+          <a:defRPr kumimoji="0" sz="1800" b="0" i="0" u="none" strike="noStrike" cap="none" spc="0" normalizeH="0" baseline="0">
             <a:ln>
               <a:noFill/>
             </a:ln>
@@ -5967,7 +6357,7 @@
           <a:buFontTx/>
           <a:buNone/>
           <a:tabLst/>
-          <a:defRPr b="0" baseline="0" cap="none" i="0" spc="0" strike="noStrike" sz="1800" u="none" kumimoji="0" normalizeH="0">
+          <a:defRPr kumimoji="0" sz="1800" b="0" i="0" u="none" strike="noStrike" cap="none" spc="0" normalizeH="0" baseline="0">
             <a:ln>
               <a:noFill/>
             </a:ln>
@@ -5993,7 +6383,7 @@
           <a:buFontTx/>
           <a:buNone/>
           <a:tabLst/>
-          <a:defRPr b="0" baseline="0" cap="none" i="0" spc="0" strike="noStrike" sz="1800" u="none" kumimoji="0" normalizeH="0">
+          <a:defRPr kumimoji="0" sz="1800" b="0" i="0" u="none" strike="noStrike" cap="none" spc="0" normalizeH="0" baseline="0">
             <a:ln>
               <a:noFill/>
             </a:ln>
@@ -6019,7 +6409,7 @@
           <a:buFontTx/>
           <a:buNone/>
           <a:tabLst/>
-          <a:defRPr b="0" baseline="0" cap="none" i="0" spc="0" strike="noStrike" sz="1800" u="none" kumimoji="0" normalizeH="0">
+          <a:defRPr kumimoji="0" sz="1800" b="0" i="0" u="none" strike="noStrike" cap="none" spc="0" normalizeH="0" baseline="0">
             <a:ln>
               <a:noFill/>
             </a:ln>
@@ -6045,7 +6435,7 @@
           <a:buFontTx/>
           <a:buNone/>
           <a:tabLst/>
-          <a:defRPr b="0" baseline="0" cap="none" i="0" spc="0" strike="noStrike" sz="1800" u="none" kumimoji="0" normalizeH="0">
+          <a:defRPr kumimoji="0" sz="1800" b="0" i="0" u="none" strike="noStrike" cap="none" spc="0" normalizeH="0" baseline="0">
             <a:ln>
               <a:noFill/>
             </a:ln>
@@ -6071,7 +6461,7 @@
           <a:buFontTx/>
           <a:buNone/>
           <a:tabLst/>
-          <a:defRPr b="0" baseline="0" cap="none" i="0" spc="0" strike="noStrike" sz="1800" u="none" kumimoji="0" normalizeH="0">
+          <a:defRPr kumimoji="0" sz="1800" b="0" i="0" u="none" strike="noStrike" cap="none" spc="0" normalizeH="0" baseline="0">
             <a:ln>
               <a:noFill/>
             </a:ln>
@@ -6097,7 +6487,7 @@
           <a:buFontTx/>
           <a:buNone/>
           <a:tabLst/>
-          <a:defRPr b="0" baseline="0" cap="none" i="0" spc="0" strike="noStrike" sz="1800" u="none" kumimoji="0" normalizeH="0">
+          <a:defRPr kumimoji="0" sz="1800" b="0" i="0" u="none" strike="noStrike" cap="none" spc="0" normalizeH="0" baseline="0">
             <a:ln>
               <a:noFill/>
             </a:ln>
@@ -6110,18 +6500,25 @@
         </a:lvl9pPr>
       </a:lstStyle>
       <a:style>
-        <a:lnRef idx="0"/>
-        <a:fillRef idx="0"/>
-        <a:effectRef idx="0"/>
+        <a:lnRef idx="0">
+          <a:scrgbClr r="0" g="0" b="0"/>
+        </a:lnRef>
+        <a:fillRef idx="0">
+          <a:scrgbClr r="0" g="0" b="0"/>
+        </a:fillRef>
+        <a:effectRef idx="0">
+          <a:scrgbClr r="0" g="0" b="0"/>
+        </a:effectRef>
         <a:fontRef idx="none"/>
       </a:style>
     </a:txDef>
   </a:objectDefaults>
+  <a:extraClrSchemeLst/>
 </a:theme>
 </file>
 
 <file path=ppt/theme/theme2.xml><?xml version="1.0" encoding="utf-8"?>
-<a:theme xmlns:a="http://schemas.openxmlformats.org/drawingml/2006/main" xmlns:r="http://schemas.openxmlformats.org/officeDocument/2006/relationships" name="Black">
+<a:theme xmlns:a="http://schemas.openxmlformats.org/drawingml/2006/main" name="Black">
   <a:themeElements>
     <a:clrScheme name="Black">
       <a:dk1>
@@ -6322,7 +6719,7 @@
         <a:effectLst/>
         <a:sp3d/>
       </a:spPr>
-      <a:bodyPr rot="0" spcFirstLastPara="1" vertOverflow="overflow" horzOverflow="overflow" vert="horz" wrap="square" lIns="50800" tIns="50800" rIns="50800" bIns="50800" numCol="1" spcCol="38100" rtlCol="0" anchor="ctr" upright="0">
+      <a:bodyPr rot="0" spcFirstLastPara="1" vertOverflow="overflow" horzOverflow="overflow" vert="horz" wrap="square" lIns="50800" tIns="50800" rIns="50800" bIns="50800" numCol="1" spcCol="38100" rtlCol="0" anchor="ctr">
         <a:spAutoFit/>
       </a:bodyPr>
       <a:lstStyle>
@@ -6341,7 +6738,7 @@
           <a:buFontTx/>
           <a:buNone/>
           <a:tabLst/>
-          <a:defRPr b="0" baseline="0" cap="none" i="0" spc="0" strike="noStrike" sz="2200" u="none" kumimoji="0" normalizeH="0">
+          <a:defRPr kumimoji="0" sz="2200" b="0" i="0" u="none" strike="noStrike" cap="none" spc="0" normalizeH="0" baseline="0">
             <a:ln>
               <a:noFill/>
             </a:ln>
@@ -6371,7 +6768,7 @@
           <a:buFontTx/>
           <a:buNone/>
           <a:tabLst/>
-          <a:defRPr b="0" baseline="0" cap="none" i="0" spc="0" strike="noStrike" sz="1800" u="none" kumimoji="0" normalizeH="0">
+          <a:defRPr kumimoji="0" sz="1800" b="0" i="0" u="none" strike="noStrike" cap="none" spc="0" normalizeH="0" baseline="0">
             <a:ln>
               <a:noFill/>
             </a:ln>
@@ -6397,7 +6794,7 @@
           <a:buFontTx/>
           <a:buNone/>
           <a:tabLst/>
-          <a:defRPr b="0" baseline="0" cap="none" i="0" spc="0" strike="noStrike" sz="1800" u="none" kumimoji="0" normalizeH="0">
+          <a:defRPr kumimoji="0" sz="1800" b="0" i="0" u="none" strike="noStrike" cap="none" spc="0" normalizeH="0" baseline="0">
             <a:ln>
               <a:noFill/>
             </a:ln>
@@ -6423,7 +6820,7 @@
           <a:buFontTx/>
           <a:buNone/>
           <a:tabLst/>
-          <a:defRPr b="0" baseline="0" cap="none" i="0" spc="0" strike="noStrike" sz="1800" u="none" kumimoji="0" normalizeH="0">
+          <a:defRPr kumimoji="0" sz="1800" b="0" i="0" u="none" strike="noStrike" cap="none" spc="0" normalizeH="0" baseline="0">
             <a:ln>
               <a:noFill/>
             </a:ln>
@@ -6449,7 +6846,7 @@
           <a:buFontTx/>
           <a:buNone/>
           <a:tabLst/>
-          <a:defRPr b="0" baseline="0" cap="none" i="0" spc="0" strike="noStrike" sz="1800" u="none" kumimoji="0" normalizeH="0">
+          <a:defRPr kumimoji="0" sz="1800" b="0" i="0" u="none" strike="noStrike" cap="none" spc="0" normalizeH="0" baseline="0">
             <a:ln>
               <a:noFill/>
             </a:ln>
@@ -6475,7 +6872,7 @@
           <a:buFontTx/>
           <a:buNone/>
           <a:tabLst/>
-          <a:defRPr b="0" baseline="0" cap="none" i="0" spc="0" strike="noStrike" sz="1800" u="none" kumimoji="0" normalizeH="0">
+          <a:defRPr kumimoji="0" sz="1800" b="0" i="0" u="none" strike="noStrike" cap="none" spc="0" normalizeH="0" baseline="0">
             <a:ln>
               <a:noFill/>
             </a:ln>
@@ -6501,7 +6898,7 @@
           <a:buFontTx/>
           <a:buNone/>
           <a:tabLst/>
-          <a:defRPr b="0" baseline="0" cap="none" i="0" spc="0" strike="noStrike" sz="1800" u="none" kumimoji="0" normalizeH="0">
+          <a:defRPr kumimoji="0" sz="1800" b="0" i="0" u="none" strike="noStrike" cap="none" spc="0" normalizeH="0" baseline="0">
             <a:ln>
               <a:noFill/>
             </a:ln>
@@ -6527,7 +6924,7 @@
           <a:buFontTx/>
           <a:buNone/>
           <a:tabLst/>
-          <a:defRPr b="0" baseline="0" cap="none" i="0" spc="0" strike="noStrike" sz="1800" u="none" kumimoji="0" normalizeH="0">
+          <a:defRPr kumimoji="0" sz="1800" b="0" i="0" u="none" strike="noStrike" cap="none" spc="0" normalizeH="0" baseline="0">
             <a:ln>
               <a:noFill/>
             </a:ln>
@@ -6553,7 +6950,7 @@
           <a:buFontTx/>
           <a:buNone/>
           <a:tabLst/>
-          <a:defRPr b="0" baseline="0" cap="none" i="0" spc="0" strike="noStrike" sz="1800" u="none" kumimoji="0" normalizeH="0">
+          <a:defRPr kumimoji="0" sz="1800" b="0" i="0" u="none" strike="noStrike" cap="none" spc="0" normalizeH="0" baseline="0">
             <a:ln>
               <a:noFill/>
             </a:ln>
@@ -6579,7 +6976,7 @@
           <a:buFontTx/>
           <a:buNone/>
           <a:tabLst/>
-          <a:defRPr b="0" baseline="0" cap="none" i="0" spc="0" strike="noStrike" sz="1800" u="none" kumimoji="0" normalizeH="0">
+          <a:defRPr kumimoji="0" sz="1800" b="0" i="0" u="none" strike="noStrike" cap="none" spc="0" normalizeH="0" baseline="0">
             <a:ln>
               <a:noFill/>
             </a:ln>
@@ -6592,9 +6989,15 @@
         </a:lvl9pPr>
       </a:lstStyle>
       <a:style>
-        <a:lnRef idx="0"/>
-        <a:fillRef idx="0"/>
-        <a:effectRef idx="0"/>
+        <a:lnRef idx="0">
+          <a:scrgbClr r="0" g="0" b="0"/>
+        </a:lnRef>
+        <a:fillRef idx="0">
+          <a:scrgbClr r="0" g="0" b="0"/>
+        </a:fillRef>
+        <a:effectRef idx="0">
+          <a:scrgbClr r="0" g="0" b="0"/>
+        </a:effectRef>
         <a:fontRef idx="none"/>
       </a:style>
     </a:spDef>
@@ -6611,7 +7014,7 @@
         <a:effectLst/>
         <a:sp3d/>
       </a:spPr>
-      <a:bodyPr rot="0" spcFirstLastPara="1" vertOverflow="overflow" horzOverflow="overflow" vert="horz" wrap="square" lIns="91439" tIns="45719" rIns="91439" bIns="45719" numCol="1" spcCol="38100" rtlCol="0" anchor="t" upright="0">
+      <a:bodyPr rot="0" spcFirstLastPara="1" vertOverflow="overflow" horzOverflow="overflow" vert="horz" wrap="square" lIns="91439" tIns="45719" rIns="91439" bIns="45719" numCol="1" spcCol="38100" rtlCol="0" anchor="t">
         <a:noAutofit/>
       </a:bodyPr>
       <a:lstStyle>
@@ -6630,7 +7033,7 @@
           <a:buFontTx/>
           <a:buNone/>
           <a:tabLst/>
-          <a:defRPr b="0" baseline="0" cap="none" i="0" spc="0" strike="noStrike" sz="1800" u="none" kumimoji="0" normalizeH="0">
+          <a:defRPr kumimoji="0" sz="1800" b="0" i="0" u="none" strike="noStrike" cap="none" spc="0" normalizeH="0" baseline="0">
             <a:ln>
               <a:noFill/>
             </a:ln>
@@ -6656,7 +7059,7 @@
           <a:buFontTx/>
           <a:buNone/>
           <a:tabLst/>
-          <a:defRPr b="0" baseline="0" cap="none" i="0" spc="0" strike="noStrike" sz="1800" u="none" kumimoji="0" normalizeH="0">
+          <a:defRPr kumimoji="0" sz="1800" b="0" i="0" u="none" strike="noStrike" cap="none" spc="0" normalizeH="0" baseline="0">
             <a:ln>
               <a:noFill/>
             </a:ln>
@@ -6682,7 +7085,7 @@
           <a:buFontTx/>
           <a:buNone/>
           <a:tabLst/>
-          <a:defRPr b="0" baseline="0" cap="none" i="0" spc="0" strike="noStrike" sz="1800" u="none" kumimoji="0" normalizeH="0">
+          <a:defRPr kumimoji="0" sz="1800" b="0" i="0" u="none" strike="noStrike" cap="none" spc="0" normalizeH="0" baseline="0">
             <a:ln>
               <a:noFill/>
             </a:ln>
@@ -6708,7 +7111,7 @@
           <a:buFontTx/>
           <a:buNone/>
           <a:tabLst/>
-          <a:defRPr b="0" baseline="0" cap="none" i="0" spc="0" strike="noStrike" sz="1800" u="none" kumimoji="0" normalizeH="0">
+          <a:defRPr kumimoji="0" sz="1800" b="0" i="0" u="none" strike="noStrike" cap="none" spc="0" normalizeH="0" baseline="0">
             <a:ln>
               <a:noFill/>
             </a:ln>
@@ -6734,7 +7137,7 @@
           <a:buFontTx/>
           <a:buNone/>
           <a:tabLst/>
-          <a:defRPr b="0" baseline="0" cap="none" i="0" spc="0" strike="noStrike" sz="1800" u="none" kumimoji="0" normalizeH="0">
+          <a:defRPr kumimoji="0" sz="1800" b="0" i="0" u="none" strike="noStrike" cap="none" spc="0" normalizeH="0" baseline="0">
             <a:ln>
               <a:noFill/>
             </a:ln>
@@ -6760,7 +7163,7 @@
           <a:buFontTx/>
           <a:buNone/>
           <a:tabLst/>
-          <a:defRPr b="0" baseline="0" cap="none" i="0" spc="0" strike="noStrike" sz="1800" u="none" kumimoji="0" normalizeH="0">
+          <a:defRPr kumimoji="0" sz="1800" b="0" i="0" u="none" strike="noStrike" cap="none" spc="0" normalizeH="0" baseline="0">
             <a:ln>
               <a:noFill/>
             </a:ln>
@@ -6786,7 +7189,7 @@
           <a:buFontTx/>
           <a:buNone/>
           <a:tabLst/>
-          <a:defRPr b="0" baseline="0" cap="none" i="0" spc="0" strike="noStrike" sz="1800" u="none" kumimoji="0" normalizeH="0">
+          <a:defRPr kumimoji="0" sz="1800" b="0" i="0" u="none" strike="noStrike" cap="none" spc="0" normalizeH="0" baseline="0">
             <a:ln>
               <a:noFill/>
             </a:ln>
@@ -6812,7 +7215,7 @@
           <a:buFontTx/>
           <a:buNone/>
           <a:tabLst/>
-          <a:defRPr b="0" baseline="0" cap="none" i="0" spc="0" strike="noStrike" sz="1800" u="none" kumimoji="0" normalizeH="0">
+          <a:defRPr kumimoji="0" sz="1800" b="0" i="0" u="none" strike="noStrike" cap="none" spc="0" normalizeH="0" baseline="0">
             <a:ln>
               <a:noFill/>
             </a:ln>
@@ -6838,7 +7241,7 @@
           <a:buFontTx/>
           <a:buNone/>
           <a:tabLst/>
-          <a:defRPr b="0" baseline="0" cap="none" i="0" spc="0" strike="noStrike" sz="1800" u="none" kumimoji="0" normalizeH="0">
+          <a:defRPr kumimoji="0" sz="1800" b="0" i="0" u="none" strike="noStrike" cap="none" spc="0" normalizeH="0" baseline="0">
             <a:ln>
               <a:noFill/>
             </a:ln>
@@ -6864,7 +7267,7 @@
           <a:buFontTx/>
           <a:buNone/>
           <a:tabLst/>
-          <a:defRPr b="0" baseline="0" cap="none" i="0" spc="0" strike="noStrike" sz="1800" u="none" kumimoji="0" normalizeH="0">
+          <a:defRPr kumimoji="0" sz="1800" b="0" i="0" u="none" strike="noStrike" cap="none" spc="0" normalizeH="0" baseline="0">
             <a:ln>
               <a:noFill/>
             </a:ln>
@@ -6877,9 +7280,15 @@
         </a:lvl9pPr>
       </a:lstStyle>
       <a:style>
-        <a:lnRef idx="0"/>
-        <a:fillRef idx="0"/>
-        <a:effectRef idx="0"/>
+        <a:lnRef idx="0">
+          <a:scrgbClr r="0" g="0" b="0"/>
+        </a:lnRef>
+        <a:fillRef idx="0">
+          <a:scrgbClr r="0" g="0" b="0"/>
+        </a:fillRef>
+        <a:effectRef idx="0">
+          <a:scrgbClr r="0" g="0" b="0"/>
+        </a:effectRef>
         <a:fontRef idx="none"/>
       </a:style>
     </a:lnDef>
@@ -6893,7 +7302,7 @@
         <a:effectLst/>
         <a:sp3d/>
       </a:spPr>
-      <a:bodyPr rot="0" spcFirstLastPara="1" vertOverflow="overflow" horzOverflow="overflow" vert="horz" wrap="square" lIns="50800" tIns="50800" rIns="50800" bIns="50800" numCol="1" spcCol="38100" rtlCol="0" anchor="ctr" upright="0">
+      <a:bodyPr rot="0" spcFirstLastPara="1" vertOverflow="overflow" horzOverflow="overflow" vert="horz" wrap="square" lIns="50800" tIns="50800" rIns="50800" bIns="50800" numCol="1" spcCol="38100" rtlCol="0" anchor="ctr">
         <a:spAutoFit/>
       </a:bodyPr>
       <a:lstStyle>
@@ -6912,7 +7321,7 @@
           <a:buFontTx/>
           <a:buNone/>
           <a:tabLst/>
-          <a:defRPr b="1" baseline="0" cap="none" i="0" spc="0" strike="noStrike" sz="2400" u="none" kumimoji="0" normalizeH="0">
+          <a:defRPr kumimoji="0" sz="2400" b="1" i="0" u="none" strike="noStrike" cap="none" spc="0" normalizeH="0" baseline="0">
             <a:ln>
               <a:noFill/>
             </a:ln>
@@ -6942,7 +7351,7 @@
           <a:buFontTx/>
           <a:buNone/>
           <a:tabLst/>
-          <a:defRPr b="0" baseline="0" cap="none" i="0" spc="0" strike="noStrike" sz="1800" u="none" kumimoji="0" normalizeH="0">
+          <a:defRPr kumimoji="0" sz="1800" b="0" i="0" u="none" strike="noStrike" cap="none" spc="0" normalizeH="0" baseline="0">
             <a:ln>
               <a:noFill/>
             </a:ln>
@@ -6968,7 +7377,7 @@
           <a:buFontTx/>
           <a:buNone/>
           <a:tabLst/>
-          <a:defRPr b="0" baseline="0" cap="none" i="0" spc="0" strike="noStrike" sz="1800" u="none" kumimoji="0" normalizeH="0">
+          <a:defRPr kumimoji="0" sz="1800" b="0" i="0" u="none" strike="noStrike" cap="none" spc="0" normalizeH="0" baseline="0">
             <a:ln>
               <a:noFill/>
             </a:ln>
@@ -6994,7 +7403,7 @@
           <a:buFontTx/>
           <a:buNone/>
           <a:tabLst/>
-          <a:defRPr b="0" baseline="0" cap="none" i="0" spc="0" strike="noStrike" sz="1800" u="none" kumimoji="0" normalizeH="0">
+          <a:defRPr kumimoji="0" sz="1800" b="0" i="0" u="none" strike="noStrike" cap="none" spc="0" normalizeH="0" baseline="0">
             <a:ln>
               <a:noFill/>
             </a:ln>
@@ -7020,7 +7429,7 @@
           <a:buFontTx/>
           <a:buNone/>
           <a:tabLst/>
-          <a:defRPr b="0" baseline="0" cap="none" i="0" spc="0" strike="noStrike" sz="1800" u="none" kumimoji="0" normalizeH="0">
+          <a:defRPr kumimoji="0" sz="1800" b="0" i="0" u="none" strike="noStrike" cap="none" spc="0" normalizeH="0" baseline="0">
             <a:ln>
               <a:noFill/>
             </a:ln>
@@ -7046,7 +7455,7 @@
           <a:buFontTx/>
           <a:buNone/>
           <a:tabLst/>
-          <a:defRPr b="0" baseline="0" cap="none" i="0" spc="0" strike="noStrike" sz="1800" u="none" kumimoji="0" normalizeH="0">
+          <a:defRPr kumimoji="0" sz="1800" b="0" i="0" u="none" strike="noStrike" cap="none" spc="0" normalizeH="0" baseline="0">
             <a:ln>
               <a:noFill/>
             </a:ln>
@@ -7072,7 +7481,7 @@
           <a:buFontTx/>
           <a:buNone/>
           <a:tabLst/>
-          <a:defRPr b="0" baseline="0" cap="none" i="0" spc="0" strike="noStrike" sz="1800" u="none" kumimoji="0" normalizeH="0">
+          <a:defRPr kumimoji="0" sz="1800" b="0" i="0" u="none" strike="noStrike" cap="none" spc="0" normalizeH="0" baseline="0">
             <a:ln>
               <a:noFill/>
             </a:ln>
@@ -7098,7 +7507,7 @@
           <a:buFontTx/>
           <a:buNone/>
           <a:tabLst/>
-          <a:defRPr b="0" baseline="0" cap="none" i="0" spc="0" strike="noStrike" sz="1800" u="none" kumimoji="0" normalizeH="0">
+          <a:defRPr kumimoji="0" sz="1800" b="0" i="0" u="none" strike="noStrike" cap="none" spc="0" normalizeH="0" baseline="0">
             <a:ln>
               <a:noFill/>
             </a:ln>
@@ -7124,7 +7533,7 @@
           <a:buFontTx/>
           <a:buNone/>
           <a:tabLst/>
-          <a:defRPr b="0" baseline="0" cap="none" i="0" spc="0" strike="noStrike" sz="1800" u="none" kumimoji="0" normalizeH="0">
+          <a:defRPr kumimoji="0" sz="1800" b="0" i="0" u="none" strike="noStrike" cap="none" spc="0" normalizeH="0" baseline="0">
             <a:ln>
               <a:noFill/>
             </a:ln>
@@ -7150,7 +7559,7 @@
           <a:buFontTx/>
           <a:buNone/>
           <a:tabLst/>
-          <a:defRPr b="0" baseline="0" cap="none" i="0" spc="0" strike="noStrike" sz="1800" u="none" kumimoji="0" normalizeH="0">
+          <a:defRPr kumimoji="0" sz="1800" b="0" i="0" u="none" strike="noStrike" cap="none" spc="0" normalizeH="0" baseline="0">
             <a:ln>
               <a:noFill/>
             </a:ln>
@@ -7163,12 +7572,19 @@
         </a:lvl9pPr>
       </a:lstStyle>
       <a:style>
-        <a:lnRef idx="0"/>
-        <a:fillRef idx="0"/>
-        <a:effectRef idx="0"/>
+        <a:lnRef idx="0">
+          <a:scrgbClr r="0" g="0" b="0"/>
+        </a:lnRef>
+        <a:fillRef idx="0">
+          <a:scrgbClr r="0" g="0" b="0"/>
+        </a:fillRef>
+        <a:effectRef idx="0">
+          <a:scrgbClr r="0" g="0" b="0"/>
+        </a:effectRef>
         <a:fontRef idx="none"/>
       </a:style>
     </a:txDef>
   </a:objectDefaults>
+  <a:extraClrSchemeLst/>
 </a:theme>
 </file>
--- a/Implementation & evaluation 20172774 송정우.pptx
+++ b/Implementation & evaluation 20172774 송정우.pptx
@@ -5,7 +5,7 @@
     <p:sldMasterId id="2147483648" r:id="rId1"/>
   </p:sldMasterIdLst>
   <p:notesMasterIdLst>
-    <p:notesMasterId r:id="rId21"/>
+    <p:notesMasterId r:id="rId46"/>
   </p:notesMasterIdLst>
   <p:sldIdLst>
     <p:sldId id="256" r:id="rId2"/>
@@ -14,19 +14,44 @@
     <p:sldId id="259" r:id="rId5"/>
     <p:sldId id="260" r:id="rId6"/>
     <p:sldId id="261" r:id="rId7"/>
-    <p:sldId id="262" r:id="rId8"/>
-    <p:sldId id="263" r:id="rId9"/>
-    <p:sldId id="264" r:id="rId10"/>
-    <p:sldId id="265" r:id="rId11"/>
-    <p:sldId id="266" r:id="rId12"/>
-    <p:sldId id="267" r:id="rId13"/>
-    <p:sldId id="268" r:id="rId14"/>
-    <p:sldId id="269" r:id="rId15"/>
-    <p:sldId id="270" r:id="rId16"/>
-    <p:sldId id="271" r:id="rId17"/>
-    <p:sldId id="272" r:id="rId18"/>
-    <p:sldId id="273" r:id="rId19"/>
-    <p:sldId id="274" r:id="rId20"/>
+    <p:sldId id="277" r:id="rId8"/>
+    <p:sldId id="279" r:id="rId9"/>
+    <p:sldId id="278" r:id="rId10"/>
+    <p:sldId id="275" r:id="rId11"/>
+    <p:sldId id="276" r:id="rId12"/>
+    <p:sldId id="283" r:id="rId13"/>
+    <p:sldId id="282" r:id="rId14"/>
+    <p:sldId id="280" r:id="rId15"/>
+    <p:sldId id="281" r:id="rId16"/>
+    <p:sldId id="284" r:id="rId17"/>
+    <p:sldId id="285" r:id="rId18"/>
+    <p:sldId id="294" r:id="rId19"/>
+    <p:sldId id="296" r:id="rId20"/>
+    <p:sldId id="295" r:id="rId21"/>
+    <p:sldId id="262" r:id="rId22"/>
+    <p:sldId id="263" r:id="rId23"/>
+    <p:sldId id="264" r:id="rId24"/>
+    <p:sldId id="265" r:id="rId25"/>
+    <p:sldId id="267" r:id="rId26"/>
+    <p:sldId id="268" r:id="rId27"/>
+    <p:sldId id="298" r:id="rId28"/>
+    <p:sldId id="269" r:id="rId29"/>
+    <p:sldId id="299" r:id="rId30"/>
+    <p:sldId id="270" r:id="rId31"/>
+    <p:sldId id="297" r:id="rId32"/>
+    <p:sldId id="286" r:id="rId33"/>
+    <p:sldId id="287" r:id="rId34"/>
+    <p:sldId id="288" r:id="rId35"/>
+    <p:sldId id="289" r:id="rId36"/>
+    <p:sldId id="290" r:id="rId37"/>
+    <p:sldId id="291" r:id="rId38"/>
+    <p:sldId id="292" r:id="rId39"/>
+    <p:sldId id="293" r:id="rId40"/>
+    <p:sldId id="266" r:id="rId41"/>
+    <p:sldId id="271" r:id="rId42"/>
+    <p:sldId id="272" r:id="rId43"/>
+    <p:sldId id="273" r:id="rId44"/>
+    <p:sldId id="274" r:id="rId45"/>
   </p:sldIdLst>
   <p:sldSz cx="13004800" cy="9753600"/>
   <p:notesSz cx="6858000" cy="9144000"/>
@@ -328,6 +353,11 @@
       </a:defRPr>
     </a:lvl9pPr>
   </p:defaultTextStyle>
+  <p:extLst>
+    <p:ext uri="{EFAFB233-063F-42B5-8137-9DF3F51BA10A}">
+      <p15:sldGuideLst xmlns:p15="http://schemas.microsoft.com/office/powerpoint/2012/main"/>
+    </p:ext>
+  </p:extLst>
 </p:presentation>
 </file>
 
@@ -700,145 +730,6 @@
 
 <file path=ppt/slideLayouts/slideLayout10.xml><?xml version="1.0" encoding="utf-8"?>
 <p:sldLayout xmlns:a="http://schemas.openxmlformats.org/drawingml/2006/main" xmlns:r="http://schemas.openxmlformats.org/officeDocument/2006/relationships" xmlns:p="http://schemas.openxmlformats.org/presentationml/2006/main" type="tx">
-  <p:cSld name="인용">
-    <p:spTree>
-      <p:nvGrpSpPr>
-        <p:cNvPr id="1" name=""/>
-        <p:cNvGrpSpPr/>
-        <p:nvPr/>
-      </p:nvGrpSpPr>
-      <p:grpSpPr>
-        <a:xfrm>
-          <a:off x="0" y="0"/>
-          <a:ext cx="0" cy="0"/>
-          <a:chOff x="0" y="0"/>
-          <a:chExt cx="0" cy="0"/>
-        </a:xfrm>
-      </p:grpSpPr>
-      <p:sp>
-        <p:nvSpPr>
-          <p:cNvPr id="93" name="–Johnny Appleseed"/>
-          <p:cNvSpPr txBox="1">
-            <a:spLocks noGrp="1"/>
-          </p:cNvSpPr>
-          <p:nvPr>
-            <p:ph type="body" sz="quarter" idx="13"/>
-          </p:nvPr>
-        </p:nvSpPr>
-        <p:spPr>
-          <a:xfrm>
-            <a:off x="1270000" y="6362700"/>
-            <a:ext cx="10464800" cy="461366"/>
-          </a:xfrm>
-          <a:prstGeom prst="rect">
-            <a:avLst/>
-          </a:prstGeom>
-        </p:spPr>
-        <p:txBody>
-          <a:bodyPr anchor="t">
-            <a:spAutoFit/>
-          </a:bodyPr>
-          <a:lstStyle>
-            <a:lvl1pPr marL="0" indent="0" algn="ctr">
-              <a:spcBef>
-                <a:spcPts val="0"/>
-              </a:spcBef>
-              <a:buClrTx/>
-              <a:buSzTx/>
-              <a:buNone/>
-              <a:defRPr sz="2400" i="1"/>
-            </a:lvl1pPr>
-          </a:lstStyle>
-          <a:p>
-            <a:r>
-              <a:t>–Johnny Appleseed</a:t>
-            </a:r>
-          </a:p>
-        </p:txBody>
-      </p:sp>
-      <p:sp>
-        <p:nvSpPr>
-          <p:cNvPr id="94" name="“여기에 인용을 입력하십시오.”"/>
-          <p:cNvSpPr txBox="1">
-            <a:spLocks noGrp="1"/>
-          </p:cNvSpPr>
-          <p:nvPr>
-            <p:ph type="body" sz="quarter" idx="14"/>
-          </p:nvPr>
-        </p:nvSpPr>
-        <p:spPr>
-          <a:xfrm>
-            <a:off x="1270000" y="4290678"/>
-            <a:ext cx="10464800" cy="645617"/>
-          </a:xfrm>
-          <a:prstGeom prst="rect">
-            <a:avLst/>
-          </a:prstGeom>
-        </p:spPr>
-        <p:txBody>
-          <a:bodyPr>
-            <a:spAutoFit/>
-          </a:bodyPr>
-          <a:lstStyle>
-            <a:lvl1pPr marL="0" indent="0" algn="ctr">
-              <a:spcBef>
-                <a:spcPts val="0"/>
-              </a:spcBef>
-              <a:buClrTx/>
-              <a:buSzTx/>
-              <a:buNone/>
-              <a:defRPr sz="3400">
-                <a:latin typeface="+mn-lt"/>
-                <a:ea typeface="+mn-ea"/>
-                <a:cs typeface="+mn-cs"/>
-                <a:sym typeface="Helvetica Neue Medium"/>
-              </a:defRPr>
-            </a:lvl1pPr>
-          </a:lstStyle>
-          <a:p>
-            <a:r>
-              <a:t>“여기에 인용을 입력하십시오.” </a:t>
-            </a:r>
-          </a:p>
-        </p:txBody>
-      </p:sp>
-      <p:sp>
-        <p:nvSpPr>
-          <p:cNvPr id="95" name="슬라이드 번호"/>
-          <p:cNvSpPr txBox="1">
-            <a:spLocks noGrp="1"/>
-          </p:cNvSpPr>
-          <p:nvPr>
-            <p:ph type="sldNum" sz="quarter" idx="2"/>
-          </p:nvPr>
-        </p:nvSpPr>
-        <p:spPr>
-          <a:prstGeom prst="rect">
-            <a:avLst/>
-          </a:prstGeom>
-        </p:spPr>
-        <p:txBody>
-          <a:bodyPr/>
-          <a:lstStyle/>
-          <a:p>
-            <a:fld id="{86CB4B4D-7CA3-9044-876B-883B54F8677D}" type="slidenum">
-              <a:t>‹#›</a:t>
-            </a:fld>
-            <a:endParaRPr/>
-          </a:p>
-        </p:txBody>
-      </p:sp>
-    </p:spTree>
-  </p:cSld>
-  <p:clrMapOvr>
-    <a:masterClrMapping/>
-  </p:clrMapOvr>
-  <p:transition spd="med"/>
-</p:sldLayout>
-</file>
-
-<file path=ppt/slideLayouts/slideLayout11.xml><?xml version="1.0" encoding="utf-8"?>
-<p:sldLayout xmlns:a="http://schemas.openxmlformats.org/drawingml/2006/main" xmlns:r="http://schemas.openxmlformats.org/officeDocument/2006/relationships" xmlns:p="http://schemas.openxmlformats.org/presentationml/2006/main" type="tx">
   <p:cSld name="사진">
     <p:spTree>
       <p:nvGrpSpPr>
@@ -918,7 +809,7 @@
 </p:sldLayout>
 </file>
 
-<file path=ppt/slideLayouts/slideLayout12.xml><?xml version="1.0" encoding="utf-8"?>
+<file path=ppt/slideLayouts/slideLayout11.xml><?xml version="1.0" encoding="utf-8"?>
 <p:sldLayout xmlns:a="http://schemas.openxmlformats.org/drawingml/2006/main" xmlns:r="http://schemas.openxmlformats.org/officeDocument/2006/relationships" xmlns:p="http://schemas.openxmlformats.org/presentationml/2006/main" type="tx">
   <p:cSld name="빈 페이지">
     <p:spTree>
@@ -972,7 +863,7 @@
 
 <file path=ppt/slideLayouts/slideLayout2.xml><?xml version="1.0" encoding="utf-8"?>
 <p:sldLayout xmlns:a="http://schemas.openxmlformats.org/drawingml/2006/main" xmlns:r="http://schemas.openxmlformats.org/officeDocument/2006/relationships" xmlns:p="http://schemas.openxmlformats.org/presentationml/2006/main" type="tx">
-  <p:cSld name="사진 - 수평">
+  <p:cSld name="제목 - 가운데">
     <p:spTree>
       <p:nvGrpSpPr>
         <p:cNvPr id="1" name=""/>
@@ -989,36 +880,7 @@
       </p:grpSpPr>
       <p:sp>
         <p:nvSpPr>
-          <p:cNvPr id="20" name="이미지"/>
-          <p:cNvSpPr>
-            <a:spLocks noGrp="1"/>
-          </p:cNvSpPr>
-          <p:nvPr>
-            <p:ph type="pic" idx="13"/>
-          </p:nvPr>
-        </p:nvSpPr>
-        <p:spPr>
-          <a:xfrm>
-            <a:off x="1619250" y="673100"/>
-            <a:ext cx="9758016" cy="5905500"/>
-          </a:xfrm>
-          <a:prstGeom prst="rect">
-            <a:avLst/>
-          </a:prstGeom>
-        </p:spPr>
-        <p:txBody>
-          <a:bodyPr lIns="91439" tIns="45719" rIns="91439" bIns="45719" anchor="t">
-            <a:noAutofit/>
-          </a:bodyPr>
-          <a:lstStyle/>
-          <a:p>
-            <a:endParaRPr/>
-          </a:p>
-        </p:txBody>
-      </p:sp>
-      <p:sp>
-        <p:nvSpPr>
-          <p:cNvPr id="21" name="제목 텍스트"/>
+          <p:cNvPr id="30" name="제목 텍스트"/>
           <p:cNvSpPr txBox="1">
             <a:spLocks noGrp="1"/>
           </p:cNvSpPr>
@@ -1028,8 +890,8 @@
         </p:nvSpPr>
         <p:spPr>
           <a:xfrm>
-            <a:off x="1270000" y="6718300"/>
-            <a:ext cx="10464800" cy="1422400"/>
+            <a:off x="1270000" y="3225800"/>
+            <a:ext cx="10464800" cy="3302000"/>
           </a:xfrm>
           <a:prstGeom prst="rect">
             <a:avLst/>
@@ -1047,7 +909,121 @@
       </p:sp>
       <p:sp>
         <p:nvSpPr>
-          <p:cNvPr id="22" name="본문 첫 번째 줄…"/>
+          <p:cNvPr id="31" name="슬라이드 번호"/>
+          <p:cNvSpPr txBox="1">
+            <a:spLocks noGrp="1"/>
+          </p:cNvSpPr>
+          <p:nvPr>
+            <p:ph type="sldNum" sz="quarter" idx="2"/>
+          </p:nvPr>
+        </p:nvSpPr>
+        <p:spPr>
+          <a:prstGeom prst="rect">
+            <a:avLst/>
+          </a:prstGeom>
+        </p:spPr>
+        <p:txBody>
+          <a:bodyPr/>
+          <a:lstStyle/>
+          <a:p>
+            <a:fld id="{86CB4B4D-7CA3-9044-876B-883B54F8677D}" type="slidenum">
+              <a:t>‹#›</a:t>
+            </a:fld>
+            <a:endParaRPr/>
+          </a:p>
+        </p:txBody>
+      </p:sp>
+    </p:spTree>
+  </p:cSld>
+  <p:clrMapOvr>
+    <a:masterClrMapping/>
+  </p:clrMapOvr>
+  <p:transition spd="med"/>
+</p:sldLayout>
+</file>
+
+<file path=ppt/slideLayouts/slideLayout3.xml><?xml version="1.0" encoding="utf-8"?>
+<p:sldLayout xmlns:a="http://schemas.openxmlformats.org/drawingml/2006/main" xmlns:r="http://schemas.openxmlformats.org/officeDocument/2006/relationships" xmlns:p="http://schemas.openxmlformats.org/presentationml/2006/main" type="tx">
+  <p:cSld name="사진 - 수직">
+    <p:spTree>
+      <p:nvGrpSpPr>
+        <p:cNvPr id="1" name=""/>
+        <p:cNvGrpSpPr/>
+        <p:nvPr/>
+      </p:nvGrpSpPr>
+      <p:grpSpPr>
+        <a:xfrm>
+          <a:off x="0" y="0"/>
+          <a:ext cx="0" cy="0"/>
+          <a:chOff x="0" y="0"/>
+          <a:chExt cx="0" cy="0"/>
+        </a:xfrm>
+      </p:grpSpPr>
+      <p:sp>
+        <p:nvSpPr>
+          <p:cNvPr id="38" name="이미지"/>
+          <p:cNvSpPr>
+            <a:spLocks noGrp="1"/>
+          </p:cNvSpPr>
+          <p:nvPr>
+            <p:ph type="pic" sz="half" idx="13"/>
+          </p:nvPr>
+        </p:nvSpPr>
+        <p:spPr>
+          <a:xfrm>
+            <a:off x="6718300" y="638919"/>
+            <a:ext cx="5334001" cy="8216901"/>
+          </a:xfrm>
+          <a:prstGeom prst="rect">
+            <a:avLst/>
+          </a:prstGeom>
+        </p:spPr>
+        <p:txBody>
+          <a:bodyPr lIns="91439" tIns="45719" rIns="91439" bIns="45719" anchor="t">
+            <a:noAutofit/>
+          </a:bodyPr>
+          <a:lstStyle/>
+          <a:p>
+            <a:endParaRPr/>
+          </a:p>
+        </p:txBody>
+      </p:sp>
+      <p:sp>
+        <p:nvSpPr>
+          <p:cNvPr id="39" name="제목 텍스트"/>
+          <p:cNvSpPr txBox="1">
+            <a:spLocks noGrp="1"/>
+          </p:cNvSpPr>
+          <p:nvPr>
+            <p:ph type="title"/>
+          </p:nvPr>
+        </p:nvSpPr>
+        <p:spPr>
+          <a:xfrm>
+            <a:off x="952500" y="635000"/>
+            <a:ext cx="5334000" cy="3987800"/>
+          </a:xfrm>
+          <a:prstGeom prst="rect">
+            <a:avLst/>
+          </a:prstGeom>
+        </p:spPr>
+        <p:txBody>
+          <a:bodyPr anchor="b"/>
+          <a:lstStyle>
+            <a:lvl1pPr>
+              <a:defRPr sz="6000"/>
+            </a:lvl1pPr>
+          </a:lstStyle>
+          <a:p>
+            <a:r>
+              <a:t>제목 텍스트</a:t>
+            </a:r>
+          </a:p>
+        </p:txBody>
+      </p:sp>
+      <p:sp>
+        <p:nvSpPr>
+          <p:cNvPr id="40" name="본문 첫 번째 줄…"/>
           <p:cNvSpPr txBox="1">
             <a:spLocks noGrp="1"/>
           </p:cNvSpPr>
@@ -1057,8 +1033,8 @@
         </p:nvSpPr>
         <p:spPr>
           <a:xfrm>
-            <a:off x="1270000" y="8153400"/>
-            <a:ext cx="10464800" cy="1130300"/>
+            <a:off x="952500" y="4724400"/>
+            <a:ext cx="5334000" cy="4114800"/>
           </a:xfrm>
           <a:prstGeom prst="rect">
             <a:avLst/>
@@ -1146,88 +1122,7 @@
       </p:sp>
       <p:sp>
         <p:nvSpPr>
-          <p:cNvPr id="23" name="슬라이드 번호"/>
-          <p:cNvSpPr txBox="1">
-            <a:spLocks noGrp="1"/>
-          </p:cNvSpPr>
-          <p:nvPr>
-            <p:ph type="sldNum" sz="quarter" idx="2"/>
-          </p:nvPr>
-        </p:nvSpPr>
-        <p:spPr>
-          <a:prstGeom prst="rect">
-            <a:avLst/>
-          </a:prstGeom>
-        </p:spPr>
-        <p:txBody>
-          <a:bodyPr/>
-          <a:lstStyle/>
-          <a:p>
-            <a:fld id="{86CB4B4D-7CA3-9044-876B-883B54F8677D}" type="slidenum">
-              <a:t>‹#›</a:t>
-            </a:fld>
-            <a:endParaRPr/>
-          </a:p>
-        </p:txBody>
-      </p:sp>
-    </p:spTree>
-  </p:cSld>
-  <p:clrMapOvr>
-    <a:masterClrMapping/>
-  </p:clrMapOvr>
-  <p:transition spd="med"/>
-</p:sldLayout>
-</file>
-
-<file path=ppt/slideLayouts/slideLayout3.xml><?xml version="1.0" encoding="utf-8"?>
-<p:sldLayout xmlns:a="http://schemas.openxmlformats.org/drawingml/2006/main" xmlns:r="http://schemas.openxmlformats.org/officeDocument/2006/relationships" xmlns:p="http://schemas.openxmlformats.org/presentationml/2006/main" type="tx">
-  <p:cSld name="제목 - 가운데">
-    <p:spTree>
-      <p:nvGrpSpPr>
-        <p:cNvPr id="1" name=""/>
-        <p:cNvGrpSpPr/>
-        <p:nvPr/>
-      </p:nvGrpSpPr>
-      <p:grpSpPr>
-        <a:xfrm>
-          <a:off x="0" y="0"/>
-          <a:ext cx="0" cy="0"/>
-          <a:chOff x="0" y="0"/>
-          <a:chExt cx="0" cy="0"/>
-        </a:xfrm>
-      </p:grpSpPr>
-      <p:sp>
-        <p:nvSpPr>
-          <p:cNvPr id="30" name="제목 텍스트"/>
-          <p:cNvSpPr txBox="1">
-            <a:spLocks noGrp="1"/>
-          </p:cNvSpPr>
-          <p:nvPr>
-            <p:ph type="title"/>
-          </p:nvPr>
-        </p:nvSpPr>
-        <p:spPr>
-          <a:xfrm>
-            <a:off x="1270000" y="3225800"/>
-            <a:ext cx="10464800" cy="3302000"/>
-          </a:xfrm>
-          <a:prstGeom prst="rect">
-            <a:avLst/>
-          </a:prstGeom>
-        </p:spPr>
-        <p:txBody>
-          <a:bodyPr/>
-          <a:lstStyle/>
-          <a:p>
-            <a:r>
-              <a:t>제목 텍스트</a:t>
-            </a:r>
-          </a:p>
-        </p:txBody>
-      </p:sp>
-      <p:sp>
-        <p:nvSpPr>
-          <p:cNvPr id="31" name="슬라이드 번호"/>
+          <p:cNvPr id="41" name="슬라이드 번호"/>
           <p:cNvSpPr txBox="1">
             <a:spLocks noGrp="1"/>
           </p:cNvSpPr>
@@ -1261,219 +1156,6 @@
 </file>
 
 <file path=ppt/slideLayouts/slideLayout4.xml><?xml version="1.0" encoding="utf-8"?>
-<p:sldLayout xmlns:a="http://schemas.openxmlformats.org/drawingml/2006/main" xmlns:r="http://schemas.openxmlformats.org/officeDocument/2006/relationships" xmlns:p="http://schemas.openxmlformats.org/presentationml/2006/main" type="tx">
-  <p:cSld name="사진 - 수직">
-    <p:spTree>
-      <p:nvGrpSpPr>
-        <p:cNvPr id="1" name=""/>
-        <p:cNvGrpSpPr/>
-        <p:nvPr/>
-      </p:nvGrpSpPr>
-      <p:grpSpPr>
-        <a:xfrm>
-          <a:off x="0" y="0"/>
-          <a:ext cx="0" cy="0"/>
-          <a:chOff x="0" y="0"/>
-          <a:chExt cx="0" cy="0"/>
-        </a:xfrm>
-      </p:grpSpPr>
-      <p:sp>
-        <p:nvSpPr>
-          <p:cNvPr id="38" name="이미지"/>
-          <p:cNvSpPr>
-            <a:spLocks noGrp="1"/>
-          </p:cNvSpPr>
-          <p:nvPr>
-            <p:ph type="pic" sz="half" idx="13"/>
-          </p:nvPr>
-        </p:nvSpPr>
-        <p:spPr>
-          <a:xfrm>
-            <a:off x="6718300" y="638919"/>
-            <a:ext cx="5334001" cy="8216901"/>
-          </a:xfrm>
-          <a:prstGeom prst="rect">
-            <a:avLst/>
-          </a:prstGeom>
-        </p:spPr>
-        <p:txBody>
-          <a:bodyPr lIns="91439" tIns="45719" rIns="91439" bIns="45719" anchor="t">
-            <a:noAutofit/>
-          </a:bodyPr>
-          <a:lstStyle/>
-          <a:p>
-            <a:endParaRPr/>
-          </a:p>
-        </p:txBody>
-      </p:sp>
-      <p:sp>
-        <p:nvSpPr>
-          <p:cNvPr id="39" name="제목 텍스트"/>
-          <p:cNvSpPr txBox="1">
-            <a:spLocks noGrp="1"/>
-          </p:cNvSpPr>
-          <p:nvPr>
-            <p:ph type="title"/>
-          </p:nvPr>
-        </p:nvSpPr>
-        <p:spPr>
-          <a:xfrm>
-            <a:off x="952500" y="635000"/>
-            <a:ext cx="5334000" cy="3987800"/>
-          </a:xfrm>
-          <a:prstGeom prst="rect">
-            <a:avLst/>
-          </a:prstGeom>
-        </p:spPr>
-        <p:txBody>
-          <a:bodyPr anchor="b"/>
-          <a:lstStyle>
-            <a:lvl1pPr>
-              <a:defRPr sz="6000"/>
-            </a:lvl1pPr>
-          </a:lstStyle>
-          <a:p>
-            <a:r>
-              <a:t>제목 텍스트</a:t>
-            </a:r>
-          </a:p>
-        </p:txBody>
-      </p:sp>
-      <p:sp>
-        <p:nvSpPr>
-          <p:cNvPr id="40" name="본문 첫 번째 줄…"/>
-          <p:cNvSpPr txBox="1">
-            <a:spLocks noGrp="1"/>
-          </p:cNvSpPr>
-          <p:nvPr>
-            <p:ph type="body" sz="quarter" idx="1"/>
-          </p:nvPr>
-        </p:nvSpPr>
-        <p:spPr>
-          <a:xfrm>
-            <a:off x="952500" y="4724400"/>
-            <a:ext cx="5334000" cy="4114800"/>
-          </a:xfrm>
-          <a:prstGeom prst="rect">
-            <a:avLst/>
-          </a:prstGeom>
-        </p:spPr>
-        <p:txBody>
-          <a:bodyPr anchor="t"/>
-          <a:lstStyle>
-            <a:lvl1pPr marL="0" indent="0" algn="ctr">
-              <a:spcBef>
-                <a:spcPts val="0"/>
-              </a:spcBef>
-              <a:buClrTx/>
-              <a:buSzTx/>
-              <a:buNone/>
-              <a:defRPr sz="3700"/>
-            </a:lvl1pPr>
-            <a:lvl2pPr marL="0" indent="228600" algn="ctr">
-              <a:spcBef>
-                <a:spcPts val="0"/>
-              </a:spcBef>
-              <a:buClrTx/>
-              <a:buSzTx/>
-              <a:buNone/>
-              <a:defRPr sz="3700"/>
-            </a:lvl2pPr>
-            <a:lvl3pPr marL="0" indent="457200" algn="ctr">
-              <a:spcBef>
-                <a:spcPts val="0"/>
-              </a:spcBef>
-              <a:buClrTx/>
-              <a:buSzTx/>
-              <a:buNone/>
-              <a:defRPr sz="3700"/>
-            </a:lvl3pPr>
-            <a:lvl4pPr marL="0" indent="685800" algn="ctr">
-              <a:spcBef>
-                <a:spcPts val="0"/>
-              </a:spcBef>
-              <a:buClrTx/>
-              <a:buSzTx/>
-              <a:buNone/>
-              <a:defRPr sz="3700"/>
-            </a:lvl4pPr>
-            <a:lvl5pPr marL="0" indent="914400" algn="ctr">
-              <a:spcBef>
-                <a:spcPts val="0"/>
-              </a:spcBef>
-              <a:buClrTx/>
-              <a:buSzTx/>
-              <a:buNone/>
-              <a:defRPr sz="3700"/>
-            </a:lvl5pPr>
-          </a:lstStyle>
-          <a:p>
-            <a:r>
-              <a:t>본문 첫 번째 줄</a:t>
-            </a:r>
-          </a:p>
-          <a:p>
-            <a:pPr lvl="1"/>
-            <a:r>
-              <a:t>본문 두 번째 줄</a:t>
-            </a:r>
-          </a:p>
-          <a:p>
-            <a:pPr lvl="2"/>
-            <a:r>
-              <a:t>본문 세 번째 줄</a:t>
-            </a:r>
-          </a:p>
-          <a:p>
-            <a:pPr lvl="3"/>
-            <a:r>
-              <a:t>본문 네 번째 줄</a:t>
-            </a:r>
-          </a:p>
-          <a:p>
-            <a:pPr lvl="4"/>
-            <a:r>
-              <a:t>본문 다섯 번째 줄</a:t>
-            </a:r>
-          </a:p>
-        </p:txBody>
-      </p:sp>
-      <p:sp>
-        <p:nvSpPr>
-          <p:cNvPr id="41" name="슬라이드 번호"/>
-          <p:cNvSpPr txBox="1">
-            <a:spLocks noGrp="1"/>
-          </p:cNvSpPr>
-          <p:nvPr>
-            <p:ph type="sldNum" sz="quarter" idx="2"/>
-          </p:nvPr>
-        </p:nvSpPr>
-        <p:spPr>
-          <a:prstGeom prst="rect">
-            <a:avLst/>
-          </a:prstGeom>
-        </p:spPr>
-        <p:txBody>
-          <a:bodyPr/>
-          <a:lstStyle/>
-          <a:p>
-            <a:fld id="{86CB4B4D-7CA3-9044-876B-883B54F8677D}" type="slidenum">
-              <a:t>‹#›</a:t>
-            </a:fld>
-            <a:endParaRPr/>
-          </a:p>
-        </p:txBody>
-      </p:sp>
-    </p:spTree>
-  </p:cSld>
-  <p:clrMapOvr>
-    <a:masterClrMapping/>
-  </p:clrMapOvr>
-  <p:transition spd="med"/>
-</p:sldLayout>
-</file>
-
-<file path=ppt/slideLayouts/slideLayout5.xml><?xml version="1.0" encoding="utf-8"?>
 <p:sldLayout xmlns:a="http://schemas.openxmlformats.org/drawingml/2006/main" xmlns:r="http://schemas.openxmlformats.org/officeDocument/2006/relationships" xmlns:p="http://schemas.openxmlformats.org/presentationml/2006/main" type="tx">
   <p:cSld name="제목 - 상단">
     <p:spTree>
@@ -1550,7 +1232,7 @@
 </p:sldLayout>
 </file>
 
-<file path=ppt/slideLayouts/slideLayout6.xml><?xml version="1.0" encoding="utf-8"?>
+<file path=ppt/slideLayouts/slideLayout5.xml><?xml version="1.0" encoding="utf-8"?>
 <p:sldLayout xmlns:a="http://schemas.openxmlformats.org/drawingml/2006/main" xmlns:r="http://schemas.openxmlformats.org/officeDocument/2006/relationships" xmlns:p="http://schemas.openxmlformats.org/presentationml/2006/main" type="tx">
   <p:cSld name="제목 및 구분점">
     <p:spTree>
@@ -1692,7 +1374,7 @@
 </p:sldLayout>
 </file>
 
-<file path=ppt/slideLayouts/slideLayout7.xml><?xml version="1.0" encoding="utf-8"?>
+<file path=ppt/slideLayouts/slideLayout6.xml><?xml version="1.0" encoding="utf-8"?>
 <p:sldLayout xmlns:a="http://schemas.openxmlformats.org/drawingml/2006/main" xmlns:r="http://schemas.openxmlformats.org/officeDocument/2006/relationships" xmlns:p="http://schemas.openxmlformats.org/presentationml/2006/main" type="tx">
   <p:cSld name="제목, 구분점 및 사진">
     <p:spTree>
@@ -1887,7 +1569,7 @@
 </p:sldLayout>
 </file>
 
-<file path=ppt/slideLayouts/slideLayout8.xml><?xml version="1.0" encoding="utf-8"?>
+<file path=ppt/slideLayouts/slideLayout7.xml><?xml version="1.0" encoding="utf-8"?>
 <p:sldLayout xmlns:a="http://schemas.openxmlformats.org/drawingml/2006/main" xmlns:r="http://schemas.openxmlformats.org/officeDocument/2006/relationships" xmlns:p="http://schemas.openxmlformats.org/presentationml/2006/main" type="tx">
   <p:cSld name="구분점">
     <p:spTree>
@@ -2008,7 +1690,7 @@
 </p:sldLayout>
 </file>
 
-<file path=ppt/slideLayouts/slideLayout9.xml><?xml version="1.0" encoding="utf-8"?>
+<file path=ppt/slideLayouts/slideLayout8.xml><?xml version="1.0" encoding="utf-8"?>
 <p:sldLayout xmlns:a="http://schemas.openxmlformats.org/drawingml/2006/main" xmlns:r="http://schemas.openxmlformats.org/officeDocument/2006/relationships" xmlns:p="http://schemas.openxmlformats.org/presentationml/2006/main" type="tx">
   <p:cSld name="사진 - 3장">
     <p:spTree>
@@ -2115,6 +1797,145 @@
       <p:sp>
         <p:nvSpPr>
           <p:cNvPr id="86" name="슬라이드 번호"/>
+          <p:cNvSpPr txBox="1">
+            <a:spLocks noGrp="1"/>
+          </p:cNvSpPr>
+          <p:nvPr>
+            <p:ph type="sldNum" sz="quarter" idx="2"/>
+          </p:nvPr>
+        </p:nvSpPr>
+        <p:spPr>
+          <a:prstGeom prst="rect">
+            <a:avLst/>
+          </a:prstGeom>
+        </p:spPr>
+        <p:txBody>
+          <a:bodyPr/>
+          <a:lstStyle/>
+          <a:p>
+            <a:fld id="{86CB4B4D-7CA3-9044-876B-883B54F8677D}" type="slidenum">
+              <a:t>‹#›</a:t>
+            </a:fld>
+            <a:endParaRPr/>
+          </a:p>
+        </p:txBody>
+      </p:sp>
+    </p:spTree>
+  </p:cSld>
+  <p:clrMapOvr>
+    <a:masterClrMapping/>
+  </p:clrMapOvr>
+  <p:transition spd="med"/>
+</p:sldLayout>
+</file>
+
+<file path=ppt/slideLayouts/slideLayout9.xml><?xml version="1.0" encoding="utf-8"?>
+<p:sldLayout xmlns:a="http://schemas.openxmlformats.org/drawingml/2006/main" xmlns:r="http://schemas.openxmlformats.org/officeDocument/2006/relationships" xmlns:p="http://schemas.openxmlformats.org/presentationml/2006/main" type="tx">
+  <p:cSld name="인용">
+    <p:spTree>
+      <p:nvGrpSpPr>
+        <p:cNvPr id="1" name=""/>
+        <p:cNvGrpSpPr/>
+        <p:nvPr/>
+      </p:nvGrpSpPr>
+      <p:grpSpPr>
+        <a:xfrm>
+          <a:off x="0" y="0"/>
+          <a:ext cx="0" cy="0"/>
+          <a:chOff x="0" y="0"/>
+          <a:chExt cx="0" cy="0"/>
+        </a:xfrm>
+      </p:grpSpPr>
+      <p:sp>
+        <p:nvSpPr>
+          <p:cNvPr id="93" name="–Johnny Appleseed"/>
+          <p:cNvSpPr txBox="1">
+            <a:spLocks noGrp="1"/>
+          </p:cNvSpPr>
+          <p:nvPr>
+            <p:ph type="body" sz="quarter" idx="13"/>
+          </p:nvPr>
+        </p:nvSpPr>
+        <p:spPr>
+          <a:xfrm>
+            <a:off x="1270000" y="6362700"/>
+            <a:ext cx="10464800" cy="461366"/>
+          </a:xfrm>
+          <a:prstGeom prst="rect">
+            <a:avLst/>
+          </a:prstGeom>
+        </p:spPr>
+        <p:txBody>
+          <a:bodyPr anchor="t">
+            <a:spAutoFit/>
+          </a:bodyPr>
+          <a:lstStyle>
+            <a:lvl1pPr marL="0" indent="0" algn="ctr">
+              <a:spcBef>
+                <a:spcPts val="0"/>
+              </a:spcBef>
+              <a:buClrTx/>
+              <a:buSzTx/>
+              <a:buNone/>
+              <a:defRPr sz="2400" i="1"/>
+            </a:lvl1pPr>
+          </a:lstStyle>
+          <a:p>
+            <a:r>
+              <a:t>–Johnny Appleseed</a:t>
+            </a:r>
+          </a:p>
+        </p:txBody>
+      </p:sp>
+      <p:sp>
+        <p:nvSpPr>
+          <p:cNvPr id="94" name="“여기에 인용을 입력하십시오.”"/>
+          <p:cNvSpPr txBox="1">
+            <a:spLocks noGrp="1"/>
+          </p:cNvSpPr>
+          <p:nvPr>
+            <p:ph type="body" sz="quarter" idx="14"/>
+          </p:nvPr>
+        </p:nvSpPr>
+        <p:spPr>
+          <a:xfrm>
+            <a:off x="1270000" y="4290678"/>
+            <a:ext cx="10464800" cy="645617"/>
+          </a:xfrm>
+          <a:prstGeom prst="rect">
+            <a:avLst/>
+          </a:prstGeom>
+        </p:spPr>
+        <p:txBody>
+          <a:bodyPr>
+            <a:spAutoFit/>
+          </a:bodyPr>
+          <a:lstStyle>
+            <a:lvl1pPr marL="0" indent="0" algn="ctr">
+              <a:spcBef>
+                <a:spcPts val="0"/>
+              </a:spcBef>
+              <a:buClrTx/>
+              <a:buSzTx/>
+              <a:buNone/>
+              <a:defRPr sz="3400">
+                <a:latin typeface="+mn-lt"/>
+                <a:ea typeface="+mn-ea"/>
+                <a:cs typeface="+mn-cs"/>
+                <a:sym typeface="Helvetica Neue Medium"/>
+              </a:defRPr>
+            </a:lvl1pPr>
+          </a:lstStyle>
+          <a:p>
+            <a:r>
+              <a:t>“여기에 인용을 입력하십시오.” </a:t>
+            </a:r>
+          </a:p>
+        </p:txBody>
+      </p:sp>
+      <p:sp>
+        <p:nvSpPr>
+          <p:cNvPr id="95" name="슬라이드 번호"/>
           <p:cNvSpPr txBox="1">
             <a:spLocks noGrp="1"/>
           </p:cNvSpPr>
@@ -2195,7 +2016,7 @@
           </a:ln>
           <a:extLst>
             <a:ext uri="{C572A759-6A51-4108-AA02-DFA0A04FC94B}">
-              <ma14:wrappingTextBoxFlag xmlns:ma14="http://schemas.microsoft.com/office/mac/drawingml/2011/main" xmlns="" val="1"/>
+              <ma14:wrappingTextBoxFlag xmlns="" xmlns:ma14="http://schemas.microsoft.com/office/mac/drawingml/2011/main" val="1"/>
             </a:ext>
           </a:extLst>
         </p:spPr>
@@ -2234,7 +2055,7 @@
           </a:ln>
           <a:extLst>
             <a:ext uri="{C572A759-6A51-4108-AA02-DFA0A04FC94B}">
-              <ma14:wrappingTextBoxFlag xmlns:ma14="http://schemas.microsoft.com/office/mac/drawingml/2011/main" xmlns="" val="1"/>
+              <ma14:wrappingTextBoxFlag xmlns="" xmlns:ma14="http://schemas.microsoft.com/office/mac/drawingml/2011/main" val="1"/>
             </a:ext>
           </a:extLst>
         </p:spPr>
@@ -2323,17 +2144,16 @@
   <p:clrMap bg1="dk1" tx1="lt1" bg2="dk2" tx2="lt2" accent1="accent1" accent2="accent2" accent3="accent3" accent4="accent4" accent5="accent5" accent6="accent6" hlink="hlink" folHlink="folHlink"/>
   <p:sldLayoutIdLst>
     <p:sldLayoutId id="2147483649" r:id="rId1"/>
-    <p:sldLayoutId id="2147483650" r:id="rId2"/>
-    <p:sldLayoutId id="2147483651" r:id="rId3"/>
-    <p:sldLayoutId id="2147483652" r:id="rId4"/>
-    <p:sldLayoutId id="2147483653" r:id="rId5"/>
-    <p:sldLayoutId id="2147483654" r:id="rId6"/>
-    <p:sldLayoutId id="2147483655" r:id="rId7"/>
-    <p:sldLayoutId id="2147483656" r:id="rId8"/>
-    <p:sldLayoutId id="2147483657" r:id="rId9"/>
-    <p:sldLayoutId id="2147483658" r:id="rId10"/>
-    <p:sldLayoutId id="2147483659" r:id="rId11"/>
-    <p:sldLayoutId id="2147483660" r:id="rId12"/>
+    <p:sldLayoutId id="2147483651" r:id="rId2"/>
+    <p:sldLayoutId id="2147483652" r:id="rId3"/>
+    <p:sldLayoutId id="2147483653" r:id="rId4"/>
+    <p:sldLayoutId id="2147483654" r:id="rId5"/>
+    <p:sldLayoutId id="2147483655" r:id="rId6"/>
+    <p:sldLayoutId id="2147483656" r:id="rId7"/>
+    <p:sldLayoutId id="2147483657" r:id="rId8"/>
+    <p:sldLayoutId id="2147483658" r:id="rId9"/>
+    <p:sldLayoutId id="2147483659" r:id="rId10"/>
+    <p:sldLayoutId id="2147483660" r:id="rId11"/>
   </p:sldLayoutIdLst>
   <p:transition spd="med"/>
   <p:txStyles>
@@ -3270,9 +3090,89 @@
           <a:chExt cx="0" cy="0"/>
         </a:xfrm>
       </p:grpSpPr>
+      <p:sp>
+        <p:nvSpPr>
+          <p:cNvPr id="6" name="총 파일 개수 count…">
+            <a:extLst>
+              <a:ext uri="{FF2B5EF4-FFF2-40B4-BE49-F238E27FC236}">
+                <a16:creationId xmlns:a16="http://schemas.microsoft.com/office/drawing/2014/main" id="{E9B53345-D67E-4B0A-B638-17ED74AEAB39}"/>
+              </a:ext>
+            </a:extLst>
+          </p:cNvPr>
+          <p:cNvSpPr txBox="1"/>
+          <p:nvPr/>
+        </p:nvSpPr>
+        <p:spPr>
+          <a:xfrm>
+            <a:off x="670952" y="1828045"/>
+            <a:ext cx="11544623" cy="1118255"/>
+          </a:xfrm>
+          <a:prstGeom prst="rect">
+            <a:avLst/>
+          </a:prstGeom>
+          <a:ln w="12700">
+            <a:miter lim="400000"/>
+          </a:ln>
+          <a:extLst>
+            <a:ext uri="{C572A759-6A51-4108-AA02-DFA0A04FC94B}">
+              <ma14:wrappingTextBoxFlag xmlns="" xmlns:ma14="http://schemas.microsoft.com/office/mac/drawingml/2011/main" val="1"/>
+            </a:ext>
+          </a:extLst>
+        </p:spPr>
+        <p:txBody>
+          <a:bodyPr lIns="50800" tIns="50800" rIns="50800" bIns="50800" anchor="ctr">
+            <a:spAutoFit/>
+          </a:bodyPr>
+          <a:lstStyle/>
+          <a:p>
+            <a:pPr>
+              <a:buSzPct val="100000"/>
+              <a:defRPr sz="3600"/>
+            </a:pPr>
+            <a:r>
+              <a:rPr lang="ko-KR" altLang="en-US" sz="3300" dirty="0"/>
+              <a:t>키워드 </a:t>
+            </a:r>
+            <a:r>
+              <a:rPr lang="ko-KR" altLang="en-US" sz="3300" dirty="0" err="1"/>
+              <a:t>서칭의</a:t>
+            </a:r>
+            <a:r>
+              <a:rPr lang="ko-KR" altLang="en-US" sz="3300" dirty="0"/>
+              <a:t> 정확도를 높이기 위해</a:t>
+            </a:r>
+            <a:endParaRPr lang="en-US" altLang="ko-KR" sz="3300" dirty="0"/>
+          </a:p>
+          <a:p>
+            <a:pPr>
+              <a:buSzPct val="100000"/>
+              <a:defRPr sz="3600"/>
+            </a:pPr>
+            <a:r>
+              <a:rPr lang="ko-KR" altLang="en-US" sz="3300" dirty="0"/>
+              <a:t>다양한 예외처리를 </a:t>
+            </a:r>
+            <a:r>
+              <a:rPr lang="ko-KR" altLang="en-US" sz="3300" dirty="0" err="1"/>
+              <a:t>해야한다</a:t>
+            </a:r>
+            <a:r>
+              <a:rPr lang="en-US" altLang="ko-KR" sz="3300" dirty="0"/>
+              <a:t>!</a:t>
+            </a:r>
+            <a:endParaRPr sz="3300" dirty="0"/>
+          </a:p>
+        </p:txBody>
+      </p:sp>
       <p:pic>
         <p:nvPicPr>
-          <p:cNvPr id="147" name="rank 0 삭제.png" descr="rank 0 삭제.png"/>
+          <p:cNvPr id="3" name="그래픽 2" descr="머리와 톱니바퀴">
+            <a:extLst>
+              <a:ext uri="{FF2B5EF4-FFF2-40B4-BE49-F238E27FC236}">
+                <a16:creationId xmlns:a16="http://schemas.microsoft.com/office/drawing/2014/main" id="{5EB84DB1-D520-4AE8-92EF-63DC0CBE7E85}"/>
+              </a:ext>
+            </a:extLst>
+          </p:cNvPr>
           <p:cNvPicPr>
             <a:picLocks noChangeAspect="1"/>
           </p:cNvPicPr>
@@ -3280,7 +3180,14 @@
         </p:nvPicPr>
         <p:blipFill>
           <a:blip r:embed="rId2">
-            <a:extLst/>
+            <a:extLst>
+              <a:ext uri="{28A0092B-C50C-407E-A947-70E740481C1C}">
+                <a14:useLocalDpi xmlns:a14="http://schemas.microsoft.com/office/drawing/2010/main" val="0"/>
+              </a:ext>
+              <a:ext uri="{96DAC541-7B7A-43D3-8B79-37D633B846F1}">
+                <asvg:svgBlip xmlns:asvg="http://schemas.microsoft.com/office/drawing/2016/SVG/main" r:embed="rId3"/>
+              </a:ext>
+            </a:extLst>
           </a:blip>
           <a:stretch>
             <a:fillRect/>
@@ -3288,57 +3195,20 @@
         </p:blipFill>
         <p:spPr>
           <a:xfrm>
-            <a:off x="1182867" y="3834824"/>
-            <a:ext cx="5437946" cy="2396821"/>
+            <a:off x="4551296" y="4281287"/>
+            <a:ext cx="3902208" cy="3902208"/>
           </a:xfrm>
           <a:prstGeom prst="rect">
             <a:avLst/>
           </a:prstGeom>
-          <a:ln w="12700">
-            <a:miter lim="400000"/>
-          </a:ln>
         </p:spPr>
       </p:pic>
-      <p:sp>
-        <p:nvSpPr>
-          <p:cNvPr id="148" name="4 +. Rank가 0인 것은 관련성이 없는 것이므로 출력하지 않는다."/>
-          <p:cNvSpPr txBox="1"/>
-          <p:nvPr/>
-        </p:nvSpPr>
-        <p:spPr>
-          <a:xfrm>
-            <a:off x="693790" y="806127"/>
-            <a:ext cx="9790939" cy="592074"/>
-          </a:xfrm>
-          <a:prstGeom prst="rect">
-            <a:avLst/>
-          </a:prstGeom>
-          <a:ln w="12700">
-            <a:miter lim="400000"/>
-          </a:ln>
-          <a:extLst>
-            <a:ext uri="{C572A759-6A51-4108-AA02-DFA0A04FC94B}">
-              <ma14:wrappingTextBoxFlag xmlns:ma14="http://schemas.microsoft.com/office/mac/drawingml/2011/main" xmlns="" val="1"/>
-            </a:ext>
-          </a:extLst>
-        </p:spPr>
-        <p:txBody>
-          <a:bodyPr wrap="none" lIns="50800" tIns="50800" rIns="50800" bIns="50800" anchor="ctr">
-            <a:spAutoFit/>
-          </a:bodyPr>
-          <a:lstStyle>
-            <a:lvl1pPr algn="just">
-              <a:defRPr sz="3000"/>
-            </a:lvl1pPr>
-          </a:lstStyle>
-          <a:p>
-            <a:r>
-              <a:t>4 +. Rank가 0인 것은 관련성이 없는 것이므로 출력하지 않는다.</a:t>
-            </a:r>
-          </a:p>
-        </p:txBody>
-      </p:sp>
     </p:spTree>
+    <p:extLst>
+      <p:ext uri="{BB962C8B-B14F-4D97-AF65-F5344CB8AC3E}">
+        <p14:creationId xmlns:p14="http://schemas.microsoft.com/office/powerpoint/2010/main" val="2967875626"/>
+      </p:ext>
+    </p:extLst>
   </p:cSld>
   <p:clrMapOvr>
     <a:masterClrMapping/>
@@ -3364,16 +3234,58 @@
           <a:chExt cx="0" cy="0"/>
         </a:xfrm>
       </p:grpSpPr>
+      <p:pic>
+        <p:nvPicPr>
+          <p:cNvPr id="3" name="그림 2">
+            <a:extLst>
+              <a:ext uri="{FF2B5EF4-FFF2-40B4-BE49-F238E27FC236}">
+                <a16:creationId xmlns:a16="http://schemas.microsoft.com/office/drawing/2014/main" id="{E4FE8C23-2BDA-436E-9FA7-FB2FAED03873}"/>
+              </a:ext>
+            </a:extLst>
+          </p:cNvPr>
+          <p:cNvPicPr>
+            <a:picLocks noChangeAspect="1"/>
+          </p:cNvPicPr>
+          <p:nvPr/>
+        </p:nvPicPr>
+        <p:blipFill>
+          <a:blip r:embed="rId2">
+            <a:extLst>
+              <a:ext uri="{28A0092B-C50C-407E-A947-70E740481C1C}">
+                <a14:useLocalDpi xmlns:a14="http://schemas.microsoft.com/office/drawing/2010/main" val="0"/>
+              </a:ext>
+            </a:extLst>
+          </a:blip>
+          <a:stretch>
+            <a:fillRect/>
+          </a:stretch>
+        </p:blipFill>
+        <p:spPr>
+          <a:xfrm>
+            <a:off x="1800045" y="4033879"/>
+            <a:ext cx="9112718" cy="4083260"/>
+          </a:xfrm>
+          <a:prstGeom prst="rect">
+            <a:avLst/>
+          </a:prstGeom>
+        </p:spPr>
+      </p:pic>
       <p:sp>
         <p:nvSpPr>
-          <p:cNvPr id="150" name="https://github.com/Jw-Bluayer/softwareprogramming"/>
+          <p:cNvPr id="5" name="총 파일 개수 count…">
+            <a:extLst>
+              <a:ext uri="{FF2B5EF4-FFF2-40B4-BE49-F238E27FC236}">
+                <a16:creationId xmlns:a16="http://schemas.microsoft.com/office/drawing/2014/main" id="{77871579-FDB0-4D77-9729-5B3260E5C050}"/>
+              </a:ext>
+            </a:extLst>
+          </p:cNvPr>
           <p:cNvSpPr txBox="1"/>
           <p:nvPr/>
         </p:nvSpPr>
         <p:spPr>
           <a:xfrm>
-            <a:off x="1784895" y="5849872"/>
-            <a:ext cx="9863710" cy="560450"/>
+            <a:off x="640216" y="1405765"/>
+            <a:ext cx="11544623" cy="610424"/>
           </a:xfrm>
           <a:prstGeom prst="rect">
             <a:avLst/>
@@ -3383,36 +3295,52 @@
           </a:ln>
           <a:extLst>
             <a:ext uri="{C572A759-6A51-4108-AA02-DFA0A04FC94B}">
-              <ma14:wrappingTextBoxFlag xmlns:ma14="http://schemas.microsoft.com/office/mac/drawingml/2011/main" xmlns="" val="1"/>
+              <ma14:wrappingTextBoxFlag xmlns="" xmlns:ma14="http://schemas.microsoft.com/office/mac/drawingml/2011/main" val="1"/>
             </a:ext>
           </a:extLst>
         </p:spPr>
         <p:txBody>
-          <a:bodyPr wrap="none" lIns="50800" tIns="50800" rIns="50800" bIns="50800" anchor="ctr">
+          <a:bodyPr lIns="50800" tIns="50800" rIns="50800" bIns="50800" anchor="ctr">
             <a:spAutoFit/>
           </a:bodyPr>
-          <a:lstStyle>
-            <a:lvl1pPr algn="just">
-              <a:defRPr sz="3000"/>
-            </a:lvl1pPr>
-          </a:lstStyle>
-          <a:p>
-            <a:r>
-              <a:t>https://github.com/Jw-Bluayer/softwareprogramming</a:t>
-            </a:r>
+          <a:lstStyle/>
+          <a:p>
+            <a:pPr>
+              <a:buSzPct val="100000"/>
+              <a:defRPr sz="3600"/>
+            </a:pPr>
+            <a:r>
+              <a:rPr lang="ko-KR" altLang="en-US" sz="3300" dirty="0"/>
+              <a:t>예외처리 관련</a:t>
+            </a:r>
+            <a:r>
+              <a:rPr lang="en-US" altLang="ko-KR" sz="3300" dirty="0"/>
+              <a:t> </a:t>
+            </a:r>
+            <a:r>
+              <a:rPr lang="ko-KR" altLang="en-US" sz="3300" dirty="0"/>
+              <a:t>실제로 구현한 코드</a:t>
+            </a:r>
+            <a:endParaRPr sz="3300" dirty="0"/>
           </a:p>
         </p:txBody>
       </p:sp>
       <p:sp>
         <p:nvSpPr>
-          <p:cNvPr id="151" name="이미 현재 코드는 github에 올라가 있습니다."/>
+          <p:cNvPr id="7" name="총 파일 개수 count…">
+            <a:extLst>
+              <a:ext uri="{FF2B5EF4-FFF2-40B4-BE49-F238E27FC236}">
+                <a16:creationId xmlns:a16="http://schemas.microsoft.com/office/drawing/2014/main" id="{748DAD57-6D30-4299-B7B5-9CD80A9F1991}"/>
+              </a:ext>
+            </a:extLst>
+          </p:cNvPr>
           <p:cNvSpPr txBox="1"/>
           <p:nvPr/>
         </p:nvSpPr>
         <p:spPr>
           <a:xfrm>
-            <a:off x="3242220" y="2496062"/>
-            <a:ext cx="6949060" cy="592075"/>
+            <a:off x="640215" y="2165203"/>
+            <a:ext cx="11544623" cy="610424"/>
           </a:xfrm>
           <a:prstGeom prst="rect">
             <a:avLst/>
@@ -3422,23 +3350,1945 @@
           </a:ln>
           <a:extLst>
             <a:ext uri="{C572A759-6A51-4108-AA02-DFA0A04FC94B}">
-              <ma14:wrappingTextBoxFlag xmlns:ma14="http://schemas.microsoft.com/office/mac/drawingml/2011/main" xmlns="" val="1"/>
+              <ma14:wrappingTextBoxFlag xmlns="" xmlns:ma14="http://schemas.microsoft.com/office/mac/drawingml/2011/main" val="1"/>
             </a:ext>
           </a:extLst>
         </p:spPr>
         <p:txBody>
-          <a:bodyPr wrap="none" lIns="50800" tIns="50800" rIns="50800" bIns="50800" anchor="ctr">
+          <a:bodyPr lIns="50800" tIns="50800" rIns="50800" bIns="50800" anchor="ctr">
             <a:spAutoFit/>
           </a:bodyPr>
-          <a:lstStyle>
-            <a:lvl1pPr algn="just">
-              <a:defRPr sz="3000"/>
-            </a:lvl1pPr>
-          </a:lstStyle>
-          <a:p>
-            <a:r>
-              <a:t>이미 현재 코드는 github에 올라가 있습니다. </a:t>
-            </a:r>
+          <a:lstStyle/>
+          <a:p>
+            <a:pPr>
+              <a:buSzPct val="100000"/>
+              <a:defRPr sz="3600"/>
+            </a:pPr>
+            <a:r>
+              <a:rPr lang="en-US" altLang="ko-KR" sz="3300" dirty="0"/>
+              <a:t>. ! ? ,</a:t>
+            </a:r>
+            <a:endParaRPr sz="3300" dirty="0"/>
+          </a:p>
+        </p:txBody>
+      </p:sp>
+      <p:sp>
+        <p:nvSpPr>
+          <p:cNvPr id="8" name="총 파일 개수 count…">
+            <a:extLst>
+              <a:ext uri="{FF2B5EF4-FFF2-40B4-BE49-F238E27FC236}">
+                <a16:creationId xmlns:a16="http://schemas.microsoft.com/office/drawing/2014/main" id="{458D8BC2-46B8-43DF-9EC5-461F5162A0E7}"/>
+              </a:ext>
+            </a:extLst>
+          </p:cNvPr>
+          <p:cNvSpPr txBox="1"/>
+          <p:nvPr/>
+        </p:nvSpPr>
+        <p:spPr>
+          <a:xfrm>
+            <a:off x="462201" y="2715314"/>
+            <a:ext cx="11544623" cy="1118255"/>
+          </a:xfrm>
+          <a:prstGeom prst="rect">
+            <a:avLst/>
+          </a:prstGeom>
+          <a:ln w="12700">
+            <a:miter lim="400000"/>
+          </a:ln>
+          <a:extLst>
+            <a:ext uri="{C572A759-6A51-4108-AA02-DFA0A04FC94B}">
+              <ma14:wrappingTextBoxFlag xmlns="" xmlns:ma14="http://schemas.microsoft.com/office/mac/drawingml/2011/main" val="1"/>
+            </a:ext>
+          </a:extLst>
+        </p:spPr>
+        <p:txBody>
+          <a:bodyPr lIns="50800" tIns="50800" rIns="50800" bIns="50800" anchor="ctr">
+            <a:spAutoFit/>
+          </a:bodyPr>
+          <a:lstStyle/>
+          <a:p>
+            <a:pPr>
+              <a:buSzPct val="100000"/>
+              <a:defRPr sz="3600"/>
+            </a:pPr>
+            <a:r>
+              <a:rPr lang="ko-KR" altLang="en-US" sz="3300" dirty="0"/>
+              <a:t>키워드 앞의 공백을 따지는 이유는</a:t>
+            </a:r>
+            <a:endParaRPr lang="en-US" altLang="ko-KR" sz="3300" dirty="0"/>
+          </a:p>
+          <a:p>
+            <a:pPr>
+              <a:buSzPct val="100000"/>
+              <a:defRPr sz="3600"/>
+            </a:pPr>
+            <a:r>
+              <a:rPr lang="ko-KR" altLang="en-US" sz="3300" dirty="0"/>
+              <a:t>아래의 문장부호는 키워드 뒤에 오는 것이 대부분이기 때문</a:t>
+            </a:r>
+            <a:r>
+              <a:rPr lang="en-US" altLang="ko-KR" sz="3300" dirty="0"/>
+              <a:t>. </a:t>
+            </a:r>
+            <a:endParaRPr sz="3300" dirty="0"/>
+          </a:p>
+        </p:txBody>
+      </p:sp>
+    </p:spTree>
+    <p:extLst>
+      <p:ext uri="{BB962C8B-B14F-4D97-AF65-F5344CB8AC3E}">
+        <p14:creationId xmlns:p14="http://schemas.microsoft.com/office/powerpoint/2010/main" val="3608952377"/>
+      </p:ext>
+    </p:extLst>
+  </p:cSld>
+  <p:clrMapOvr>
+    <a:masterClrMapping/>
+  </p:clrMapOvr>
+  <p:transition spd="med"/>
+</p:sld>
+</file>
+
+<file path=ppt/slides/slide12.xml><?xml version="1.0" encoding="utf-8"?>
+<p:sld xmlns:a="http://schemas.openxmlformats.org/drawingml/2006/main" xmlns:r="http://schemas.openxmlformats.org/officeDocument/2006/relationships" xmlns:p="http://schemas.openxmlformats.org/presentationml/2006/main">
+  <p:cSld>
+    <p:spTree>
+      <p:nvGrpSpPr>
+        <p:cNvPr id="1" name=""/>
+        <p:cNvGrpSpPr/>
+        <p:nvPr/>
+      </p:nvGrpSpPr>
+      <p:grpSpPr>
+        <a:xfrm>
+          <a:off x="0" y="0"/>
+          <a:ext cx="0" cy="0"/>
+          <a:chOff x="0" y="0"/>
+          <a:chExt cx="0" cy="0"/>
+        </a:xfrm>
+      </p:grpSpPr>
+      <p:pic>
+        <p:nvPicPr>
+          <p:cNvPr id="3" name="그림 2">
+            <a:extLst>
+              <a:ext uri="{FF2B5EF4-FFF2-40B4-BE49-F238E27FC236}">
+                <a16:creationId xmlns:a16="http://schemas.microsoft.com/office/drawing/2014/main" id="{47060AA6-FF4B-4F64-8376-2F5C998C8526}"/>
+              </a:ext>
+            </a:extLst>
+          </p:cNvPr>
+          <p:cNvPicPr>
+            <a:picLocks noChangeAspect="1"/>
+          </p:cNvPicPr>
+          <p:nvPr/>
+        </p:nvPicPr>
+        <p:blipFill>
+          <a:blip r:embed="rId2">
+            <a:extLst>
+              <a:ext uri="{28A0092B-C50C-407E-A947-70E740481C1C}">
+                <a14:useLocalDpi xmlns:a14="http://schemas.microsoft.com/office/drawing/2010/main" val="0"/>
+              </a:ext>
+            </a:extLst>
+          </a:blip>
+          <a:stretch>
+            <a:fillRect/>
+          </a:stretch>
+        </p:blipFill>
+        <p:spPr>
+          <a:xfrm>
+            <a:off x="135492" y="2581835"/>
+            <a:ext cx="12549399" cy="6548256"/>
+          </a:xfrm>
+          <a:prstGeom prst="rect">
+            <a:avLst/>
+          </a:prstGeom>
+        </p:spPr>
+      </p:pic>
+      <p:sp>
+        <p:nvSpPr>
+          <p:cNvPr id="8" name="총 파일 개수 count…">
+            <a:extLst>
+              <a:ext uri="{FF2B5EF4-FFF2-40B4-BE49-F238E27FC236}">
+                <a16:creationId xmlns:a16="http://schemas.microsoft.com/office/drawing/2014/main" id="{C2132215-3E5A-4110-868D-CDA031BF55D4}"/>
+              </a:ext>
+            </a:extLst>
+          </p:cNvPr>
+          <p:cNvSpPr txBox="1"/>
+          <p:nvPr/>
+        </p:nvSpPr>
+        <p:spPr>
+          <a:xfrm>
+            <a:off x="637879" y="1298188"/>
+            <a:ext cx="11544623" cy="610424"/>
+          </a:xfrm>
+          <a:prstGeom prst="rect">
+            <a:avLst/>
+          </a:prstGeom>
+          <a:ln w="12700">
+            <a:miter lim="400000"/>
+          </a:ln>
+          <a:extLst>
+            <a:ext uri="{C572A759-6A51-4108-AA02-DFA0A04FC94B}">
+              <ma14:wrappingTextBoxFlag xmlns="" xmlns:ma14="http://schemas.microsoft.com/office/mac/drawingml/2011/main" val="1"/>
+            </a:ext>
+          </a:extLst>
+        </p:spPr>
+        <p:txBody>
+          <a:bodyPr lIns="50800" tIns="50800" rIns="50800" bIns="50800" anchor="ctr">
+            <a:spAutoFit/>
+          </a:bodyPr>
+          <a:lstStyle/>
+          <a:p>
+            <a:pPr>
+              <a:buSzPct val="100000"/>
+              <a:defRPr sz="3600"/>
+            </a:pPr>
+            <a:r>
+              <a:rPr lang="ko-KR" altLang="en-US" sz="3300" dirty="0"/>
+              <a:t>고치기 전</a:t>
+            </a:r>
+            <a:endParaRPr sz="3300" dirty="0"/>
+          </a:p>
+        </p:txBody>
+      </p:sp>
+    </p:spTree>
+    <p:extLst>
+      <p:ext uri="{BB962C8B-B14F-4D97-AF65-F5344CB8AC3E}">
+        <p14:creationId xmlns:p14="http://schemas.microsoft.com/office/powerpoint/2010/main" val="1970810100"/>
+      </p:ext>
+    </p:extLst>
+  </p:cSld>
+  <p:clrMapOvr>
+    <a:masterClrMapping/>
+  </p:clrMapOvr>
+  <p:transition spd="med"/>
+</p:sld>
+</file>
+
+<file path=ppt/slides/slide13.xml><?xml version="1.0" encoding="utf-8"?>
+<p:sld xmlns:a="http://schemas.openxmlformats.org/drawingml/2006/main" xmlns:r="http://schemas.openxmlformats.org/officeDocument/2006/relationships" xmlns:p="http://schemas.openxmlformats.org/presentationml/2006/main">
+  <p:cSld>
+    <p:spTree>
+      <p:nvGrpSpPr>
+        <p:cNvPr id="1" name=""/>
+        <p:cNvGrpSpPr/>
+        <p:nvPr/>
+      </p:nvGrpSpPr>
+      <p:grpSpPr>
+        <a:xfrm>
+          <a:off x="0" y="0"/>
+          <a:ext cx="0" cy="0"/>
+          <a:chOff x="0" y="0"/>
+          <a:chExt cx="0" cy="0"/>
+        </a:xfrm>
+      </p:grpSpPr>
+      <p:pic>
+        <p:nvPicPr>
+          <p:cNvPr id="6" name="그림 5">
+            <a:extLst>
+              <a:ext uri="{FF2B5EF4-FFF2-40B4-BE49-F238E27FC236}">
+                <a16:creationId xmlns:a16="http://schemas.microsoft.com/office/drawing/2014/main" id="{81E9F75C-21F6-4BB3-AB3C-EFC4F70EEF3D}"/>
+              </a:ext>
+            </a:extLst>
+          </p:cNvPr>
+          <p:cNvPicPr>
+            <a:picLocks noChangeAspect="1"/>
+          </p:cNvPicPr>
+          <p:nvPr/>
+        </p:nvPicPr>
+        <p:blipFill>
+          <a:blip r:embed="rId2">
+            <a:extLst>
+              <a:ext uri="{28A0092B-C50C-407E-A947-70E740481C1C}">
+                <a14:useLocalDpi xmlns:a14="http://schemas.microsoft.com/office/drawing/2010/main" val="0"/>
+              </a:ext>
+            </a:extLst>
+          </a:blip>
+          <a:stretch>
+            <a:fillRect/>
+          </a:stretch>
+        </p:blipFill>
+        <p:spPr>
+          <a:xfrm>
+            <a:off x="199645" y="2558782"/>
+            <a:ext cx="12605509" cy="6577534"/>
+          </a:xfrm>
+          <a:prstGeom prst="rect">
+            <a:avLst/>
+          </a:prstGeom>
+        </p:spPr>
+      </p:pic>
+      <p:sp>
+        <p:nvSpPr>
+          <p:cNvPr id="8" name="총 파일 개수 count…">
+            <a:extLst>
+              <a:ext uri="{FF2B5EF4-FFF2-40B4-BE49-F238E27FC236}">
+                <a16:creationId xmlns:a16="http://schemas.microsoft.com/office/drawing/2014/main" id="{57903D4B-F31A-4779-8C88-2CEBA6AD21ED}"/>
+              </a:ext>
+            </a:extLst>
+          </p:cNvPr>
+          <p:cNvSpPr txBox="1"/>
+          <p:nvPr/>
+        </p:nvSpPr>
+        <p:spPr>
+          <a:xfrm>
+            <a:off x="637879" y="1298188"/>
+            <a:ext cx="11544623" cy="610424"/>
+          </a:xfrm>
+          <a:prstGeom prst="rect">
+            <a:avLst/>
+          </a:prstGeom>
+          <a:ln w="12700">
+            <a:miter lim="400000"/>
+          </a:ln>
+          <a:extLst>
+            <a:ext uri="{C572A759-6A51-4108-AA02-DFA0A04FC94B}">
+              <ma14:wrappingTextBoxFlag xmlns="" xmlns:ma14="http://schemas.microsoft.com/office/mac/drawingml/2011/main" val="1"/>
+            </a:ext>
+          </a:extLst>
+        </p:spPr>
+        <p:txBody>
+          <a:bodyPr lIns="50800" tIns="50800" rIns="50800" bIns="50800" anchor="ctr">
+            <a:spAutoFit/>
+          </a:bodyPr>
+          <a:lstStyle/>
+          <a:p>
+            <a:pPr>
+              <a:buSzPct val="100000"/>
+              <a:defRPr sz="3600"/>
+            </a:pPr>
+            <a:r>
+              <a:rPr lang="ko-KR" altLang="en-US" sz="3300" dirty="0"/>
+              <a:t>고친 후</a:t>
+            </a:r>
+            <a:endParaRPr sz="3300" dirty="0"/>
+          </a:p>
+        </p:txBody>
+      </p:sp>
+    </p:spTree>
+    <p:extLst>
+      <p:ext uri="{BB962C8B-B14F-4D97-AF65-F5344CB8AC3E}">
+        <p14:creationId xmlns:p14="http://schemas.microsoft.com/office/powerpoint/2010/main" val="3143186175"/>
+      </p:ext>
+    </p:extLst>
+  </p:cSld>
+  <p:clrMapOvr>
+    <a:masterClrMapping/>
+  </p:clrMapOvr>
+  <p:transition spd="med"/>
+</p:sld>
+</file>
+
+<file path=ppt/slides/slide14.xml><?xml version="1.0" encoding="utf-8"?>
+<p:sld xmlns:a="http://schemas.openxmlformats.org/drawingml/2006/main" xmlns:r="http://schemas.openxmlformats.org/officeDocument/2006/relationships" xmlns:p="http://schemas.openxmlformats.org/presentationml/2006/main">
+  <p:cSld>
+    <p:spTree>
+      <p:nvGrpSpPr>
+        <p:cNvPr id="1" name=""/>
+        <p:cNvGrpSpPr/>
+        <p:nvPr/>
+      </p:nvGrpSpPr>
+      <p:grpSpPr>
+        <a:xfrm>
+          <a:off x="0" y="0"/>
+          <a:ext cx="0" cy="0"/>
+          <a:chOff x="0" y="0"/>
+          <a:chExt cx="0" cy="0"/>
+        </a:xfrm>
+      </p:grpSpPr>
+      <p:sp>
+        <p:nvSpPr>
+          <p:cNvPr id="6" name="총 파일 개수 count…">
+            <a:extLst>
+              <a:ext uri="{FF2B5EF4-FFF2-40B4-BE49-F238E27FC236}">
+                <a16:creationId xmlns:a16="http://schemas.microsoft.com/office/drawing/2014/main" id="{E9B53345-D67E-4B0A-B638-17ED74AEAB39}"/>
+              </a:ext>
+            </a:extLst>
+          </p:cNvPr>
+          <p:cNvSpPr txBox="1"/>
+          <p:nvPr/>
+        </p:nvSpPr>
+        <p:spPr>
+          <a:xfrm>
+            <a:off x="824633" y="4571587"/>
+            <a:ext cx="11544623" cy="610424"/>
+          </a:xfrm>
+          <a:prstGeom prst="rect">
+            <a:avLst/>
+          </a:prstGeom>
+          <a:ln w="12700">
+            <a:miter lim="400000"/>
+          </a:ln>
+          <a:extLst>
+            <a:ext uri="{C572A759-6A51-4108-AA02-DFA0A04FC94B}">
+              <ma14:wrappingTextBoxFlag xmlns="" xmlns:ma14="http://schemas.microsoft.com/office/mac/drawingml/2011/main" val="1"/>
+            </a:ext>
+          </a:extLst>
+        </p:spPr>
+        <p:txBody>
+          <a:bodyPr lIns="50800" tIns="50800" rIns="50800" bIns="50800" anchor="ctr">
+            <a:spAutoFit/>
+          </a:bodyPr>
+          <a:lstStyle/>
+          <a:p>
+            <a:pPr>
+              <a:buSzPct val="100000"/>
+              <a:defRPr sz="3600"/>
+            </a:pPr>
+            <a:r>
+              <a:rPr lang="ko-KR" altLang="en-US" sz="3300" dirty="0"/>
+              <a:t>키워드 앞에 오는 문장부호는</a:t>
+            </a:r>
+            <a:r>
+              <a:rPr lang="en-US" altLang="ko-KR" sz="3300" dirty="0"/>
+              <a:t>..?</a:t>
+            </a:r>
+            <a:endParaRPr sz="3300" dirty="0"/>
+          </a:p>
+        </p:txBody>
+      </p:sp>
+    </p:spTree>
+    <p:extLst>
+      <p:ext uri="{BB962C8B-B14F-4D97-AF65-F5344CB8AC3E}">
+        <p14:creationId xmlns:p14="http://schemas.microsoft.com/office/powerpoint/2010/main" val="3544738325"/>
+      </p:ext>
+    </p:extLst>
+  </p:cSld>
+  <p:clrMapOvr>
+    <a:masterClrMapping/>
+  </p:clrMapOvr>
+  <p:transition spd="med"/>
+</p:sld>
+</file>
+
+<file path=ppt/slides/slide15.xml><?xml version="1.0" encoding="utf-8"?>
+<p:sld xmlns:a="http://schemas.openxmlformats.org/drawingml/2006/main" xmlns:r="http://schemas.openxmlformats.org/officeDocument/2006/relationships" xmlns:p="http://schemas.openxmlformats.org/presentationml/2006/main">
+  <p:cSld>
+    <p:spTree>
+      <p:nvGrpSpPr>
+        <p:cNvPr id="1" name=""/>
+        <p:cNvGrpSpPr/>
+        <p:nvPr/>
+      </p:nvGrpSpPr>
+      <p:grpSpPr>
+        <a:xfrm>
+          <a:off x="0" y="0"/>
+          <a:ext cx="0" cy="0"/>
+          <a:chOff x="0" y="0"/>
+          <a:chExt cx="0" cy="0"/>
+        </a:xfrm>
+      </p:grpSpPr>
+      <p:pic>
+        <p:nvPicPr>
+          <p:cNvPr id="3" name="그림 2">
+            <a:extLst>
+              <a:ext uri="{FF2B5EF4-FFF2-40B4-BE49-F238E27FC236}">
+                <a16:creationId xmlns:a16="http://schemas.microsoft.com/office/drawing/2014/main" id="{C9066DE4-A242-48C2-9D45-2C6F4C05C461}"/>
+              </a:ext>
+            </a:extLst>
+          </p:cNvPr>
+          <p:cNvPicPr>
+            <a:picLocks noChangeAspect="1"/>
+          </p:cNvPicPr>
+          <p:nvPr/>
+        </p:nvPicPr>
+        <p:blipFill>
+          <a:blip r:embed="rId2">
+            <a:extLst>
+              <a:ext uri="{28A0092B-C50C-407E-A947-70E740481C1C}">
+                <a14:useLocalDpi xmlns:a14="http://schemas.microsoft.com/office/drawing/2010/main" val="0"/>
+              </a:ext>
+            </a:extLst>
+          </a:blip>
+          <a:stretch>
+            <a:fillRect/>
+          </a:stretch>
+        </p:blipFill>
+        <p:spPr>
+          <a:xfrm>
+            <a:off x="718148" y="5295625"/>
+            <a:ext cx="11757592" cy="1804423"/>
+          </a:xfrm>
+          <a:prstGeom prst="rect">
+            <a:avLst/>
+          </a:prstGeom>
+        </p:spPr>
+      </p:pic>
+      <p:sp>
+        <p:nvSpPr>
+          <p:cNvPr id="5" name="총 파일 개수 count…">
+            <a:extLst>
+              <a:ext uri="{FF2B5EF4-FFF2-40B4-BE49-F238E27FC236}">
+                <a16:creationId xmlns:a16="http://schemas.microsoft.com/office/drawing/2014/main" id="{FA6E2AFC-EE76-4994-B972-AAAF2A9A2966}"/>
+              </a:ext>
+            </a:extLst>
+          </p:cNvPr>
+          <p:cNvSpPr txBox="1"/>
+          <p:nvPr/>
+        </p:nvSpPr>
+        <p:spPr>
+          <a:xfrm>
+            <a:off x="730088" y="1308395"/>
+            <a:ext cx="11544623" cy="3149580"/>
+          </a:xfrm>
+          <a:prstGeom prst="rect">
+            <a:avLst/>
+          </a:prstGeom>
+          <a:ln w="12700">
+            <a:miter lim="400000"/>
+          </a:ln>
+          <a:extLst>
+            <a:ext uri="{C572A759-6A51-4108-AA02-DFA0A04FC94B}">
+              <ma14:wrappingTextBoxFlag xmlns="" xmlns:ma14="http://schemas.microsoft.com/office/mac/drawingml/2011/main" val="1"/>
+            </a:ext>
+          </a:extLst>
+        </p:spPr>
+        <p:txBody>
+          <a:bodyPr lIns="50800" tIns="50800" rIns="50800" bIns="50800" anchor="ctr">
+            <a:spAutoFit/>
+          </a:bodyPr>
+          <a:lstStyle/>
+          <a:p>
+            <a:pPr>
+              <a:buSzPct val="100000"/>
+              <a:defRPr sz="3600"/>
+            </a:pPr>
+            <a:r>
+              <a:rPr lang="ko-KR" altLang="en-US" sz="3300" dirty="0"/>
+              <a:t>큰 따옴표의 경우는 뒤의 공백을 체크</a:t>
+            </a:r>
+            <a:endParaRPr lang="en-US" altLang="ko-KR" sz="3300" dirty="0"/>
+          </a:p>
+          <a:p>
+            <a:pPr>
+              <a:buSzPct val="100000"/>
+              <a:defRPr sz="3600"/>
+            </a:pPr>
+            <a:r>
+              <a:rPr lang="ko-KR" altLang="en-US" sz="3300" dirty="0"/>
+              <a:t>이는 </a:t>
+            </a:r>
+            <a:r>
+              <a:rPr lang="en-US" altLang="ko-KR" sz="3300" dirty="0"/>
+              <a:t>“”</a:t>
+            </a:r>
+            <a:r>
+              <a:rPr lang="ko-KR" altLang="en-US" sz="3300" dirty="0"/>
+              <a:t>로 묶인 문장의 앞에 나오는 단어에 해당되는 경우</a:t>
+            </a:r>
+            <a:endParaRPr lang="en-US" altLang="ko-KR" sz="3300" dirty="0"/>
+          </a:p>
+          <a:p>
+            <a:pPr>
+              <a:buSzPct val="100000"/>
+              <a:defRPr sz="3600"/>
+            </a:pPr>
+            <a:endParaRPr lang="en-US" altLang="ko-KR" sz="3300" dirty="0"/>
+          </a:p>
+          <a:p>
+            <a:pPr>
+              <a:buSzPct val="100000"/>
+              <a:defRPr sz="3600"/>
+            </a:pPr>
+            <a:r>
+              <a:rPr lang="ko-KR" altLang="en-US" sz="3300" dirty="0"/>
+              <a:t>왜 뒤에 </a:t>
+            </a:r>
+            <a:r>
+              <a:rPr lang="en-US" altLang="ko-KR" sz="3300" dirty="0"/>
+              <a:t>” </a:t>
+            </a:r>
+            <a:r>
+              <a:rPr lang="ko-KR" altLang="en-US" sz="3300" dirty="0"/>
+              <a:t>나오는 경우는 따지지 않았는가</a:t>
+            </a:r>
+            <a:r>
+              <a:rPr lang="en-US" altLang="ko-KR" sz="3300" dirty="0"/>
+              <a:t>?!</a:t>
+            </a:r>
+          </a:p>
+          <a:p>
+            <a:pPr>
+              <a:buSzPct val="100000"/>
+              <a:defRPr sz="3600"/>
+            </a:pPr>
+            <a:r>
+              <a:rPr lang="ko-KR" altLang="en-US" sz="3300" dirty="0"/>
+              <a:t>그 이유는 </a:t>
+            </a:r>
+            <a:r>
+              <a:rPr lang="en-US" altLang="ko-KR" sz="3300" dirty="0"/>
+              <a:t>“”</a:t>
+            </a:r>
+            <a:r>
+              <a:rPr lang="ko-KR" altLang="en-US" sz="3300" dirty="0"/>
+              <a:t>로 묶인 단어의 조합은 대부분 문장이고</a:t>
+            </a:r>
+            <a:endParaRPr lang="en-US" altLang="ko-KR" sz="3300" dirty="0"/>
+          </a:p>
+          <a:p>
+            <a:pPr>
+              <a:buSzPct val="100000"/>
+              <a:defRPr sz="3600"/>
+            </a:pPr>
+            <a:r>
+              <a:rPr lang="ko-KR" altLang="en-US" sz="3300" dirty="0"/>
+              <a:t>문장의 끝마침에는 </a:t>
+            </a:r>
+            <a:r>
+              <a:rPr lang="en-US" altLang="ko-KR" sz="3300" dirty="0"/>
+              <a:t>. ? !</a:t>
+            </a:r>
+            <a:r>
+              <a:rPr lang="ko-KR" altLang="en-US" sz="3300" dirty="0"/>
+              <a:t>로 끝나는 경우가 빈번하기 때문에</a:t>
+            </a:r>
+            <a:r>
+              <a:rPr lang="en-US" altLang="ko-KR" sz="3300" dirty="0"/>
+              <a:t>.</a:t>
+            </a:r>
+          </a:p>
+        </p:txBody>
+      </p:sp>
+    </p:spTree>
+    <p:extLst>
+      <p:ext uri="{BB962C8B-B14F-4D97-AF65-F5344CB8AC3E}">
+        <p14:creationId xmlns:p14="http://schemas.microsoft.com/office/powerpoint/2010/main" val="2109898918"/>
+      </p:ext>
+    </p:extLst>
+  </p:cSld>
+  <p:clrMapOvr>
+    <a:masterClrMapping/>
+  </p:clrMapOvr>
+  <p:transition spd="med"/>
+</p:sld>
+</file>
+
+<file path=ppt/slides/slide16.xml><?xml version="1.0" encoding="utf-8"?>
+<p:sld xmlns:a="http://schemas.openxmlformats.org/drawingml/2006/main" xmlns:r="http://schemas.openxmlformats.org/officeDocument/2006/relationships" xmlns:p="http://schemas.openxmlformats.org/presentationml/2006/main">
+  <p:cSld>
+    <p:spTree>
+      <p:nvGrpSpPr>
+        <p:cNvPr id="1" name=""/>
+        <p:cNvGrpSpPr/>
+        <p:nvPr/>
+      </p:nvGrpSpPr>
+      <p:grpSpPr>
+        <a:xfrm>
+          <a:off x="0" y="0"/>
+          <a:ext cx="0" cy="0"/>
+          <a:chOff x="0" y="0"/>
+          <a:chExt cx="0" cy="0"/>
+        </a:xfrm>
+      </p:grpSpPr>
+      <p:sp>
+        <p:nvSpPr>
+          <p:cNvPr id="8" name="총 파일 개수 count…">
+            <a:extLst>
+              <a:ext uri="{FF2B5EF4-FFF2-40B4-BE49-F238E27FC236}">
+                <a16:creationId xmlns:a16="http://schemas.microsoft.com/office/drawing/2014/main" id="{C2132215-3E5A-4110-868D-CDA031BF55D4}"/>
+              </a:ext>
+            </a:extLst>
+          </p:cNvPr>
+          <p:cNvSpPr txBox="1"/>
+          <p:nvPr/>
+        </p:nvSpPr>
+        <p:spPr>
+          <a:xfrm>
+            <a:off x="637879" y="1298188"/>
+            <a:ext cx="11544623" cy="610424"/>
+          </a:xfrm>
+          <a:prstGeom prst="rect">
+            <a:avLst/>
+          </a:prstGeom>
+          <a:ln w="12700">
+            <a:miter lim="400000"/>
+          </a:ln>
+          <a:extLst>
+            <a:ext uri="{C572A759-6A51-4108-AA02-DFA0A04FC94B}">
+              <ma14:wrappingTextBoxFlag xmlns="" xmlns:ma14="http://schemas.microsoft.com/office/mac/drawingml/2011/main" val="1"/>
+            </a:ext>
+          </a:extLst>
+        </p:spPr>
+        <p:txBody>
+          <a:bodyPr lIns="50800" tIns="50800" rIns="50800" bIns="50800" anchor="ctr">
+            <a:spAutoFit/>
+          </a:bodyPr>
+          <a:lstStyle/>
+          <a:p>
+            <a:pPr>
+              <a:buSzPct val="100000"/>
+              <a:defRPr sz="3600"/>
+            </a:pPr>
+            <a:r>
+              <a:rPr lang="ko-KR" altLang="en-US" sz="3300" dirty="0"/>
+              <a:t>고치기 전</a:t>
+            </a:r>
+            <a:endParaRPr sz="3300" dirty="0"/>
+          </a:p>
+        </p:txBody>
+      </p:sp>
+      <p:pic>
+        <p:nvPicPr>
+          <p:cNvPr id="4" name="그림 3">
+            <a:extLst>
+              <a:ext uri="{FF2B5EF4-FFF2-40B4-BE49-F238E27FC236}">
+                <a16:creationId xmlns:a16="http://schemas.microsoft.com/office/drawing/2014/main" id="{625617D0-637F-421E-8987-B336EFBE2D22}"/>
+              </a:ext>
+            </a:extLst>
+          </p:cNvPr>
+          <p:cNvPicPr>
+            <a:picLocks noChangeAspect="1"/>
+          </p:cNvPicPr>
+          <p:nvPr/>
+        </p:nvPicPr>
+        <p:blipFill>
+          <a:blip r:embed="rId2">
+            <a:extLst>
+              <a:ext uri="{28A0092B-C50C-407E-A947-70E740481C1C}">
+                <a14:useLocalDpi xmlns:a14="http://schemas.microsoft.com/office/drawing/2010/main" val="0"/>
+              </a:ext>
+            </a:extLst>
+          </a:blip>
+          <a:stretch>
+            <a:fillRect/>
+          </a:stretch>
+        </p:blipFill>
+        <p:spPr>
+          <a:xfrm>
+            <a:off x="929643" y="2828826"/>
+            <a:ext cx="11145514" cy="5815711"/>
+          </a:xfrm>
+          <a:prstGeom prst="rect">
+            <a:avLst/>
+          </a:prstGeom>
+        </p:spPr>
+      </p:pic>
+    </p:spTree>
+    <p:extLst>
+      <p:ext uri="{BB962C8B-B14F-4D97-AF65-F5344CB8AC3E}">
+        <p14:creationId xmlns:p14="http://schemas.microsoft.com/office/powerpoint/2010/main" val="1036606899"/>
+      </p:ext>
+    </p:extLst>
+  </p:cSld>
+  <p:clrMapOvr>
+    <a:masterClrMapping/>
+  </p:clrMapOvr>
+  <p:transition spd="med"/>
+</p:sld>
+</file>
+
+<file path=ppt/slides/slide17.xml><?xml version="1.0" encoding="utf-8"?>
+<p:sld xmlns:a="http://schemas.openxmlformats.org/drawingml/2006/main" xmlns:r="http://schemas.openxmlformats.org/officeDocument/2006/relationships" xmlns:p="http://schemas.openxmlformats.org/presentationml/2006/main">
+  <p:cSld>
+    <p:spTree>
+      <p:nvGrpSpPr>
+        <p:cNvPr id="1" name=""/>
+        <p:cNvGrpSpPr/>
+        <p:nvPr/>
+      </p:nvGrpSpPr>
+      <p:grpSpPr>
+        <a:xfrm>
+          <a:off x="0" y="0"/>
+          <a:ext cx="0" cy="0"/>
+          <a:chOff x="0" y="0"/>
+          <a:chExt cx="0" cy="0"/>
+        </a:xfrm>
+      </p:grpSpPr>
+      <p:sp>
+        <p:nvSpPr>
+          <p:cNvPr id="8" name="총 파일 개수 count…">
+            <a:extLst>
+              <a:ext uri="{FF2B5EF4-FFF2-40B4-BE49-F238E27FC236}">
+                <a16:creationId xmlns:a16="http://schemas.microsoft.com/office/drawing/2014/main" id="{57903D4B-F31A-4779-8C88-2CEBA6AD21ED}"/>
+              </a:ext>
+            </a:extLst>
+          </p:cNvPr>
+          <p:cNvSpPr txBox="1"/>
+          <p:nvPr/>
+        </p:nvSpPr>
+        <p:spPr>
+          <a:xfrm>
+            <a:off x="637879" y="1298188"/>
+            <a:ext cx="11544623" cy="610424"/>
+          </a:xfrm>
+          <a:prstGeom prst="rect">
+            <a:avLst/>
+          </a:prstGeom>
+          <a:ln w="12700">
+            <a:miter lim="400000"/>
+          </a:ln>
+          <a:extLst>
+            <a:ext uri="{C572A759-6A51-4108-AA02-DFA0A04FC94B}">
+              <ma14:wrappingTextBoxFlag xmlns="" xmlns:ma14="http://schemas.microsoft.com/office/mac/drawingml/2011/main" val="1"/>
+            </a:ext>
+          </a:extLst>
+        </p:spPr>
+        <p:txBody>
+          <a:bodyPr lIns="50800" tIns="50800" rIns="50800" bIns="50800" anchor="ctr">
+            <a:spAutoFit/>
+          </a:bodyPr>
+          <a:lstStyle/>
+          <a:p>
+            <a:pPr>
+              <a:buSzPct val="100000"/>
+              <a:defRPr sz="3600"/>
+            </a:pPr>
+            <a:r>
+              <a:rPr lang="ko-KR" altLang="en-US" sz="3300" dirty="0"/>
+              <a:t>고친 후</a:t>
+            </a:r>
+            <a:r>
+              <a:rPr lang="en-US" altLang="ko-KR" sz="3300" dirty="0"/>
+              <a:t>(rank 9</a:t>
+            </a:r>
+            <a:r>
+              <a:rPr lang="ko-KR" altLang="en-US" sz="3300" dirty="0"/>
+              <a:t>가 </a:t>
+            </a:r>
+            <a:r>
+              <a:rPr lang="en-US" altLang="ko-KR" sz="3300" dirty="0"/>
+              <a:t>2</a:t>
+            </a:r>
+            <a:r>
+              <a:rPr lang="ko-KR" altLang="en-US" sz="3300" dirty="0"/>
+              <a:t>개가 됨</a:t>
+            </a:r>
+            <a:r>
+              <a:rPr lang="en-US" altLang="ko-KR" sz="3300" dirty="0"/>
+              <a:t>)</a:t>
+            </a:r>
+            <a:endParaRPr sz="3300" dirty="0"/>
+          </a:p>
+        </p:txBody>
+      </p:sp>
+      <p:pic>
+        <p:nvPicPr>
+          <p:cNvPr id="3" name="그림 2">
+            <a:extLst>
+              <a:ext uri="{FF2B5EF4-FFF2-40B4-BE49-F238E27FC236}">
+                <a16:creationId xmlns:a16="http://schemas.microsoft.com/office/drawing/2014/main" id="{8CD7EFFF-80A4-4DFC-8051-91DD8EF33D88}"/>
+              </a:ext>
+            </a:extLst>
+          </p:cNvPr>
+          <p:cNvPicPr>
+            <a:picLocks noChangeAspect="1"/>
+          </p:cNvPicPr>
+          <p:nvPr/>
+        </p:nvPicPr>
+        <p:blipFill>
+          <a:blip r:embed="rId2">
+            <a:extLst>
+              <a:ext uri="{28A0092B-C50C-407E-A947-70E740481C1C}">
+                <a14:useLocalDpi xmlns:a14="http://schemas.microsoft.com/office/drawing/2010/main" val="0"/>
+              </a:ext>
+            </a:extLst>
+          </a:blip>
+          <a:stretch>
+            <a:fillRect/>
+          </a:stretch>
+        </p:blipFill>
+        <p:spPr>
+          <a:xfrm>
+            <a:off x="657211" y="2744302"/>
+            <a:ext cx="11690378" cy="6100020"/>
+          </a:xfrm>
+          <a:prstGeom prst="rect">
+            <a:avLst/>
+          </a:prstGeom>
+        </p:spPr>
+      </p:pic>
+    </p:spTree>
+    <p:extLst>
+      <p:ext uri="{BB962C8B-B14F-4D97-AF65-F5344CB8AC3E}">
+        <p14:creationId xmlns:p14="http://schemas.microsoft.com/office/powerpoint/2010/main" val="936028529"/>
+      </p:ext>
+    </p:extLst>
+  </p:cSld>
+  <p:clrMapOvr>
+    <a:masterClrMapping/>
+  </p:clrMapOvr>
+  <p:transition spd="med"/>
+</p:sld>
+</file>
+
+<file path=ppt/slides/slide18.xml><?xml version="1.0" encoding="utf-8"?>
+<p:sld xmlns:a="http://schemas.openxmlformats.org/drawingml/2006/main" xmlns:r="http://schemas.openxmlformats.org/officeDocument/2006/relationships" xmlns:p="http://schemas.openxmlformats.org/presentationml/2006/main">
+  <p:cSld>
+    <p:spTree>
+      <p:nvGrpSpPr>
+        <p:cNvPr id="1" name=""/>
+        <p:cNvGrpSpPr/>
+        <p:nvPr/>
+      </p:nvGrpSpPr>
+      <p:grpSpPr>
+        <a:xfrm>
+          <a:off x="0" y="0"/>
+          <a:ext cx="0" cy="0"/>
+          <a:chOff x="0" y="0"/>
+          <a:chExt cx="0" cy="0"/>
+        </a:xfrm>
+      </p:grpSpPr>
+      <p:pic>
+        <p:nvPicPr>
+          <p:cNvPr id="4" name="그림 3">
+            <a:extLst>
+              <a:ext uri="{FF2B5EF4-FFF2-40B4-BE49-F238E27FC236}">
+                <a16:creationId xmlns:a16="http://schemas.microsoft.com/office/drawing/2014/main" id="{53904355-1E58-4CB3-B8EA-86E986A4B7CF}"/>
+              </a:ext>
+            </a:extLst>
+          </p:cNvPr>
+          <p:cNvPicPr>
+            <a:picLocks noChangeAspect="1"/>
+          </p:cNvPicPr>
+          <p:nvPr/>
+        </p:nvPicPr>
+        <p:blipFill>
+          <a:blip r:embed="rId2">
+            <a:extLst>
+              <a:ext uri="{28A0092B-C50C-407E-A947-70E740481C1C}">
+                <a14:useLocalDpi xmlns:a14="http://schemas.microsoft.com/office/drawing/2010/main" val="0"/>
+              </a:ext>
+            </a:extLst>
+          </a:blip>
+          <a:stretch>
+            <a:fillRect/>
+          </a:stretch>
+        </p:blipFill>
+        <p:spPr>
+          <a:xfrm>
+            <a:off x="445172" y="3912135"/>
+            <a:ext cx="12318609" cy="4980194"/>
+          </a:xfrm>
+          <a:prstGeom prst="rect">
+            <a:avLst/>
+          </a:prstGeom>
+        </p:spPr>
+      </p:pic>
+      <p:sp>
+        <p:nvSpPr>
+          <p:cNvPr id="6" name="총 파일 개수 count…">
+            <a:extLst>
+              <a:ext uri="{FF2B5EF4-FFF2-40B4-BE49-F238E27FC236}">
+                <a16:creationId xmlns:a16="http://schemas.microsoft.com/office/drawing/2014/main" id="{10E63FBE-8A93-428C-9537-718641D20576}"/>
+              </a:ext>
+            </a:extLst>
+          </p:cNvPr>
+          <p:cNvSpPr txBox="1"/>
+          <p:nvPr/>
+        </p:nvSpPr>
+        <p:spPr>
+          <a:xfrm>
+            <a:off x="579156" y="1050417"/>
+            <a:ext cx="11544623" cy="1626086"/>
+          </a:xfrm>
+          <a:prstGeom prst="rect">
+            <a:avLst/>
+          </a:prstGeom>
+          <a:ln w="12700">
+            <a:miter lim="400000"/>
+          </a:ln>
+          <a:extLst>
+            <a:ext uri="{C572A759-6A51-4108-AA02-DFA0A04FC94B}">
+              <ma14:wrappingTextBoxFlag xmlns="" xmlns:ma14="http://schemas.microsoft.com/office/mac/drawingml/2011/main" val="1"/>
+            </a:ext>
+          </a:extLst>
+        </p:spPr>
+        <p:txBody>
+          <a:bodyPr lIns="50800" tIns="50800" rIns="50800" bIns="50800" anchor="ctr">
+            <a:spAutoFit/>
+          </a:bodyPr>
+          <a:lstStyle/>
+          <a:p>
+            <a:pPr>
+              <a:buSzPct val="100000"/>
+              <a:defRPr sz="3600"/>
+            </a:pPr>
+            <a:r>
+              <a:rPr lang="en-US" altLang="ko-KR" sz="3300" dirty="0"/>
+              <a:t>“</a:t>
+            </a:r>
+            <a:r>
+              <a:rPr lang="ko-KR" altLang="en-US" sz="3300" dirty="0"/>
+              <a:t>단어</a:t>
+            </a:r>
+            <a:r>
+              <a:rPr lang="en-US" altLang="ko-KR" sz="3300" dirty="0"/>
+              <a:t>” / ‘</a:t>
+            </a:r>
+            <a:r>
+              <a:rPr lang="ko-KR" altLang="en-US" sz="3300" dirty="0"/>
+              <a:t>단어</a:t>
+            </a:r>
+            <a:r>
+              <a:rPr lang="en-US" altLang="ko-KR" sz="3300" dirty="0"/>
+              <a:t>’ / (</a:t>
+            </a:r>
+            <a:r>
+              <a:rPr lang="ko-KR" altLang="en-US" sz="3300" dirty="0"/>
+              <a:t>공백</a:t>
+            </a:r>
+            <a:r>
+              <a:rPr lang="en-US" altLang="ko-KR" sz="3300" dirty="0"/>
+              <a:t>)</a:t>
+            </a:r>
+            <a:r>
+              <a:rPr lang="ko-KR" altLang="en-US" sz="3300" dirty="0"/>
+              <a:t>단어</a:t>
+            </a:r>
+            <a:r>
+              <a:rPr lang="en-US" altLang="ko-KR" sz="3300" dirty="0"/>
+              <a:t>’ / ‘</a:t>
+            </a:r>
+            <a:r>
+              <a:rPr lang="ko-KR" altLang="en-US" sz="3300" dirty="0"/>
+              <a:t>단어</a:t>
+            </a:r>
+            <a:r>
+              <a:rPr lang="en-US" altLang="ko-KR" sz="3300" dirty="0"/>
+              <a:t>(</a:t>
+            </a:r>
+            <a:r>
+              <a:rPr lang="ko-KR" altLang="en-US" sz="3300" dirty="0"/>
+              <a:t>공백</a:t>
+            </a:r>
+            <a:r>
+              <a:rPr lang="en-US" altLang="ko-KR" sz="3300" dirty="0"/>
+              <a:t>) </a:t>
+            </a:r>
+          </a:p>
+          <a:p>
+            <a:pPr>
+              <a:buSzPct val="100000"/>
+              <a:defRPr sz="3600"/>
+            </a:pPr>
+            <a:endParaRPr lang="en-US" altLang="ko-KR" sz="3300" dirty="0"/>
+          </a:p>
+          <a:p>
+            <a:pPr>
+              <a:buSzPct val="100000"/>
+              <a:defRPr sz="3600"/>
+            </a:pPr>
+            <a:r>
+              <a:rPr lang="en-US" altLang="ko-KR" sz="3300" dirty="0"/>
+              <a:t>(</a:t>
+            </a:r>
+            <a:r>
+              <a:rPr lang="ko-KR" altLang="en-US" sz="3300" dirty="0"/>
+              <a:t>공백</a:t>
+            </a:r>
+            <a:r>
+              <a:rPr lang="en-US" altLang="ko-KR" sz="3300" dirty="0"/>
+              <a:t>)</a:t>
+            </a:r>
+            <a:r>
+              <a:rPr lang="ko-KR" altLang="en-US" sz="3300" dirty="0"/>
+              <a:t>단어</a:t>
+            </a:r>
+            <a:r>
+              <a:rPr lang="en-US" altLang="ko-KR" sz="3300" dirty="0"/>
+              <a:t>’</a:t>
+            </a:r>
+            <a:r>
+              <a:rPr lang="ko-KR" altLang="en-US" sz="3300" dirty="0"/>
+              <a:t>의 상황에서 </a:t>
+            </a:r>
+            <a:r>
+              <a:rPr lang="ko-KR" altLang="en-US" sz="3300" dirty="0" err="1"/>
+              <a:t>어퍼스트로피가</a:t>
+            </a:r>
+            <a:r>
+              <a:rPr lang="ko-KR" altLang="en-US" sz="3300" dirty="0"/>
+              <a:t> 처리가 되네</a:t>
+            </a:r>
+            <a:r>
+              <a:rPr lang="en-US" altLang="ko-KR" sz="3300" dirty="0"/>
+              <a:t>..?</a:t>
+            </a:r>
+            <a:endParaRPr sz="3300" dirty="0"/>
+          </a:p>
+        </p:txBody>
+      </p:sp>
+    </p:spTree>
+    <p:extLst>
+      <p:ext uri="{BB962C8B-B14F-4D97-AF65-F5344CB8AC3E}">
+        <p14:creationId xmlns:p14="http://schemas.microsoft.com/office/powerpoint/2010/main" val="3604001909"/>
+      </p:ext>
+    </p:extLst>
+  </p:cSld>
+  <p:clrMapOvr>
+    <a:masterClrMapping/>
+  </p:clrMapOvr>
+  <p:transition spd="med"/>
+</p:sld>
+</file>
+
+<file path=ppt/slides/slide19.xml><?xml version="1.0" encoding="utf-8"?>
+<p:sld xmlns:a="http://schemas.openxmlformats.org/drawingml/2006/main" xmlns:r="http://schemas.openxmlformats.org/officeDocument/2006/relationships" xmlns:p="http://schemas.openxmlformats.org/presentationml/2006/main">
+  <p:cSld>
+    <p:spTree>
+      <p:nvGrpSpPr>
+        <p:cNvPr id="1" name=""/>
+        <p:cNvGrpSpPr/>
+        <p:nvPr/>
+      </p:nvGrpSpPr>
+      <p:grpSpPr>
+        <a:xfrm>
+          <a:off x="0" y="0"/>
+          <a:ext cx="0" cy="0"/>
+          <a:chOff x="0" y="0"/>
+          <a:chExt cx="0" cy="0"/>
+        </a:xfrm>
+      </p:grpSpPr>
+      <p:sp>
+        <p:nvSpPr>
+          <p:cNvPr id="6" name="총 파일 개수 count…">
+            <a:extLst>
+              <a:ext uri="{FF2B5EF4-FFF2-40B4-BE49-F238E27FC236}">
+                <a16:creationId xmlns:a16="http://schemas.microsoft.com/office/drawing/2014/main" id="{10E63FBE-8A93-428C-9537-718641D20576}"/>
+              </a:ext>
+            </a:extLst>
+          </p:cNvPr>
+          <p:cNvSpPr txBox="1"/>
+          <p:nvPr/>
+        </p:nvSpPr>
+        <p:spPr>
+          <a:xfrm>
+            <a:off x="579156" y="3163510"/>
+            <a:ext cx="11544623" cy="3426579"/>
+          </a:xfrm>
+          <a:prstGeom prst="rect">
+            <a:avLst/>
+          </a:prstGeom>
+          <a:ln w="12700">
+            <a:miter lim="400000"/>
+          </a:ln>
+          <a:extLst>
+            <a:ext uri="{C572A759-6A51-4108-AA02-DFA0A04FC94B}">
+              <ma14:wrappingTextBoxFlag xmlns="" xmlns:ma14="http://schemas.microsoft.com/office/mac/drawingml/2011/main" val="1"/>
+            </a:ext>
+          </a:extLst>
+        </p:spPr>
+        <p:txBody>
+          <a:bodyPr lIns="50800" tIns="50800" rIns="50800" bIns="50800" anchor="ctr">
+            <a:spAutoFit/>
+          </a:bodyPr>
+          <a:lstStyle/>
+          <a:p>
+            <a:pPr>
+              <a:buSzPct val="100000"/>
+              <a:defRPr sz="3600"/>
+            </a:pPr>
+            <a:r>
+              <a:rPr lang="en-US" dirty="0"/>
+              <a:t>Apple</a:t>
+            </a:r>
+            <a:r>
+              <a:rPr lang="ko-KR" altLang="en-US" dirty="0"/>
+              <a:t>을 검색하던 중</a:t>
+            </a:r>
+            <a:r>
+              <a:rPr lang="en-US" altLang="ko-KR" dirty="0"/>
+              <a:t>,</a:t>
+            </a:r>
+          </a:p>
+          <a:p>
+            <a:pPr>
+              <a:buSzPct val="100000"/>
+              <a:defRPr sz="3600"/>
+            </a:pPr>
+            <a:endParaRPr lang="en-US" altLang="ko-KR" dirty="0"/>
+          </a:p>
+          <a:p>
+            <a:pPr>
+              <a:buSzPct val="100000"/>
+              <a:defRPr sz="3600"/>
+            </a:pPr>
+            <a:r>
+              <a:rPr lang="en-US" altLang="ko-KR" dirty="0"/>
+              <a:t>(</a:t>
+            </a:r>
+            <a:r>
+              <a:rPr lang="ko-KR" altLang="en-US" dirty="0"/>
+              <a:t>문단</a:t>
+            </a:r>
+            <a:r>
+              <a:rPr lang="en-US" altLang="ko-KR" dirty="0"/>
+              <a:t>) (</a:t>
+            </a:r>
+            <a:r>
+              <a:rPr lang="ko-KR" altLang="en-US" dirty="0" err="1"/>
+              <a:t>엔터</a:t>
+            </a:r>
+            <a:r>
+              <a:rPr lang="en-US" altLang="ko-KR" dirty="0"/>
+              <a:t>) </a:t>
+            </a:r>
+          </a:p>
+          <a:p>
+            <a:pPr>
+              <a:buSzPct val="100000"/>
+              <a:defRPr sz="3600"/>
+            </a:pPr>
+            <a:r>
+              <a:rPr lang="en-US" altLang="ko-KR" dirty="0"/>
+              <a:t>(</a:t>
+            </a:r>
+            <a:r>
+              <a:rPr lang="ko-KR" altLang="en-US" dirty="0"/>
+              <a:t>문단</a:t>
+            </a:r>
+            <a:r>
+              <a:rPr lang="en-US" altLang="ko-KR" dirty="0"/>
+              <a:t>)</a:t>
+            </a:r>
+          </a:p>
+          <a:p>
+            <a:pPr>
+              <a:buSzPct val="100000"/>
+              <a:defRPr sz="3600"/>
+            </a:pPr>
+            <a:endParaRPr lang="en-US" altLang="ko-KR" dirty="0"/>
+          </a:p>
+          <a:p>
+            <a:pPr>
+              <a:buSzPct val="100000"/>
+              <a:defRPr sz="3600"/>
+            </a:pPr>
+            <a:r>
+              <a:rPr lang="ko-KR" altLang="en-US" dirty="0"/>
+              <a:t>이런 경우가 나타남</a:t>
+            </a:r>
+            <a:r>
+              <a:rPr lang="en-US" altLang="ko-KR" dirty="0"/>
+              <a:t>.</a:t>
+            </a:r>
+          </a:p>
+        </p:txBody>
+      </p:sp>
+    </p:spTree>
+    <p:extLst>
+      <p:ext uri="{BB962C8B-B14F-4D97-AF65-F5344CB8AC3E}">
+        <p14:creationId xmlns:p14="http://schemas.microsoft.com/office/powerpoint/2010/main" val="343659977"/>
+      </p:ext>
+    </p:extLst>
+  </p:cSld>
+  <p:clrMapOvr>
+    <a:masterClrMapping/>
+  </p:clrMapOvr>
+  <p:transition spd="med"/>
+</p:sld>
+</file>
+
+<file path=ppt/slides/slide2.xml><?xml version="1.0" encoding="utf-8"?>
+<p:sld xmlns:a="http://schemas.openxmlformats.org/drawingml/2006/main" xmlns:r="http://schemas.openxmlformats.org/officeDocument/2006/relationships" xmlns:p="http://schemas.openxmlformats.org/presentationml/2006/main">
+  <p:cSld>
+    <p:spTree>
+      <p:nvGrpSpPr>
+        <p:cNvPr id="1" name=""/>
+        <p:cNvGrpSpPr/>
+        <p:nvPr/>
+      </p:nvGrpSpPr>
+      <p:grpSpPr>
+        <a:xfrm>
+          <a:off x="0" y="0"/>
+          <a:ext cx="0" cy="0"/>
+          <a:chOff x="0" y="0"/>
+          <a:chExt cx="0" cy="0"/>
+        </a:xfrm>
+      </p:grpSpPr>
+      <p:sp>
+        <p:nvSpPr>
+          <p:cNvPr id="122" name="총 파일 개수 count…"/>
+          <p:cNvSpPr txBox="1"/>
+          <p:nvPr/>
+        </p:nvSpPr>
+        <p:spPr>
+          <a:xfrm>
+            <a:off x="824633" y="762853"/>
+            <a:ext cx="11544623" cy="8227893"/>
+          </a:xfrm>
+          <a:prstGeom prst="rect">
+            <a:avLst/>
+          </a:prstGeom>
+          <a:ln w="12700">
+            <a:miter lim="400000"/>
+          </a:ln>
+          <a:extLst>
+            <a:ext uri="{C572A759-6A51-4108-AA02-DFA0A04FC94B}">
+              <ma14:wrappingTextBoxFlag xmlns="" xmlns:ma14="http://schemas.microsoft.com/office/mac/drawingml/2011/main" val="1"/>
+            </a:ext>
+          </a:extLst>
+        </p:spPr>
+        <p:txBody>
+          <a:bodyPr lIns="50800" tIns="50800" rIns="50800" bIns="50800" anchor="ctr">
+            <a:spAutoFit/>
+          </a:bodyPr>
+          <a:lstStyle/>
+          <a:p>
+            <a:pPr marL="714375" indent="-714375" algn="l">
+              <a:buSzPct val="100000"/>
+              <a:buAutoNum type="arabicPeriod"/>
+              <a:defRPr sz="3600"/>
+            </a:pPr>
+            <a:r>
+              <a:rPr sz="3300" dirty="0"/>
+              <a:t>총 </a:t>
+            </a:r>
+            <a:r>
+              <a:rPr sz="3300" dirty="0" err="1"/>
+              <a:t>파일</a:t>
+            </a:r>
+            <a:r>
+              <a:rPr sz="3300" dirty="0"/>
+              <a:t> </a:t>
+            </a:r>
+            <a:r>
+              <a:rPr sz="3300" dirty="0" err="1"/>
+              <a:t>개수</a:t>
+            </a:r>
+            <a:r>
+              <a:rPr sz="3300" dirty="0"/>
+              <a:t> count</a:t>
+            </a:r>
+          </a:p>
+          <a:p>
+            <a:pPr marL="714375" indent="-714375" algn="l">
+              <a:buSzPct val="100000"/>
+              <a:buAutoNum type="arabicPeriod"/>
+              <a:defRPr sz="3600"/>
+            </a:pPr>
+            <a:r>
+              <a:rPr sz="3300" dirty="0" err="1"/>
+              <a:t>파일</a:t>
+            </a:r>
+            <a:r>
+              <a:rPr sz="3300" dirty="0"/>
+              <a:t> </a:t>
+            </a:r>
+            <a:r>
+              <a:rPr sz="3300" dirty="0" err="1"/>
+              <a:t>관련</a:t>
+            </a:r>
+            <a:r>
+              <a:rPr sz="3300" dirty="0"/>
+              <a:t> </a:t>
+            </a:r>
+            <a:r>
+              <a:rPr sz="3300" dirty="0" err="1"/>
+              <a:t>데이터</a:t>
+            </a:r>
+            <a:r>
+              <a:rPr sz="3300" dirty="0"/>
+              <a:t> </a:t>
+            </a:r>
+            <a:r>
+              <a:rPr sz="3300" dirty="0" err="1"/>
+              <a:t>저장하기</a:t>
+            </a:r>
+            <a:r>
+              <a:rPr sz="3300" dirty="0"/>
+              <a:t> </a:t>
+            </a:r>
+            <a:r>
+              <a:rPr sz="3300" dirty="0" err="1"/>
+              <a:t>위해</a:t>
+            </a:r>
+            <a:r>
+              <a:rPr sz="3300" dirty="0"/>
+              <a:t> </a:t>
+            </a:r>
+            <a:r>
+              <a:rPr sz="3300" dirty="0" err="1"/>
+              <a:t>동적할당</a:t>
+            </a:r>
+            <a:endParaRPr sz="3300" dirty="0"/>
+          </a:p>
+          <a:p>
+            <a:pPr marL="714375" indent="-714375" algn="l">
+              <a:buSzPct val="100000"/>
+              <a:buAutoNum type="arabicPeriod"/>
+              <a:defRPr sz="3600"/>
+            </a:pPr>
+            <a:r>
+              <a:rPr sz="3300" dirty="0" err="1"/>
+              <a:t>Strstr</a:t>
+            </a:r>
+            <a:r>
+              <a:rPr sz="3300" dirty="0"/>
+              <a:t> </a:t>
+            </a:r>
+            <a:r>
+              <a:rPr sz="3300" dirty="0" err="1"/>
+              <a:t>함수로</a:t>
+            </a:r>
+            <a:r>
+              <a:rPr sz="3300" dirty="0"/>
+              <a:t> </a:t>
+            </a:r>
+            <a:r>
+              <a:rPr sz="3300" dirty="0" err="1"/>
+              <a:t>관련</a:t>
+            </a:r>
+            <a:r>
+              <a:rPr sz="3300" dirty="0"/>
+              <a:t> </a:t>
+            </a:r>
+            <a:r>
+              <a:rPr sz="3300" dirty="0" err="1"/>
+              <a:t>키워드</a:t>
+            </a:r>
+            <a:r>
+              <a:rPr sz="3300" dirty="0"/>
+              <a:t> </a:t>
+            </a:r>
+            <a:r>
+              <a:rPr sz="3300" dirty="0" err="1"/>
+              <a:t>검색</a:t>
+            </a:r>
+            <a:r>
+              <a:rPr sz="3300" dirty="0"/>
+              <a:t> &amp; </a:t>
+            </a:r>
+            <a:r>
+              <a:rPr sz="3300" dirty="0" err="1"/>
+              <a:t>포인터</a:t>
+            </a:r>
+            <a:r>
+              <a:rPr sz="3300" dirty="0"/>
+              <a:t> </a:t>
+            </a:r>
+            <a:r>
+              <a:rPr sz="3300" dirty="0" err="1"/>
+              <a:t>위치를</a:t>
+            </a:r>
+            <a:r>
+              <a:rPr sz="3300" dirty="0"/>
+              <a:t> </a:t>
+            </a:r>
+            <a:r>
+              <a:rPr sz="3300" dirty="0" err="1"/>
+              <a:t>옮겨가며</a:t>
+            </a:r>
+            <a:r>
+              <a:rPr sz="3300" dirty="0"/>
+              <a:t> </a:t>
+            </a:r>
+            <a:r>
+              <a:rPr sz="3300" dirty="0" err="1"/>
+              <a:t>키워드의</a:t>
+            </a:r>
+            <a:r>
+              <a:rPr sz="3300" dirty="0"/>
+              <a:t> </a:t>
+            </a:r>
+            <a:r>
+              <a:rPr sz="3300" dirty="0" err="1"/>
+              <a:t>개수</a:t>
+            </a:r>
+            <a:r>
+              <a:rPr sz="3300" dirty="0"/>
+              <a:t> count</a:t>
+            </a:r>
+          </a:p>
+          <a:p>
+            <a:pPr marL="714375" indent="-714375" algn="l">
+              <a:buSzPct val="100000"/>
+              <a:buAutoNum type="arabicPeriod"/>
+              <a:defRPr sz="3600"/>
+            </a:pPr>
+            <a:r>
+              <a:rPr sz="3300" dirty="0"/>
+              <a:t>Ranking </a:t>
+            </a:r>
+            <a:r>
+              <a:rPr sz="3300" dirty="0" err="1"/>
+              <a:t>매김</a:t>
+            </a:r>
+            <a:endParaRPr sz="3300" dirty="0"/>
+          </a:p>
+          <a:p>
+            <a:pPr algn="l">
+              <a:defRPr sz="3600"/>
+            </a:pPr>
+            <a:r>
+              <a:rPr sz="3300" dirty="0"/>
+              <a:t>4-1) </a:t>
+            </a:r>
+            <a:r>
+              <a:rPr sz="3300" dirty="0" err="1"/>
+              <a:t>Ranking을</a:t>
+            </a:r>
+            <a:r>
+              <a:rPr sz="3300" dirty="0"/>
+              <a:t> </a:t>
+            </a:r>
+            <a:r>
+              <a:rPr sz="3300" dirty="0" err="1"/>
+              <a:t>매기는</a:t>
+            </a:r>
+            <a:r>
+              <a:rPr sz="3300" dirty="0"/>
+              <a:t> </a:t>
+            </a:r>
+            <a:r>
+              <a:rPr sz="3300" dirty="0" err="1"/>
+              <a:t>방법은</a:t>
+            </a:r>
+            <a:r>
+              <a:rPr sz="3300" dirty="0"/>
+              <a:t> </a:t>
+            </a:r>
+            <a:r>
+              <a:rPr sz="3300" dirty="0" err="1"/>
+              <a:t>다양할</a:t>
+            </a:r>
+            <a:r>
+              <a:rPr sz="3300" dirty="0"/>
+              <a:t> 수 </a:t>
+            </a:r>
+            <a:r>
+              <a:rPr sz="3300" dirty="0" err="1"/>
+              <a:t>있음</a:t>
+            </a:r>
+            <a:endParaRPr sz="3300" dirty="0"/>
+          </a:p>
+          <a:p>
+            <a:pPr algn="l">
+              <a:defRPr sz="3600"/>
+            </a:pPr>
+            <a:r>
+              <a:rPr sz="3300" dirty="0"/>
+              <a:t>4-2) </a:t>
+            </a:r>
+            <a:r>
+              <a:rPr sz="3300" dirty="0" err="1"/>
+              <a:t>그러나</a:t>
+            </a:r>
+            <a:r>
+              <a:rPr sz="3300" dirty="0"/>
+              <a:t> </a:t>
+            </a:r>
+            <a:r>
+              <a:rPr sz="3300" dirty="0" err="1"/>
+              <a:t>키워드의</a:t>
+            </a:r>
+            <a:r>
+              <a:rPr sz="3300" dirty="0"/>
+              <a:t> </a:t>
+            </a:r>
+            <a:r>
+              <a:rPr sz="3300" dirty="0" err="1"/>
+              <a:t>개수가</a:t>
+            </a:r>
+            <a:r>
+              <a:rPr sz="3300" dirty="0"/>
+              <a:t> </a:t>
+            </a:r>
+            <a:r>
+              <a:rPr sz="3300" dirty="0" err="1"/>
+              <a:t>가장</a:t>
+            </a:r>
+            <a:r>
+              <a:rPr sz="3300" dirty="0"/>
+              <a:t> 큰 </a:t>
+            </a:r>
+            <a:r>
+              <a:rPr sz="3300" dirty="0" err="1"/>
+              <a:t>영향을</a:t>
+            </a:r>
+            <a:r>
+              <a:rPr sz="3300" dirty="0"/>
+              <a:t> </a:t>
+            </a:r>
+            <a:r>
+              <a:rPr sz="3300" dirty="0" err="1"/>
+              <a:t>미치며</a:t>
+            </a:r>
+            <a:r>
+              <a:rPr sz="3300" dirty="0"/>
+              <a:t> </a:t>
+            </a:r>
+            <a:r>
+              <a:rPr sz="3300" dirty="0" err="1"/>
+              <a:t>실제</a:t>
+            </a:r>
+            <a:r>
+              <a:rPr sz="3300" dirty="0"/>
+              <a:t> </a:t>
+            </a:r>
+            <a:r>
+              <a:rPr sz="3300" dirty="0" err="1"/>
+              <a:t>검색</a:t>
+            </a:r>
+            <a:r>
+              <a:rPr sz="3300" dirty="0"/>
+              <a:t> </a:t>
+            </a:r>
+            <a:r>
+              <a:rPr sz="3300" dirty="0" err="1"/>
+              <a:t>시에도</a:t>
+            </a:r>
+            <a:r>
+              <a:rPr sz="3300" dirty="0"/>
+              <a:t> </a:t>
+            </a:r>
+            <a:r>
+              <a:rPr sz="3300" dirty="0" err="1"/>
+              <a:t>키워드의</a:t>
+            </a:r>
+            <a:r>
+              <a:rPr sz="3300" dirty="0"/>
+              <a:t> </a:t>
+            </a:r>
+            <a:r>
+              <a:rPr sz="3300" dirty="0" err="1"/>
+              <a:t>개수가</a:t>
+            </a:r>
+            <a:r>
+              <a:rPr sz="3300" dirty="0"/>
+              <a:t> 큰 </a:t>
+            </a:r>
+            <a:r>
+              <a:rPr sz="3300" dirty="0" err="1"/>
+              <a:t>부분을</a:t>
+            </a:r>
+            <a:r>
+              <a:rPr sz="3300" dirty="0"/>
+              <a:t> </a:t>
+            </a:r>
+            <a:r>
+              <a:rPr sz="3300" dirty="0" err="1"/>
+              <a:t>차지함</a:t>
+            </a:r>
+            <a:r>
+              <a:rPr sz="3300" dirty="0"/>
+              <a:t>.</a:t>
+            </a:r>
+          </a:p>
+          <a:p>
+            <a:pPr algn="l">
+              <a:defRPr sz="3600" u="sng">
+                <a:solidFill>
+                  <a:srgbClr val="FF4561"/>
+                </a:solidFill>
+              </a:defRPr>
+            </a:pPr>
+            <a:r>
+              <a:rPr sz="3300" dirty="0"/>
+              <a:t>4-3) </a:t>
+            </a:r>
+            <a:r>
+              <a:rPr sz="3300" dirty="0" err="1"/>
+              <a:t>키워드의</a:t>
+            </a:r>
+            <a:r>
+              <a:rPr sz="3300" dirty="0"/>
+              <a:t> </a:t>
+            </a:r>
+            <a:r>
+              <a:rPr sz="3300" dirty="0" err="1"/>
+              <a:t>비율은</a:t>
+            </a:r>
+            <a:r>
+              <a:rPr sz="3300" dirty="0"/>
+              <a:t> </a:t>
+            </a:r>
+            <a:r>
+              <a:rPr sz="3300" dirty="0" err="1"/>
+              <a:t>가중치를</a:t>
+            </a:r>
+            <a:r>
+              <a:rPr sz="3300" dirty="0"/>
+              <a:t> </a:t>
+            </a:r>
+            <a:r>
+              <a:rPr sz="3300" dirty="0" err="1"/>
+              <a:t>곱해</a:t>
+            </a:r>
+            <a:r>
+              <a:rPr sz="3300" dirty="0"/>
+              <a:t> </a:t>
+            </a:r>
+            <a:r>
+              <a:rPr sz="3300" dirty="0" err="1"/>
+              <a:t>랭킹에서</a:t>
+            </a:r>
+            <a:r>
+              <a:rPr sz="3300" dirty="0"/>
+              <a:t> </a:t>
+            </a:r>
+            <a:r>
+              <a:rPr sz="3300" dirty="0" err="1"/>
+              <a:t>차지하는</a:t>
+            </a:r>
+            <a:r>
+              <a:rPr sz="3300" dirty="0"/>
+              <a:t> </a:t>
+            </a:r>
+            <a:r>
+              <a:rPr sz="3300" dirty="0" err="1"/>
+              <a:t>부분을</a:t>
+            </a:r>
+            <a:r>
+              <a:rPr sz="3300" dirty="0"/>
+              <a:t> </a:t>
+            </a:r>
+            <a:r>
+              <a:rPr sz="3300" dirty="0" err="1"/>
+              <a:t>줄임</a:t>
+            </a:r>
+            <a:r>
+              <a:rPr sz="3300" dirty="0"/>
+              <a:t>.(</a:t>
+            </a:r>
+            <a:r>
+              <a:rPr sz="3300" dirty="0" err="1"/>
+              <a:t>사용하지</a:t>
+            </a:r>
+            <a:r>
+              <a:rPr sz="3300" dirty="0"/>
+              <a:t> </a:t>
+            </a:r>
+            <a:r>
+              <a:rPr sz="3300" dirty="0" err="1"/>
+              <a:t>않음</a:t>
+            </a:r>
+            <a:r>
+              <a:rPr sz="3300" dirty="0"/>
+              <a:t>)</a:t>
+            </a:r>
+          </a:p>
+          <a:p>
+            <a:pPr algn="l">
+              <a:defRPr sz="3600">
+                <a:solidFill>
+                  <a:srgbClr val="FFFBF5"/>
+                </a:solidFill>
+              </a:defRPr>
+            </a:pPr>
+            <a:r>
+              <a:rPr sz="3300" dirty="0"/>
+              <a:t>4-4) </a:t>
+            </a:r>
+            <a:r>
+              <a:rPr sz="3300" dirty="0" err="1"/>
+              <a:t>키워드의</a:t>
+            </a:r>
+            <a:r>
+              <a:rPr sz="3300" dirty="0"/>
+              <a:t> </a:t>
+            </a:r>
+            <a:r>
+              <a:rPr sz="3300" dirty="0" err="1"/>
+              <a:t>앞뒤</a:t>
+            </a:r>
+            <a:r>
+              <a:rPr sz="3300" dirty="0"/>
+              <a:t> </a:t>
+            </a:r>
+            <a:r>
+              <a:rPr sz="3300" dirty="0" err="1"/>
+              <a:t>공백을</a:t>
+            </a:r>
+            <a:r>
+              <a:rPr sz="3300" dirty="0"/>
+              <a:t> </a:t>
+            </a:r>
+            <a:r>
+              <a:rPr sz="3300" dirty="0" err="1"/>
+              <a:t>체크</a:t>
+            </a:r>
+            <a:r>
+              <a:rPr sz="3300" dirty="0"/>
+              <a:t>. </a:t>
+            </a:r>
+            <a:r>
+              <a:rPr sz="3300" dirty="0" err="1"/>
+              <a:t>파생어를</a:t>
+            </a:r>
+            <a:r>
+              <a:rPr sz="3300" dirty="0"/>
+              <a:t> </a:t>
+            </a:r>
+            <a:r>
+              <a:rPr sz="3300" dirty="0" err="1"/>
+              <a:t>제외하기</a:t>
+            </a:r>
+            <a:r>
+              <a:rPr sz="3300" dirty="0"/>
+              <a:t> </a:t>
+            </a:r>
+            <a:r>
+              <a:rPr sz="3300" dirty="0" err="1"/>
+              <a:t>위해서</a:t>
+            </a:r>
+            <a:r>
+              <a:rPr sz="3300" dirty="0"/>
+              <a:t>.</a:t>
+            </a:r>
+          </a:p>
+          <a:p>
+            <a:pPr algn="l">
+              <a:defRPr sz="3600">
+                <a:solidFill>
+                  <a:srgbClr val="FFFBF5"/>
+                </a:solidFill>
+              </a:defRPr>
+            </a:pPr>
+            <a:r>
+              <a:rPr sz="3300" dirty="0"/>
+              <a:t>(</a:t>
+            </a:r>
+            <a:r>
+              <a:rPr sz="3300" dirty="0" err="1"/>
+              <a:t>예를</a:t>
+            </a:r>
+            <a:r>
+              <a:rPr sz="3300" dirty="0"/>
+              <a:t> </a:t>
+            </a:r>
+            <a:r>
+              <a:rPr sz="3300" dirty="0" err="1"/>
+              <a:t>들어</a:t>
+            </a:r>
+            <a:r>
+              <a:rPr sz="3300" dirty="0"/>
+              <a:t> </a:t>
+            </a:r>
+            <a:r>
+              <a:rPr sz="3300" dirty="0" err="1"/>
+              <a:t>and를</a:t>
+            </a:r>
+            <a:r>
+              <a:rPr sz="3300" dirty="0"/>
+              <a:t> </a:t>
+            </a:r>
+            <a:r>
+              <a:rPr sz="3300" dirty="0" err="1"/>
+              <a:t>검색했는데</a:t>
+            </a:r>
+            <a:r>
+              <a:rPr sz="3300" dirty="0"/>
+              <a:t> </a:t>
+            </a:r>
+            <a:r>
+              <a:rPr sz="3300" dirty="0" err="1"/>
+              <a:t>land가</a:t>
+            </a:r>
+            <a:r>
+              <a:rPr sz="3300" dirty="0"/>
+              <a:t> </a:t>
+            </a:r>
+            <a:r>
+              <a:rPr sz="3300" dirty="0" err="1"/>
+              <a:t>검색되는</a:t>
+            </a:r>
+            <a:r>
+              <a:rPr sz="3300" dirty="0"/>
+              <a:t> </a:t>
+            </a:r>
+            <a:r>
+              <a:rPr sz="3300" dirty="0" err="1"/>
+              <a:t>경우가</a:t>
+            </a:r>
+            <a:r>
+              <a:rPr sz="3300" dirty="0"/>
+              <a:t> </a:t>
+            </a:r>
+            <a:r>
+              <a:rPr sz="3300" dirty="0" err="1"/>
+              <a:t>있음</a:t>
+            </a:r>
+            <a:r>
+              <a:rPr sz="3300" dirty="0"/>
+              <a:t>)</a:t>
+            </a:r>
+          </a:p>
+          <a:p>
+            <a:pPr algn="l">
+              <a:defRPr sz="3600"/>
+            </a:pPr>
+            <a:endParaRPr sz="3300" dirty="0"/>
+          </a:p>
+          <a:p>
+            <a:pPr algn="l">
+              <a:defRPr sz="3600"/>
+            </a:pPr>
+            <a:r>
+              <a:rPr sz="3300" dirty="0"/>
+              <a:t>5. </a:t>
+            </a:r>
+            <a:r>
+              <a:rPr sz="3300" dirty="0" err="1"/>
+              <a:t>저장한</a:t>
+            </a:r>
+            <a:r>
+              <a:rPr sz="3300" dirty="0"/>
+              <a:t> </a:t>
+            </a:r>
+            <a:r>
+              <a:rPr sz="3300" dirty="0" err="1"/>
+              <a:t>파일</a:t>
+            </a:r>
+            <a:r>
+              <a:rPr sz="3300" dirty="0"/>
+              <a:t> </a:t>
+            </a:r>
+            <a:r>
+              <a:rPr sz="3300" dirty="0" err="1"/>
+              <a:t>관련</a:t>
+            </a:r>
+            <a:r>
+              <a:rPr sz="3300" dirty="0"/>
+              <a:t> </a:t>
+            </a:r>
+            <a:r>
+              <a:rPr sz="3300" dirty="0" err="1"/>
+              <a:t>데이터를</a:t>
+            </a:r>
+            <a:r>
+              <a:rPr sz="3300" dirty="0"/>
+              <a:t> quick </a:t>
+            </a:r>
+            <a:r>
+              <a:rPr sz="3300" dirty="0" err="1"/>
+              <a:t>sort를</a:t>
+            </a:r>
+            <a:r>
+              <a:rPr sz="3300" dirty="0"/>
+              <a:t> </a:t>
+            </a:r>
+            <a:r>
+              <a:rPr sz="3300" dirty="0" err="1"/>
+              <a:t>통해</a:t>
+            </a:r>
+            <a:r>
+              <a:rPr sz="3300" dirty="0"/>
+              <a:t> </a:t>
+            </a:r>
+            <a:r>
+              <a:rPr sz="3300" dirty="0" err="1"/>
+              <a:t>정렬</a:t>
+            </a:r>
+            <a:endParaRPr sz="3300" dirty="0"/>
+          </a:p>
+          <a:p>
+            <a:pPr algn="l">
+              <a:defRPr sz="3600"/>
+            </a:pPr>
+            <a:endParaRPr sz="3300" dirty="0"/>
+          </a:p>
+          <a:p>
+            <a:pPr algn="l">
+              <a:defRPr sz="3600"/>
+            </a:pPr>
+            <a:r>
+              <a:rPr sz="3300" dirty="0"/>
+              <a:t>6. </a:t>
+            </a:r>
+            <a:r>
+              <a:rPr sz="3300" dirty="0" err="1"/>
+              <a:t>출력</a:t>
+            </a:r>
+            <a:endParaRPr sz="3300" dirty="0"/>
           </a:p>
         </p:txBody>
       </p:sp>
@@ -3451,7 +5301,942 @@
 </p:sld>
 </file>
 
-<file path=ppt/slides/slide12.xml><?xml version="1.0" encoding="utf-8"?>
+<file path=ppt/slides/slide20.xml><?xml version="1.0" encoding="utf-8"?>
+<p:sld xmlns:a="http://schemas.openxmlformats.org/drawingml/2006/main" xmlns:r="http://schemas.openxmlformats.org/officeDocument/2006/relationships" xmlns:p="http://schemas.openxmlformats.org/presentationml/2006/main">
+  <p:cSld>
+    <p:spTree>
+      <p:nvGrpSpPr>
+        <p:cNvPr id="1" name=""/>
+        <p:cNvGrpSpPr/>
+        <p:nvPr/>
+      </p:nvGrpSpPr>
+      <p:grpSpPr>
+        <a:xfrm>
+          <a:off x="0" y="0"/>
+          <a:ext cx="0" cy="0"/>
+          <a:chOff x="0" y="0"/>
+          <a:chExt cx="0" cy="0"/>
+        </a:xfrm>
+      </p:grpSpPr>
+      <p:sp>
+        <p:nvSpPr>
+          <p:cNvPr id="6" name="총 파일 개수 count…">
+            <a:extLst>
+              <a:ext uri="{FF2B5EF4-FFF2-40B4-BE49-F238E27FC236}">
+                <a16:creationId xmlns:a16="http://schemas.microsoft.com/office/drawing/2014/main" id="{10E63FBE-8A93-428C-9537-718641D20576}"/>
+              </a:ext>
+            </a:extLst>
+          </p:cNvPr>
+          <p:cNvSpPr txBox="1"/>
+          <p:nvPr/>
+        </p:nvSpPr>
+        <p:spPr>
+          <a:xfrm>
+            <a:off x="579156" y="704169"/>
+            <a:ext cx="11544623" cy="2318583"/>
+          </a:xfrm>
+          <a:prstGeom prst="rect">
+            <a:avLst/>
+          </a:prstGeom>
+          <a:ln w="12700">
+            <a:miter lim="400000"/>
+          </a:ln>
+          <a:extLst>
+            <a:ext uri="{C572A759-6A51-4108-AA02-DFA0A04FC94B}">
+              <ma14:wrappingTextBoxFlag xmlns="" xmlns:ma14="http://schemas.microsoft.com/office/mac/drawingml/2011/main" val="1"/>
+            </a:ext>
+          </a:extLst>
+        </p:spPr>
+        <p:txBody>
+          <a:bodyPr lIns="50800" tIns="50800" rIns="50800" bIns="50800" anchor="ctr">
+            <a:spAutoFit/>
+          </a:bodyPr>
+          <a:lstStyle/>
+          <a:p>
+            <a:pPr>
+              <a:buSzPct val="100000"/>
+              <a:defRPr sz="3600"/>
+            </a:pPr>
+            <a:r>
+              <a:rPr lang="ko-KR" altLang="en-US" dirty="0"/>
+              <a:t>따라서 </a:t>
+            </a:r>
+            <a:r>
+              <a:rPr lang="ko-KR" altLang="en-US" dirty="0" err="1"/>
+              <a:t>엔터</a:t>
+            </a:r>
+            <a:r>
+              <a:rPr lang="ko-KR" altLang="en-US" dirty="0"/>
+              <a:t> 관련 예외처리가 필요</a:t>
+            </a:r>
+            <a:r>
+              <a:rPr lang="en-US" altLang="ko-KR" dirty="0"/>
+              <a:t>.</a:t>
+            </a:r>
+          </a:p>
+          <a:p>
+            <a:pPr>
+              <a:buSzPct val="100000"/>
+              <a:defRPr sz="3600"/>
+            </a:pPr>
+            <a:endParaRPr lang="en-US" altLang="ko-KR" dirty="0"/>
+          </a:p>
+          <a:p>
+            <a:pPr>
+              <a:buSzPct val="100000"/>
+              <a:defRPr sz="3600"/>
+            </a:pPr>
+            <a:r>
+              <a:rPr lang="ko-KR" altLang="en-US" dirty="0" err="1"/>
+              <a:t>엔터</a:t>
+            </a:r>
+            <a:r>
+              <a:rPr lang="ko-KR" altLang="en-US" dirty="0"/>
+              <a:t> </a:t>
+            </a:r>
+            <a:r>
+              <a:rPr lang="en-US" altLang="ko-KR" dirty="0"/>
+              <a:t>+ (</a:t>
+            </a:r>
+            <a:r>
+              <a:rPr lang="ko-KR" altLang="en-US" dirty="0"/>
+              <a:t>첫 문단의 단어 </a:t>
+            </a:r>
+            <a:r>
+              <a:rPr lang="en-US" altLang="ko-KR" dirty="0"/>
+              <a:t>= </a:t>
+            </a:r>
+            <a:r>
+              <a:rPr lang="ko-KR" altLang="en-US" dirty="0"/>
+              <a:t>키워드</a:t>
+            </a:r>
+            <a:r>
+              <a:rPr lang="en-US" altLang="ko-KR" dirty="0"/>
+              <a:t>) </a:t>
+            </a:r>
+            <a:r>
+              <a:rPr lang="ko-KR" altLang="en-US" dirty="0"/>
+              <a:t>상황과</a:t>
+            </a:r>
+            <a:endParaRPr lang="en-US" altLang="ko-KR" dirty="0"/>
+          </a:p>
+          <a:p>
+            <a:pPr>
+              <a:buSzPct val="100000"/>
+              <a:defRPr sz="3600"/>
+            </a:pPr>
+            <a:r>
+              <a:rPr lang="ko-KR" altLang="en-US" dirty="0" err="1"/>
+              <a:t>엔터</a:t>
+            </a:r>
+            <a:r>
+              <a:rPr lang="ko-KR" altLang="en-US" dirty="0"/>
+              <a:t> </a:t>
+            </a:r>
+            <a:r>
+              <a:rPr lang="en-US" altLang="ko-KR" dirty="0"/>
+              <a:t>+ (</a:t>
+            </a:r>
+            <a:r>
+              <a:rPr lang="ko-KR" altLang="en-US" dirty="0"/>
+              <a:t>키워드 </a:t>
+            </a:r>
+            <a:r>
+              <a:rPr lang="en-US" altLang="ko-KR" dirty="0"/>
+              <a:t>+ ’)</a:t>
+            </a:r>
+            <a:r>
+              <a:rPr lang="ko-KR" altLang="en-US" dirty="0"/>
+              <a:t>의 상황을 처리함</a:t>
+            </a:r>
+            <a:endParaRPr dirty="0"/>
+          </a:p>
+        </p:txBody>
+      </p:sp>
+      <p:pic>
+        <p:nvPicPr>
+          <p:cNvPr id="3" name="그림 2">
+            <a:extLst>
+              <a:ext uri="{FF2B5EF4-FFF2-40B4-BE49-F238E27FC236}">
+                <a16:creationId xmlns:a16="http://schemas.microsoft.com/office/drawing/2014/main" id="{0DD58303-3F92-4C08-8FE0-3C9E105EAC5A}"/>
+              </a:ext>
+            </a:extLst>
+          </p:cNvPr>
+          <p:cNvPicPr>
+            <a:picLocks noChangeAspect="1"/>
+          </p:cNvPicPr>
+          <p:nvPr/>
+        </p:nvPicPr>
+        <p:blipFill>
+          <a:blip r:embed="rId2">
+            <a:extLst>
+              <a:ext uri="{28A0092B-C50C-407E-A947-70E740481C1C}">
+                <a14:useLocalDpi xmlns:a14="http://schemas.microsoft.com/office/drawing/2010/main" val="0"/>
+              </a:ext>
+            </a:extLst>
+          </a:blip>
+          <a:stretch>
+            <a:fillRect/>
+          </a:stretch>
+        </p:blipFill>
+        <p:spPr>
+          <a:xfrm>
+            <a:off x="1542631" y="3725164"/>
+            <a:ext cx="9500088" cy="5054860"/>
+          </a:xfrm>
+          <a:prstGeom prst="rect">
+            <a:avLst/>
+          </a:prstGeom>
+        </p:spPr>
+      </p:pic>
+    </p:spTree>
+    <p:extLst>
+      <p:ext uri="{BB962C8B-B14F-4D97-AF65-F5344CB8AC3E}">
+        <p14:creationId xmlns:p14="http://schemas.microsoft.com/office/powerpoint/2010/main" val="4078709071"/>
+      </p:ext>
+    </p:extLst>
+  </p:cSld>
+  <p:clrMapOvr>
+    <a:masterClrMapping/>
+  </p:clrMapOvr>
+  <p:transition spd="med"/>
+</p:sld>
+</file>
+
+<file path=ppt/slides/slide21.xml><?xml version="1.0" encoding="utf-8"?>
+<p:sld xmlns:a="http://schemas.openxmlformats.org/drawingml/2006/main" xmlns:r="http://schemas.openxmlformats.org/officeDocument/2006/relationships" xmlns:p="http://schemas.openxmlformats.org/presentationml/2006/main">
+  <p:cSld>
+    <p:spTree>
+      <p:nvGrpSpPr>
+        <p:cNvPr id="1" name=""/>
+        <p:cNvGrpSpPr/>
+        <p:nvPr/>
+      </p:nvGrpSpPr>
+      <p:grpSpPr>
+        <a:xfrm>
+          <a:off x="0" y="0"/>
+          <a:ext cx="0" cy="0"/>
+          <a:chOff x="0" y="0"/>
+          <a:chExt cx="0" cy="0"/>
+        </a:xfrm>
+      </p:grpSpPr>
+      <p:pic>
+        <p:nvPicPr>
+          <p:cNvPr id="137" name="소문자 변환.png" descr="소문자 변환.png"/>
+          <p:cNvPicPr>
+            <a:picLocks noChangeAspect="1"/>
+          </p:cNvPicPr>
+          <p:nvPr/>
+        </p:nvPicPr>
+        <p:blipFill>
+          <a:blip r:embed="rId2">
+            <a:extLst/>
+          </a:blip>
+          <a:stretch>
+            <a:fillRect/>
+          </a:stretch>
+        </p:blipFill>
+        <p:spPr>
+          <a:xfrm>
+            <a:off x="4729354" y="5609485"/>
+            <a:ext cx="3546092" cy="632547"/>
+          </a:xfrm>
+          <a:prstGeom prst="rect">
+            <a:avLst/>
+          </a:prstGeom>
+          <a:ln w="12700">
+            <a:miter lim="400000"/>
+          </a:ln>
+        </p:spPr>
+      </p:pic>
+      <p:sp>
+        <p:nvSpPr>
+          <p:cNvPr id="138" name="4 +. 입력 관련…"/>
+          <p:cNvSpPr txBox="1"/>
+          <p:nvPr/>
+        </p:nvSpPr>
+        <p:spPr>
+          <a:xfrm>
+            <a:off x="904260" y="825620"/>
+            <a:ext cx="11673067" cy="2410916"/>
+          </a:xfrm>
+          <a:prstGeom prst="rect">
+            <a:avLst/>
+          </a:prstGeom>
+          <a:ln w="12700">
+            <a:miter lim="400000"/>
+          </a:ln>
+          <a:extLst>
+            <a:ext uri="{C572A759-6A51-4108-AA02-DFA0A04FC94B}">
+              <ma14:wrappingTextBoxFlag xmlns="" xmlns:ma14="http://schemas.microsoft.com/office/mac/drawingml/2011/main" val="1"/>
+            </a:ext>
+          </a:extLst>
+        </p:spPr>
+        <p:txBody>
+          <a:bodyPr wrap="none" lIns="50800" tIns="50800" rIns="50800" bIns="50800" anchor="ctr">
+            <a:spAutoFit/>
+          </a:bodyPr>
+          <a:lstStyle/>
+          <a:p>
+            <a:pPr algn="just">
+              <a:defRPr sz="3000"/>
+            </a:pPr>
+            <a:r>
+              <a:rPr sz="2500" dirty="0"/>
+              <a:t>4 +. </a:t>
+            </a:r>
+            <a:r>
+              <a:rPr sz="2500" dirty="0" err="1"/>
+              <a:t>입력</a:t>
+            </a:r>
+            <a:r>
+              <a:rPr sz="2500" dirty="0"/>
+              <a:t> </a:t>
+            </a:r>
+            <a:r>
+              <a:rPr sz="2500" dirty="0" err="1"/>
+              <a:t>관련</a:t>
+            </a:r>
+            <a:endParaRPr sz="2500" dirty="0"/>
+          </a:p>
+          <a:p>
+            <a:pPr algn="just">
+              <a:defRPr sz="3000"/>
+            </a:pPr>
+            <a:endParaRPr sz="2500" dirty="0"/>
+          </a:p>
+          <a:p>
+            <a:pPr algn="just">
+              <a:defRPr sz="3000"/>
+            </a:pPr>
+            <a:r>
+              <a:rPr sz="2500" dirty="0"/>
+              <a:t>맨 </a:t>
+            </a:r>
+            <a:r>
+              <a:rPr sz="2500" dirty="0" err="1"/>
+              <a:t>앞에</a:t>
+            </a:r>
+            <a:r>
+              <a:rPr sz="2500" dirty="0"/>
+              <a:t> </a:t>
+            </a:r>
+            <a:r>
+              <a:rPr sz="2500" dirty="0" err="1"/>
+              <a:t>단어가</a:t>
+            </a:r>
+            <a:r>
+              <a:rPr sz="2500" dirty="0"/>
+              <a:t> </a:t>
+            </a:r>
+            <a:r>
+              <a:rPr sz="2500" dirty="0" err="1"/>
+              <a:t>나올</a:t>
+            </a:r>
+            <a:r>
+              <a:rPr sz="2500" dirty="0"/>
+              <a:t> </a:t>
+            </a:r>
+            <a:r>
+              <a:rPr sz="2500" dirty="0" err="1"/>
+              <a:t>경우</a:t>
+            </a:r>
+            <a:r>
+              <a:rPr sz="2500" dirty="0"/>
+              <a:t> (</a:t>
+            </a:r>
+            <a:r>
+              <a:rPr sz="2500" dirty="0" err="1"/>
+              <a:t>대문자</a:t>
+            </a:r>
+            <a:r>
+              <a:rPr sz="2500" dirty="0"/>
+              <a:t>)(</a:t>
+            </a:r>
+            <a:r>
+              <a:rPr sz="2500" dirty="0" err="1"/>
+              <a:t>소문자</a:t>
+            </a:r>
+            <a:r>
+              <a:rPr sz="2500" dirty="0"/>
+              <a:t>)(</a:t>
+            </a:r>
+            <a:r>
+              <a:rPr sz="2500" dirty="0" err="1"/>
+              <a:t>소문자</a:t>
+            </a:r>
+            <a:r>
+              <a:rPr sz="2500" dirty="0"/>
+              <a:t>)… 과 </a:t>
+            </a:r>
+            <a:r>
+              <a:rPr sz="2500" dirty="0" err="1"/>
+              <a:t>같은</a:t>
+            </a:r>
+            <a:r>
+              <a:rPr sz="2500" dirty="0"/>
+              <a:t> </a:t>
+            </a:r>
+            <a:r>
+              <a:rPr sz="2500" dirty="0" err="1"/>
+              <a:t>단어</a:t>
+            </a:r>
+            <a:r>
+              <a:rPr sz="2500" dirty="0"/>
+              <a:t> </a:t>
+            </a:r>
+            <a:r>
+              <a:rPr sz="2500" dirty="0" err="1"/>
+              <a:t>형태를</a:t>
+            </a:r>
+            <a:r>
+              <a:rPr sz="2500" dirty="0"/>
+              <a:t> </a:t>
+            </a:r>
+            <a:r>
+              <a:rPr sz="2500" dirty="0" err="1"/>
+              <a:t>이룬다</a:t>
+            </a:r>
+            <a:r>
+              <a:rPr sz="2500" dirty="0"/>
+              <a:t>.</a:t>
+            </a:r>
+          </a:p>
+          <a:p>
+            <a:pPr algn="just">
+              <a:defRPr sz="3000"/>
+            </a:pPr>
+            <a:r>
+              <a:rPr sz="2500" dirty="0" err="1"/>
+              <a:t>현재</a:t>
+            </a:r>
+            <a:r>
+              <a:rPr sz="2500" dirty="0"/>
+              <a:t> </a:t>
+            </a:r>
+            <a:r>
+              <a:rPr sz="2500" dirty="0" err="1"/>
+              <a:t>텍스트에서</a:t>
+            </a:r>
+            <a:r>
+              <a:rPr sz="2500" dirty="0"/>
+              <a:t> </a:t>
+            </a:r>
+            <a:r>
+              <a:rPr sz="2500" dirty="0" err="1"/>
+              <a:t>키워드를</a:t>
+            </a:r>
+            <a:r>
+              <a:rPr sz="2500" dirty="0"/>
+              <a:t> </a:t>
+            </a:r>
+            <a:r>
+              <a:rPr sz="2500" dirty="0" err="1"/>
+              <a:t>찾을</a:t>
+            </a:r>
+            <a:r>
+              <a:rPr sz="2500" dirty="0"/>
+              <a:t> </a:t>
+            </a:r>
+            <a:r>
+              <a:rPr sz="2500" dirty="0" err="1"/>
+              <a:t>때는</a:t>
+            </a:r>
+            <a:r>
+              <a:rPr sz="2500" dirty="0"/>
+              <a:t> </a:t>
+            </a:r>
+            <a:r>
+              <a:rPr sz="2500" dirty="0" err="1"/>
+              <a:t>입력시킨</a:t>
+            </a:r>
+            <a:r>
+              <a:rPr sz="2500" dirty="0"/>
+              <a:t> </a:t>
+            </a:r>
+            <a:r>
+              <a:rPr sz="2500" dirty="0" err="1"/>
+              <a:t>것과</a:t>
+            </a:r>
+            <a:r>
+              <a:rPr sz="2500" dirty="0"/>
+              <a:t> </a:t>
+            </a:r>
+            <a:r>
+              <a:rPr sz="2500" dirty="0" err="1"/>
+              <a:t>같은지</a:t>
+            </a:r>
+            <a:r>
+              <a:rPr sz="2500" dirty="0"/>
+              <a:t> </a:t>
+            </a:r>
+            <a:r>
+              <a:rPr sz="2500" dirty="0" err="1"/>
+              <a:t>만을</a:t>
+            </a:r>
+            <a:r>
+              <a:rPr sz="2500" dirty="0"/>
+              <a:t> </a:t>
+            </a:r>
+            <a:r>
+              <a:rPr sz="2500" dirty="0" err="1"/>
+              <a:t>확인하기</a:t>
+            </a:r>
+            <a:r>
+              <a:rPr sz="2500" dirty="0"/>
+              <a:t> </a:t>
+            </a:r>
+            <a:r>
+              <a:rPr sz="2500" dirty="0" err="1"/>
+              <a:t>때문에</a:t>
+            </a:r>
+            <a:endParaRPr sz="2500" dirty="0"/>
+          </a:p>
+          <a:p>
+            <a:pPr algn="just">
+              <a:defRPr sz="3000"/>
+            </a:pPr>
+            <a:r>
+              <a:rPr sz="2500" dirty="0" err="1"/>
+              <a:t>서치의</a:t>
+            </a:r>
+            <a:r>
+              <a:rPr sz="2500" dirty="0"/>
+              <a:t> </a:t>
+            </a:r>
+            <a:r>
+              <a:rPr sz="2500" dirty="0" err="1"/>
+              <a:t>정확도가</a:t>
+            </a:r>
+            <a:r>
+              <a:rPr sz="2500" dirty="0"/>
+              <a:t> </a:t>
+            </a:r>
+            <a:r>
+              <a:rPr sz="2500" dirty="0" err="1"/>
+              <a:t>높다고</a:t>
+            </a:r>
+            <a:r>
+              <a:rPr sz="2500" dirty="0"/>
+              <a:t> 할 수 </a:t>
+            </a:r>
+            <a:r>
+              <a:rPr sz="2500" dirty="0" err="1"/>
+              <a:t>없다</a:t>
+            </a:r>
+            <a:r>
+              <a:rPr sz="2500" dirty="0"/>
+              <a:t>. </a:t>
+            </a:r>
+          </a:p>
+          <a:p>
+            <a:pPr algn="just">
+              <a:defRPr sz="3000"/>
+            </a:pPr>
+            <a:r>
+              <a:rPr sz="2500" dirty="0" err="1"/>
+              <a:t>따라서</a:t>
+            </a:r>
+            <a:r>
+              <a:rPr sz="2500" dirty="0"/>
+              <a:t> </a:t>
+            </a:r>
+            <a:r>
+              <a:rPr sz="2500" dirty="0" err="1"/>
+              <a:t>텍스트</a:t>
+            </a:r>
+            <a:r>
+              <a:rPr sz="2500" dirty="0"/>
+              <a:t> </a:t>
+            </a:r>
+            <a:r>
+              <a:rPr sz="2500" dirty="0" err="1"/>
+              <a:t>파일과</a:t>
+            </a:r>
+            <a:r>
+              <a:rPr sz="2500" dirty="0"/>
+              <a:t> </a:t>
+            </a:r>
+            <a:r>
+              <a:rPr sz="2500" dirty="0" err="1"/>
+              <a:t>입력</a:t>
+            </a:r>
+            <a:r>
+              <a:rPr sz="2500" dirty="0"/>
+              <a:t> </a:t>
+            </a:r>
+            <a:r>
+              <a:rPr sz="2500" dirty="0" err="1"/>
+              <a:t>전체를</a:t>
+            </a:r>
+            <a:r>
+              <a:rPr sz="2500" dirty="0"/>
+              <a:t> </a:t>
+            </a:r>
+            <a:r>
+              <a:rPr sz="2500" dirty="0" err="1"/>
+              <a:t>모두</a:t>
+            </a:r>
+            <a:r>
+              <a:rPr sz="2500" dirty="0"/>
+              <a:t> </a:t>
+            </a:r>
+            <a:r>
+              <a:rPr sz="2500" dirty="0" err="1"/>
+              <a:t>소문자화시켜</a:t>
+            </a:r>
+            <a:r>
+              <a:rPr sz="2500" dirty="0"/>
+              <a:t> </a:t>
+            </a:r>
+            <a:r>
+              <a:rPr sz="2500" dirty="0" err="1"/>
+              <a:t>서치의</a:t>
+            </a:r>
+            <a:r>
+              <a:rPr sz="2500" dirty="0"/>
+              <a:t> </a:t>
+            </a:r>
+            <a:r>
+              <a:rPr sz="2500" dirty="0" err="1"/>
+              <a:t>정확도를</a:t>
+            </a:r>
+            <a:r>
+              <a:rPr sz="2500" dirty="0"/>
+              <a:t> </a:t>
+            </a:r>
+            <a:r>
+              <a:rPr sz="2500" dirty="0" err="1"/>
+              <a:t>높인다</a:t>
+            </a:r>
+            <a:r>
+              <a:rPr sz="2500" dirty="0"/>
+              <a:t>.</a:t>
+            </a:r>
+          </a:p>
+        </p:txBody>
+      </p:sp>
+    </p:spTree>
+  </p:cSld>
+  <p:clrMapOvr>
+    <a:masterClrMapping/>
+  </p:clrMapOvr>
+  <p:transition spd="med"/>
+</p:sld>
+</file>
+
+<file path=ppt/slides/slide22.xml><?xml version="1.0" encoding="utf-8"?>
+<p:sld xmlns:a="http://schemas.openxmlformats.org/drawingml/2006/main" xmlns:r="http://schemas.openxmlformats.org/officeDocument/2006/relationships" xmlns:p="http://schemas.openxmlformats.org/presentationml/2006/main">
+  <p:cSld>
+    <p:spTree>
+      <p:nvGrpSpPr>
+        <p:cNvPr id="1" name=""/>
+        <p:cNvGrpSpPr/>
+        <p:nvPr/>
+      </p:nvGrpSpPr>
+      <p:grpSpPr>
+        <a:xfrm>
+          <a:off x="0" y="0"/>
+          <a:ext cx="0" cy="0"/>
+          <a:chOff x="0" y="0"/>
+          <a:chExt cx="0" cy="0"/>
+        </a:xfrm>
+      </p:grpSpPr>
+      <p:pic>
+        <p:nvPicPr>
+          <p:cNvPr id="140" name="quicksort 관련.jpg" descr="quicksort 관련.jpg"/>
+          <p:cNvPicPr>
+            <a:picLocks noChangeAspect="1"/>
+          </p:cNvPicPr>
+          <p:nvPr/>
+        </p:nvPicPr>
+        <p:blipFill>
+          <a:blip r:embed="rId2">
+            <a:extLst/>
+          </a:blip>
+          <a:stretch>
+            <a:fillRect/>
+          </a:stretch>
+        </p:blipFill>
+        <p:spPr>
+          <a:xfrm>
+            <a:off x="739615" y="2628518"/>
+            <a:ext cx="9654690" cy="3716146"/>
+          </a:xfrm>
+          <a:prstGeom prst="rect">
+            <a:avLst/>
+          </a:prstGeom>
+          <a:ln w="12700">
+            <a:miter lim="400000"/>
+          </a:ln>
+        </p:spPr>
+      </p:pic>
+      <p:pic>
+        <p:nvPicPr>
+          <p:cNvPr id="141" name="qsort.jpg" descr="qsort.jpg"/>
+          <p:cNvPicPr>
+            <a:picLocks noChangeAspect="1"/>
+          </p:cNvPicPr>
+          <p:nvPr/>
+        </p:nvPicPr>
+        <p:blipFill>
+          <a:blip r:embed="rId3">
+            <a:extLst/>
+          </a:blip>
+          <a:stretch>
+            <a:fillRect/>
+          </a:stretch>
+        </p:blipFill>
+        <p:spPr>
+          <a:xfrm>
+            <a:off x="729297" y="7330902"/>
+            <a:ext cx="6245130" cy="428368"/>
+          </a:xfrm>
+          <a:prstGeom prst="rect">
+            <a:avLst/>
+          </a:prstGeom>
+          <a:ln w="12700">
+            <a:miter lim="400000"/>
+          </a:ln>
+        </p:spPr>
+      </p:pic>
+      <p:sp>
+        <p:nvSpPr>
+          <p:cNvPr id="142" name="4. Rank를 가지고 quick sort로 정렬한 후 출력한다."/>
+          <p:cNvSpPr txBox="1"/>
+          <p:nvPr/>
+        </p:nvSpPr>
+        <p:spPr>
+          <a:xfrm>
+            <a:off x="693790" y="806127"/>
+            <a:ext cx="8216266" cy="592074"/>
+          </a:xfrm>
+          <a:prstGeom prst="rect">
+            <a:avLst/>
+          </a:prstGeom>
+          <a:ln w="12700">
+            <a:miter lim="400000"/>
+          </a:ln>
+          <a:extLst>
+            <a:ext uri="{C572A759-6A51-4108-AA02-DFA0A04FC94B}">
+              <ma14:wrappingTextBoxFlag xmlns="" xmlns:ma14="http://schemas.microsoft.com/office/mac/drawingml/2011/main" val="1"/>
+            </a:ext>
+          </a:extLst>
+        </p:spPr>
+        <p:txBody>
+          <a:bodyPr wrap="none" lIns="50800" tIns="50800" rIns="50800" bIns="50800" anchor="ctr">
+            <a:spAutoFit/>
+          </a:bodyPr>
+          <a:lstStyle>
+            <a:lvl1pPr algn="just">
+              <a:defRPr sz="3000"/>
+            </a:lvl1pPr>
+          </a:lstStyle>
+          <a:p>
+            <a:r>
+              <a:t>4. Rank를 가지고 quick sort로 정렬한 후 출력한다.</a:t>
+            </a:r>
+          </a:p>
+        </p:txBody>
+      </p:sp>
+    </p:spTree>
+  </p:cSld>
+  <p:clrMapOvr>
+    <a:masterClrMapping/>
+  </p:clrMapOvr>
+  <p:transition spd="med"/>
+</p:sld>
+</file>
+
+<file path=ppt/slides/slide23.xml><?xml version="1.0" encoding="utf-8"?>
+<p:sld xmlns:a="http://schemas.openxmlformats.org/drawingml/2006/main" xmlns:r="http://schemas.openxmlformats.org/officeDocument/2006/relationships" xmlns:p="http://schemas.openxmlformats.org/presentationml/2006/main">
+  <p:cSld>
+    <p:spTree>
+      <p:nvGrpSpPr>
+        <p:cNvPr id="1" name=""/>
+        <p:cNvGrpSpPr/>
+        <p:nvPr/>
+      </p:nvGrpSpPr>
+      <p:grpSpPr>
+        <a:xfrm>
+          <a:off x="0" y="0"/>
+          <a:ext cx="0" cy="0"/>
+          <a:chOff x="0" y="0"/>
+          <a:chExt cx="0" cy="0"/>
+        </a:xfrm>
+      </p:grpSpPr>
+      <p:pic>
+        <p:nvPicPr>
+          <p:cNvPr id="144" name="compare 함수 수정.png" descr="compare 함수 수정.png"/>
+          <p:cNvPicPr>
+            <a:picLocks noChangeAspect="1"/>
+          </p:cNvPicPr>
+          <p:nvPr/>
+        </p:nvPicPr>
+        <p:blipFill>
+          <a:blip r:embed="rId2">
+            <a:extLst/>
+          </a:blip>
+          <a:stretch>
+            <a:fillRect/>
+          </a:stretch>
+        </p:blipFill>
+        <p:spPr>
+          <a:xfrm>
+            <a:off x="765047" y="3446829"/>
+            <a:ext cx="9557438" cy="2063730"/>
+          </a:xfrm>
+          <a:prstGeom prst="rect">
+            <a:avLst/>
+          </a:prstGeom>
+          <a:ln w="12700">
+            <a:miter lim="400000"/>
+          </a:ln>
+        </p:spPr>
+      </p:pic>
+      <p:sp>
+        <p:nvSpPr>
+          <p:cNvPr id="145" name="4 +. Rank를 가지고 quick sort로 정렬한 후 출력한다."/>
+          <p:cNvSpPr txBox="1"/>
+          <p:nvPr/>
+        </p:nvSpPr>
+        <p:spPr>
+          <a:xfrm>
+            <a:off x="693790" y="806127"/>
+            <a:ext cx="8550784" cy="592074"/>
+          </a:xfrm>
+          <a:prstGeom prst="rect">
+            <a:avLst/>
+          </a:prstGeom>
+          <a:ln w="12700">
+            <a:miter lim="400000"/>
+          </a:ln>
+          <a:extLst>
+            <a:ext uri="{C572A759-6A51-4108-AA02-DFA0A04FC94B}">
+              <ma14:wrappingTextBoxFlag xmlns="" xmlns:ma14="http://schemas.microsoft.com/office/mac/drawingml/2011/main" val="1"/>
+            </a:ext>
+          </a:extLst>
+        </p:spPr>
+        <p:txBody>
+          <a:bodyPr wrap="none" lIns="50800" tIns="50800" rIns="50800" bIns="50800" anchor="ctr">
+            <a:spAutoFit/>
+          </a:bodyPr>
+          <a:lstStyle>
+            <a:lvl1pPr algn="just">
+              <a:defRPr sz="3000"/>
+            </a:lvl1pPr>
+          </a:lstStyle>
+          <a:p>
+            <a:r>
+              <a:t>4 +. Rank를 가지고 quick sort로 정렬한 후 출력한다.</a:t>
+            </a:r>
+          </a:p>
+        </p:txBody>
+      </p:sp>
+    </p:spTree>
+  </p:cSld>
+  <p:clrMapOvr>
+    <a:masterClrMapping/>
+  </p:clrMapOvr>
+  <p:transition spd="med"/>
+</p:sld>
+</file>
+
+<file path=ppt/slides/slide24.xml><?xml version="1.0" encoding="utf-8"?>
+<p:sld xmlns:a="http://schemas.openxmlformats.org/drawingml/2006/main" xmlns:r="http://schemas.openxmlformats.org/officeDocument/2006/relationships" xmlns:p="http://schemas.openxmlformats.org/presentationml/2006/main">
+  <p:cSld>
+    <p:spTree>
+      <p:nvGrpSpPr>
+        <p:cNvPr id="1" name=""/>
+        <p:cNvGrpSpPr/>
+        <p:nvPr/>
+      </p:nvGrpSpPr>
+      <p:grpSpPr>
+        <a:xfrm>
+          <a:off x="0" y="0"/>
+          <a:ext cx="0" cy="0"/>
+          <a:chOff x="0" y="0"/>
+          <a:chExt cx="0" cy="0"/>
+        </a:xfrm>
+      </p:grpSpPr>
+      <p:pic>
+        <p:nvPicPr>
+          <p:cNvPr id="147" name="rank 0 삭제.png" descr="rank 0 삭제.png"/>
+          <p:cNvPicPr>
+            <a:picLocks noChangeAspect="1"/>
+          </p:cNvPicPr>
+          <p:nvPr/>
+        </p:nvPicPr>
+        <p:blipFill>
+          <a:blip r:embed="rId2">
+            <a:extLst/>
+          </a:blip>
+          <a:stretch>
+            <a:fillRect/>
+          </a:stretch>
+        </p:blipFill>
+        <p:spPr>
+          <a:xfrm>
+            <a:off x="1182867" y="3834824"/>
+            <a:ext cx="5437946" cy="2396821"/>
+          </a:xfrm>
+          <a:prstGeom prst="rect">
+            <a:avLst/>
+          </a:prstGeom>
+          <a:ln w="12700">
+            <a:miter lim="400000"/>
+          </a:ln>
+        </p:spPr>
+      </p:pic>
+      <p:sp>
+        <p:nvSpPr>
+          <p:cNvPr id="148" name="4 +. Rank가 0인 것은 관련성이 없는 것이므로 출력하지 않는다."/>
+          <p:cNvSpPr txBox="1"/>
+          <p:nvPr/>
+        </p:nvSpPr>
+        <p:spPr>
+          <a:xfrm>
+            <a:off x="693790" y="806127"/>
+            <a:ext cx="9790939" cy="592074"/>
+          </a:xfrm>
+          <a:prstGeom prst="rect">
+            <a:avLst/>
+          </a:prstGeom>
+          <a:ln w="12700">
+            <a:miter lim="400000"/>
+          </a:ln>
+          <a:extLst>
+            <a:ext uri="{C572A759-6A51-4108-AA02-DFA0A04FC94B}">
+              <ma14:wrappingTextBoxFlag xmlns="" xmlns:ma14="http://schemas.microsoft.com/office/mac/drawingml/2011/main" val="1"/>
+            </a:ext>
+          </a:extLst>
+        </p:spPr>
+        <p:txBody>
+          <a:bodyPr wrap="none" lIns="50800" tIns="50800" rIns="50800" bIns="50800" anchor="ctr">
+            <a:spAutoFit/>
+          </a:bodyPr>
+          <a:lstStyle>
+            <a:lvl1pPr algn="just">
+              <a:defRPr sz="3000"/>
+            </a:lvl1pPr>
+          </a:lstStyle>
+          <a:p>
+            <a:r>
+              <a:t>4 +. Rank가 0인 것은 관련성이 없는 것이므로 출력하지 않는다.</a:t>
+            </a:r>
+          </a:p>
+        </p:txBody>
+      </p:sp>
+    </p:spTree>
+  </p:cSld>
+  <p:clrMapOvr>
+    <a:masterClrMapping/>
+  </p:clrMapOvr>
+  <p:transition spd="med"/>
+</p:sld>
+</file>
+
+<file path=ppt/slides/slide25.xml><?xml version="1.0" encoding="utf-8"?>
 <p:sld xmlns:a="http://schemas.openxmlformats.org/drawingml/2006/main" xmlns:r="http://schemas.openxmlformats.org/officeDocument/2006/relationships" xmlns:p="http://schemas.openxmlformats.org/presentationml/2006/main">
   <p:cSld>
     <p:spTree>
@@ -3516,7 +6301,7 @@
           </a:ln>
           <a:extLst>
             <a:ext uri="{C572A759-6A51-4108-AA02-DFA0A04FC94B}">
-              <ma14:wrappingTextBoxFlag xmlns:ma14="http://schemas.microsoft.com/office/mac/drawingml/2011/main" xmlns="" val="1"/>
+              <ma14:wrappingTextBoxFlag xmlns="" xmlns:ma14="http://schemas.microsoft.com/office/mac/drawingml/2011/main" val="1"/>
             </a:ext>
           </a:extLst>
         </p:spPr>
@@ -3541,7 +6326,7 @@
 </p:sld>
 </file>
 
-<file path=ppt/slides/slide13.xml><?xml version="1.0" encoding="utf-8"?>
+<file path=ppt/slides/slide26.xml><?xml version="1.0" encoding="utf-8"?>
 <p:sld xmlns:a="http://schemas.openxmlformats.org/drawingml/2006/main" xmlns:r="http://schemas.openxmlformats.org/officeDocument/2006/relationships" xmlns:p="http://schemas.openxmlformats.org/presentationml/2006/main">
   <p:cSld>
     <p:spTree>
@@ -3606,7 +6391,7 @@
           </a:ln>
           <a:extLst>
             <a:ext uri="{C572A759-6A51-4108-AA02-DFA0A04FC94B}">
-              <ma14:wrappingTextBoxFlag xmlns:ma14="http://schemas.microsoft.com/office/mac/drawingml/2011/main" xmlns="" val="1"/>
+              <ma14:wrappingTextBoxFlag xmlns="" xmlns:ma14="http://schemas.microsoft.com/office/mac/drawingml/2011/main" val="1"/>
             </a:ext>
           </a:extLst>
         </p:spPr>
@@ -3631,7 +6416,121 @@
 </p:sld>
 </file>
 
-<file path=ppt/slides/slide14.xml><?xml version="1.0" encoding="utf-8"?>
+<file path=ppt/slides/slide27.xml><?xml version="1.0" encoding="utf-8"?>
+<p:sld xmlns:a="http://schemas.openxmlformats.org/drawingml/2006/main" xmlns:r="http://schemas.openxmlformats.org/officeDocument/2006/relationships" xmlns:p="http://schemas.openxmlformats.org/presentationml/2006/main">
+  <p:cSld>
+    <p:spTree>
+      <p:nvGrpSpPr>
+        <p:cNvPr id="1" name=""/>
+        <p:cNvGrpSpPr/>
+        <p:nvPr/>
+      </p:nvGrpSpPr>
+      <p:grpSpPr>
+        <a:xfrm>
+          <a:off x="0" y="0"/>
+          <a:ext cx="0" cy="0"/>
+          <a:chOff x="0" y="0"/>
+          <a:chExt cx="0" cy="0"/>
+        </a:xfrm>
+      </p:grpSpPr>
+      <p:sp>
+        <p:nvSpPr>
+          <p:cNvPr id="154" name="‘and’ 입력시"/>
+          <p:cNvSpPr txBox="1"/>
+          <p:nvPr/>
+        </p:nvSpPr>
+        <p:spPr>
+          <a:xfrm>
+            <a:off x="91033" y="239414"/>
+            <a:ext cx="3040897" cy="471924"/>
+          </a:xfrm>
+          <a:prstGeom prst="rect">
+            <a:avLst/>
+          </a:prstGeom>
+          <a:ln w="12700">
+            <a:miter lim="400000"/>
+          </a:ln>
+          <a:extLst>
+            <a:ext uri="{C572A759-6A51-4108-AA02-DFA0A04FC94B}">
+              <ma14:wrappingTextBoxFlag xmlns="" xmlns:ma14="http://schemas.microsoft.com/office/mac/drawingml/2011/main" val="1"/>
+            </a:ext>
+          </a:extLst>
+        </p:spPr>
+        <p:txBody>
+          <a:bodyPr wrap="none" lIns="50800" tIns="50800" rIns="50800" bIns="50800" anchor="ctr">
+            <a:spAutoFit/>
+          </a:bodyPr>
+          <a:lstStyle/>
+          <a:p>
+            <a:r>
+              <a:rPr dirty="0"/>
+              <a:t>‘and’ </a:t>
+            </a:r>
+            <a:r>
+              <a:rPr dirty="0" err="1"/>
+              <a:t>입력시</a:t>
+            </a:r>
+            <a:r>
+              <a:rPr lang="en-US" altLang="ko-KR" dirty="0"/>
+              <a:t>(</a:t>
+            </a:r>
+            <a:r>
+              <a:rPr lang="ko-KR" altLang="en-US" dirty="0"/>
+              <a:t>고친 후</a:t>
+            </a:r>
+            <a:r>
+              <a:rPr lang="en-US" altLang="ko-KR" dirty="0"/>
+              <a:t>)</a:t>
+            </a:r>
+            <a:endParaRPr dirty="0"/>
+          </a:p>
+        </p:txBody>
+      </p:sp>
+      <p:pic>
+        <p:nvPicPr>
+          <p:cNvPr id="2" name="그림 1">
+            <a:extLst>
+              <a:ext uri="{FF2B5EF4-FFF2-40B4-BE49-F238E27FC236}">
+                <a16:creationId xmlns:a16="http://schemas.microsoft.com/office/drawing/2014/main" id="{703F8DED-5BB6-4997-8FF8-FB0DC4B3C98E}"/>
+              </a:ext>
+            </a:extLst>
+          </p:cNvPr>
+          <p:cNvPicPr>
+            <a:picLocks noChangeAspect="1"/>
+          </p:cNvPicPr>
+          <p:nvPr/>
+        </p:nvPicPr>
+        <p:blipFill>
+          <a:blip r:embed="rId2"/>
+          <a:stretch>
+            <a:fillRect/>
+          </a:stretch>
+        </p:blipFill>
+        <p:spPr>
+          <a:xfrm>
+            <a:off x="0" y="965200"/>
+            <a:ext cx="13004800" cy="8313024"/>
+          </a:xfrm>
+          <a:prstGeom prst="rect">
+            <a:avLst/>
+          </a:prstGeom>
+        </p:spPr>
+      </p:pic>
+    </p:spTree>
+    <p:extLst>
+      <p:ext uri="{BB962C8B-B14F-4D97-AF65-F5344CB8AC3E}">
+        <p14:creationId xmlns:p14="http://schemas.microsoft.com/office/powerpoint/2010/main" val="3625043700"/>
+      </p:ext>
+    </p:extLst>
+  </p:cSld>
+  <p:clrMapOvr>
+    <a:masterClrMapping/>
+  </p:clrMapOvr>
+  <p:transition spd="med"/>
+</p:sld>
+</file>
+
+<file path=ppt/slides/slide28.xml><?xml version="1.0" encoding="utf-8"?>
 <p:sld xmlns:a="http://schemas.openxmlformats.org/drawingml/2006/main" xmlns:r="http://schemas.openxmlformats.org/officeDocument/2006/relationships" xmlns:p="http://schemas.openxmlformats.org/presentationml/2006/main">
   <p:cSld>
     <p:spTree>
@@ -3685,8 +6584,8 @@
         </p:nvSpPr>
         <p:spPr>
           <a:xfrm>
-            <a:off x="260068" y="372410"/>
-            <a:ext cx="1780033" cy="486360"/>
+            <a:off x="431988" y="404795"/>
+            <a:ext cx="3416000" cy="471924"/>
           </a:xfrm>
           <a:prstGeom prst="rect">
             <a:avLst/>
@@ -3696,7 +6595,7 @@
           </a:ln>
           <a:extLst>
             <a:ext uri="{C572A759-6A51-4108-AA02-DFA0A04FC94B}">
-              <ma14:wrappingTextBoxFlag xmlns:ma14="http://schemas.microsoft.com/office/mac/drawingml/2011/main" xmlns="" val="1"/>
+              <ma14:wrappingTextBoxFlag xmlns="" xmlns:ma14="http://schemas.microsoft.com/office/mac/drawingml/2011/main" val="1"/>
             </a:ext>
           </a:extLst>
         </p:spPr>
@@ -3707,8 +6606,26 @@
           <a:lstStyle/>
           <a:p>
             <a:r>
-              <a:t>‘land’ 입력시</a:t>
-            </a:r>
+              <a:rPr dirty="0"/>
+              <a:t>‘land’ </a:t>
+            </a:r>
+            <a:r>
+              <a:rPr dirty="0" err="1"/>
+              <a:t>입력시</a:t>
+            </a:r>
+            <a:r>
+              <a:rPr lang="en-US" altLang="ko-KR" dirty="0"/>
+              <a:t>(</a:t>
+            </a:r>
+            <a:r>
+              <a:rPr lang="ko-KR" altLang="en-US" dirty="0"/>
+              <a:t>고치기 전</a:t>
+            </a:r>
+            <a:r>
+              <a:rPr lang="en-US" altLang="ko-KR" dirty="0"/>
+              <a:t>)</a:t>
+            </a:r>
+            <a:endParaRPr dirty="0"/>
           </a:p>
         </p:txBody>
       </p:sp>
@@ -3721,152 +6638,7 @@
 </p:sld>
 </file>
 
-<file path=ppt/slides/slide15.xml><?xml version="1.0" encoding="utf-8"?>
-<p:sld xmlns:a="http://schemas.openxmlformats.org/drawingml/2006/main" xmlns:r="http://schemas.openxmlformats.org/officeDocument/2006/relationships" xmlns:p="http://schemas.openxmlformats.org/presentationml/2006/main">
-  <p:cSld>
-    <p:spTree>
-      <p:nvGrpSpPr>
-        <p:cNvPr id="1" name=""/>
-        <p:cNvGrpSpPr/>
-        <p:nvPr/>
-      </p:nvGrpSpPr>
-      <p:grpSpPr>
-        <a:xfrm>
-          <a:off x="0" y="0"/>
-          <a:ext cx="0" cy="0"/>
-          <a:chOff x="0" y="0"/>
-          <a:chExt cx="0" cy="0"/>
-        </a:xfrm>
-      </p:grpSpPr>
-      <p:pic>
-        <p:nvPicPr>
-          <p:cNvPr id="162" name="KakaoTalk_2017-11-21-21-47-52_Photo_45.png" descr="KakaoTalk_2017-11-21-21-47-52_Photo_45.png"/>
-          <p:cNvPicPr>
-            <a:picLocks noChangeAspect="1"/>
-          </p:cNvPicPr>
-          <p:nvPr/>
-        </p:nvPicPr>
-        <p:blipFill>
-          <a:blip r:embed="rId2">
-            <a:extLst/>
-          </a:blip>
-          <a:stretch>
-            <a:fillRect/>
-          </a:stretch>
-        </p:blipFill>
-        <p:spPr>
-          <a:xfrm>
-            <a:off x="1716254" y="2611314"/>
-            <a:ext cx="9321801" cy="4864101"/>
-          </a:xfrm>
-          <a:prstGeom prst="rect">
-            <a:avLst/>
-          </a:prstGeom>
-          <a:ln w="12700">
-            <a:miter lim="400000"/>
-          </a:ln>
-        </p:spPr>
-      </p:pic>
-      <p:sp>
-        <p:nvSpPr>
-          <p:cNvPr id="163" name="‘apple’ 입력시"/>
-          <p:cNvSpPr txBox="1"/>
-          <p:nvPr/>
-        </p:nvSpPr>
-        <p:spPr>
-          <a:xfrm>
-            <a:off x="361528" y="431389"/>
-            <a:ext cx="1960474" cy="486360"/>
-          </a:xfrm>
-          <a:prstGeom prst="rect">
-            <a:avLst/>
-          </a:prstGeom>
-          <a:ln w="12700">
-            <a:miter lim="400000"/>
-          </a:ln>
-          <a:extLst>
-            <a:ext uri="{C572A759-6A51-4108-AA02-DFA0A04FC94B}">
-              <ma14:wrappingTextBoxFlag xmlns:ma14="http://schemas.microsoft.com/office/mac/drawingml/2011/main" xmlns="" val="1"/>
-            </a:ext>
-          </a:extLst>
-        </p:spPr>
-        <p:txBody>
-          <a:bodyPr wrap="none" lIns="50800" tIns="50800" rIns="50800" bIns="50800" anchor="ctr">
-            <a:spAutoFit/>
-          </a:bodyPr>
-          <a:lstStyle/>
-          <a:p>
-            <a:r>
-              <a:t>‘apple’ 입력시</a:t>
-            </a:r>
-          </a:p>
-        </p:txBody>
-      </p:sp>
-    </p:spTree>
-  </p:cSld>
-  <p:clrMapOvr>
-    <a:masterClrMapping/>
-  </p:clrMapOvr>
-  <p:transition spd="med"/>
-</p:sld>
-</file>
-
-<file path=ppt/slides/slide16.xml><?xml version="1.0" encoding="utf-8"?>
-<p:sld xmlns:a="http://schemas.openxmlformats.org/drawingml/2006/main" xmlns:r="http://schemas.openxmlformats.org/officeDocument/2006/relationships" xmlns:p="http://schemas.openxmlformats.org/presentationml/2006/main">
-  <p:cSld>
-    <p:spTree>
-      <p:nvGrpSpPr>
-        <p:cNvPr id="1" name=""/>
-        <p:cNvGrpSpPr/>
-        <p:nvPr/>
-      </p:nvGrpSpPr>
-      <p:grpSpPr>
-        <a:xfrm>
-          <a:off x="0" y="0"/>
-          <a:ext cx="0" cy="0"/>
-          <a:chOff x="0" y="0"/>
-          <a:chExt cx="0" cy="0"/>
-        </a:xfrm>
-      </p:grpSpPr>
-      <p:pic>
-        <p:nvPicPr>
-          <p:cNvPr id="165" name="스크린샷 2017-11-17 오후 6.58.14.png" descr="스크린샷 2017-11-17 오후 6.58.14.png"/>
-          <p:cNvPicPr>
-            <a:picLocks noChangeAspect="1"/>
-          </p:cNvPicPr>
-          <p:nvPr/>
-        </p:nvPicPr>
-        <p:blipFill>
-          <a:blip r:embed="rId2">
-            <a:extLst/>
-          </a:blip>
-          <a:stretch>
-            <a:fillRect/>
-          </a:stretch>
-        </p:blipFill>
-        <p:spPr>
-          <a:xfrm>
-            <a:off x="-1" y="1670174"/>
-            <a:ext cx="13004801" cy="6094097"/>
-          </a:xfrm>
-          <a:prstGeom prst="rect">
-            <a:avLst/>
-          </a:prstGeom>
-          <a:ln w="12700">
-            <a:miter lim="400000"/>
-          </a:ln>
-        </p:spPr>
-      </p:pic>
-    </p:spTree>
-  </p:cSld>
-  <p:clrMapOvr>
-    <a:masterClrMapping/>
-  </p:clrMapOvr>
-  <p:transition spd="med"/>
-</p:sld>
-</file>
-
-<file path=ppt/slides/slide17.xml><?xml version="1.0" encoding="utf-8"?>
+<file path=ppt/slides/slide29.xml><?xml version="1.0" encoding="utf-8"?>
 <p:sld xmlns:a="http://schemas.openxmlformats.org/drawingml/2006/main" xmlns:r="http://schemas.openxmlformats.org/officeDocument/2006/relationships" xmlns:p="http://schemas.openxmlformats.org/presentationml/2006/main">
   <p:cSld>
     <p:spTree>
@@ -3885,14 +6657,14 @@
       </p:grpSpPr>
       <p:sp>
         <p:nvSpPr>
-          <p:cNvPr id="167" name="현재 코드는 11월 2일자를 시작으로…"/>
+          <p:cNvPr id="160" name="‘land’ 입력시"/>
           <p:cNvSpPr txBox="1"/>
           <p:nvPr/>
         </p:nvSpPr>
         <p:spPr>
           <a:xfrm>
-            <a:off x="1007164" y="1095215"/>
-            <a:ext cx="11604499" cy="1093600"/>
+            <a:off x="300650" y="446740"/>
+            <a:ext cx="3108223" cy="471924"/>
           </a:xfrm>
           <a:prstGeom prst="rect">
             <a:avLst/>
@@ -3902,7 +6674,7 @@
           </a:ln>
           <a:extLst>
             <a:ext uri="{C572A759-6A51-4108-AA02-DFA0A04FC94B}">
-              <ma14:wrappingTextBoxFlag xmlns:ma14="http://schemas.microsoft.com/office/mac/drawingml/2011/main" xmlns="" val="1"/>
+              <ma14:wrappingTextBoxFlag xmlns="" xmlns:ma14="http://schemas.microsoft.com/office/mac/drawingml/2011/main" val="1"/>
             </a:ext>
           </a:extLst>
         </p:spPr>
@@ -3912,388 +6684,66 @@
           </a:bodyPr>
           <a:lstStyle/>
           <a:p>
-            <a:pPr>
-              <a:defRPr sz="3000"/>
-            </a:pPr>
-            <a:r>
-              <a:t>현재 코드는 11월 2일자를 시작으로</a:t>
-            </a:r>
-          </a:p>
-          <a:p>
-            <a:pPr>
-              <a:defRPr sz="3000"/>
-            </a:pPr>
-            <a:r>
-              <a:t>주어질 txt 파일이 무엇일지 몰라 다른 Ranking 방식은 배제한 상황이었다가</a:t>
-            </a:r>
+            <a:r>
+              <a:rPr dirty="0"/>
+              <a:t>‘land’ </a:t>
+            </a:r>
+            <a:r>
+              <a:rPr dirty="0" err="1"/>
+              <a:t>입력시</a:t>
+            </a:r>
+            <a:r>
+              <a:rPr lang="en-US" altLang="ko-KR" dirty="0"/>
+              <a:t>(</a:t>
+            </a:r>
+            <a:r>
+              <a:rPr lang="ko-KR" altLang="en-US" dirty="0"/>
+              <a:t>고친 후</a:t>
+            </a:r>
+            <a:r>
+              <a:rPr lang="en-US" altLang="ko-KR" dirty="0"/>
+              <a:t>)</a:t>
+            </a:r>
+            <a:endParaRPr dirty="0"/>
           </a:p>
         </p:txBody>
       </p:sp>
       <p:pic>
         <p:nvPicPr>
-          <p:cNvPr id="168" name="스크린샷 2017-11-17 오후 6.59.18.png" descr="스크린샷 2017-11-17 오후 6.59.18.png"/>
+          <p:cNvPr id="5" name="그림 4">
+            <a:extLst>
+              <a:ext uri="{FF2B5EF4-FFF2-40B4-BE49-F238E27FC236}">
+                <a16:creationId xmlns:a16="http://schemas.microsoft.com/office/drawing/2014/main" id="{7A72F304-4D1D-43F3-A115-38EC775B42BD}"/>
+              </a:ext>
+            </a:extLst>
+          </p:cNvPr>
           <p:cNvPicPr>
             <a:picLocks noChangeAspect="1"/>
           </p:cNvPicPr>
           <p:nvPr/>
         </p:nvPicPr>
         <p:blipFill>
-          <a:blip r:embed="rId2">
-            <a:extLst/>
-          </a:blip>
+          <a:blip r:embed="rId2"/>
           <a:stretch>
             <a:fillRect/>
           </a:stretch>
         </p:blipFill>
         <p:spPr>
           <a:xfrm>
-            <a:off x="2032918" y="3020672"/>
-            <a:ext cx="8938964" cy="5586853"/>
+            <a:off x="0" y="1483858"/>
+            <a:ext cx="13004800" cy="6785883"/>
           </a:xfrm>
           <a:prstGeom prst="rect">
             <a:avLst/>
           </a:prstGeom>
-          <a:ln w="12700">
-            <a:miter lim="400000"/>
-          </a:ln>
         </p:spPr>
       </p:pic>
     </p:spTree>
-  </p:cSld>
-  <p:clrMapOvr>
-    <a:masterClrMapping/>
-  </p:clrMapOvr>
-  <p:transition spd="med"/>
-</p:sld>
-</file>
-
-<file path=ppt/slides/slide18.xml><?xml version="1.0" encoding="utf-8"?>
-<p:sld xmlns:a="http://schemas.openxmlformats.org/drawingml/2006/main" xmlns:r="http://schemas.openxmlformats.org/officeDocument/2006/relationships" xmlns:p="http://schemas.openxmlformats.org/presentationml/2006/main">
-  <p:cSld>
-    <p:spTree>
-      <p:nvGrpSpPr>
-        <p:cNvPr id="1" name=""/>
-        <p:cNvGrpSpPr/>
-        <p:nvPr/>
-      </p:nvGrpSpPr>
-      <p:grpSpPr>
-        <a:xfrm>
-          <a:off x="0" y="0"/>
-          <a:ext cx="0" cy="0"/>
-          <a:chOff x="0" y="0"/>
-          <a:chExt cx="0" cy="0"/>
-        </a:xfrm>
-      </p:grpSpPr>
-      <p:pic>
-        <p:nvPicPr>
-          <p:cNvPr id="170" name="스크린샷 2017-11-21 오후 9.45.50.png" descr="스크린샷 2017-11-21 오후 9.45.50.png"/>
-          <p:cNvPicPr>
-            <a:picLocks noChangeAspect="1"/>
-          </p:cNvPicPr>
-          <p:nvPr/>
-        </p:nvPicPr>
-        <p:blipFill>
-          <a:blip r:embed="rId2">
-            <a:extLst/>
-          </a:blip>
-          <a:stretch>
-            <a:fillRect/>
-          </a:stretch>
-        </p:blipFill>
-        <p:spPr>
-          <a:xfrm>
-            <a:off x="0" y="3358833"/>
-            <a:ext cx="13004801" cy="5941042"/>
-          </a:xfrm>
-          <a:prstGeom prst="rect">
-            <a:avLst/>
-          </a:prstGeom>
-          <a:ln w="12700">
-            <a:miter lim="400000"/>
-          </a:ln>
-        </p:spPr>
-      </p:pic>
-      <p:sp>
-        <p:nvSpPr>
-          <p:cNvPr id="171" name="계속 업데이트 하고 있습니다."/>
-          <p:cNvSpPr txBox="1"/>
-          <p:nvPr/>
-        </p:nvSpPr>
-        <p:spPr>
-          <a:xfrm>
-            <a:off x="4563037" y="1345978"/>
-            <a:ext cx="4492753" cy="592074"/>
-          </a:xfrm>
-          <a:prstGeom prst="rect">
-            <a:avLst/>
-          </a:prstGeom>
-          <a:ln w="12700">
-            <a:miter lim="400000"/>
-          </a:ln>
-          <a:extLst>
-            <a:ext uri="{C572A759-6A51-4108-AA02-DFA0A04FC94B}">
-              <ma14:wrappingTextBoxFlag xmlns:ma14="http://schemas.microsoft.com/office/mac/drawingml/2011/main" xmlns="" val="1"/>
-            </a:ext>
-          </a:extLst>
-        </p:spPr>
-        <p:txBody>
-          <a:bodyPr wrap="none" lIns="50800" tIns="50800" rIns="50800" bIns="50800" anchor="ctr">
-            <a:spAutoFit/>
-          </a:bodyPr>
-          <a:lstStyle>
-            <a:lvl1pPr>
-              <a:defRPr sz="3000"/>
-            </a:lvl1pPr>
-          </a:lstStyle>
-          <a:p>
-            <a:r>
-              <a:t>계속 업데이트 하고 있습니다.</a:t>
-            </a:r>
-          </a:p>
-        </p:txBody>
-      </p:sp>
-    </p:spTree>
-  </p:cSld>
-  <p:clrMapOvr>
-    <a:masterClrMapping/>
-  </p:clrMapOvr>
-  <p:transition spd="med"/>
-</p:sld>
-</file>
-
-<file path=ppt/slides/slide19.xml><?xml version="1.0" encoding="utf-8"?>
-<p:sld xmlns:a="http://schemas.openxmlformats.org/drawingml/2006/main" xmlns:r="http://schemas.openxmlformats.org/officeDocument/2006/relationships" xmlns:p="http://schemas.openxmlformats.org/presentationml/2006/main">
-  <p:cSld>
-    <p:spTree>
-      <p:nvGrpSpPr>
-        <p:cNvPr id="1" name=""/>
-        <p:cNvGrpSpPr/>
-        <p:nvPr/>
-      </p:nvGrpSpPr>
-      <p:grpSpPr>
-        <a:xfrm>
-          <a:off x="0" y="0"/>
-          <a:ext cx="0" cy="0"/>
-          <a:chOff x="0" y="0"/>
-          <a:chExt cx="0" cy="0"/>
-        </a:xfrm>
-      </p:grpSpPr>
-      <p:sp>
-        <p:nvSpPr>
-          <p:cNvPr id="173" name="감사합니다."/>
-          <p:cNvSpPr txBox="1"/>
-          <p:nvPr/>
-        </p:nvSpPr>
-        <p:spPr>
-          <a:xfrm>
-            <a:off x="5568378" y="4580763"/>
-            <a:ext cx="1868044" cy="592074"/>
-          </a:xfrm>
-          <a:prstGeom prst="rect">
-            <a:avLst/>
-          </a:prstGeom>
-          <a:ln w="12700">
-            <a:miter lim="400000"/>
-          </a:ln>
-          <a:extLst>
-            <a:ext uri="{C572A759-6A51-4108-AA02-DFA0A04FC94B}">
-              <ma14:wrappingTextBoxFlag xmlns:ma14="http://schemas.microsoft.com/office/mac/drawingml/2011/main" xmlns="" val="1"/>
-            </a:ext>
-          </a:extLst>
-        </p:spPr>
-        <p:txBody>
-          <a:bodyPr wrap="none" lIns="50800" tIns="50800" rIns="50800" bIns="50800" anchor="ctr">
-            <a:spAutoFit/>
-          </a:bodyPr>
-          <a:lstStyle>
-            <a:lvl1pPr>
-              <a:defRPr sz="3000"/>
-            </a:lvl1pPr>
-          </a:lstStyle>
-          <a:p>
-            <a:r>
-              <a:t>감사합니다.</a:t>
-            </a:r>
-          </a:p>
-        </p:txBody>
-      </p:sp>
-    </p:spTree>
-  </p:cSld>
-  <p:clrMapOvr>
-    <a:masterClrMapping/>
-  </p:clrMapOvr>
-  <p:transition spd="med"/>
-</p:sld>
-</file>
-
-<file path=ppt/slides/slide2.xml><?xml version="1.0" encoding="utf-8"?>
-<p:sld xmlns:a="http://schemas.openxmlformats.org/drawingml/2006/main" xmlns:r="http://schemas.openxmlformats.org/officeDocument/2006/relationships" xmlns:p="http://schemas.openxmlformats.org/presentationml/2006/main">
-  <p:cSld>
-    <p:spTree>
-      <p:nvGrpSpPr>
-        <p:cNvPr id="1" name=""/>
-        <p:cNvGrpSpPr/>
-        <p:nvPr/>
-      </p:nvGrpSpPr>
-      <p:grpSpPr>
-        <a:xfrm>
-          <a:off x="0" y="0"/>
-          <a:ext cx="0" cy="0"/>
-          <a:chOff x="0" y="0"/>
-          <a:chExt cx="0" cy="0"/>
-        </a:xfrm>
-      </p:grpSpPr>
-      <p:sp>
-        <p:nvSpPr>
-          <p:cNvPr id="122" name="총 파일 개수 count…"/>
-          <p:cNvSpPr txBox="1"/>
-          <p:nvPr/>
-        </p:nvSpPr>
-        <p:spPr>
-          <a:xfrm>
-            <a:off x="824633" y="96580"/>
-            <a:ext cx="11544623" cy="9560440"/>
-          </a:xfrm>
-          <a:prstGeom prst="rect">
-            <a:avLst/>
-          </a:prstGeom>
-          <a:ln w="12700">
-            <a:miter lim="400000"/>
-          </a:ln>
-          <a:extLst>
-            <a:ext uri="{C572A759-6A51-4108-AA02-DFA0A04FC94B}">
-              <ma14:wrappingTextBoxFlag xmlns:ma14="http://schemas.microsoft.com/office/mac/drawingml/2011/main" xmlns="" val="1"/>
-            </a:ext>
-          </a:extLst>
-        </p:spPr>
-        <p:txBody>
-          <a:bodyPr lIns="50800" tIns="50800" rIns="50800" bIns="50800" anchor="ctr">
-            <a:spAutoFit/>
-          </a:bodyPr>
-          <a:lstStyle/>
-          <a:p>
-            <a:pPr marL="714375" indent="-714375" algn="l">
-              <a:buSzPct val="100000"/>
-              <a:buAutoNum type="arabicPeriod"/>
-              <a:defRPr sz="3600"/>
-            </a:pPr>
-            <a:r>
-              <a:t>총 파일 개수 count</a:t>
-            </a:r>
-          </a:p>
-          <a:p>
-            <a:pPr marL="714375" indent="-714375" algn="l">
-              <a:buSzPct val="100000"/>
-              <a:buAutoNum type="arabicPeriod"/>
-              <a:defRPr sz="3600"/>
-            </a:pPr>
-            <a:r>
-              <a:t>파일 관련 데이터 저장하기 위해 동적할당</a:t>
-            </a:r>
-          </a:p>
-          <a:p>
-            <a:pPr marL="714375" indent="-714375" algn="l">
-              <a:buSzPct val="100000"/>
-              <a:buAutoNum type="arabicPeriod"/>
-              <a:defRPr sz="3600"/>
-            </a:pPr>
-            <a:r>
-              <a:t>Strstr 함수로 관련 키워드 검색 &amp; 포인터 위치를 옮겨가며 키워드의 개수 count</a:t>
-            </a:r>
-          </a:p>
-          <a:p>
-            <a:pPr marL="714375" indent="-714375" algn="l">
-              <a:buSzPct val="100000"/>
-              <a:buAutoNum type="arabicPeriod"/>
-              <a:defRPr sz="3600"/>
-            </a:pPr>
-            <a:r>
-              <a:t>Ranking 매김</a:t>
-            </a:r>
-          </a:p>
-          <a:p>
-            <a:pPr algn="l">
-              <a:defRPr sz="3600"/>
-            </a:pPr>
-            <a:r>
-              <a:t>4-1) Ranking을 매기는 방법은 다양할 수 있음</a:t>
-            </a:r>
-          </a:p>
-          <a:p>
-            <a:pPr algn="l">
-              <a:defRPr sz="3600"/>
-            </a:pPr>
-            <a:r>
-              <a:t>4-2) 그러나 키워드의 개수가 가장 큰 영향을 미치며 실제 검색 시에도 키워드의 개수가 큰 부분을 차지함.</a:t>
-            </a:r>
-          </a:p>
-          <a:p>
-            <a:pPr algn="l">
-              <a:defRPr sz="3600" u="sng">
-                <a:solidFill>
-                  <a:srgbClr val="FF4561"/>
-                </a:solidFill>
-              </a:defRPr>
-            </a:pPr>
-            <a:r>
-              <a:t>4-3) 키워드의 비율은 가중치를 곱해 랭킹에서 차지하는 부분을 줄임.(사용하지 않음)</a:t>
-            </a:r>
-          </a:p>
-          <a:p>
-            <a:pPr algn="l">
-              <a:defRPr sz="3600">
-                <a:solidFill>
-                  <a:srgbClr val="FFFBF5"/>
-                </a:solidFill>
-              </a:defRPr>
-            </a:pPr>
-            <a:r>
-              <a:t>4-4) 키워드의 앞뒤 공백을 체크. 파생어를 제외하기 위해서.</a:t>
-            </a:r>
-          </a:p>
-          <a:p>
-            <a:pPr algn="l">
-              <a:defRPr sz="3600">
-                <a:solidFill>
-                  <a:srgbClr val="FFFBF5"/>
-                </a:solidFill>
-              </a:defRPr>
-            </a:pPr>
-            <a:r>
-              <a:t>(예를 들어 and를 검색했는데 land가 검색되는 경우가 있음)</a:t>
-            </a:r>
-          </a:p>
-          <a:p>
-            <a:pPr algn="l">
-              <a:defRPr sz="3600"/>
-            </a:pPr>
-            <a:endParaRPr/>
-          </a:p>
-          <a:p>
-            <a:pPr algn="l">
-              <a:defRPr sz="3600"/>
-            </a:pPr>
-            <a:r>
-              <a:t>5. 저장한 파일 관련 데이터를 quick sort를 통해 정렬</a:t>
-            </a:r>
-          </a:p>
-          <a:p>
-            <a:pPr algn="l">
-              <a:defRPr sz="3600"/>
-            </a:pPr>
-            <a:endParaRPr/>
-          </a:p>
-          <a:p>
-            <a:pPr algn="l">
-              <a:defRPr sz="3600"/>
-            </a:pPr>
-            <a:r>
-              <a:t>6. 출력</a:t>
-            </a:r>
-          </a:p>
-        </p:txBody>
-      </p:sp>
-    </p:spTree>
+    <p:extLst>
+      <p:ext uri="{BB962C8B-B14F-4D97-AF65-F5344CB8AC3E}">
+        <p14:creationId xmlns:p14="http://schemas.microsoft.com/office/powerpoint/2010/main" val="3503030143"/>
+      </p:ext>
+    </p:extLst>
   </p:cSld>
   <p:clrMapOvr>
     <a:masterClrMapping/>
@@ -4367,7 +6817,7 @@
           </a:ln>
           <a:extLst>
             <a:ext uri="{C572A759-6A51-4108-AA02-DFA0A04FC94B}">
-              <ma14:wrappingTextBoxFlag xmlns:ma14="http://schemas.microsoft.com/office/mac/drawingml/2011/main" xmlns="" val="1"/>
+              <ma14:wrappingTextBoxFlag xmlns="" xmlns:ma14="http://schemas.microsoft.com/office/mac/drawingml/2011/main" val="1"/>
             </a:ext>
           </a:extLst>
         </p:spPr>
@@ -4408,7 +6858,7 @@
           </a:ln>
           <a:extLst>
             <a:ext uri="{C572A759-6A51-4108-AA02-DFA0A04FC94B}">
-              <ma14:wrappingTextBoxFlag xmlns:ma14="http://schemas.microsoft.com/office/mac/drawingml/2011/main" xmlns="" val="1"/>
+              <ma14:wrappingTextBoxFlag xmlns="" xmlns:ma14="http://schemas.microsoft.com/office/mac/drawingml/2011/main" val="1"/>
             </a:ext>
           </a:extLst>
         </p:spPr>
@@ -4429,6 +6879,1744 @@
         </p:txBody>
       </p:sp>
     </p:spTree>
+  </p:cSld>
+  <p:clrMapOvr>
+    <a:masterClrMapping/>
+  </p:clrMapOvr>
+  <p:transition spd="med"/>
+</p:sld>
+</file>
+
+<file path=ppt/slides/slide30.xml><?xml version="1.0" encoding="utf-8"?>
+<p:sld xmlns:a="http://schemas.openxmlformats.org/drawingml/2006/main" xmlns:r="http://schemas.openxmlformats.org/officeDocument/2006/relationships" xmlns:p="http://schemas.openxmlformats.org/presentationml/2006/main">
+  <p:cSld>
+    <p:spTree>
+      <p:nvGrpSpPr>
+        <p:cNvPr id="1" name=""/>
+        <p:cNvGrpSpPr/>
+        <p:nvPr/>
+      </p:nvGrpSpPr>
+      <p:grpSpPr>
+        <a:xfrm>
+          <a:off x="0" y="0"/>
+          <a:ext cx="0" cy="0"/>
+          <a:chOff x="0" y="0"/>
+          <a:chExt cx="0" cy="0"/>
+        </a:xfrm>
+      </p:grpSpPr>
+      <p:pic>
+        <p:nvPicPr>
+          <p:cNvPr id="162" name="KakaoTalk_2017-11-21-21-47-52_Photo_45.png" descr="KakaoTalk_2017-11-21-21-47-52_Photo_45.png"/>
+          <p:cNvPicPr>
+            <a:picLocks noChangeAspect="1"/>
+          </p:cNvPicPr>
+          <p:nvPr/>
+        </p:nvPicPr>
+        <p:blipFill>
+          <a:blip r:embed="rId2">
+            <a:extLst/>
+          </a:blip>
+          <a:stretch>
+            <a:fillRect/>
+          </a:stretch>
+        </p:blipFill>
+        <p:spPr>
+          <a:xfrm>
+            <a:off x="1716254" y="2611314"/>
+            <a:ext cx="9321801" cy="4864101"/>
+          </a:xfrm>
+          <a:prstGeom prst="rect">
+            <a:avLst/>
+          </a:prstGeom>
+          <a:ln w="12700">
+            <a:miter lim="400000"/>
+          </a:ln>
+        </p:spPr>
+      </p:pic>
+      <p:sp>
+        <p:nvSpPr>
+          <p:cNvPr id="163" name="‘apple’ 입력시"/>
+          <p:cNvSpPr txBox="1"/>
+          <p:nvPr/>
+        </p:nvSpPr>
+        <p:spPr>
+          <a:xfrm>
+            <a:off x="460325" y="631554"/>
+            <a:ext cx="2887009" cy="471924"/>
+          </a:xfrm>
+          <a:prstGeom prst="rect">
+            <a:avLst/>
+          </a:prstGeom>
+          <a:ln w="12700">
+            <a:miter lim="400000"/>
+          </a:ln>
+          <a:extLst>
+            <a:ext uri="{C572A759-6A51-4108-AA02-DFA0A04FC94B}">
+              <ma14:wrappingTextBoxFlag xmlns="" xmlns:ma14="http://schemas.microsoft.com/office/mac/drawingml/2011/main" val="1"/>
+            </a:ext>
+          </a:extLst>
+        </p:spPr>
+        <p:txBody>
+          <a:bodyPr wrap="none" lIns="50800" tIns="50800" rIns="50800" bIns="50800" anchor="ctr">
+            <a:spAutoFit/>
+          </a:bodyPr>
+          <a:lstStyle/>
+          <a:p>
+            <a:r>
+              <a:rPr dirty="0"/>
+              <a:t>‘apple’ </a:t>
+            </a:r>
+            <a:r>
+              <a:rPr dirty="0" err="1"/>
+              <a:t>입력시</a:t>
+            </a:r>
+            <a:r>
+              <a:rPr lang="en-US" altLang="ko-KR" dirty="0"/>
+              <a:t>(</a:t>
+            </a:r>
+            <a:r>
+              <a:rPr lang="ko-KR" altLang="en-US" dirty="0"/>
+              <a:t>초기</a:t>
+            </a:r>
+            <a:r>
+              <a:rPr lang="en-US" altLang="ko-KR" dirty="0"/>
+              <a:t>)</a:t>
+            </a:r>
+            <a:endParaRPr dirty="0"/>
+          </a:p>
+        </p:txBody>
+      </p:sp>
+    </p:spTree>
+  </p:cSld>
+  <p:clrMapOvr>
+    <a:masterClrMapping/>
+  </p:clrMapOvr>
+  <p:transition spd="med"/>
+</p:sld>
+</file>
+
+<file path=ppt/slides/slide31.xml><?xml version="1.0" encoding="utf-8"?>
+<p:sld xmlns:a="http://schemas.openxmlformats.org/drawingml/2006/main" xmlns:r="http://schemas.openxmlformats.org/officeDocument/2006/relationships" xmlns:p="http://schemas.openxmlformats.org/presentationml/2006/main">
+  <p:cSld>
+    <p:spTree>
+      <p:nvGrpSpPr>
+        <p:cNvPr id="1" name=""/>
+        <p:cNvGrpSpPr/>
+        <p:nvPr/>
+      </p:nvGrpSpPr>
+      <p:grpSpPr>
+        <a:xfrm>
+          <a:off x="0" y="0"/>
+          <a:ext cx="0" cy="0"/>
+          <a:chOff x="0" y="0"/>
+          <a:chExt cx="0" cy="0"/>
+        </a:xfrm>
+      </p:grpSpPr>
+      <p:sp>
+        <p:nvSpPr>
+          <p:cNvPr id="163" name="‘apple’ 입력시"/>
+          <p:cNvSpPr txBox="1"/>
+          <p:nvPr/>
+        </p:nvSpPr>
+        <p:spPr>
+          <a:xfrm>
+            <a:off x="604007" y="676619"/>
+            <a:ext cx="2887009" cy="471924"/>
+          </a:xfrm>
+          <a:prstGeom prst="rect">
+            <a:avLst/>
+          </a:prstGeom>
+          <a:ln w="12700">
+            <a:miter lim="400000"/>
+          </a:ln>
+          <a:extLst>
+            <a:ext uri="{C572A759-6A51-4108-AA02-DFA0A04FC94B}">
+              <ma14:wrappingTextBoxFlag xmlns="" xmlns:ma14="http://schemas.microsoft.com/office/mac/drawingml/2011/main" val="1"/>
+            </a:ext>
+          </a:extLst>
+        </p:spPr>
+        <p:txBody>
+          <a:bodyPr wrap="none" lIns="50800" tIns="50800" rIns="50800" bIns="50800" anchor="ctr">
+            <a:spAutoFit/>
+          </a:bodyPr>
+          <a:lstStyle/>
+          <a:p>
+            <a:r>
+              <a:rPr dirty="0"/>
+              <a:t>‘apple’ </a:t>
+            </a:r>
+            <a:r>
+              <a:rPr dirty="0" err="1"/>
+              <a:t>입력시</a:t>
+            </a:r>
+            <a:r>
+              <a:rPr lang="en-US" altLang="ko-KR" dirty="0"/>
+              <a:t>(</a:t>
+            </a:r>
+            <a:r>
+              <a:rPr lang="ko-KR" altLang="en-US" dirty="0"/>
+              <a:t>현재</a:t>
+            </a:r>
+            <a:r>
+              <a:rPr lang="en-US" altLang="ko-KR" dirty="0"/>
+              <a:t>)</a:t>
+            </a:r>
+            <a:endParaRPr dirty="0"/>
+          </a:p>
+        </p:txBody>
+      </p:sp>
+      <p:pic>
+        <p:nvPicPr>
+          <p:cNvPr id="2" name="그림 1">
+            <a:extLst>
+              <a:ext uri="{FF2B5EF4-FFF2-40B4-BE49-F238E27FC236}">
+                <a16:creationId xmlns:a16="http://schemas.microsoft.com/office/drawing/2014/main" id="{277A489E-8754-47DF-84DA-D318E35FBF36}"/>
+              </a:ext>
+            </a:extLst>
+          </p:cNvPr>
+          <p:cNvPicPr>
+            <a:picLocks noChangeAspect="1"/>
+          </p:cNvPicPr>
+          <p:nvPr/>
+        </p:nvPicPr>
+        <p:blipFill>
+          <a:blip r:embed="rId2"/>
+          <a:stretch>
+            <a:fillRect/>
+          </a:stretch>
+        </p:blipFill>
+        <p:spPr>
+          <a:xfrm>
+            <a:off x="604007" y="2287229"/>
+            <a:ext cx="11341916" cy="6785883"/>
+          </a:xfrm>
+          <a:prstGeom prst="rect">
+            <a:avLst/>
+          </a:prstGeom>
+        </p:spPr>
+      </p:pic>
+    </p:spTree>
+    <p:extLst>
+      <p:ext uri="{BB962C8B-B14F-4D97-AF65-F5344CB8AC3E}">
+        <p14:creationId xmlns:p14="http://schemas.microsoft.com/office/powerpoint/2010/main" val="4104403689"/>
+      </p:ext>
+    </p:extLst>
+  </p:cSld>
+  <p:clrMapOvr>
+    <a:masterClrMapping/>
+  </p:clrMapOvr>
+  <p:transition spd="med"/>
+</p:sld>
+</file>
+
+<file path=ppt/slides/slide32.xml><?xml version="1.0" encoding="utf-8"?>
+<p:sld xmlns:a="http://schemas.openxmlformats.org/drawingml/2006/main" xmlns:r="http://schemas.openxmlformats.org/officeDocument/2006/relationships" xmlns:p="http://schemas.openxmlformats.org/presentationml/2006/main">
+  <p:cSld>
+    <p:spTree>
+      <p:nvGrpSpPr>
+        <p:cNvPr id="1" name=""/>
+        <p:cNvGrpSpPr/>
+        <p:nvPr/>
+      </p:nvGrpSpPr>
+      <p:grpSpPr>
+        <a:xfrm>
+          <a:off x="0" y="0"/>
+          <a:ext cx="0" cy="0"/>
+          <a:chOff x="0" y="0"/>
+          <a:chExt cx="0" cy="0"/>
+        </a:xfrm>
+      </p:grpSpPr>
+      <p:sp>
+        <p:nvSpPr>
+          <p:cNvPr id="2" name="총 파일 개수 count…">
+            <a:extLst>
+              <a:ext uri="{FF2B5EF4-FFF2-40B4-BE49-F238E27FC236}">
+                <a16:creationId xmlns:a16="http://schemas.microsoft.com/office/drawing/2014/main" id="{CF85D628-174D-40DB-BBAA-BA3759BB1AD6}"/>
+              </a:ext>
+            </a:extLst>
+          </p:cNvPr>
+          <p:cNvSpPr txBox="1"/>
+          <p:nvPr/>
+        </p:nvSpPr>
+        <p:spPr>
+          <a:xfrm>
+            <a:off x="3834331" y="4371730"/>
+            <a:ext cx="5774018" cy="718145"/>
+          </a:xfrm>
+          <a:prstGeom prst="rect">
+            <a:avLst/>
+          </a:prstGeom>
+          <a:ln w="12700">
+            <a:miter lim="400000"/>
+          </a:ln>
+          <a:extLst>
+            <a:ext uri="{C572A759-6A51-4108-AA02-DFA0A04FC94B}">
+              <ma14:wrappingTextBoxFlag xmlns="" xmlns:ma14="http://schemas.microsoft.com/office/mac/drawingml/2011/main" val="1"/>
+            </a:ext>
+          </a:extLst>
+        </p:spPr>
+        <p:txBody>
+          <a:bodyPr wrap="square" lIns="50800" tIns="50800" rIns="50800" bIns="50800" anchor="ctr">
+            <a:spAutoFit/>
+          </a:bodyPr>
+          <a:lstStyle/>
+          <a:p>
+            <a:pPr>
+              <a:buSzPct val="100000"/>
+              <a:defRPr sz="3600"/>
+            </a:pPr>
+            <a:r>
+              <a:rPr lang="en-US" sz="4000" dirty="0"/>
+              <a:t>Evaluation</a:t>
+            </a:r>
+            <a:endParaRPr sz="4000" dirty="0"/>
+          </a:p>
+        </p:txBody>
+      </p:sp>
+    </p:spTree>
+    <p:extLst>
+      <p:ext uri="{BB962C8B-B14F-4D97-AF65-F5344CB8AC3E}">
+        <p14:creationId xmlns:p14="http://schemas.microsoft.com/office/powerpoint/2010/main" val="2502619430"/>
+      </p:ext>
+    </p:extLst>
+  </p:cSld>
+  <p:clrMapOvr>
+    <a:masterClrMapping/>
+  </p:clrMapOvr>
+  <p:transition spd="med"/>
+</p:sld>
+</file>
+
+<file path=ppt/slides/slide33.xml><?xml version="1.0" encoding="utf-8"?>
+<p:sld xmlns:a="http://schemas.openxmlformats.org/drawingml/2006/main" xmlns:r="http://schemas.openxmlformats.org/officeDocument/2006/relationships" xmlns:p="http://schemas.openxmlformats.org/presentationml/2006/main">
+  <p:cSld>
+    <p:spTree>
+      <p:nvGrpSpPr>
+        <p:cNvPr id="1" name=""/>
+        <p:cNvGrpSpPr/>
+        <p:nvPr/>
+      </p:nvGrpSpPr>
+      <p:grpSpPr>
+        <a:xfrm>
+          <a:off x="0" y="0"/>
+          <a:ext cx="0" cy="0"/>
+          <a:chOff x="0" y="0"/>
+          <a:chExt cx="0" cy="0"/>
+        </a:xfrm>
+      </p:grpSpPr>
+      <p:sp>
+        <p:nvSpPr>
+          <p:cNvPr id="2" name="총 파일 개수 count…">
+            <a:extLst>
+              <a:ext uri="{FF2B5EF4-FFF2-40B4-BE49-F238E27FC236}">
+                <a16:creationId xmlns:a16="http://schemas.microsoft.com/office/drawing/2014/main" id="{CF85D628-174D-40DB-BBAA-BA3759BB1AD6}"/>
+              </a:ext>
+            </a:extLst>
+          </p:cNvPr>
+          <p:cNvSpPr txBox="1"/>
+          <p:nvPr/>
+        </p:nvSpPr>
+        <p:spPr>
+          <a:xfrm>
+            <a:off x="1121869" y="3292367"/>
+            <a:ext cx="11034271" cy="3488134"/>
+          </a:xfrm>
+          <a:prstGeom prst="rect">
+            <a:avLst/>
+          </a:prstGeom>
+          <a:ln w="12700">
+            <a:miter lim="400000"/>
+          </a:ln>
+          <a:extLst>
+            <a:ext uri="{C572A759-6A51-4108-AA02-DFA0A04FC94B}">
+              <ma14:wrappingTextBoxFlag xmlns="" xmlns:ma14="http://schemas.microsoft.com/office/mac/drawingml/2011/main" val="1"/>
+            </a:ext>
+          </a:extLst>
+        </p:spPr>
+        <p:txBody>
+          <a:bodyPr wrap="square" lIns="50800" tIns="50800" rIns="50800" bIns="50800" anchor="ctr">
+            <a:spAutoFit/>
+          </a:bodyPr>
+          <a:lstStyle/>
+          <a:p>
+            <a:pPr>
+              <a:buSzPct val="100000"/>
+              <a:defRPr sz="3600"/>
+            </a:pPr>
+            <a:r>
+              <a:rPr lang="ko-KR" altLang="en-US" sz="4000" dirty="0"/>
+              <a:t>키워드 개수만 따지는 것을 선택했던 이유</a:t>
+            </a:r>
+            <a:endParaRPr lang="en-US" altLang="ko-KR" sz="4000" dirty="0"/>
+          </a:p>
+          <a:p>
+            <a:pPr>
+              <a:buSzPct val="100000"/>
+              <a:defRPr sz="3600"/>
+            </a:pPr>
+            <a:endParaRPr lang="en-US" altLang="ko-KR" sz="4000" dirty="0"/>
+          </a:p>
+          <a:p>
+            <a:pPr marL="514350" indent="-514350">
+              <a:buSzPct val="100000"/>
+              <a:buAutoNum type="arabicPeriod"/>
+              <a:defRPr sz="3600"/>
+            </a:pPr>
+            <a:r>
+              <a:rPr lang="ko-KR" altLang="en-US" sz="3500" dirty="0"/>
+              <a:t>실제 웹 검색에서도 키워드 개수가 매우 큰 요소</a:t>
+            </a:r>
+            <a:endParaRPr lang="en-US" altLang="ko-KR" sz="3500" dirty="0"/>
+          </a:p>
+          <a:p>
+            <a:pPr marL="514350" indent="-514350">
+              <a:buSzPct val="100000"/>
+              <a:buAutoNum type="arabicPeriod"/>
+              <a:defRPr sz="3600"/>
+            </a:pPr>
+            <a:endParaRPr lang="en-US" altLang="ko-KR" sz="3500" dirty="0"/>
+          </a:p>
+          <a:p>
+            <a:pPr marL="514350" indent="-514350">
+              <a:buSzPct val="100000"/>
+              <a:buAutoNum type="arabicPeriod"/>
+              <a:defRPr sz="3600"/>
+            </a:pPr>
+            <a:r>
+              <a:rPr lang="ko-KR" altLang="en-US" sz="3500" dirty="0"/>
+              <a:t>다른 방법을 적용했을 때 가중치가 달라야 할 텐데 가늠하지 못하겠고 하는 방법도 잘 </a:t>
+            </a:r>
+            <a:r>
+              <a:rPr lang="ko-KR" altLang="en-US" sz="3500" dirty="0" err="1"/>
+              <a:t>모르겠었기에</a:t>
+            </a:r>
+            <a:endParaRPr lang="en-US" altLang="ko-KR" sz="3500" dirty="0"/>
+          </a:p>
+        </p:txBody>
+      </p:sp>
+    </p:spTree>
+    <p:extLst>
+      <p:ext uri="{BB962C8B-B14F-4D97-AF65-F5344CB8AC3E}">
+        <p14:creationId xmlns:p14="http://schemas.microsoft.com/office/powerpoint/2010/main" val="4189784382"/>
+      </p:ext>
+    </p:extLst>
+  </p:cSld>
+  <p:clrMapOvr>
+    <a:masterClrMapping/>
+  </p:clrMapOvr>
+  <p:transition spd="med"/>
+</p:sld>
+</file>
+
+<file path=ppt/slides/slide34.xml><?xml version="1.0" encoding="utf-8"?>
+<p:sld xmlns:a="http://schemas.openxmlformats.org/drawingml/2006/main" xmlns:r="http://schemas.openxmlformats.org/officeDocument/2006/relationships" xmlns:p="http://schemas.openxmlformats.org/presentationml/2006/main">
+  <p:cSld>
+    <p:spTree>
+      <p:nvGrpSpPr>
+        <p:cNvPr id="1" name=""/>
+        <p:cNvGrpSpPr/>
+        <p:nvPr/>
+      </p:nvGrpSpPr>
+      <p:grpSpPr>
+        <a:xfrm>
+          <a:off x="0" y="0"/>
+          <a:ext cx="0" cy="0"/>
+          <a:chOff x="0" y="0"/>
+          <a:chExt cx="0" cy="0"/>
+        </a:xfrm>
+      </p:grpSpPr>
+      <p:sp>
+        <p:nvSpPr>
+          <p:cNvPr id="2" name="총 파일 개수 count…">
+            <a:extLst>
+              <a:ext uri="{FF2B5EF4-FFF2-40B4-BE49-F238E27FC236}">
+                <a16:creationId xmlns:a16="http://schemas.microsoft.com/office/drawing/2014/main" id="{CF85D628-174D-40DB-BBAA-BA3759BB1AD6}"/>
+              </a:ext>
+            </a:extLst>
+          </p:cNvPr>
+          <p:cNvSpPr txBox="1"/>
+          <p:nvPr/>
+        </p:nvSpPr>
+        <p:spPr>
+          <a:xfrm>
+            <a:off x="3615391" y="4587252"/>
+            <a:ext cx="5774018" cy="718145"/>
+          </a:xfrm>
+          <a:prstGeom prst="rect">
+            <a:avLst/>
+          </a:prstGeom>
+          <a:ln w="12700">
+            <a:miter lim="400000"/>
+          </a:ln>
+          <a:extLst>
+            <a:ext uri="{C572A759-6A51-4108-AA02-DFA0A04FC94B}">
+              <ma14:wrappingTextBoxFlag xmlns="" xmlns:ma14="http://schemas.microsoft.com/office/mac/drawingml/2011/main" val="1"/>
+            </a:ext>
+          </a:extLst>
+        </p:spPr>
+        <p:txBody>
+          <a:bodyPr wrap="square" lIns="50800" tIns="50800" rIns="50800" bIns="50800" anchor="ctr">
+            <a:spAutoFit/>
+          </a:bodyPr>
+          <a:lstStyle/>
+          <a:p>
+            <a:pPr>
+              <a:buSzPct val="100000"/>
+              <a:defRPr sz="3600"/>
+            </a:pPr>
+            <a:r>
+              <a:rPr lang="ko-KR" altLang="en-US" sz="4000" dirty="0"/>
+              <a:t>그러나</a:t>
+            </a:r>
+            <a:r>
+              <a:rPr lang="en-US" altLang="ko-KR" sz="4000" dirty="0"/>
+              <a:t>,</a:t>
+            </a:r>
+            <a:endParaRPr sz="4000" dirty="0"/>
+          </a:p>
+        </p:txBody>
+      </p:sp>
+      <p:pic>
+        <p:nvPicPr>
+          <p:cNvPr id="4" name="그래픽 3" descr="채우기 없는 걱정하는 얼굴">
+            <a:extLst>
+              <a:ext uri="{FF2B5EF4-FFF2-40B4-BE49-F238E27FC236}">
+                <a16:creationId xmlns:a16="http://schemas.microsoft.com/office/drawing/2014/main" id="{9A3BC92F-851B-4451-A7C4-9B69B8A9220C}"/>
+              </a:ext>
+            </a:extLst>
+          </p:cNvPr>
+          <p:cNvPicPr>
+            <a:picLocks noChangeAspect="1"/>
+          </p:cNvPicPr>
+          <p:nvPr/>
+        </p:nvPicPr>
+        <p:blipFill>
+          <a:blip r:embed="rId2">
+            <a:extLst>
+              <a:ext uri="{28A0092B-C50C-407E-A947-70E740481C1C}">
+                <a14:useLocalDpi xmlns:a14="http://schemas.microsoft.com/office/drawing/2010/main" val="0"/>
+              </a:ext>
+              <a:ext uri="{96DAC541-7B7A-43D3-8B79-37D633B846F1}">
+                <asvg:svgBlip xmlns:asvg="http://schemas.microsoft.com/office/drawing/2016/SVG/main" r:embed="rId3"/>
+              </a:ext>
+            </a:extLst>
+          </a:blip>
+          <a:stretch>
+            <a:fillRect/>
+          </a:stretch>
+        </p:blipFill>
+        <p:spPr>
+          <a:xfrm>
+            <a:off x="8642991" y="3976701"/>
+            <a:ext cx="1800198" cy="1800198"/>
+          </a:xfrm>
+          <a:prstGeom prst="rect">
+            <a:avLst/>
+          </a:prstGeom>
+        </p:spPr>
+      </p:pic>
+    </p:spTree>
+    <p:extLst>
+      <p:ext uri="{BB962C8B-B14F-4D97-AF65-F5344CB8AC3E}">
+        <p14:creationId xmlns:p14="http://schemas.microsoft.com/office/powerpoint/2010/main" val="778579868"/>
+      </p:ext>
+    </p:extLst>
+  </p:cSld>
+  <p:clrMapOvr>
+    <a:masterClrMapping/>
+  </p:clrMapOvr>
+  <p:transition spd="med"/>
+</p:sld>
+</file>
+
+<file path=ppt/slides/slide35.xml><?xml version="1.0" encoding="utf-8"?>
+<p:sld xmlns:a="http://schemas.openxmlformats.org/drawingml/2006/main" xmlns:r="http://schemas.openxmlformats.org/officeDocument/2006/relationships" xmlns:p="http://schemas.openxmlformats.org/presentationml/2006/main">
+  <p:cSld>
+    <p:spTree>
+      <p:nvGrpSpPr>
+        <p:cNvPr id="1" name=""/>
+        <p:cNvGrpSpPr/>
+        <p:nvPr/>
+      </p:nvGrpSpPr>
+      <p:grpSpPr>
+        <a:xfrm>
+          <a:off x="0" y="0"/>
+          <a:ext cx="0" cy="0"/>
+          <a:chOff x="0" y="0"/>
+          <a:chExt cx="0" cy="0"/>
+        </a:xfrm>
+      </p:grpSpPr>
+      <p:pic>
+        <p:nvPicPr>
+          <p:cNvPr id="2056" name="Picture 8" descr="http://postfiles13.naver.net/MjAxNzAxMDhfMTIw/MDAxNDgzODU4NTAzOTc5.i_RaQxa_F-FKAFNhNwWytneaj5Fu8llU0fvXAFdrZx0g.Pe_5un_AcN53HyX-8hEni1wfVEyOx4k4rcnxtEtv0l4g.PNG.cookie2090/Screenshot_20170108-154526.png?type=w3">
+            <a:extLst>
+              <a:ext uri="{FF2B5EF4-FFF2-40B4-BE49-F238E27FC236}">
+                <a16:creationId xmlns:a16="http://schemas.microsoft.com/office/drawing/2014/main" id="{A5DDFA9D-7E59-42D6-9DFD-CD26B3428BCE}"/>
+              </a:ext>
+            </a:extLst>
+          </p:cNvPr>
+          <p:cNvPicPr>
+            <a:picLocks noChangeAspect="1" noChangeArrowheads="1"/>
+          </p:cNvPicPr>
+          <p:nvPr/>
+        </p:nvPicPr>
+        <p:blipFill>
+          <a:blip r:embed="rId2">
+            <a:extLst>
+              <a:ext uri="{28A0092B-C50C-407E-A947-70E740481C1C}">
+                <a14:useLocalDpi xmlns:a14="http://schemas.microsoft.com/office/drawing/2010/main" val="0"/>
+              </a:ext>
+            </a:extLst>
+          </a:blip>
+          <a:srcRect/>
+          <a:stretch>
+            <a:fillRect/>
+          </a:stretch>
+        </p:blipFill>
+        <p:spPr bwMode="auto">
+          <a:xfrm>
+            <a:off x="3314406" y="4496321"/>
+            <a:ext cx="6920726" cy="3888190"/>
+          </a:xfrm>
+          <a:prstGeom prst="rect">
+            <a:avLst/>
+          </a:prstGeom>
+          <a:noFill/>
+          <a:extLst>
+            <a:ext uri="{909E8E84-426E-40DD-AFC4-6F175D3DCCD1}">
+              <a14:hiddenFill xmlns:a14="http://schemas.microsoft.com/office/drawing/2010/main">
+                <a:solidFill>
+                  <a:srgbClr val="FFFFFF"/>
+                </a:solidFill>
+              </a14:hiddenFill>
+            </a:ext>
+          </a:extLst>
+        </p:spPr>
+      </p:pic>
+      <p:sp>
+        <p:nvSpPr>
+          <p:cNvPr id="7" name="총 파일 개수 count…">
+            <a:extLst>
+              <a:ext uri="{FF2B5EF4-FFF2-40B4-BE49-F238E27FC236}">
+                <a16:creationId xmlns:a16="http://schemas.microsoft.com/office/drawing/2014/main" id="{B11678A0-A793-40AB-B058-69E0626FA34F}"/>
+              </a:ext>
+            </a:extLst>
+          </p:cNvPr>
+          <p:cNvSpPr txBox="1"/>
+          <p:nvPr/>
+        </p:nvSpPr>
+        <p:spPr>
+          <a:xfrm>
+            <a:off x="2996768" y="1887435"/>
+            <a:ext cx="7791614" cy="1333698"/>
+          </a:xfrm>
+          <a:prstGeom prst="rect">
+            <a:avLst/>
+          </a:prstGeom>
+          <a:ln w="12700">
+            <a:miter lim="400000"/>
+          </a:ln>
+          <a:extLst>
+            <a:ext uri="{C572A759-6A51-4108-AA02-DFA0A04FC94B}">
+              <ma14:wrappingTextBoxFlag xmlns="" xmlns:ma14="http://schemas.microsoft.com/office/mac/drawingml/2011/main" val="1"/>
+            </a:ext>
+          </a:extLst>
+        </p:spPr>
+        <p:txBody>
+          <a:bodyPr wrap="square" lIns="50800" tIns="50800" rIns="50800" bIns="50800" anchor="ctr">
+            <a:spAutoFit/>
+          </a:bodyPr>
+          <a:lstStyle/>
+          <a:p>
+            <a:pPr>
+              <a:buSzPct val="100000"/>
+              <a:defRPr sz="3600"/>
+            </a:pPr>
+            <a:r>
+              <a:rPr lang="ko-KR" altLang="en-US" sz="4000" dirty="0"/>
+              <a:t>손을 대면 될 수록 기묘한 오류가 신묘하게 발생하기 시작</a:t>
+            </a:r>
+            <a:endParaRPr sz="4000" dirty="0"/>
+          </a:p>
+        </p:txBody>
+      </p:sp>
+    </p:spTree>
+    <p:extLst>
+      <p:ext uri="{BB962C8B-B14F-4D97-AF65-F5344CB8AC3E}">
+        <p14:creationId xmlns:p14="http://schemas.microsoft.com/office/powerpoint/2010/main" val="3076611240"/>
+      </p:ext>
+    </p:extLst>
+  </p:cSld>
+  <p:clrMapOvr>
+    <a:masterClrMapping/>
+  </p:clrMapOvr>
+  <p:transition spd="med"/>
+</p:sld>
+</file>
+
+<file path=ppt/slides/slide36.xml><?xml version="1.0" encoding="utf-8"?>
+<p:sld xmlns:a="http://schemas.openxmlformats.org/drawingml/2006/main" xmlns:r="http://schemas.openxmlformats.org/officeDocument/2006/relationships" xmlns:p="http://schemas.openxmlformats.org/presentationml/2006/main">
+  <p:cSld>
+    <p:spTree>
+      <p:nvGrpSpPr>
+        <p:cNvPr id="1" name=""/>
+        <p:cNvGrpSpPr/>
+        <p:nvPr/>
+      </p:nvGrpSpPr>
+      <p:grpSpPr>
+        <a:xfrm>
+          <a:off x="0" y="0"/>
+          <a:ext cx="0" cy="0"/>
+          <a:chOff x="0" y="0"/>
+          <a:chExt cx="0" cy="0"/>
+        </a:xfrm>
+      </p:grpSpPr>
+      <p:sp>
+        <p:nvSpPr>
+          <p:cNvPr id="2" name="총 파일 개수 count…">
+            <a:extLst>
+              <a:ext uri="{FF2B5EF4-FFF2-40B4-BE49-F238E27FC236}">
+                <a16:creationId xmlns:a16="http://schemas.microsoft.com/office/drawing/2014/main" id="{CF85D628-174D-40DB-BBAA-BA3759BB1AD6}"/>
+              </a:ext>
+            </a:extLst>
+          </p:cNvPr>
+          <p:cNvSpPr txBox="1"/>
+          <p:nvPr/>
+        </p:nvSpPr>
+        <p:spPr>
+          <a:xfrm>
+            <a:off x="1114181" y="4677361"/>
+            <a:ext cx="10988171" cy="718145"/>
+          </a:xfrm>
+          <a:prstGeom prst="rect">
+            <a:avLst/>
+          </a:prstGeom>
+          <a:ln w="12700">
+            <a:miter lim="400000"/>
+          </a:ln>
+          <a:extLst>
+            <a:ext uri="{C572A759-6A51-4108-AA02-DFA0A04FC94B}">
+              <ma14:wrappingTextBoxFlag xmlns="" xmlns:ma14="http://schemas.microsoft.com/office/mac/drawingml/2011/main" val="1"/>
+            </a:ext>
+          </a:extLst>
+        </p:spPr>
+        <p:txBody>
+          <a:bodyPr wrap="square" lIns="50800" tIns="50800" rIns="50800" bIns="50800" anchor="ctr">
+            <a:spAutoFit/>
+          </a:bodyPr>
+          <a:lstStyle/>
+          <a:p>
+            <a:pPr>
+              <a:buSzPct val="100000"/>
+              <a:defRPr sz="3600"/>
+            </a:pPr>
+            <a:r>
+              <a:rPr lang="ko-KR" altLang="en-US" sz="4000" dirty="0"/>
+              <a:t>결론 </a:t>
+            </a:r>
+            <a:r>
+              <a:rPr lang="en-US" altLang="ko-KR" sz="4000" dirty="0"/>
+              <a:t>: </a:t>
+            </a:r>
+            <a:r>
+              <a:rPr lang="ko-KR" altLang="en-US" sz="4000" dirty="0"/>
+              <a:t>키워드 개수도 엄밀하게 찾기 어렵다</a:t>
+            </a:r>
+            <a:r>
+              <a:rPr lang="en-US" altLang="ko-KR" sz="4000" dirty="0"/>
+              <a:t>.</a:t>
+            </a:r>
+            <a:endParaRPr sz="4000" dirty="0"/>
+          </a:p>
+        </p:txBody>
+      </p:sp>
+    </p:spTree>
+    <p:extLst>
+      <p:ext uri="{BB962C8B-B14F-4D97-AF65-F5344CB8AC3E}">
+        <p14:creationId xmlns:p14="http://schemas.microsoft.com/office/powerpoint/2010/main" val="372259109"/>
+      </p:ext>
+    </p:extLst>
+  </p:cSld>
+  <p:clrMapOvr>
+    <a:masterClrMapping/>
+  </p:clrMapOvr>
+  <p:transition spd="med"/>
+</p:sld>
+</file>
+
+<file path=ppt/slides/slide37.xml><?xml version="1.0" encoding="utf-8"?>
+<p:sld xmlns:a="http://schemas.openxmlformats.org/drawingml/2006/main" xmlns:r="http://schemas.openxmlformats.org/officeDocument/2006/relationships" xmlns:p="http://schemas.openxmlformats.org/presentationml/2006/main">
+  <p:cSld>
+    <p:spTree>
+      <p:nvGrpSpPr>
+        <p:cNvPr id="1" name=""/>
+        <p:cNvGrpSpPr/>
+        <p:nvPr/>
+      </p:nvGrpSpPr>
+      <p:grpSpPr>
+        <a:xfrm>
+          <a:off x="0" y="0"/>
+          <a:ext cx="0" cy="0"/>
+          <a:chOff x="0" y="0"/>
+          <a:chExt cx="0" cy="0"/>
+        </a:xfrm>
+      </p:grpSpPr>
+      <p:sp>
+        <p:nvSpPr>
+          <p:cNvPr id="2" name="총 파일 개수 count…">
+            <a:extLst>
+              <a:ext uri="{FF2B5EF4-FFF2-40B4-BE49-F238E27FC236}">
+                <a16:creationId xmlns:a16="http://schemas.microsoft.com/office/drawing/2014/main" id="{CF85D628-174D-40DB-BBAA-BA3759BB1AD6}"/>
+              </a:ext>
+            </a:extLst>
+          </p:cNvPr>
+          <p:cNvSpPr txBox="1"/>
+          <p:nvPr/>
+        </p:nvSpPr>
+        <p:spPr>
+          <a:xfrm>
+            <a:off x="1115889" y="3107084"/>
+            <a:ext cx="10988171" cy="1333698"/>
+          </a:xfrm>
+          <a:prstGeom prst="rect">
+            <a:avLst/>
+          </a:prstGeom>
+          <a:ln w="12700">
+            <a:miter lim="400000"/>
+          </a:ln>
+          <a:extLst>
+            <a:ext uri="{C572A759-6A51-4108-AA02-DFA0A04FC94B}">
+              <ma14:wrappingTextBoxFlag xmlns="" xmlns:ma14="http://schemas.microsoft.com/office/mac/drawingml/2011/main" val="1"/>
+            </a:ext>
+          </a:extLst>
+        </p:spPr>
+        <p:txBody>
+          <a:bodyPr wrap="square" lIns="50800" tIns="50800" rIns="50800" bIns="50800" anchor="ctr">
+            <a:spAutoFit/>
+          </a:bodyPr>
+          <a:lstStyle/>
+          <a:p>
+            <a:pPr>
+              <a:buSzPct val="100000"/>
+              <a:defRPr sz="3600"/>
+            </a:pPr>
+            <a:r>
+              <a:rPr lang="en-US" altLang="ko-KR" sz="4000" dirty="0"/>
+              <a:t>(</a:t>
+            </a:r>
+            <a:r>
+              <a:rPr lang="ko-KR" altLang="en-US" sz="4000" dirty="0"/>
+              <a:t>실제로 주어진 </a:t>
+            </a:r>
+            <a:r>
+              <a:rPr lang="en-US" altLang="ko-KR" sz="4000" dirty="0"/>
+              <a:t>dataset </a:t>
+            </a:r>
+            <a:r>
+              <a:rPr lang="ko-KR" altLang="en-US" sz="4000" dirty="0"/>
+              <a:t>내의 명사</a:t>
+            </a:r>
+            <a:r>
+              <a:rPr lang="en-US" altLang="ko-KR" sz="4000" dirty="0"/>
+              <a:t>, </a:t>
+            </a:r>
+            <a:r>
+              <a:rPr lang="ko-KR" altLang="en-US" sz="4000" dirty="0"/>
+              <a:t>동사 모두 단수</a:t>
+            </a:r>
+            <a:r>
+              <a:rPr lang="en-US" altLang="ko-KR" sz="4000" dirty="0"/>
+              <a:t>, </a:t>
+            </a:r>
+            <a:r>
+              <a:rPr lang="ko-KR" altLang="en-US" sz="4000" dirty="0"/>
+              <a:t>복수로 인해 검색되지 않는 경우가 있었음</a:t>
+            </a:r>
+            <a:r>
+              <a:rPr lang="en-US" altLang="ko-KR" sz="4000" dirty="0"/>
+              <a:t>)</a:t>
+            </a:r>
+            <a:endParaRPr sz="4000" dirty="0"/>
+          </a:p>
+        </p:txBody>
+      </p:sp>
+      <p:sp>
+        <p:nvSpPr>
+          <p:cNvPr id="3" name="총 파일 개수 count…">
+            <a:extLst>
+              <a:ext uri="{FF2B5EF4-FFF2-40B4-BE49-F238E27FC236}">
+                <a16:creationId xmlns:a16="http://schemas.microsoft.com/office/drawing/2014/main" id="{70232FBD-E07A-4E9E-8B87-FC1A50577EB4}"/>
+              </a:ext>
+            </a:extLst>
+          </p:cNvPr>
+          <p:cNvSpPr txBox="1"/>
+          <p:nvPr/>
+        </p:nvSpPr>
+        <p:spPr>
+          <a:xfrm>
+            <a:off x="870855" y="5689127"/>
+            <a:ext cx="11478241" cy="2564805"/>
+          </a:xfrm>
+          <a:prstGeom prst="rect">
+            <a:avLst/>
+          </a:prstGeom>
+          <a:ln w="12700">
+            <a:miter lim="400000"/>
+          </a:ln>
+          <a:extLst>
+            <a:ext uri="{C572A759-6A51-4108-AA02-DFA0A04FC94B}">
+              <ma14:wrappingTextBoxFlag xmlns="" xmlns:ma14="http://schemas.microsoft.com/office/mac/drawingml/2011/main" val="1"/>
+            </a:ext>
+          </a:extLst>
+        </p:spPr>
+        <p:txBody>
+          <a:bodyPr wrap="square" lIns="50800" tIns="50800" rIns="50800" bIns="50800" anchor="ctr">
+            <a:spAutoFit/>
+          </a:bodyPr>
+          <a:lstStyle/>
+          <a:p>
+            <a:pPr>
+              <a:buSzPct val="100000"/>
+              <a:defRPr sz="3600"/>
+            </a:pPr>
+            <a:r>
+              <a:rPr lang="ko-KR" altLang="en-US" sz="4000" dirty="0"/>
+              <a:t>영어 사전 </a:t>
+            </a:r>
+            <a:r>
+              <a:rPr lang="en-US" altLang="ko-KR" sz="4000" dirty="0"/>
+              <a:t>data</a:t>
+            </a:r>
+            <a:r>
+              <a:rPr lang="ko-KR" altLang="en-US" sz="4000" dirty="0"/>
+              <a:t>를 가지고 입력된 키워드에 해당하는 영어 사전 </a:t>
+            </a:r>
+            <a:r>
+              <a:rPr lang="en-US" altLang="ko-KR" sz="4000" dirty="0"/>
+              <a:t>data</a:t>
+            </a:r>
+            <a:r>
+              <a:rPr lang="ko-KR" altLang="en-US" sz="4000" dirty="0"/>
+              <a:t>에서 단수형</a:t>
+            </a:r>
+            <a:r>
+              <a:rPr lang="en-US" altLang="ko-KR" sz="4000" dirty="0"/>
+              <a:t>, </a:t>
+            </a:r>
+            <a:r>
+              <a:rPr lang="ko-KR" altLang="en-US" sz="4000" dirty="0"/>
+              <a:t>복수형을 찾아서 따로 검색한 후 합하는게 이상적인 </a:t>
+            </a:r>
+            <a:r>
+              <a:rPr lang="ko-KR" altLang="en-US" sz="4000" dirty="0" err="1"/>
+              <a:t>해결방법이라고</a:t>
+            </a:r>
+            <a:r>
+              <a:rPr lang="ko-KR" altLang="en-US" sz="4000" dirty="0"/>
+              <a:t> 생각함</a:t>
+            </a:r>
+            <a:r>
+              <a:rPr lang="en-US" altLang="ko-KR" sz="4000" dirty="0"/>
+              <a:t>.</a:t>
+            </a:r>
+            <a:endParaRPr sz="4000" dirty="0"/>
+          </a:p>
+        </p:txBody>
+      </p:sp>
+      <p:sp>
+        <p:nvSpPr>
+          <p:cNvPr id="4" name="총 파일 개수 count…">
+            <a:extLst>
+              <a:ext uri="{FF2B5EF4-FFF2-40B4-BE49-F238E27FC236}">
+                <a16:creationId xmlns:a16="http://schemas.microsoft.com/office/drawing/2014/main" id="{09CEA953-F70D-4A3F-9F0C-CEE05DCA64E0}"/>
+              </a:ext>
+            </a:extLst>
+          </p:cNvPr>
+          <p:cNvSpPr txBox="1"/>
+          <p:nvPr/>
+        </p:nvSpPr>
+        <p:spPr>
+          <a:xfrm>
+            <a:off x="1115889" y="1140595"/>
+            <a:ext cx="10988171" cy="718145"/>
+          </a:xfrm>
+          <a:prstGeom prst="rect">
+            <a:avLst/>
+          </a:prstGeom>
+          <a:ln w="12700">
+            <a:miter lim="400000"/>
+          </a:ln>
+          <a:extLst>
+            <a:ext uri="{C572A759-6A51-4108-AA02-DFA0A04FC94B}">
+              <ma14:wrappingTextBoxFlag xmlns="" xmlns:ma14="http://schemas.microsoft.com/office/mac/drawingml/2011/main" val="1"/>
+            </a:ext>
+          </a:extLst>
+        </p:spPr>
+        <p:txBody>
+          <a:bodyPr wrap="square" lIns="50800" tIns="50800" rIns="50800" bIns="50800" anchor="ctr">
+            <a:spAutoFit/>
+          </a:bodyPr>
+          <a:lstStyle/>
+          <a:p>
+            <a:pPr marL="742950" indent="-742950">
+              <a:buSzPct val="100000"/>
+              <a:buAutoNum type="arabicPeriod"/>
+              <a:defRPr sz="3600"/>
+            </a:pPr>
+            <a:r>
+              <a:rPr lang="ko-KR" altLang="en-US" sz="4000" dirty="0"/>
+              <a:t>단수형</a:t>
+            </a:r>
+            <a:r>
+              <a:rPr lang="en-US" altLang="ko-KR" sz="4000" dirty="0"/>
+              <a:t>, </a:t>
+            </a:r>
+            <a:r>
+              <a:rPr lang="ko-KR" altLang="en-US" sz="4000" dirty="0"/>
+              <a:t>복수형은 어떻게 찾지</a:t>
+            </a:r>
+            <a:r>
+              <a:rPr lang="en-US" altLang="ko-KR" sz="4000" dirty="0"/>
+              <a:t>?</a:t>
+            </a:r>
+          </a:p>
+        </p:txBody>
+      </p:sp>
+    </p:spTree>
+    <p:extLst>
+      <p:ext uri="{BB962C8B-B14F-4D97-AF65-F5344CB8AC3E}">
+        <p14:creationId xmlns:p14="http://schemas.microsoft.com/office/powerpoint/2010/main" val="513644889"/>
+      </p:ext>
+    </p:extLst>
+  </p:cSld>
+  <p:clrMapOvr>
+    <a:masterClrMapping/>
+  </p:clrMapOvr>
+  <p:transition spd="med"/>
+</p:sld>
+</file>
+
+<file path=ppt/slides/slide38.xml><?xml version="1.0" encoding="utf-8"?>
+<p:sld xmlns:a="http://schemas.openxmlformats.org/drawingml/2006/main" xmlns:r="http://schemas.openxmlformats.org/officeDocument/2006/relationships" xmlns:p="http://schemas.openxmlformats.org/presentationml/2006/main">
+  <p:cSld>
+    <p:spTree>
+      <p:nvGrpSpPr>
+        <p:cNvPr id="1" name=""/>
+        <p:cNvGrpSpPr/>
+        <p:nvPr/>
+      </p:nvGrpSpPr>
+      <p:grpSpPr>
+        <a:xfrm>
+          <a:off x="0" y="0"/>
+          <a:ext cx="0" cy="0"/>
+          <a:chOff x="0" y="0"/>
+          <a:chExt cx="0" cy="0"/>
+        </a:xfrm>
+      </p:grpSpPr>
+      <p:sp>
+        <p:nvSpPr>
+          <p:cNvPr id="2" name="총 파일 개수 count…">
+            <a:extLst>
+              <a:ext uri="{FF2B5EF4-FFF2-40B4-BE49-F238E27FC236}">
+                <a16:creationId xmlns:a16="http://schemas.microsoft.com/office/drawing/2014/main" id="{CF85D628-174D-40DB-BBAA-BA3759BB1AD6}"/>
+              </a:ext>
+            </a:extLst>
+          </p:cNvPr>
+          <p:cNvSpPr txBox="1"/>
+          <p:nvPr/>
+        </p:nvSpPr>
+        <p:spPr>
+          <a:xfrm>
+            <a:off x="1008314" y="1765111"/>
+            <a:ext cx="10988171" cy="718145"/>
+          </a:xfrm>
+          <a:prstGeom prst="rect">
+            <a:avLst/>
+          </a:prstGeom>
+          <a:ln w="12700">
+            <a:miter lim="400000"/>
+          </a:ln>
+          <a:extLst>
+            <a:ext uri="{C572A759-6A51-4108-AA02-DFA0A04FC94B}">
+              <ma14:wrappingTextBoxFlag xmlns="" xmlns:ma14="http://schemas.microsoft.com/office/mac/drawingml/2011/main" val="1"/>
+            </a:ext>
+          </a:extLst>
+        </p:spPr>
+        <p:txBody>
+          <a:bodyPr wrap="square" lIns="50800" tIns="50800" rIns="50800" bIns="50800" anchor="ctr">
+            <a:spAutoFit/>
+          </a:bodyPr>
+          <a:lstStyle/>
+          <a:p>
+            <a:pPr>
+              <a:buSzPct val="100000"/>
+              <a:defRPr sz="3600"/>
+            </a:pPr>
+            <a:r>
+              <a:rPr lang="en-US" altLang="ko-KR" sz="4000" dirty="0"/>
+              <a:t>2. </a:t>
+            </a:r>
+            <a:r>
+              <a:rPr lang="ko-KR" altLang="en-US" sz="4000" dirty="0"/>
+              <a:t>생각지도 못한 기호들의 발현</a:t>
+            </a:r>
+            <a:r>
+              <a:rPr lang="en-US" altLang="ko-KR" sz="4000" dirty="0"/>
+              <a:t>.</a:t>
+            </a:r>
+          </a:p>
+        </p:txBody>
+      </p:sp>
+      <p:sp>
+        <p:nvSpPr>
+          <p:cNvPr id="4" name="총 파일 개수 count…">
+            <a:extLst>
+              <a:ext uri="{FF2B5EF4-FFF2-40B4-BE49-F238E27FC236}">
+                <a16:creationId xmlns:a16="http://schemas.microsoft.com/office/drawing/2014/main" id="{FAC7A77D-BC20-4040-ACA4-701757B350C1}"/>
+              </a:ext>
+            </a:extLst>
+          </p:cNvPr>
+          <p:cNvSpPr txBox="1"/>
+          <p:nvPr/>
+        </p:nvSpPr>
+        <p:spPr>
+          <a:xfrm>
+            <a:off x="476409" y="3315175"/>
+            <a:ext cx="12325189" cy="1949252"/>
+          </a:xfrm>
+          <a:prstGeom prst="rect">
+            <a:avLst/>
+          </a:prstGeom>
+          <a:ln w="12700">
+            <a:miter lim="400000"/>
+          </a:ln>
+          <a:extLst>
+            <a:ext uri="{C572A759-6A51-4108-AA02-DFA0A04FC94B}">
+              <ma14:wrappingTextBoxFlag xmlns="" xmlns:ma14="http://schemas.microsoft.com/office/mac/drawingml/2011/main" val="1"/>
+            </a:ext>
+          </a:extLst>
+        </p:spPr>
+        <p:txBody>
+          <a:bodyPr wrap="square" lIns="50800" tIns="50800" rIns="50800" bIns="50800" anchor="ctr">
+            <a:spAutoFit/>
+          </a:bodyPr>
+          <a:lstStyle/>
+          <a:p>
+            <a:pPr>
+              <a:buSzPct val="100000"/>
+              <a:defRPr sz="3600"/>
+            </a:pPr>
+            <a:r>
+              <a:rPr lang="en-US" altLang="ko-KR" sz="4000" dirty="0"/>
+              <a:t>$ @ [] ; &lt;&gt; </a:t>
+            </a:r>
+            <a:r>
+              <a:rPr lang="ko-KR" altLang="en-US" sz="4000" dirty="0"/>
+              <a:t>등등 </a:t>
+            </a:r>
+            <a:endParaRPr lang="en-US" altLang="ko-KR" sz="4000" dirty="0"/>
+          </a:p>
+          <a:p>
+            <a:pPr>
+              <a:buSzPct val="100000"/>
+              <a:defRPr sz="3600"/>
+            </a:pPr>
+            <a:r>
+              <a:rPr lang="ko-KR" altLang="en-US" sz="4000" dirty="0"/>
+              <a:t>생각보다 다양한 기호들이 있었음</a:t>
+            </a:r>
+            <a:endParaRPr lang="en-US" altLang="ko-KR" sz="4000" dirty="0"/>
+          </a:p>
+          <a:p>
+            <a:pPr>
+              <a:buSzPct val="100000"/>
+              <a:defRPr sz="3600"/>
+            </a:pPr>
+            <a:r>
+              <a:rPr lang="en-US" altLang="ko-KR" sz="4000" dirty="0"/>
+              <a:t>(</a:t>
+            </a:r>
+            <a:r>
+              <a:rPr lang="ko-KR" altLang="en-US" sz="4000" dirty="0"/>
+              <a:t>그러나 생각보다 큰 영향을 주지 않을 것으로 생각</a:t>
+            </a:r>
+            <a:r>
+              <a:rPr lang="en-US" altLang="ko-KR" sz="4000" dirty="0"/>
+              <a:t>)</a:t>
+            </a:r>
+          </a:p>
+        </p:txBody>
+      </p:sp>
+      <p:sp>
+        <p:nvSpPr>
+          <p:cNvPr id="6" name="총 파일 개수 count…">
+            <a:extLst>
+              <a:ext uri="{FF2B5EF4-FFF2-40B4-BE49-F238E27FC236}">
+                <a16:creationId xmlns:a16="http://schemas.microsoft.com/office/drawing/2014/main" id="{674B4757-9C4E-4F82-9E64-267A73A5550A}"/>
+              </a:ext>
+            </a:extLst>
+          </p:cNvPr>
+          <p:cNvSpPr txBox="1"/>
+          <p:nvPr/>
+        </p:nvSpPr>
+        <p:spPr>
+          <a:xfrm>
+            <a:off x="1008313" y="6022208"/>
+            <a:ext cx="10988171" cy="2564805"/>
+          </a:xfrm>
+          <a:prstGeom prst="rect">
+            <a:avLst/>
+          </a:prstGeom>
+          <a:ln w="12700">
+            <a:miter lim="400000"/>
+          </a:ln>
+          <a:extLst>
+            <a:ext uri="{C572A759-6A51-4108-AA02-DFA0A04FC94B}">
+              <ma14:wrappingTextBoxFlag xmlns="" xmlns:ma14="http://schemas.microsoft.com/office/mac/drawingml/2011/main" val="1"/>
+            </a:ext>
+          </a:extLst>
+        </p:spPr>
+        <p:txBody>
+          <a:bodyPr wrap="square" lIns="50800" tIns="50800" rIns="50800" bIns="50800" anchor="ctr">
+            <a:spAutoFit/>
+          </a:bodyPr>
+          <a:lstStyle/>
+          <a:p>
+            <a:pPr>
+              <a:buSzPct val="100000"/>
+              <a:defRPr sz="3600"/>
+            </a:pPr>
+            <a:r>
+              <a:rPr lang="ko-KR" altLang="en-US" sz="4000" dirty="0"/>
+              <a:t> </a:t>
+            </a:r>
+            <a:r>
+              <a:rPr lang="en-US" altLang="ko-KR" sz="4000" dirty="0"/>
+              <a:t>-</a:t>
+            </a:r>
+            <a:r>
+              <a:rPr lang="ko-KR" altLang="en-US" sz="4000" dirty="0"/>
+              <a:t>단어</a:t>
+            </a:r>
+            <a:r>
+              <a:rPr lang="en-US" altLang="ko-KR" sz="4000" dirty="0"/>
+              <a:t>- / ‘</a:t>
+            </a:r>
+            <a:r>
+              <a:rPr lang="ko-KR" altLang="en-US" sz="4000" dirty="0"/>
+              <a:t>단어</a:t>
+            </a:r>
+            <a:r>
+              <a:rPr lang="en-US" altLang="ko-KR" sz="4000" dirty="0"/>
+              <a:t>’ / “</a:t>
+            </a:r>
+            <a:r>
+              <a:rPr lang="ko-KR" altLang="en-US" sz="4000" dirty="0"/>
+              <a:t>단어</a:t>
+            </a:r>
+            <a:r>
+              <a:rPr lang="en-US" altLang="ko-KR" sz="4000" dirty="0"/>
+              <a:t>”</a:t>
+            </a:r>
+          </a:p>
+          <a:p>
+            <a:pPr>
+              <a:buSzPct val="100000"/>
+              <a:defRPr sz="3600"/>
+            </a:pPr>
+            <a:r>
+              <a:rPr lang="ko-KR" altLang="en-US" sz="4000" dirty="0"/>
+              <a:t>이와 같은 경우에 </a:t>
+            </a:r>
+            <a:r>
+              <a:rPr lang="en-US" altLang="ko-KR" sz="4000" dirty="0"/>
+              <a:t>“land” / “and”</a:t>
+            </a:r>
+            <a:r>
+              <a:rPr lang="ko-KR" altLang="en-US" sz="4000" dirty="0"/>
+              <a:t>가</a:t>
+            </a:r>
+            <a:endParaRPr lang="en-US" altLang="ko-KR" sz="4000" dirty="0"/>
+          </a:p>
+          <a:p>
+            <a:pPr>
+              <a:buSzPct val="100000"/>
+              <a:defRPr sz="3600"/>
+            </a:pPr>
+            <a:r>
+              <a:rPr lang="ko-KR" altLang="en-US" sz="4000" dirty="0"/>
+              <a:t>둘다 안 </a:t>
+            </a:r>
+            <a:r>
+              <a:rPr lang="ko-KR" altLang="en-US" sz="4000" dirty="0" err="1"/>
+              <a:t>찾아짐</a:t>
+            </a:r>
+            <a:r>
+              <a:rPr lang="en-US" altLang="ko-KR" sz="4000" dirty="0"/>
+              <a:t>(</a:t>
+            </a:r>
+            <a:r>
+              <a:rPr lang="ko-KR" altLang="en-US" sz="4000" dirty="0"/>
+              <a:t>앞 뒤 공백체크 때문에</a:t>
+            </a:r>
+            <a:r>
+              <a:rPr lang="en-US" altLang="ko-KR" sz="4000" dirty="0"/>
+              <a:t>)</a:t>
+            </a:r>
+          </a:p>
+          <a:p>
+            <a:pPr>
+              <a:buSzPct val="100000"/>
+              <a:defRPr sz="3600"/>
+            </a:pPr>
+            <a:r>
+              <a:rPr lang="ko-KR" altLang="en-US" sz="4000" dirty="0"/>
+              <a:t>따라서 다양한 예외처리 필요</a:t>
+            </a:r>
+            <a:endParaRPr lang="en-US" altLang="ko-KR" sz="4000" dirty="0"/>
+          </a:p>
+        </p:txBody>
+      </p:sp>
+    </p:spTree>
+    <p:extLst>
+      <p:ext uri="{BB962C8B-B14F-4D97-AF65-F5344CB8AC3E}">
+        <p14:creationId xmlns:p14="http://schemas.microsoft.com/office/powerpoint/2010/main" val="3933854459"/>
+      </p:ext>
+    </p:extLst>
+  </p:cSld>
+  <p:clrMapOvr>
+    <a:masterClrMapping/>
+  </p:clrMapOvr>
+  <p:transition spd="med"/>
+</p:sld>
+</file>
+
+<file path=ppt/slides/slide39.xml><?xml version="1.0" encoding="utf-8"?>
+<p:sld xmlns:a="http://schemas.openxmlformats.org/drawingml/2006/main" xmlns:r="http://schemas.openxmlformats.org/officeDocument/2006/relationships" xmlns:p="http://schemas.openxmlformats.org/presentationml/2006/main">
+  <p:cSld>
+    <p:spTree>
+      <p:nvGrpSpPr>
+        <p:cNvPr id="1" name=""/>
+        <p:cNvGrpSpPr/>
+        <p:nvPr/>
+      </p:nvGrpSpPr>
+      <p:grpSpPr>
+        <a:xfrm>
+          <a:off x="0" y="0"/>
+          <a:ext cx="0" cy="0"/>
+          <a:chOff x="0" y="0"/>
+          <a:chExt cx="0" cy="0"/>
+        </a:xfrm>
+      </p:grpSpPr>
+      <p:pic>
+        <p:nvPicPr>
+          <p:cNvPr id="7" name="그래픽 6" descr="랩톱">
+            <a:extLst>
+              <a:ext uri="{FF2B5EF4-FFF2-40B4-BE49-F238E27FC236}">
+                <a16:creationId xmlns:a16="http://schemas.microsoft.com/office/drawing/2014/main" id="{33944CEE-64D5-4894-A97A-C54A5C655F96}"/>
+              </a:ext>
+            </a:extLst>
+          </p:cNvPr>
+          <p:cNvPicPr>
+            <a:picLocks noChangeAspect="1"/>
+          </p:cNvPicPr>
+          <p:nvPr/>
+        </p:nvPicPr>
+        <p:blipFill>
+          <a:blip r:embed="rId2">
+            <a:extLst>
+              <a:ext uri="{28A0092B-C50C-407E-A947-70E740481C1C}">
+                <a14:useLocalDpi xmlns:a14="http://schemas.microsoft.com/office/drawing/2010/main" val="0"/>
+              </a:ext>
+              <a:ext uri="{96DAC541-7B7A-43D3-8B79-37D633B846F1}">
+                <asvg:svgBlip xmlns:asvg="http://schemas.microsoft.com/office/drawing/2016/SVG/main" r:embed="rId3"/>
+              </a:ext>
+            </a:extLst>
+          </a:blip>
+          <a:stretch>
+            <a:fillRect/>
+          </a:stretch>
+        </p:blipFill>
+        <p:spPr>
+          <a:xfrm>
+            <a:off x="5107748" y="-106295"/>
+            <a:ext cx="3264434" cy="3264434"/>
+          </a:xfrm>
+          <a:prstGeom prst="rect">
+            <a:avLst/>
+          </a:prstGeom>
+        </p:spPr>
+      </p:pic>
+      <p:sp>
+        <p:nvSpPr>
+          <p:cNvPr id="8" name="총 파일 개수 count…">
+            <a:extLst>
+              <a:ext uri="{FF2B5EF4-FFF2-40B4-BE49-F238E27FC236}">
+                <a16:creationId xmlns:a16="http://schemas.microsoft.com/office/drawing/2014/main" id="{4CC93060-5CCB-49CA-ACC8-19570D52882F}"/>
+              </a:ext>
+            </a:extLst>
+          </p:cNvPr>
+          <p:cNvSpPr txBox="1"/>
+          <p:nvPr/>
+        </p:nvSpPr>
+        <p:spPr>
+          <a:xfrm>
+            <a:off x="4587581" y="896816"/>
+            <a:ext cx="4489184" cy="718145"/>
+          </a:xfrm>
+          <a:prstGeom prst="rect">
+            <a:avLst/>
+          </a:prstGeom>
+          <a:ln w="38100">
+            <a:solidFill>
+              <a:schemeClr val="accent1">
+                <a:lumMod val="40000"/>
+                <a:lumOff val="60000"/>
+              </a:schemeClr>
+            </a:solidFill>
+            <a:miter lim="400000"/>
+          </a:ln>
+          <a:extLst>
+            <a:ext uri="{C572A759-6A51-4108-AA02-DFA0A04FC94B}">
+              <ma14:wrappingTextBoxFlag xmlns="" xmlns:ma14="http://schemas.microsoft.com/office/mac/drawingml/2011/main" val="1"/>
+            </a:ext>
+          </a:extLst>
+        </p:spPr>
+        <p:txBody>
+          <a:bodyPr wrap="square" lIns="50800" tIns="50800" rIns="50800" bIns="50800" anchor="ctr">
+            <a:spAutoFit/>
+          </a:bodyPr>
+          <a:lstStyle/>
+          <a:p>
+            <a:pPr>
+              <a:buSzPct val="100000"/>
+              <a:defRPr sz="3600"/>
+            </a:pPr>
+            <a:r>
+              <a:rPr lang="ko-KR" altLang="en-US" sz="4000" dirty="0"/>
+              <a:t>다양한 예외처리</a:t>
+            </a:r>
+            <a:endParaRPr lang="en-US" altLang="ko-KR" sz="4000" dirty="0"/>
+          </a:p>
+        </p:txBody>
+      </p:sp>
+      <p:pic>
+        <p:nvPicPr>
+          <p:cNvPr id="9" name="그래픽 8" descr="랩톱">
+            <a:extLst>
+              <a:ext uri="{FF2B5EF4-FFF2-40B4-BE49-F238E27FC236}">
+                <a16:creationId xmlns:a16="http://schemas.microsoft.com/office/drawing/2014/main" id="{A7A61C18-21C2-44D3-8247-43BB2D422D30}"/>
+              </a:ext>
+            </a:extLst>
+          </p:cNvPr>
+          <p:cNvPicPr>
+            <a:picLocks noChangeAspect="1"/>
+          </p:cNvPicPr>
+          <p:nvPr/>
+        </p:nvPicPr>
+        <p:blipFill>
+          <a:blip r:embed="rId2">
+            <a:extLst>
+              <a:ext uri="{28A0092B-C50C-407E-A947-70E740481C1C}">
+                <a14:useLocalDpi xmlns:a14="http://schemas.microsoft.com/office/drawing/2010/main" val="0"/>
+              </a:ext>
+              <a:ext uri="{96DAC541-7B7A-43D3-8B79-37D633B846F1}">
+                <asvg:svgBlip xmlns:asvg="http://schemas.microsoft.com/office/drawing/2016/SVG/main" r:embed="rId3"/>
+              </a:ext>
+            </a:extLst>
+          </a:blip>
+          <a:stretch>
+            <a:fillRect/>
+          </a:stretch>
+        </p:blipFill>
+        <p:spPr>
+          <a:xfrm>
+            <a:off x="5107748" y="2981404"/>
+            <a:ext cx="3264434" cy="3264434"/>
+          </a:xfrm>
+          <a:prstGeom prst="rect">
+            <a:avLst/>
+          </a:prstGeom>
+        </p:spPr>
+      </p:pic>
+      <p:sp>
+        <p:nvSpPr>
+          <p:cNvPr id="10" name="총 파일 개수 count…">
+            <a:extLst>
+              <a:ext uri="{FF2B5EF4-FFF2-40B4-BE49-F238E27FC236}">
+                <a16:creationId xmlns:a16="http://schemas.microsoft.com/office/drawing/2014/main" id="{C39E7C68-00F2-4B68-A72C-B957F9B28432}"/>
+              </a:ext>
+            </a:extLst>
+          </p:cNvPr>
+          <p:cNvSpPr txBox="1"/>
+          <p:nvPr/>
+        </p:nvSpPr>
+        <p:spPr>
+          <a:xfrm>
+            <a:off x="4495373" y="4069041"/>
+            <a:ext cx="4489184" cy="718145"/>
+          </a:xfrm>
+          <a:prstGeom prst="rect">
+            <a:avLst/>
+          </a:prstGeom>
+          <a:ln w="38100">
+            <a:solidFill>
+              <a:schemeClr val="accent1">
+                <a:lumMod val="40000"/>
+                <a:lumOff val="60000"/>
+              </a:schemeClr>
+            </a:solidFill>
+            <a:miter lim="400000"/>
+          </a:ln>
+          <a:extLst>
+            <a:ext uri="{C572A759-6A51-4108-AA02-DFA0A04FC94B}">
+              <ma14:wrappingTextBoxFlag xmlns="" xmlns:ma14="http://schemas.microsoft.com/office/mac/drawingml/2011/main" val="1"/>
+            </a:ext>
+          </a:extLst>
+        </p:spPr>
+        <p:txBody>
+          <a:bodyPr wrap="square" lIns="50800" tIns="50800" rIns="50800" bIns="50800" anchor="ctr">
+            <a:spAutoFit/>
+          </a:bodyPr>
+          <a:lstStyle/>
+          <a:p>
+            <a:pPr>
+              <a:buSzPct val="100000"/>
+              <a:defRPr sz="3600"/>
+            </a:pPr>
+            <a:r>
+              <a:rPr lang="ko-KR" altLang="en-US" sz="4000" dirty="0"/>
+              <a:t>그럼 속도는</a:t>
+            </a:r>
+            <a:r>
+              <a:rPr lang="en-US" altLang="ko-KR" sz="4000" dirty="0"/>
+              <a:t>?</a:t>
+            </a:r>
+          </a:p>
+        </p:txBody>
+      </p:sp>
+      <p:pic>
+        <p:nvPicPr>
+          <p:cNvPr id="14" name="그래픽 13" descr="교사">
+            <a:extLst>
+              <a:ext uri="{FF2B5EF4-FFF2-40B4-BE49-F238E27FC236}">
+                <a16:creationId xmlns:a16="http://schemas.microsoft.com/office/drawing/2014/main" id="{85D48371-3547-4C07-9E07-4BCA34B77E26}"/>
+              </a:ext>
+            </a:extLst>
+          </p:cNvPr>
+          <p:cNvPicPr>
+            <a:picLocks noChangeAspect="1"/>
+          </p:cNvPicPr>
+          <p:nvPr/>
+        </p:nvPicPr>
+        <p:blipFill>
+          <a:blip r:embed="rId4">
+            <a:extLst>
+              <a:ext uri="{28A0092B-C50C-407E-A947-70E740481C1C}">
+                <a14:useLocalDpi xmlns:a14="http://schemas.microsoft.com/office/drawing/2010/main" val="0"/>
+              </a:ext>
+              <a:ext uri="{96DAC541-7B7A-43D3-8B79-37D633B846F1}">
+                <asvg:svgBlip xmlns:asvg="http://schemas.microsoft.com/office/drawing/2016/SVG/main" r:embed="rId5"/>
+              </a:ext>
+            </a:extLst>
+          </a:blip>
+          <a:stretch>
+            <a:fillRect/>
+          </a:stretch>
+        </p:blipFill>
+        <p:spPr>
+          <a:xfrm>
+            <a:off x="4906896" y="6293534"/>
+            <a:ext cx="3191008" cy="3191008"/>
+          </a:xfrm>
+          <a:prstGeom prst="rect">
+            <a:avLst/>
+          </a:prstGeom>
+        </p:spPr>
+      </p:pic>
+      <p:sp>
+        <p:nvSpPr>
+          <p:cNvPr id="15" name="총 파일 개수 count…">
+            <a:extLst>
+              <a:ext uri="{FF2B5EF4-FFF2-40B4-BE49-F238E27FC236}">
+                <a16:creationId xmlns:a16="http://schemas.microsoft.com/office/drawing/2014/main" id="{64EBE4A4-F184-426A-92B3-B3A52472FE8E}"/>
+              </a:ext>
+            </a:extLst>
+          </p:cNvPr>
+          <p:cNvSpPr txBox="1"/>
+          <p:nvPr/>
+        </p:nvSpPr>
+        <p:spPr>
+          <a:xfrm>
+            <a:off x="3650130" y="7222089"/>
+            <a:ext cx="6623424" cy="718145"/>
+          </a:xfrm>
+          <a:prstGeom prst="rect">
+            <a:avLst/>
+          </a:prstGeom>
+          <a:ln w="38100">
+            <a:solidFill>
+              <a:schemeClr val="accent1">
+                <a:lumMod val="40000"/>
+                <a:lumOff val="60000"/>
+              </a:schemeClr>
+            </a:solidFill>
+            <a:miter lim="400000"/>
+          </a:ln>
+          <a:extLst>
+            <a:ext uri="{C572A759-6A51-4108-AA02-DFA0A04FC94B}">
+              <ma14:wrappingTextBoxFlag xmlns="" xmlns:ma14="http://schemas.microsoft.com/office/mac/drawingml/2011/main" val="1"/>
+            </a:ext>
+          </a:extLst>
+        </p:spPr>
+        <p:txBody>
+          <a:bodyPr wrap="square" lIns="50800" tIns="50800" rIns="50800" bIns="50800" anchor="ctr">
+            <a:spAutoFit/>
+          </a:bodyPr>
+          <a:lstStyle/>
+          <a:p>
+            <a:pPr>
+              <a:buSzPct val="100000"/>
+              <a:defRPr sz="3600"/>
+            </a:pPr>
+            <a:r>
+              <a:rPr lang="ko-KR" altLang="en-US" sz="4000"/>
+              <a:t>더 정확한 </a:t>
+            </a:r>
+            <a:r>
+              <a:rPr lang="ko-KR" altLang="en-US" sz="4000" dirty="0"/>
+              <a:t>방법은 없을까</a:t>
+            </a:r>
+            <a:r>
+              <a:rPr lang="en-US" altLang="ko-KR" sz="4000" dirty="0"/>
+              <a:t>?</a:t>
+            </a:r>
+          </a:p>
+        </p:txBody>
+      </p:sp>
+      <p:pic>
+        <p:nvPicPr>
+          <p:cNvPr id="17" name="그래픽 16" descr="화살표: 반시계 방향 곡선">
+            <a:extLst>
+              <a:ext uri="{FF2B5EF4-FFF2-40B4-BE49-F238E27FC236}">
+                <a16:creationId xmlns:a16="http://schemas.microsoft.com/office/drawing/2014/main" id="{59B5530D-3A18-4D51-9182-9215B037C378}"/>
+              </a:ext>
+            </a:extLst>
+          </p:cNvPr>
+          <p:cNvPicPr>
+            <a:picLocks noChangeAspect="1"/>
+          </p:cNvPicPr>
+          <p:nvPr/>
+        </p:nvPicPr>
+        <p:blipFill>
+          <a:blip r:embed="rId6" cstate="print">
+            <a:extLst>
+              <a:ext uri="{28A0092B-C50C-407E-A947-70E740481C1C}">
+                <a14:useLocalDpi xmlns:a14="http://schemas.microsoft.com/office/drawing/2010/main" val="0"/>
+              </a:ext>
+              <a:ext uri="{96DAC541-7B7A-43D3-8B79-37D633B846F1}">
+                <asvg:svgBlip xmlns:asvg="http://schemas.microsoft.com/office/drawing/2016/SVG/main" r:embed="rId7"/>
+              </a:ext>
+            </a:extLst>
+          </a:blip>
+          <a:stretch>
+            <a:fillRect/>
+          </a:stretch>
+        </p:blipFill>
+        <p:spPr>
+          <a:xfrm rot="10800000">
+            <a:off x="3125266" y="2700939"/>
+            <a:ext cx="914400" cy="914400"/>
+          </a:xfrm>
+          <a:prstGeom prst="rect">
+            <a:avLst/>
+          </a:prstGeom>
+        </p:spPr>
+      </p:pic>
+      <p:pic>
+        <p:nvPicPr>
+          <p:cNvPr id="18" name="그래픽 17" descr="화살표: 반시계 방향 곡선">
+            <a:extLst>
+              <a:ext uri="{FF2B5EF4-FFF2-40B4-BE49-F238E27FC236}">
+                <a16:creationId xmlns:a16="http://schemas.microsoft.com/office/drawing/2014/main" id="{6EEA7A65-68BB-4E6C-AC2C-B3B456B11CBE}"/>
+              </a:ext>
+            </a:extLst>
+          </p:cNvPr>
+          <p:cNvPicPr>
+            <a:picLocks noChangeAspect="1"/>
+          </p:cNvPicPr>
+          <p:nvPr/>
+        </p:nvPicPr>
+        <p:blipFill>
+          <a:blip r:embed="rId8">
+            <a:extLst>
+              <a:ext uri="{28A0092B-C50C-407E-A947-70E740481C1C}">
+                <a14:useLocalDpi xmlns:a14="http://schemas.microsoft.com/office/drawing/2010/main" val="0"/>
+              </a:ext>
+              <a:ext uri="{96DAC541-7B7A-43D3-8B79-37D633B846F1}">
+                <asvg:svgBlip xmlns:asvg="http://schemas.microsoft.com/office/drawing/2016/SVG/main" r:embed="rId9"/>
+              </a:ext>
+            </a:extLst>
+          </a:blip>
+          <a:stretch>
+            <a:fillRect/>
+          </a:stretch>
+        </p:blipFill>
+        <p:spPr>
+          <a:xfrm>
+            <a:off x="9440264" y="1164476"/>
+            <a:ext cx="3191008" cy="6527273"/>
+          </a:xfrm>
+          <a:prstGeom prst="rect">
+            <a:avLst/>
+          </a:prstGeom>
+        </p:spPr>
+      </p:pic>
+      <p:pic>
+        <p:nvPicPr>
+          <p:cNvPr id="19" name="그래픽 18" descr="화살표: 반시계 방향 곡선">
+            <a:extLst>
+              <a:ext uri="{FF2B5EF4-FFF2-40B4-BE49-F238E27FC236}">
+                <a16:creationId xmlns:a16="http://schemas.microsoft.com/office/drawing/2014/main" id="{08A90DD0-C7E3-4A7D-8BEE-1251570948DD}"/>
+              </a:ext>
+            </a:extLst>
+          </p:cNvPr>
+          <p:cNvPicPr>
+            <a:picLocks noChangeAspect="1"/>
+          </p:cNvPicPr>
+          <p:nvPr/>
+        </p:nvPicPr>
+        <p:blipFill>
+          <a:blip r:embed="rId6" cstate="print">
+            <a:extLst>
+              <a:ext uri="{28A0092B-C50C-407E-A947-70E740481C1C}">
+                <a14:useLocalDpi xmlns:a14="http://schemas.microsoft.com/office/drawing/2010/main" val="0"/>
+              </a:ext>
+              <a:ext uri="{96DAC541-7B7A-43D3-8B79-37D633B846F1}">
+                <asvg:svgBlip xmlns:asvg="http://schemas.microsoft.com/office/drawing/2016/SVG/main" r:embed="rId7"/>
+              </a:ext>
+            </a:extLst>
+          </a:blip>
+          <a:stretch>
+            <a:fillRect/>
+          </a:stretch>
+        </p:blipFill>
+        <p:spPr>
+          <a:xfrm rot="10800000">
+            <a:off x="3064968" y="5223861"/>
+            <a:ext cx="914400" cy="914400"/>
+          </a:xfrm>
+          <a:prstGeom prst="rect">
+            <a:avLst/>
+          </a:prstGeom>
+        </p:spPr>
+      </p:pic>
+    </p:spTree>
+    <p:extLst>
+      <p:ext uri="{BB962C8B-B14F-4D97-AF65-F5344CB8AC3E}">
+        <p14:creationId xmlns:p14="http://schemas.microsoft.com/office/powerpoint/2010/main" val="2073870918"/>
+      </p:ext>
+    </p:extLst>
   </p:cSld>
   <p:clrMapOvr>
     <a:masterClrMapping/>
@@ -4502,7 +8690,7 @@
           </a:ln>
           <a:extLst>
             <a:ext uri="{C572A759-6A51-4108-AA02-DFA0A04FC94B}">
-              <ma14:wrappingTextBoxFlag xmlns:ma14="http://schemas.microsoft.com/office/mac/drawingml/2011/main" xmlns="" val="1"/>
+              <ma14:wrappingTextBoxFlag xmlns="" xmlns:ma14="http://schemas.microsoft.com/office/mac/drawingml/2011/main" val="1"/>
             </a:ext>
           </a:extLst>
         </p:spPr>
@@ -4539,6 +8727,501 @@
             </a:pPr>
             <a:r>
               <a:t>그리고 1에서 카운트한 파일의 개수만큼 구조체에 동적할당한다.</a:t>
+            </a:r>
+          </a:p>
+        </p:txBody>
+      </p:sp>
+    </p:spTree>
+  </p:cSld>
+  <p:clrMapOvr>
+    <a:masterClrMapping/>
+  </p:clrMapOvr>
+  <p:transition spd="med"/>
+</p:sld>
+</file>
+
+<file path=ppt/slides/slide40.xml><?xml version="1.0" encoding="utf-8"?>
+<p:sld xmlns:a="http://schemas.openxmlformats.org/drawingml/2006/main" xmlns:r="http://schemas.openxmlformats.org/officeDocument/2006/relationships" xmlns:p="http://schemas.openxmlformats.org/presentationml/2006/main">
+  <p:cSld>
+    <p:spTree>
+      <p:nvGrpSpPr>
+        <p:cNvPr id="1" name=""/>
+        <p:cNvGrpSpPr/>
+        <p:nvPr/>
+      </p:nvGrpSpPr>
+      <p:grpSpPr>
+        <a:xfrm>
+          <a:off x="0" y="0"/>
+          <a:ext cx="0" cy="0"/>
+          <a:chOff x="0" y="0"/>
+          <a:chExt cx="0" cy="0"/>
+        </a:xfrm>
+      </p:grpSpPr>
+      <p:sp>
+        <p:nvSpPr>
+          <p:cNvPr id="150" name="https://github.com/Jw-Bluayer/softwareprogramming"/>
+          <p:cNvSpPr txBox="1"/>
+          <p:nvPr/>
+        </p:nvSpPr>
+        <p:spPr>
+          <a:xfrm>
+            <a:off x="1784895" y="5849872"/>
+            <a:ext cx="9863710" cy="560450"/>
+          </a:xfrm>
+          <a:prstGeom prst="rect">
+            <a:avLst/>
+          </a:prstGeom>
+          <a:ln w="12700">
+            <a:miter lim="400000"/>
+          </a:ln>
+          <a:extLst>
+            <a:ext uri="{C572A759-6A51-4108-AA02-DFA0A04FC94B}">
+              <ma14:wrappingTextBoxFlag xmlns="" xmlns:ma14="http://schemas.microsoft.com/office/mac/drawingml/2011/main" val="1"/>
+            </a:ext>
+          </a:extLst>
+        </p:spPr>
+        <p:txBody>
+          <a:bodyPr wrap="none" lIns="50800" tIns="50800" rIns="50800" bIns="50800" anchor="ctr">
+            <a:spAutoFit/>
+          </a:bodyPr>
+          <a:lstStyle>
+            <a:lvl1pPr algn="just">
+              <a:defRPr sz="3000"/>
+            </a:lvl1pPr>
+          </a:lstStyle>
+          <a:p>
+            <a:r>
+              <a:t>https://github.com/Jw-Bluayer/softwareprogramming</a:t>
+            </a:r>
+          </a:p>
+        </p:txBody>
+      </p:sp>
+      <p:sp>
+        <p:nvSpPr>
+          <p:cNvPr id="151" name="이미 현재 코드는 github에 올라가 있습니다."/>
+          <p:cNvSpPr txBox="1"/>
+          <p:nvPr/>
+        </p:nvSpPr>
+        <p:spPr>
+          <a:xfrm>
+            <a:off x="3242220" y="2496062"/>
+            <a:ext cx="6949060" cy="592075"/>
+          </a:xfrm>
+          <a:prstGeom prst="rect">
+            <a:avLst/>
+          </a:prstGeom>
+          <a:ln w="12700">
+            <a:miter lim="400000"/>
+          </a:ln>
+          <a:extLst>
+            <a:ext uri="{C572A759-6A51-4108-AA02-DFA0A04FC94B}">
+              <ma14:wrappingTextBoxFlag xmlns="" xmlns:ma14="http://schemas.microsoft.com/office/mac/drawingml/2011/main" val="1"/>
+            </a:ext>
+          </a:extLst>
+        </p:spPr>
+        <p:txBody>
+          <a:bodyPr wrap="none" lIns="50800" tIns="50800" rIns="50800" bIns="50800" anchor="ctr">
+            <a:spAutoFit/>
+          </a:bodyPr>
+          <a:lstStyle>
+            <a:lvl1pPr algn="just">
+              <a:defRPr sz="3000"/>
+            </a:lvl1pPr>
+          </a:lstStyle>
+          <a:p>
+            <a:r>
+              <a:t>이미 현재 코드는 github에 올라가 있습니다. </a:t>
+            </a:r>
+          </a:p>
+        </p:txBody>
+      </p:sp>
+    </p:spTree>
+  </p:cSld>
+  <p:clrMapOvr>
+    <a:masterClrMapping/>
+  </p:clrMapOvr>
+  <p:transition spd="med"/>
+</p:sld>
+</file>
+
+<file path=ppt/slides/slide41.xml><?xml version="1.0" encoding="utf-8"?>
+<p:sld xmlns:a="http://schemas.openxmlformats.org/drawingml/2006/main" xmlns:r="http://schemas.openxmlformats.org/officeDocument/2006/relationships" xmlns:p="http://schemas.openxmlformats.org/presentationml/2006/main">
+  <p:cSld>
+    <p:spTree>
+      <p:nvGrpSpPr>
+        <p:cNvPr id="1" name=""/>
+        <p:cNvGrpSpPr/>
+        <p:nvPr/>
+      </p:nvGrpSpPr>
+      <p:grpSpPr>
+        <a:xfrm>
+          <a:off x="0" y="0"/>
+          <a:ext cx="0" cy="0"/>
+          <a:chOff x="0" y="0"/>
+          <a:chExt cx="0" cy="0"/>
+        </a:xfrm>
+      </p:grpSpPr>
+      <p:pic>
+        <p:nvPicPr>
+          <p:cNvPr id="165" name="스크린샷 2017-11-17 오후 6.58.14.png" descr="스크린샷 2017-11-17 오후 6.58.14.png"/>
+          <p:cNvPicPr>
+            <a:picLocks noChangeAspect="1"/>
+          </p:cNvPicPr>
+          <p:nvPr/>
+        </p:nvPicPr>
+        <p:blipFill>
+          <a:blip r:embed="rId2">
+            <a:extLst/>
+          </a:blip>
+          <a:stretch>
+            <a:fillRect/>
+          </a:stretch>
+        </p:blipFill>
+        <p:spPr>
+          <a:xfrm>
+            <a:off x="-1" y="1670174"/>
+            <a:ext cx="13004801" cy="6094097"/>
+          </a:xfrm>
+          <a:prstGeom prst="rect">
+            <a:avLst/>
+          </a:prstGeom>
+          <a:ln w="12700">
+            <a:miter lim="400000"/>
+          </a:ln>
+        </p:spPr>
+      </p:pic>
+    </p:spTree>
+  </p:cSld>
+  <p:clrMapOvr>
+    <a:masterClrMapping/>
+  </p:clrMapOvr>
+  <p:transition spd="med"/>
+</p:sld>
+</file>
+
+<file path=ppt/slides/slide42.xml><?xml version="1.0" encoding="utf-8"?>
+<p:sld xmlns:a="http://schemas.openxmlformats.org/drawingml/2006/main" xmlns:r="http://schemas.openxmlformats.org/officeDocument/2006/relationships" xmlns:p="http://schemas.openxmlformats.org/presentationml/2006/main">
+  <p:cSld>
+    <p:spTree>
+      <p:nvGrpSpPr>
+        <p:cNvPr id="1" name=""/>
+        <p:cNvGrpSpPr/>
+        <p:nvPr/>
+      </p:nvGrpSpPr>
+      <p:grpSpPr>
+        <a:xfrm>
+          <a:off x="0" y="0"/>
+          <a:ext cx="0" cy="0"/>
+          <a:chOff x="0" y="0"/>
+          <a:chExt cx="0" cy="0"/>
+        </a:xfrm>
+      </p:grpSpPr>
+      <p:sp>
+        <p:nvSpPr>
+          <p:cNvPr id="167" name="현재 코드는 11월 2일자를 시작으로…"/>
+          <p:cNvSpPr txBox="1"/>
+          <p:nvPr/>
+        </p:nvSpPr>
+        <p:spPr>
+          <a:xfrm>
+            <a:off x="1358402" y="1205998"/>
+            <a:ext cx="10902023" cy="872034"/>
+          </a:xfrm>
+          <a:prstGeom prst="rect">
+            <a:avLst/>
+          </a:prstGeom>
+          <a:ln w="12700">
+            <a:miter lim="400000"/>
+          </a:ln>
+          <a:extLst>
+            <a:ext uri="{C572A759-6A51-4108-AA02-DFA0A04FC94B}">
+              <ma14:wrappingTextBoxFlag xmlns="" xmlns:ma14="http://schemas.microsoft.com/office/mac/drawingml/2011/main" val="1"/>
+            </a:ext>
+          </a:extLst>
+        </p:spPr>
+        <p:txBody>
+          <a:bodyPr wrap="none" lIns="50800" tIns="50800" rIns="50800" bIns="50800" anchor="ctr">
+            <a:spAutoFit/>
+          </a:bodyPr>
+          <a:lstStyle/>
+          <a:p>
+            <a:pPr>
+              <a:defRPr sz="3000"/>
+            </a:pPr>
+            <a:r>
+              <a:rPr sz="2500" dirty="0" err="1"/>
+              <a:t>현재</a:t>
+            </a:r>
+            <a:r>
+              <a:rPr sz="2500" dirty="0"/>
+              <a:t> </a:t>
+            </a:r>
+            <a:r>
+              <a:rPr sz="2500" dirty="0" err="1"/>
+              <a:t>코드는</a:t>
+            </a:r>
+            <a:r>
+              <a:rPr sz="2500" dirty="0"/>
+              <a:t> 11월 2일자를 </a:t>
+            </a:r>
+            <a:r>
+              <a:rPr sz="2500" dirty="0" err="1"/>
+              <a:t>시작으로</a:t>
+            </a:r>
+            <a:endParaRPr sz="2500" dirty="0"/>
+          </a:p>
+          <a:p>
+            <a:pPr>
+              <a:defRPr sz="3000"/>
+            </a:pPr>
+            <a:r>
+              <a:rPr sz="2500" dirty="0" err="1"/>
+              <a:t>주어질</a:t>
+            </a:r>
+            <a:r>
+              <a:rPr sz="2500" dirty="0"/>
+              <a:t> txt </a:t>
+            </a:r>
+            <a:r>
+              <a:rPr sz="2500" dirty="0" err="1"/>
+              <a:t>파일이</a:t>
+            </a:r>
+            <a:r>
+              <a:rPr sz="2500" dirty="0"/>
+              <a:t> </a:t>
+            </a:r>
+            <a:r>
+              <a:rPr sz="2500" dirty="0" err="1"/>
+              <a:t>무엇일지</a:t>
+            </a:r>
+            <a:r>
+              <a:rPr sz="2500" dirty="0"/>
+              <a:t> </a:t>
+            </a:r>
+            <a:r>
+              <a:rPr sz="2500" dirty="0" err="1"/>
+              <a:t>몰라</a:t>
+            </a:r>
+            <a:r>
+              <a:rPr sz="2500" dirty="0"/>
+              <a:t> </a:t>
+            </a:r>
+            <a:r>
+              <a:rPr sz="2500" dirty="0" err="1"/>
+              <a:t>다른</a:t>
+            </a:r>
+            <a:r>
+              <a:rPr sz="2500" dirty="0"/>
+              <a:t> Ranking </a:t>
+            </a:r>
+            <a:r>
+              <a:rPr sz="2500" dirty="0" err="1"/>
+              <a:t>방식은</a:t>
+            </a:r>
+            <a:r>
+              <a:rPr sz="2500" dirty="0"/>
+              <a:t> </a:t>
+            </a:r>
+            <a:r>
+              <a:rPr sz="2500" dirty="0" err="1"/>
+              <a:t>배제한</a:t>
+            </a:r>
+            <a:r>
+              <a:rPr sz="2500" dirty="0"/>
+              <a:t> </a:t>
+            </a:r>
+            <a:r>
+              <a:rPr sz="2500" dirty="0" err="1"/>
+              <a:t>상황이었다가</a:t>
+            </a:r>
+            <a:endParaRPr sz="2500" dirty="0"/>
+          </a:p>
+        </p:txBody>
+      </p:sp>
+      <p:pic>
+        <p:nvPicPr>
+          <p:cNvPr id="168" name="스크린샷 2017-11-17 오후 6.59.18.png" descr="스크린샷 2017-11-17 오후 6.59.18.png"/>
+          <p:cNvPicPr>
+            <a:picLocks noChangeAspect="1"/>
+          </p:cNvPicPr>
+          <p:nvPr/>
+        </p:nvPicPr>
+        <p:blipFill>
+          <a:blip r:embed="rId2">
+            <a:extLst/>
+          </a:blip>
+          <a:stretch>
+            <a:fillRect/>
+          </a:stretch>
+        </p:blipFill>
+        <p:spPr>
+          <a:xfrm>
+            <a:off x="2032918" y="3020672"/>
+            <a:ext cx="8938964" cy="5586853"/>
+          </a:xfrm>
+          <a:prstGeom prst="rect">
+            <a:avLst/>
+          </a:prstGeom>
+          <a:ln w="12700">
+            <a:miter lim="400000"/>
+          </a:ln>
+        </p:spPr>
+      </p:pic>
+    </p:spTree>
+  </p:cSld>
+  <p:clrMapOvr>
+    <a:masterClrMapping/>
+  </p:clrMapOvr>
+  <p:transition spd="med"/>
+</p:sld>
+</file>
+
+<file path=ppt/slides/slide43.xml><?xml version="1.0" encoding="utf-8"?>
+<p:sld xmlns:a="http://schemas.openxmlformats.org/drawingml/2006/main" xmlns:r="http://schemas.openxmlformats.org/officeDocument/2006/relationships" xmlns:p="http://schemas.openxmlformats.org/presentationml/2006/main">
+  <p:cSld>
+    <p:spTree>
+      <p:nvGrpSpPr>
+        <p:cNvPr id="1" name=""/>
+        <p:cNvGrpSpPr/>
+        <p:nvPr/>
+      </p:nvGrpSpPr>
+      <p:grpSpPr>
+        <a:xfrm>
+          <a:off x="0" y="0"/>
+          <a:ext cx="0" cy="0"/>
+          <a:chOff x="0" y="0"/>
+          <a:chExt cx="0" cy="0"/>
+        </a:xfrm>
+      </p:grpSpPr>
+      <p:pic>
+        <p:nvPicPr>
+          <p:cNvPr id="170" name="스크린샷 2017-11-21 오후 9.45.50.png" descr="스크린샷 2017-11-21 오후 9.45.50.png"/>
+          <p:cNvPicPr>
+            <a:picLocks noChangeAspect="1"/>
+          </p:cNvPicPr>
+          <p:nvPr/>
+        </p:nvPicPr>
+        <p:blipFill>
+          <a:blip r:embed="rId2">
+            <a:extLst/>
+          </a:blip>
+          <a:stretch>
+            <a:fillRect/>
+          </a:stretch>
+        </p:blipFill>
+        <p:spPr>
+          <a:xfrm>
+            <a:off x="0" y="3358833"/>
+            <a:ext cx="13004801" cy="5941042"/>
+          </a:xfrm>
+          <a:prstGeom prst="rect">
+            <a:avLst/>
+          </a:prstGeom>
+          <a:ln w="12700">
+            <a:miter lim="400000"/>
+          </a:ln>
+        </p:spPr>
+      </p:pic>
+      <p:sp>
+        <p:nvSpPr>
+          <p:cNvPr id="171" name="계속 업데이트 하고 있습니다."/>
+          <p:cNvSpPr txBox="1"/>
+          <p:nvPr/>
+        </p:nvSpPr>
+        <p:spPr>
+          <a:xfrm>
+            <a:off x="4563037" y="1345978"/>
+            <a:ext cx="4492753" cy="592074"/>
+          </a:xfrm>
+          <a:prstGeom prst="rect">
+            <a:avLst/>
+          </a:prstGeom>
+          <a:ln w="12700">
+            <a:miter lim="400000"/>
+          </a:ln>
+          <a:extLst>
+            <a:ext uri="{C572A759-6A51-4108-AA02-DFA0A04FC94B}">
+              <ma14:wrappingTextBoxFlag xmlns="" xmlns:ma14="http://schemas.microsoft.com/office/mac/drawingml/2011/main" val="1"/>
+            </a:ext>
+          </a:extLst>
+        </p:spPr>
+        <p:txBody>
+          <a:bodyPr wrap="none" lIns="50800" tIns="50800" rIns="50800" bIns="50800" anchor="ctr">
+            <a:spAutoFit/>
+          </a:bodyPr>
+          <a:lstStyle>
+            <a:lvl1pPr>
+              <a:defRPr sz="3000"/>
+            </a:lvl1pPr>
+          </a:lstStyle>
+          <a:p>
+            <a:r>
+              <a:t>계속 업데이트 하고 있습니다.</a:t>
+            </a:r>
+          </a:p>
+        </p:txBody>
+      </p:sp>
+    </p:spTree>
+  </p:cSld>
+  <p:clrMapOvr>
+    <a:masterClrMapping/>
+  </p:clrMapOvr>
+  <p:transition spd="med"/>
+</p:sld>
+</file>
+
+<file path=ppt/slides/slide44.xml><?xml version="1.0" encoding="utf-8"?>
+<p:sld xmlns:a="http://schemas.openxmlformats.org/drawingml/2006/main" xmlns:r="http://schemas.openxmlformats.org/officeDocument/2006/relationships" xmlns:p="http://schemas.openxmlformats.org/presentationml/2006/main">
+  <p:cSld>
+    <p:spTree>
+      <p:nvGrpSpPr>
+        <p:cNvPr id="1" name=""/>
+        <p:cNvGrpSpPr/>
+        <p:nvPr/>
+      </p:nvGrpSpPr>
+      <p:grpSpPr>
+        <a:xfrm>
+          <a:off x="0" y="0"/>
+          <a:ext cx="0" cy="0"/>
+          <a:chOff x="0" y="0"/>
+          <a:chExt cx="0" cy="0"/>
+        </a:xfrm>
+      </p:grpSpPr>
+      <p:sp>
+        <p:nvSpPr>
+          <p:cNvPr id="173" name="감사합니다."/>
+          <p:cNvSpPr txBox="1"/>
+          <p:nvPr/>
+        </p:nvSpPr>
+        <p:spPr>
+          <a:xfrm>
+            <a:off x="5568378" y="4580763"/>
+            <a:ext cx="1868044" cy="592074"/>
+          </a:xfrm>
+          <a:prstGeom prst="rect">
+            <a:avLst/>
+          </a:prstGeom>
+          <a:ln w="12700">
+            <a:miter lim="400000"/>
+          </a:ln>
+          <a:extLst>
+            <a:ext uri="{C572A759-6A51-4108-AA02-DFA0A04FC94B}">
+              <ma14:wrappingTextBoxFlag xmlns="" xmlns:ma14="http://schemas.microsoft.com/office/mac/drawingml/2011/main" val="1"/>
+            </a:ext>
+          </a:extLst>
+        </p:spPr>
+        <p:txBody>
+          <a:bodyPr wrap="none" lIns="50800" tIns="50800" rIns="50800" bIns="50800" anchor="ctr">
+            <a:spAutoFit/>
+          </a:bodyPr>
+          <a:lstStyle>
+            <a:lvl1pPr>
+              <a:defRPr sz="3000"/>
+            </a:lvl1pPr>
+          </a:lstStyle>
+          <a:p>
+            <a:r>
+              <a:t>감사합니다.</a:t>
             </a:r>
           </a:p>
         </p:txBody>
@@ -4617,7 +9300,7 @@
           </a:ln>
           <a:extLst>
             <a:ext uri="{C572A759-6A51-4108-AA02-DFA0A04FC94B}">
-              <ma14:wrappingTextBoxFlag xmlns:ma14="http://schemas.microsoft.com/office/mac/drawingml/2011/main" xmlns="" val="1"/>
+              <ma14:wrappingTextBoxFlag xmlns="" xmlns:ma14="http://schemas.microsoft.com/office/mac/drawingml/2011/main" val="1"/>
             </a:ext>
           </a:extLst>
         </p:spPr>
@@ -4756,7 +9439,7 @@
           </a:ln>
           <a:extLst>
             <a:ext uri="{C572A759-6A51-4108-AA02-DFA0A04FC94B}">
-              <ma14:wrappingTextBoxFlag xmlns:ma14="http://schemas.microsoft.com/office/mac/drawingml/2011/main" xmlns="" val="1"/>
+              <ma14:wrappingTextBoxFlag xmlns="" xmlns:ma14="http://schemas.microsoft.com/office/mac/drawingml/2011/main" val="1"/>
             </a:ext>
           </a:extLst>
         </p:spPr>
@@ -4823,45 +9506,22 @@
           <a:chExt cx="0" cy="0"/>
         </a:xfrm>
       </p:grpSpPr>
-      <p:pic>
-        <p:nvPicPr>
-          <p:cNvPr id="137" name="소문자 변환.png" descr="소문자 변환.png"/>
-          <p:cNvPicPr>
-            <a:picLocks noChangeAspect="1"/>
-          </p:cNvPicPr>
-          <p:nvPr/>
-        </p:nvPicPr>
-        <p:blipFill>
-          <a:blip r:embed="rId2">
-            <a:extLst/>
-          </a:blip>
-          <a:stretch>
-            <a:fillRect/>
-          </a:stretch>
-        </p:blipFill>
-        <p:spPr>
-          <a:xfrm>
-            <a:off x="4729354" y="5609485"/>
-            <a:ext cx="3546092" cy="632547"/>
-          </a:xfrm>
-          <a:prstGeom prst="rect">
-            <a:avLst/>
-          </a:prstGeom>
-          <a:ln w="12700">
-            <a:miter lim="400000"/>
-          </a:ln>
-        </p:spPr>
-      </p:pic>
       <p:sp>
         <p:nvSpPr>
-          <p:cNvPr id="138" name="4 +. 입력 관련…"/>
+          <p:cNvPr id="6" name="총 파일 개수 count…">
+            <a:extLst>
+              <a:ext uri="{FF2B5EF4-FFF2-40B4-BE49-F238E27FC236}">
+                <a16:creationId xmlns:a16="http://schemas.microsoft.com/office/drawing/2014/main" id="{E9B53345-D67E-4B0A-B638-17ED74AEAB39}"/>
+              </a:ext>
+            </a:extLst>
+          </p:cNvPr>
           <p:cNvSpPr txBox="1"/>
           <p:nvPr/>
         </p:nvSpPr>
         <p:spPr>
           <a:xfrm>
-            <a:off x="904260" y="825620"/>
-            <a:ext cx="11673067" cy="2410916"/>
+            <a:off x="824633" y="4571587"/>
+            <a:ext cx="11544623" cy="610424"/>
           </a:xfrm>
           <a:prstGeom prst="rect">
             <a:avLst/>
@@ -4871,355 +9531,41 @@
           </a:ln>
           <a:extLst>
             <a:ext uri="{C572A759-6A51-4108-AA02-DFA0A04FC94B}">
-              <ma14:wrappingTextBoxFlag xmlns:ma14="http://schemas.microsoft.com/office/mac/drawingml/2011/main" xmlns="" val="1"/>
+              <ma14:wrappingTextBoxFlag xmlns="" xmlns:ma14="http://schemas.microsoft.com/office/mac/drawingml/2011/main" val="1"/>
             </a:ext>
           </a:extLst>
         </p:spPr>
         <p:txBody>
-          <a:bodyPr wrap="none" lIns="50800" tIns="50800" rIns="50800" bIns="50800" anchor="ctr">
+          <a:bodyPr lIns="50800" tIns="50800" rIns="50800" bIns="50800" anchor="ctr">
             <a:spAutoFit/>
           </a:bodyPr>
           <a:lstStyle/>
           <a:p>
-            <a:pPr algn="just">
-              <a:defRPr sz="3000"/>
+            <a:pPr>
+              <a:buSzPct val="100000"/>
+              <a:defRPr sz="3600"/>
             </a:pPr>
             <a:r>
-              <a:rPr sz="2500" dirty="0"/>
-              <a:t>4 +. </a:t>
-            </a:r>
-            <a:r>
-              <a:rPr sz="2500" dirty="0" err="1"/>
-              <a:t>입력</a:t>
-            </a:r>
-            <a:r>
-              <a:rPr sz="2500" dirty="0"/>
-              <a:t> </a:t>
-            </a:r>
-            <a:r>
-              <a:rPr sz="2500" dirty="0" err="1"/>
-              <a:t>관련</a:t>
-            </a:r>
-            <a:endParaRPr sz="2500" dirty="0"/>
-          </a:p>
-          <a:p>
-            <a:pPr algn="just">
-              <a:defRPr sz="3000"/>
-            </a:pPr>
-            <a:endParaRPr sz="2500" dirty="0"/>
-          </a:p>
-          <a:p>
-            <a:pPr algn="just">
-              <a:defRPr sz="3000"/>
-            </a:pPr>
-            <a:r>
-              <a:rPr sz="2500" dirty="0"/>
-              <a:t>맨 </a:t>
-            </a:r>
-            <a:r>
-              <a:rPr sz="2500" dirty="0" err="1"/>
-              <a:t>앞에</a:t>
-            </a:r>
-            <a:r>
-              <a:rPr sz="2500" dirty="0"/>
-              <a:t> </a:t>
-            </a:r>
-            <a:r>
-              <a:rPr sz="2500" dirty="0" err="1"/>
-              <a:t>단어가</a:t>
-            </a:r>
-            <a:r>
-              <a:rPr sz="2500" dirty="0"/>
-              <a:t> </a:t>
-            </a:r>
-            <a:r>
-              <a:rPr sz="2500" dirty="0" err="1"/>
-              <a:t>나올</a:t>
-            </a:r>
-            <a:r>
-              <a:rPr sz="2500" dirty="0"/>
-              <a:t> </a:t>
-            </a:r>
-            <a:r>
-              <a:rPr sz="2500" dirty="0" err="1"/>
-              <a:t>경우</a:t>
-            </a:r>
-            <a:r>
-              <a:rPr sz="2500" dirty="0"/>
-              <a:t> (</a:t>
-            </a:r>
-            <a:r>
-              <a:rPr sz="2500" dirty="0" err="1"/>
-              <a:t>대문자</a:t>
-            </a:r>
-            <a:r>
-              <a:rPr sz="2500" dirty="0"/>
-              <a:t>)(</a:t>
-            </a:r>
-            <a:r>
-              <a:rPr sz="2500" dirty="0" err="1"/>
-              <a:t>소문자</a:t>
-            </a:r>
-            <a:r>
-              <a:rPr sz="2500" dirty="0"/>
-              <a:t>)(</a:t>
-            </a:r>
-            <a:r>
-              <a:rPr sz="2500" dirty="0" err="1"/>
-              <a:t>소문자</a:t>
-            </a:r>
-            <a:r>
-              <a:rPr sz="2500" dirty="0"/>
-              <a:t>)… 과 </a:t>
-            </a:r>
-            <a:r>
-              <a:rPr sz="2500" dirty="0" err="1"/>
-              <a:t>같은</a:t>
-            </a:r>
-            <a:r>
-              <a:rPr sz="2500" dirty="0"/>
-              <a:t> </a:t>
-            </a:r>
-            <a:r>
-              <a:rPr sz="2500" dirty="0" err="1"/>
-              <a:t>단어</a:t>
-            </a:r>
-            <a:r>
-              <a:rPr sz="2500" dirty="0"/>
-              <a:t> </a:t>
-            </a:r>
-            <a:r>
-              <a:rPr sz="2500" dirty="0" err="1"/>
-              <a:t>형태를</a:t>
-            </a:r>
-            <a:r>
-              <a:rPr sz="2500" dirty="0"/>
-              <a:t> </a:t>
-            </a:r>
-            <a:r>
-              <a:rPr sz="2500" dirty="0" err="1"/>
-              <a:t>이룬다</a:t>
-            </a:r>
-            <a:r>
-              <a:rPr sz="2500" dirty="0"/>
-              <a:t>.</a:t>
-            </a:r>
-          </a:p>
-          <a:p>
-            <a:pPr algn="just">
-              <a:defRPr sz="3000"/>
-            </a:pPr>
-            <a:r>
-              <a:rPr sz="2500" dirty="0" err="1"/>
-              <a:t>현재</a:t>
-            </a:r>
-            <a:r>
-              <a:rPr sz="2500" dirty="0"/>
-              <a:t> </a:t>
-            </a:r>
-            <a:r>
-              <a:rPr sz="2500" dirty="0" err="1"/>
-              <a:t>텍스트에서</a:t>
-            </a:r>
-            <a:r>
-              <a:rPr sz="2500" dirty="0"/>
-              <a:t> </a:t>
-            </a:r>
-            <a:r>
-              <a:rPr sz="2500" dirty="0" err="1"/>
-              <a:t>키워드를</a:t>
-            </a:r>
-            <a:r>
-              <a:rPr sz="2500" dirty="0"/>
-              <a:t> </a:t>
-            </a:r>
-            <a:r>
-              <a:rPr sz="2500" dirty="0" err="1"/>
-              <a:t>찾을</a:t>
-            </a:r>
-            <a:r>
-              <a:rPr sz="2500" dirty="0"/>
-              <a:t> </a:t>
-            </a:r>
-            <a:r>
-              <a:rPr sz="2500" dirty="0" err="1"/>
-              <a:t>때는</a:t>
-            </a:r>
-            <a:r>
-              <a:rPr sz="2500" dirty="0"/>
-              <a:t> </a:t>
-            </a:r>
-            <a:r>
-              <a:rPr sz="2500" dirty="0" err="1"/>
-              <a:t>입력시킨</a:t>
-            </a:r>
-            <a:r>
-              <a:rPr sz="2500" dirty="0"/>
-              <a:t> </a:t>
-            </a:r>
-            <a:r>
-              <a:rPr sz="2500" dirty="0" err="1"/>
-              <a:t>것과</a:t>
-            </a:r>
-            <a:r>
-              <a:rPr sz="2500" dirty="0"/>
-              <a:t> </a:t>
-            </a:r>
-            <a:r>
-              <a:rPr sz="2500" dirty="0" err="1"/>
-              <a:t>같은지</a:t>
-            </a:r>
-            <a:r>
-              <a:rPr sz="2500" dirty="0"/>
-              <a:t> </a:t>
-            </a:r>
-            <a:r>
-              <a:rPr sz="2500" dirty="0" err="1"/>
-              <a:t>만을</a:t>
-            </a:r>
-            <a:r>
-              <a:rPr sz="2500" dirty="0"/>
-              <a:t> </a:t>
-            </a:r>
-            <a:r>
-              <a:rPr sz="2500" dirty="0" err="1"/>
-              <a:t>확인하기</a:t>
-            </a:r>
-            <a:r>
-              <a:rPr sz="2500" dirty="0"/>
-              <a:t> </a:t>
-            </a:r>
-            <a:r>
-              <a:rPr sz="2500" dirty="0" err="1"/>
-              <a:t>때문에</a:t>
-            </a:r>
-            <a:endParaRPr sz="2500" dirty="0"/>
-          </a:p>
-          <a:p>
-            <a:pPr algn="just">
-              <a:defRPr sz="3000"/>
-            </a:pPr>
-            <a:r>
-              <a:rPr sz="2500" dirty="0" err="1"/>
-              <a:t>서치의</a:t>
-            </a:r>
-            <a:r>
-              <a:rPr sz="2500" dirty="0"/>
-              <a:t> </a:t>
-            </a:r>
-            <a:r>
-              <a:rPr sz="2500" dirty="0" err="1"/>
-              <a:t>정확도가</a:t>
-            </a:r>
-            <a:r>
-              <a:rPr sz="2500" dirty="0"/>
-              <a:t> </a:t>
-            </a:r>
-            <a:r>
-              <a:rPr sz="2500" dirty="0" err="1"/>
-              <a:t>높다고</a:t>
-            </a:r>
-            <a:r>
-              <a:rPr sz="2500" dirty="0"/>
-              <a:t> 할 수 </a:t>
-            </a:r>
-            <a:r>
-              <a:rPr sz="2500" dirty="0" err="1"/>
-              <a:t>없다</a:t>
-            </a:r>
-            <a:r>
-              <a:rPr sz="2500" dirty="0"/>
-              <a:t>. </a:t>
-            </a:r>
-          </a:p>
-          <a:p>
-            <a:pPr algn="just">
-              <a:defRPr sz="3000"/>
-            </a:pPr>
-            <a:r>
-              <a:rPr sz="2500" dirty="0" err="1"/>
-              <a:t>따라서</a:t>
-            </a:r>
-            <a:r>
-              <a:rPr sz="2500" dirty="0"/>
-              <a:t> </a:t>
-            </a:r>
-            <a:r>
-              <a:rPr sz="2500" dirty="0" err="1"/>
-              <a:t>텍스트</a:t>
-            </a:r>
-            <a:r>
-              <a:rPr sz="2500" dirty="0"/>
-              <a:t> </a:t>
-            </a:r>
-            <a:r>
-              <a:rPr sz="2500" dirty="0" err="1"/>
-              <a:t>파일과</a:t>
-            </a:r>
-            <a:r>
-              <a:rPr sz="2500" dirty="0"/>
-              <a:t> </a:t>
-            </a:r>
-            <a:r>
-              <a:rPr sz="2500" dirty="0" err="1"/>
-              <a:t>입력</a:t>
-            </a:r>
-            <a:r>
-              <a:rPr sz="2500" dirty="0"/>
-              <a:t> </a:t>
-            </a:r>
-            <a:r>
-              <a:rPr sz="2500" dirty="0" err="1"/>
-              <a:t>전체를</a:t>
-            </a:r>
-            <a:r>
-              <a:rPr sz="2500" dirty="0"/>
-              <a:t> </a:t>
-            </a:r>
-            <a:r>
-              <a:rPr sz="2500" dirty="0" err="1"/>
-              <a:t>모두</a:t>
-            </a:r>
-            <a:r>
-              <a:rPr sz="2500" dirty="0"/>
-              <a:t> </a:t>
-            </a:r>
-            <a:r>
-              <a:rPr sz="2500" dirty="0" err="1"/>
-              <a:t>소문자화시켜</a:t>
-            </a:r>
-            <a:r>
-              <a:rPr sz="2500" dirty="0"/>
-              <a:t> </a:t>
-            </a:r>
-            <a:r>
-              <a:rPr sz="2500" dirty="0" err="1"/>
-              <a:t>서치의</a:t>
-            </a:r>
-            <a:r>
-              <a:rPr sz="2500" dirty="0"/>
-              <a:t> </a:t>
-            </a:r>
-            <a:r>
-              <a:rPr sz="2500" dirty="0" err="1"/>
-              <a:t>정확도를</a:t>
-            </a:r>
-            <a:r>
-              <a:rPr sz="2500" dirty="0"/>
-              <a:t> </a:t>
-            </a:r>
-            <a:r>
-              <a:rPr sz="2500" dirty="0" err="1"/>
-              <a:t>높인다</a:t>
-            </a:r>
-            <a:r>
-              <a:rPr sz="2500" dirty="0"/>
-              <a:t>.</a:t>
+              <a:rPr lang="ko-KR" altLang="en-US" sz="3300" dirty="0"/>
+              <a:t>그러나 공백 체크를 앞뒤로 </a:t>
+            </a:r>
+            <a:r>
+              <a:rPr lang="ko-KR" altLang="en-US" sz="3300" dirty="0" err="1"/>
+              <a:t>하다보니</a:t>
+            </a:r>
+            <a:r>
+              <a:rPr lang="en-US" altLang="ko-KR" sz="3300" dirty="0"/>
+              <a:t>..</a:t>
             </a:r>
           </a:p>
         </p:txBody>
       </p:sp>
     </p:spTree>
+    <p:extLst>
+      <p:ext uri="{BB962C8B-B14F-4D97-AF65-F5344CB8AC3E}">
+        <p14:creationId xmlns:p14="http://schemas.microsoft.com/office/powerpoint/2010/main" val="3700921903"/>
+      </p:ext>
+    </p:extLst>
   </p:cSld>
   <p:clrMapOvr>
     <a:masterClrMapping/>
@@ -5247,72 +9593,67 @@
       </p:grpSpPr>
       <p:pic>
         <p:nvPicPr>
-          <p:cNvPr id="140" name="quicksort 관련.jpg" descr="quicksort 관련.jpg"/>
+          <p:cNvPr id="1028" name="Picture 4" descr="신묘한에 대한 이미지 검색결과">
+            <a:extLst>
+              <a:ext uri="{FF2B5EF4-FFF2-40B4-BE49-F238E27FC236}">
+                <a16:creationId xmlns:a16="http://schemas.microsoft.com/office/drawing/2014/main" id="{5E138E72-751E-4BF8-9A2F-0C05038606EE}"/>
+              </a:ext>
+            </a:extLst>
+          </p:cNvPr>
           <p:cNvPicPr>
-            <a:picLocks noChangeAspect="1"/>
+            <a:picLocks noChangeAspect="1" noChangeArrowheads="1"/>
           </p:cNvPicPr>
           <p:nvPr/>
         </p:nvPicPr>
         <p:blipFill>
           <a:blip r:embed="rId2">
-            <a:extLst/>
+            <a:extLst>
+              <a:ext uri="{28A0092B-C50C-407E-A947-70E740481C1C}">
+                <a14:useLocalDpi xmlns:a14="http://schemas.microsoft.com/office/drawing/2010/main" val="0"/>
+              </a:ext>
+            </a:extLst>
           </a:blip>
+          <a:srcRect/>
           <a:stretch>
             <a:fillRect/>
           </a:stretch>
         </p:blipFill>
-        <p:spPr>
+        <p:spPr bwMode="auto">
           <a:xfrm>
-            <a:off x="739615" y="2628518"/>
-            <a:ext cx="9654690" cy="3716146"/>
+            <a:off x="2669106" y="3553425"/>
+            <a:ext cx="8080855" cy="4537711"/>
           </a:xfrm>
           <a:prstGeom prst="rect">
             <a:avLst/>
           </a:prstGeom>
-          <a:ln w="12700">
-            <a:miter lim="400000"/>
-          </a:ln>
-        </p:spPr>
-      </p:pic>
-      <p:pic>
-        <p:nvPicPr>
-          <p:cNvPr id="141" name="qsort.jpg" descr="qsort.jpg"/>
-          <p:cNvPicPr>
-            <a:picLocks noChangeAspect="1"/>
-          </p:cNvPicPr>
-          <p:nvPr/>
-        </p:nvPicPr>
-        <p:blipFill>
-          <a:blip r:embed="rId3">
-            <a:extLst/>
-          </a:blip>
-          <a:stretch>
-            <a:fillRect/>
-          </a:stretch>
-        </p:blipFill>
-        <p:spPr>
-          <a:xfrm>
-            <a:off x="729297" y="7330902"/>
-            <a:ext cx="6245130" cy="428368"/>
-          </a:xfrm>
-          <a:prstGeom prst="rect">
-            <a:avLst/>
-          </a:prstGeom>
-          <a:ln w="12700">
-            <a:miter lim="400000"/>
-          </a:ln>
+          <a:noFill/>
+          <a:extLst>
+            <a:ext uri="{909E8E84-426E-40DD-AFC4-6F175D3DCCD1}">
+              <a14:hiddenFill xmlns:a14="http://schemas.microsoft.com/office/drawing/2010/main">
+                <a:solidFill>
+                  <a:srgbClr val="FFFFFF"/>
+                </a:solidFill>
+              </a14:hiddenFill>
+            </a:ext>
+          </a:extLst>
         </p:spPr>
       </p:pic>
       <p:sp>
         <p:nvSpPr>
-          <p:cNvPr id="142" name="4. Rank를 가지고 quick sort로 정렬한 후 출력한다."/>
+          <p:cNvPr id="5" name="총 파일 개수 count…">
+            <a:extLst>
+              <a:ext uri="{FF2B5EF4-FFF2-40B4-BE49-F238E27FC236}">
+                <a16:creationId xmlns:a16="http://schemas.microsoft.com/office/drawing/2014/main" id="{2EE98EDB-F138-4167-BFD1-0D46DC7AB63D}"/>
+              </a:ext>
+            </a:extLst>
+          </p:cNvPr>
           <p:cNvSpPr txBox="1"/>
           <p:nvPr/>
         </p:nvSpPr>
         <p:spPr>
           <a:xfrm>
-            <a:off x="693790" y="806127"/>
-            <a:ext cx="8216266" cy="592074"/>
+            <a:off x="730088" y="1662464"/>
+            <a:ext cx="11544623" cy="610424"/>
           </a:xfrm>
           <a:prstGeom prst="rect">
             <a:avLst/>
@@ -5322,27 +9663,38 @@
           </a:ln>
           <a:extLst>
             <a:ext uri="{C572A759-6A51-4108-AA02-DFA0A04FC94B}">
-              <ma14:wrappingTextBoxFlag xmlns:ma14="http://schemas.microsoft.com/office/mac/drawingml/2011/main" xmlns="" val="1"/>
+              <ma14:wrappingTextBoxFlag xmlns="" xmlns:ma14="http://schemas.microsoft.com/office/mac/drawingml/2011/main" val="1"/>
             </a:ext>
           </a:extLst>
         </p:spPr>
         <p:txBody>
-          <a:bodyPr wrap="none" lIns="50800" tIns="50800" rIns="50800" bIns="50800" anchor="ctr">
+          <a:bodyPr lIns="50800" tIns="50800" rIns="50800" bIns="50800" anchor="ctr">
             <a:spAutoFit/>
           </a:bodyPr>
-          <a:lstStyle>
-            <a:lvl1pPr algn="just">
-              <a:defRPr sz="3000"/>
-            </a:lvl1pPr>
-          </a:lstStyle>
-          <a:p>
-            <a:r>
-              <a:t>4. Rank를 가지고 quick sort로 정렬한 후 출력한다.</a:t>
-            </a:r>
+          <a:lstStyle/>
+          <a:p>
+            <a:pPr>
+              <a:buSzPct val="100000"/>
+              <a:defRPr sz="3600"/>
+            </a:pPr>
+            <a:r>
+              <a:rPr lang="ko-KR" altLang="en-US" sz="3300" dirty="0"/>
+              <a:t>신묘한 일이 발생</a:t>
+            </a:r>
+            <a:r>
+              <a:rPr lang="en-US" altLang="ko-KR" sz="3300" dirty="0"/>
+              <a:t>!</a:t>
+            </a:r>
+            <a:endParaRPr sz="3300" dirty="0"/>
           </a:p>
         </p:txBody>
       </p:sp>
     </p:spTree>
+    <p:extLst>
+      <p:ext uri="{BB962C8B-B14F-4D97-AF65-F5344CB8AC3E}">
+        <p14:creationId xmlns:p14="http://schemas.microsoft.com/office/powerpoint/2010/main" val="4042659644"/>
+      </p:ext>
+    </p:extLst>
   </p:cSld>
   <p:clrMapOvr>
     <a:masterClrMapping/>
@@ -5368,45 +9720,22 @@
           <a:chExt cx="0" cy="0"/>
         </a:xfrm>
       </p:grpSpPr>
-      <p:pic>
-        <p:nvPicPr>
-          <p:cNvPr id="144" name="compare 함수 수정.png" descr="compare 함수 수정.png"/>
-          <p:cNvPicPr>
-            <a:picLocks noChangeAspect="1"/>
-          </p:cNvPicPr>
-          <p:nvPr/>
-        </p:nvPicPr>
-        <p:blipFill>
-          <a:blip r:embed="rId2">
-            <a:extLst/>
-          </a:blip>
-          <a:stretch>
-            <a:fillRect/>
-          </a:stretch>
-        </p:blipFill>
-        <p:spPr>
-          <a:xfrm>
-            <a:off x="765047" y="3446829"/>
-            <a:ext cx="9557438" cy="2063730"/>
-          </a:xfrm>
-          <a:prstGeom prst="rect">
-            <a:avLst/>
-          </a:prstGeom>
-          <a:ln w="12700">
-            <a:miter lim="400000"/>
-          </a:ln>
-        </p:spPr>
-      </p:pic>
       <p:sp>
         <p:nvSpPr>
-          <p:cNvPr id="145" name="4 +. Rank를 가지고 quick sort로 정렬한 후 출력한다."/>
+          <p:cNvPr id="6" name="총 파일 개수 count…">
+            <a:extLst>
+              <a:ext uri="{FF2B5EF4-FFF2-40B4-BE49-F238E27FC236}">
+                <a16:creationId xmlns:a16="http://schemas.microsoft.com/office/drawing/2014/main" id="{E9B53345-D67E-4B0A-B638-17ED74AEAB39}"/>
+              </a:ext>
+            </a:extLst>
+          </p:cNvPr>
           <p:cNvSpPr txBox="1"/>
           <p:nvPr/>
         </p:nvSpPr>
         <p:spPr>
           <a:xfrm>
-            <a:off x="693790" y="806127"/>
-            <a:ext cx="8550784" cy="592074"/>
+            <a:off x="916842" y="5726141"/>
+            <a:ext cx="11544623" cy="1626086"/>
           </a:xfrm>
           <a:prstGeom prst="rect">
             <a:avLst/>
@@ -5416,27 +9745,1156 @@
           </a:ln>
           <a:extLst>
             <a:ext uri="{C572A759-6A51-4108-AA02-DFA0A04FC94B}">
-              <ma14:wrappingTextBoxFlag xmlns:ma14="http://schemas.microsoft.com/office/mac/drawingml/2011/main" xmlns="" val="1"/>
+              <ma14:wrappingTextBoxFlag xmlns="" xmlns:ma14="http://schemas.microsoft.com/office/mac/drawingml/2011/main" val="1"/>
             </a:ext>
           </a:extLst>
         </p:spPr>
         <p:txBody>
-          <a:bodyPr wrap="none" lIns="50800" tIns="50800" rIns="50800" bIns="50800" anchor="ctr">
+          <a:bodyPr lIns="50800" tIns="50800" rIns="50800" bIns="50800" anchor="ctr">
             <a:spAutoFit/>
           </a:bodyPr>
-          <a:lstStyle>
-            <a:lvl1pPr algn="just">
-              <a:defRPr sz="3000"/>
-            </a:lvl1pPr>
-          </a:lstStyle>
-          <a:p>
-            <a:r>
-              <a:t>4 +. Rank를 가지고 quick sort로 정렬한 후 출력한다.</a:t>
-            </a:r>
+          <a:lstStyle/>
+          <a:p>
+            <a:pPr>
+              <a:buSzPct val="100000"/>
+              <a:defRPr sz="3600"/>
+            </a:pPr>
+            <a:r>
+              <a:rPr lang="ko-KR" altLang="en-US" sz="3300" dirty="0"/>
+              <a:t>옆에 </a:t>
+            </a:r>
+            <a:r>
+              <a:rPr lang="en-US" altLang="ko-KR" sz="3300" dirty="0"/>
+              <a:t>.</a:t>
+            </a:r>
+            <a:r>
+              <a:rPr lang="ko-KR" altLang="en-US" sz="3300" dirty="0"/>
+              <a:t>을 비롯해서 </a:t>
+            </a:r>
+            <a:r>
+              <a:rPr lang="en-US" altLang="ko-KR" sz="3300" dirty="0"/>
+              <a:t>“” ! , ?</a:t>
+            </a:r>
+            <a:r>
+              <a:rPr lang="ko-KR" altLang="en-US" sz="3300" dirty="0"/>
+              <a:t>와 같이 문장에서 자주 쓰이는</a:t>
+            </a:r>
+            <a:endParaRPr lang="en-US" altLang="ko-KR" sz="3300" dirty="0"/>
+          </a:p>
+          <a:p>
+            <a:pPr>
+              <a:buSzPct val="100000"/>
+              <a:defRPr sz="3600"/>
+            </a:pPr>
+            <a:endParaRPr lang="en-US" altLang="ko-KR" sz="3300" dirty="0"/>
+          </a:p>
+          <a:p>
+            <a:pPr>
+              <a:buSzPct val="100000"/>
+              <a:defRPr sz="3600"/>
+            </a:pPr>
+            <a:r>
+              <a:rPr lang="ko-KR" altLang="en-US" sz="3300" dirty="0"/>
+              <a:t>부호들과 함께 있다면 개수가 세어지지 않는다</a:t>
+            </a:r>
+            <a:r>
+              <a:rPr lang="en-US" altLang="ko-KR" sz="3300" dirty="0"/>
+              <a:t>!</a:t>
+            </a:r>
+            <a:endParaRPr sz="3300" dirty="0"/>
+          </a:p>
+        </p:txBody>
+      </p:sp>
+      <p:sp>
+        <p:nvSpPr>
+          <p:cNvPr id="2" name="직사각형 1">
+            <a:extLst>
+              <a:ext uri="{FF2B5EF4-FFF2-40B4-BE49-F238E27FC236}">
+                <a16:creationId xmlns:a16="http://schemas.microsoft.com/office/drawing/2014/main" id="{BE9C5010-9180-4DBC-8AEE-77F207B4D6BA}"/>
+              </a:ext>
+            </a:extLst>
+          </p:cNvPr>
+          <p:cNvSpPr/>
+          <p:nvPr/>
+        </p:nvSpPr>
+        <p:spPr>
+          <a:xfrm>
+            <a:off x="1459967" y="2295034"/>
+            <a:ext cx="2051637" cy="1795363"/>
+          </a:xfrm>
+          <a:prstGeom prst="rect">
+            <a:avLst/>
+          </a:prstGeom>
+          <a:solidFill>
+            <a:schemeClr val="accent1">
+              <a:lumOff val="13529"/>
+            </a:schemeClr>
+          </a:solidFill>
+          <a:ln w="76200" cap="flat">
+            <a:solidFill>
+              <a:schemeClr val="tx1"/>
+            </a:solidFill>
+            <a:miter lim="400000"/>
+          </a:ln>
+          <a:effectLst/>
+          <a:sp3d/>
+        </p:spPr>
+        <p:style>
+          <a:lnRef idx="0">
+            <a:scrgbClr r="0" g="0" b="0"/>
+          </a:lnRef>
+          <a:fillRef idx="0">
+            <a:scrgbClr r="0" g="0" b="0"/>
+          </a:fillRef>
+          <a:effectRef idx="0">
+            <a:scrgbClr r="0" g="0" b="0"/>
+          </a:effectRef>
+          <a:fontRef idx="none"/>
+        </p:style>
+        <p:txBody>
+          <a:bodyPr rot="0" spcFirstLastPara="1" vertOverflow="overflow" horzOverflow="overflow" vert="horz" wrap="square" lIns="50800" tIns="50800" rIns="50800" bIns="50800" numCol="1" spcCol="38100" rtlCol="0" anchor="ctr">
+            <a:spAutoFit/>
+          </a:bodyPr>
+          <a:lstStyle/>
+          <a:p>
+            <a:pPr marL="0" marR="0" indent="0" algn="ctr" defTabSz="584200" rtl="0" fontAlgn="auto" latinLnBrk="0" hangingPunct="0">
+              <a:lnSpc>
+                <a:spcPct val="100000"/>
+              </a:lnSpc>
+              <a:spcBef>
+                <a:spcPts val="0"/>
+              </a:spcBef>
+              <a:spcAft>
+                <a:spcPts val="0"/>
+              </a:spcAft>
+              <a:buClrTx/>
+              <a:buSzTx/>
+              <a:buFontTx/>
+              <a:buNone/>
+              <a:tabLst/>
+            </a:pPr>
+            <a:endParaRPr kumimoji="0" lang="en-US" altLang="ko-KR" sz="2200" b="0" i="0" u="none" strike="noStrike" cap="none" spc="0" normalizeH="0" baseline="0" dirty="0">
+              <a:ln>
+                <a:noFill/>
+              </a:ln>
+              <a:solidFill>
+                <a:srgbClr val="FFFFFF"/>
+              </a:solidFill>
+              <a:effectLst/>
+              <a:uFillTx/>
+              <a:latin typeface="+mn-lt"/>
+              <a:ea typeface="+mn-ea"/>
+              <a:cs typeface="+mn-cs"/>
+              <a:sym typeface="Helvetica Neue Medium"/>
+            </a:endParaRPr>
+          </a:p>
+          <a:p>
+            <a:pPr marL="0" marR="0" indent="0" algn="ctr" defTabSz="584200" rtl="0" fontAlgn="auto" latinLnBrk="0" hangingPunct="0">
+              <a:lnSpc>
+                <a:spcPct val="100000"/>
+              </a:lnSpc>
+              <a:spcBef>
+                <a:spcPts val="0"/>
+              </a:spcBef>
+              <a:spcAft>
+                <a:spcPts val="0"/>
+              </a:spcAft>
+              <a:buClrTx/>
+              <a:buSzTx/>
+              <a:buFontTx/>
+              <a:buNone/>
+              <a:tabLst/>
+            </a:pPr>
+            <a:endParaRPr kumimoji="0" lang="en-US" altLang="ko-KR" sz="2200" b="0" i="0" u="none" strike="noStrike" cap="none" spc="0" normalizeH="0" baseline="0" dirty="0">
+              <a:ln>
+                <a:noFill/>
+              </a:ln>
+              <a:solidFill>
+                <a:srgbClr val="FFFFFF"/>
+              </a:solidFill>
+              <a:effectLst/>
+              <a:uFillTx/>
+              <a:latin typeface="+mn-lt"/>
+              <a:ea typeface="+mn-ea"/>
+              <a:cs typeface="+mn-cs"/>
+              <a:sym typeface="Helvetica Neue Medium"/>
+            </a:endParaRPr>
+          </a:p>
+          <a:p>
+            <a:pPr marL="0" marR="0" indent="0" algn="ctr" defTabSz="584200" rtl="0" fontAlgn="auto" latinLnBrk="0" hangingPunct="0">
+              <a:lnSpc>
+                <a:spcPct val="100000"/>
+              </a:lnSpc>
+              <a:spcBef>
+                <a:spcPts val="0"/>
+              </a:spcBef>
+              <a:spcAft>
+                <a:spcPts val="0"/>
+              </a:spcAft>
+              <a:buClrTx/>
+              <a:buSzTx/>
+              <a:buFontTx/>
+              <a:buNone/>
+              <a:tabLst/>
+            </a:pPr>
+            <a:r>
+              <a:rPr kumimoji="0" lang="ko-KR" altLang="en-US" sz="2200" b="0" i="0" u="none" strike="noStrike" cap="none" spc="0" normalizeH="0" baseline="0" dirty="0">
+                <a:ln>
+                  <a:noFill/>
+                </a:ln>
+                <a:solidFill>
+                  <a:srgbClr val="FFFFFF"/>
+                </a:solidFill>
+                <a:effectLst/>
+                <a:uFillTx/>
+                <a:latin typeface="+mn-lt"/>
+                <a:ea typeface="+mn-ea"/>
+                <a:cs typeface="+mn-cs"/>
+                <a:sym typeface="Helvetica Neue Medium"/>
+              </a:rPr>
+              <a:t>공백</a:t>
+            </a:r>
+            <a:endParaRPr kumimoji="0" lang="en-US" altLang="ko-KR" sz="2200" b="0" i="0" u="none" strike="noStrike" cap="none" spc="0" normalizeH="0" baseline="0" dirty="0">
+              <a:ln>
+                <a:noFill/>
+              </a:ln>
+              <a:solidFill>
+                <a:srgbClr val="FFFFFF"/>
+              </a:solidFill>
+              <a:effectLst/>
+              <a:uFillTx/>
+              <a:latin typeface="+mn-lt"/>
+              <a:ea typeface="+mn-ea"/>
+              <a:cs typeface="+mn-cs"/>
+              <a:sym typeface="Helvetica Neue Medium"/>
+            </a:endParaRPr>
+          </a:p>
+          <a:p>
+            <a:pPr marL="0" marR="0" indent="0" algn="ctr" defTabSz="584200" rtl="0" fontAlgn="auto" latinLnBrk="0" hangingPunct="0">
+              <a:lnSpc>
+                <a:spcPct val="100000"/>
+              </a:lnSpc>
+              <a:spcBef>
+                <a:spcPts val="0"/>
+              </a:spcBef>
+              <a:spcAft>
+                <a:spcPts val="0"/>
+              </a:spcAft>
+              <a:buClrTx/>
+              <a:buSzTx/>
+              <a:buFontTx/>
+              <a:buNone/>
+              <a:tabLst/>
+            </a:pPr>
+            <a:endParaRPr lang="en-US" altLang="ko-KR" sz="2200" b="0" dirty="0">
+              <a:latin typeface="+mn-lt"/>
+              <a:ea typeface="+mn-ea"/>
+              <a:cs typeface="+mn-cs"/>
+              <a:sym typeface="Helvetica Neue Medium"/>
+            </a:endParaRPr>
+          </a:p>
+          <a:p>
+            <a:pPr marL="0" marR="0" indent="0" algn="ctr" defTabSz="584200" rtl="0" fontAlgn="auto" latinLnBrk="0" hangingPunct="0">
+              <a:lnSpc>
+                <a:spcPct val="100000"/>
+              </a:lnSpc>
+              <a:spcBef>
+                <a:spcPts val="0"/>
+              </a:spcBef>
+              <a:spcAft>
+                <a:spcPts val="0"/>
+              </a:spcAft>
+              <a:buClrTx/>
+              <a:buSzTx/>
+              <a:buFontTx/>
+              <a:buNone/>
+              <a:tabLst/>
+            </a:pPr>
+            <a:r>
+              <a:rPr kumimoji="0" lang="ko-KR" altLang="en-US" sz="2200" b="0" i="0" u="none" strike="noStrike" cap="none" spc="0" normalizeH="0" baseline="0" dirty="0">
+                <a:ln>
+                  <a:noFill/>
+                </a:ln>
+                <a:solidFill>
+                  <a:srgbClr val="FFFFFF"/>
+                </a:solidFill>
+                <a:effectLst/>
+                <a:uFillTx/>
+                <a:latin typeface="+mn-lt"/>
+                <a:ea typeface="+mn-ea"/>
+                <a:cs typeface="+mn-cs"/>
+                <a:sym typeface="Helvetica Neue Medium"/>
+              </a:rPr>
+              <a:t> </a:t>
+            </a:r>
+          </a:p>
+        </p:txBody>
+      </p:sp>
+      <p:sp>
+        <p:nvSpPr>
+          <p:cNvPr id="8" name="직사각형 7">
+            <a:extLst>
+              <a:ext uri="{FF2B5EF4-FFF2-40B4-BE49-F238E27FC236}">
+                <a16:creationId xmlns:a16="http://schemas.microsoft.com/office/drawing/2014/main" id="{FC147133-68C1-4DF5-B901-FDBC97C3AC3C}"/>
+              </a:ext>
+            </a:extLst>
+          </p:cNvPr>
+          <p:cNvSpPr/>
+          <p:nvPr/>
+        </p:nvSpPr>
+        <p:spPr>
+          <a:xfrm>
+            <a:off x="3587164" y="2295033"/>
+            <a:ext cx="2051637" cy="1795363"/>
+          </a:xfrm>
+          <a:prstGeom prst="rect">
+            <a:avLst/>
+          </a:prstGeom>
+          <a:solidFill>
+            <a:schemeClr val="accent1">
+              <a:lumOff val="13529"/>
+            </a:schemeClr>
+          </a:solidFill>
+          <a:ln w="76200" cap="flat">
+            <a:solidFill>
+              <a:schemeClr val="tx1"/>
+            </a:solidFill>
+            <a:miter lim="400000"/>
+          </a:ln>
+          <a:effectLst/>
+          <a:sp3d/>
+        </p:spPr>
+        <p:style>
+          <a:lnRef idx="0">
+            <a:scrgbClr r="0" g="0" b="0"/>
+          </a:lnRef>
+          <a:fillRef idx="0">
+            <a:scrgbClr r="0" g="0" b="0"/>
+          </a:fillRef>
+          <a:effectRef idx="0">
+            <a:scrgbClr r="0" g="0" b="0"/>
+          </a:effectRef>
+          <a:fontRef idx="none"/>
+        </p:style>
+        <p:txBody>
+          <a:bodyPr rot="0" spcFirstLastPara="1" vertOverflow="overflow" horzOverflow="overflow" vert="horz" wrap="square" lIns="50800" tIns="50800" rIns="50800" bIns="50800" numCol="1" spcCol="38100" rtlCol="0" anchor="ctr">
+            <a:spAutoFit/>
+          </a:bodyPr>
+          <a:lstStyle/>
+          <a:p>
+            <a:pPr marL="0" marR="0" indent="0" algn="ctr" defTabSz="584200" rtl="0" fontAlgn="auto" latinLnBrk="0" hangingPunct="0">
+              <a:lnSpc>
+                <a:spcPct val="100000"/>
+              </a:lnSpc>
+              <a:spcBef>
+                <a:spcPts val="0"/>
+              </a:spcBef>
+              <a:spcAft>
+                <a:spcPts val="0"/>
+              </a:spcAft>
+              <a:buClrTx/>
+              <a:buSzTx/>
+              <a:buFontTx/>
+              <a:buNone/>
+              <a:tabLst/>
+            </a:pPr>
+            <a:endParaRPr lang="en-US" altLang="ko-KR" sz="2200" b="0" dirty="0">
+              <a:latin typeface="+mn-lt"/>
+              <a:ea typeface="+mn-ea"/>
+              <a:cs typeface="+mn-cs"/>
+              <a:sym typeface="Helvetica Neue Medium"/>
+            </a:endParaRPr>
+          </a:p>
+          <a:p>
+            <a:pPr marL="0" marR="0" indent="0" algn="ctr" defTabSz="584200" rtl="0" fontAlgn="auto" latinLnBrk="0" hangingPunct="0">
+              <a:lnSpc>
+                <a:spcPct val="100000"/>
+              </a:lnSpc>
+              <a:spcBef>
+                <a:spcPts val="0"/>
+              </a:spcBef>
+              <a:spcAft>
+                <a:spcPts val="0"/>
+              </a:spcAft>
+              <a:buClrTx/>
+              <a:buSzTx/>
+              <a:buFontTx/>
+              <a:buNone/>
+              <a:tabLst/>
+            </a:pPr>
+            <a:endParaRPr lang="en-US" altLang="ko-KR" sz="2200" b="0" dirty="0">
+              <a:latin typeface="+mn-lt"/>
+              <a:ea typeface="+mn-ea"/>
+              <a:cs typeface="+mn-cs"/>
+              <a:sym typeface="Helvetica Neue Medium"/>
+            </a:endParaRPr>
+          </a:p>
+          <a:p>
+            <a:pPr marL="0" marR="0" indent="0" algn="ctr" defTabSz="584200" rtl="0" fontAlgn="auto" latinLnBrk="0" hangingPunct="0">
+              <a:lnSpc>
+                <a:spcPct val="100000"/>
+              </a:lnSpc>
+              <a:spcBef>
+                <a:spcPts val="0"/>
+              </a:spcBef>
+              <a:spcAft>
+                <a:spcPts val="0"/>
+              </a:spcAft>
+              <a:buClrTx/>
+              <a:buSzTx/>
+              <a:buFontTx/>
+              <a:buNone/>
+              <a:tabLst/>
+            </a:pPr>
+            <a:r>
+              <a:rPr lang="en-US" altLang="ko-KR" sz="2200" b="0" dirty="0">
+                <a:latin typeface="+mn-lt"/>
+                <a:ea typeface="+mn-ea"/>
+                <a:cs typeface="+mn-cs"/>
+                <a:sym typeface="Helvetica Neue Medium"/>
+              </a:rPr>
+              <a:t>a</a:t>
+            </a:r>
+          </a:p>
+          <a:p>
+            <a:pPr marL="0" marR="0" indent="0" algn="ctr" defTabSz="584200" rtl="0" fontAlgn="auto" latinLnBrk="0" hangingPunct="0">
+              <a:lnSpc>
+                <a:spcPct val="100000"/>
+              </a:lnSpc>
+              <a:spcBef>
+                <a:spcPts val="0"/>
+              </a:spcBef>
+              <a:spcAft>
+                <a:spcPts val="0"/>
+              </a:spcAft>
+              <a:buClrTx/>
+              <a:buSzTx/>
+              <a:buFontTx/>
+              <a:buNone/>
+              <a:tabLst/>
+            </a:pPr>
+            <a:endParaRPr kumimoji="0" lang="en-US" altLang="ko-KR" sz="2200" b="0" i="0" u="none" strike="noStrike" cap="none" spc="0" normalizeH="0" baseline="0" dirty="0">
+              <a:ln>
+                <a:noFill/>
+              </a:ln>
+              <a:solidFill>
+                <a:srgbClr val="FFFFFF"/>
+              </a:solidFill>
+              <a:effectLst/>
+              <a:uFillTx/>
+              <a:latin typeface="+mn-lt"/>
+              <a:ea typeface="+mn-ea"/>
+              <a:cs typeface="+mn-cs"/>
+              <a:sym typeface="Helvetica Neue Medium"/>
+            </a:endParaRPr>
+          </a:p>
+          <a:p>
+            <a:pPr marL="0" marR="0" indent="0" algn="ctr" defTabSz="584200" rtl="0" fontAlgn="auto" latinLnBrk="0" hangingPunct="0">
+              <a:lnSpc>
+                <a:spcPct val="100000"/>
+              </a:lnSpc>
+              <a:spcBef>
+                <a:spcPts val="0"/>
+              </a:spcBef>
+              <a:spcAft>
+                <a:spcPts val="0"/>
+              </a:spcAft>
+              <a:buClrTx/>
+              <a:buSzTx/>
+              <a:buFontTx/>
+              <a:buNone/>
+              <a:tabLst/>
+            </a:pPr>
+            <a:endParaRPr kumimoji="0" lang="ko-KR" altLang="en-US" sz="2200" b="0" i="0" u="none" strike="noStrike" cap="none" spc="0" normalizeH="0" baseline="0" dirty="0">
+              <a:ln>
+                <a:noFill/>
+              </a:ln>
+              <a:solidFill>
+                <a:srgbClr val="FFFFFF"/>
+              </a:solidFill>
+              <a:effectLst/>
+              <a:uFillTx/>
+              <a:latin typeface="+mn-lt"/>
+              <a:ea typeface="+mn-ea"/>
+              <a:cs typeface="+mn-cs"/>
+              <a:sym typeface="Helvetica Neue Medium"/>
+            </a:endParaRPr>
+          </a:p>
+        </p:txBody>
+      </p:sp>
+      <p:sp>
+        <p:nvSpPr>
+          <p:cNvPr id="9" name="직사각형 8">
+            <a:extLst>
+              <a:ext uri="{FF2B5EF4-FFF2-40B4-BE49-F238E27FC236}">
+                <a16:creationId xmlns:a16="http://schemas.microsoft.com/office/drawing/2014/main" id="{97C97B53-291E-4296-A99C-B5BEAC4C8D32}"/>
+              </a:ext>
+            </a:extLst>
+          </p:cNvPr>
+          <p:cNvSpPr/>
+          <p:nvPr/>
+        </p:nvSpPr>
+        <p:spPr>
+          <a:xfrm>
+            <a:off x="5714361" y="2295032"/>
+            <a:ext cx="2051637" cy="1795363"/>
+          </a:xfrm>
+          <a:prstGeom prst="rect">
+            <a:avLst/>
+          </a:prstGeom>
+          <a:solidFill>
+            <a:schemeClr val="accent1">
+              <a:lumOff val="13529"/>
+            </a:schemeClr>
+          </a:solidFill>
+          <a:ln w="76200" cap="flat">
+            <a:solidFill>
+              <a:schemeClr val="tx1"/>
+            </a:solidFill>
+            <a:miter lim="400000"/>
+          </a:ln>
+          <a:effectLst/>
+          <a:sp3d/>
+        </p:spPr>
+        <p:style>
+          <a:lnRef idx="0">
+            <a:scrgbClr r="0" g="0" b="0"/>
+          </a:lnRef>
+          <a:fillRef idx="0">
+            <a:scrgbClr r="0" g="0" b="0"/>
+          </a:fillRef>
+          <a:effectRef idx="0">
+            <a:scrgbClr r="0" g="0" b="0"/>
+          </a:effectRef>
+          <a:fontRef idx="none"/>
+        </p:style>
+        <p:txBody>
+          <a:bodyPr rot="0" spcFirstLastPara="1" vertOverflow="overflow" horzOverflow="overflow" vert="horz" wrap="square" lIns="50800" tIns="50800" rIns="50800" bIns="50800" numCol="1" spcCol="38100" rtlCol="0" anchor="ctr">
+            <a:spAutoFit/>
+          </a:bodyPr>
+          <a:lstStyle/>
+          <a:p>
+            <a:pPr marL="0" marR="0" indent="0" algn="ctr" defTabSz="584200" rtl="0" fontAlgn="auto" latinLnBrk="0" hangingPunct="0">
+              <a:lnSpc>
+                <a:spcPct val="100000"/>
+              </a:lnSpc>
+              <a:spcBef>
+                <a:spcPts val="0"/>
+              </a:spcBef>
+              <a:spcAft>
+                <a:spcPts val="0"/>
+              </a:spcAft>
+              <a:buClrTx/>
+              <a:buSzTx/>
+              <a:buFontTx/>
+              <a:buNone/>
+              <a:tabLst/>
+            </a:pPr>
+            <a:endParaRPr kumimoji="0" lang="en-US" altLang="ko-KR" sz="2200" b="0" i="0" u="none" strike="noStrike" cap="none" spc="0" normalizeH="0" baseline="0" dirty="0">
+              <a:ln>
+                <a:noFill/>
+              </a:ln>
+              <a:solidFill>
+                <a:srgbClr val="FFFFFF"/>
+              </a:solidFill>
+              <a:effectLst/>
+              <a:uFillTx/>
+              <a:latin typeface="+mn-lt"/>
+              <a:ea typeface="+mn-ea"/>
+              <a:cs typeface="+mn-cs"/>
+              <a:sym typeface="Helvetica Neue Medium"/>
+            </a:endParaRPr>
+          </a:p>
+          <a:p>
+            <a:pPr marL="0" marR="0" indent="0" algn="ctr" defTabSz="584200" rtl="0" fontAlgn="auto" latinLnBrk="0" hangingPunct="0">
+              <a:lnSpc>
+                <a:spcPct val="100000"/>
+              </a:lnSpc>
+              <a:spcBef>
+                <a:spcPts val="0"/>
+              </a:spcBef>
+              <a:spcAft>
+                <a:spcPts val="0"/>
+              </a:spcAft>
+              <a:buClrTx/>
+              <a:buSzTx/>
+              <a:buFontTx/>
+              <a:buNone/>
+              <a:tabLst/>
+            </a:pPr>
+            <a:endParaRPr lang="en-US" altLang="ko-KR" sz="2200" b="0" dirty="0">
+              <a:latin typeface="+mn-lt"/>
+              <a:ea typeface="+mn-ea"/>
+              <a:cs typeface="+mn-cs"/>
+              <a:sym typeface="Helvetica Neue Medium"/>
+            </a:endParaRPr>
+          </a:p>
+          <a:p>
+            <a:pPr marL="0" marR="0" indent="0" algn="ctr" defTabSz="584200" rtl="0" fontAlgn="auto" latinLnBrk="0" hangingPunct="0">
+              <a:lnSpc>
+                <a:spcPct val="100000"/>
+              </a:lnSpc>
+              <a:spcBef>
+                <a:spcPts val="0"/>
+              </a:spcBef>
+              <a:spcAft>
+                <a:spcPts val="0"/>
+              </a:spcAft>
+              <a:buClrTx/>
+              <a:buSzTx/>
+              <a:buFontTx/>
+              <a:buNone/>
+              <a:tabLst/>
+            </a:pPr>
+            <a:r>
+              <a:rPr lang="en-US" altLang="ko-KR" sz="2200" b="0" dirty="0">
+                <a:latin typeface="+mn-lt"/>
+                <a:ea typeface="+mn-ea"/>
+                <a:cs typeface="+mn-cs"/>
+                <a:sym typeface="Helvetica Neue Medium"/>
+              </a:rPr>
+              <a:t>n</a:t>
+            </a:r>
+            <a:endParaRPr kumimoji="0" lang="en-US" altLang="ko-KR" sz="2200" b="0" i="0" u="none" strike="noStrike" cap="none" spc="0" normalizeH="0" baseline="0" dirty="0">
+              <a:ln>
+                <a:noFill/>
+              </a:ln>
+              <a:solidFill>
+                <a:srgbClr val="FFFFFF"/>
+              </a:solidFill>
+              <a:effectLst/>
+              <a:uFillTx/>
+              <a:latin typeface="+mn-lt"/>
+              <a:ea typeface="+mn-ea"/>
+              <a:cs typeface="+mn-cs"/>
+              <a:sym typeface="Helvetica Neue Medium"/>
+            </a:endParaRPr>
+          </a:p>
+          <a:p>
+            <a:pPr marL="0" marR="0" indent="0" algn="ctr" defTabSz="584200" rtl="0" fontAlgn="auto" latinLnBrk="0" hangingPunct="0">
+              <a:lnSpc>
+                <a:spcPct val="100000"/>
+              </a:lnSpc>
+              <a:spcBef>
+                <a:spcPts val="0"/>
+              </a:spcBef>
+              <a:spcAft>
+                <a:spcPts val="0"/>
+              </a:spcAft>
+              <a:buClrTx/>
+              <a:buSzTx/>
+              <a:buFontTx/>
+              <a:buNone/>
+              <a:tabLst/>
+            </a:pPr>
+            <a:endParaRPr lang="en-US" altLang="ko-KR" sz="2200" b="0" dirty="0">
+              <a:latin typeface="+mn-lt"/>
+              <a:ea typeface="+mn-ea"/>
+              <a:cs typeface="+mn-cs"/>
+              <a:sym typeface="Helvetica Neue Medium"/>
+            </a:endParaRPr>
+          </a:p>
+          <a:p>
+            <a:pPr marL="0" marR="0" indent="0" algn="ctr" defTabSz="584200" rtl="0" fontAlgn="auto" latinLnBrk="0" hangingPunct="0">
+              <a:lnSpc>
+                <a:spcPct val="100000"/>
+              </a:lnSpc>
+              <a:spcBef>
+                <a:spcPts val="0"/>
+              </a:spcBef>
+              <a:spcAft>
+                <a:spcPts val="0"/>
+              </a:spcAft>
+              <a:buClrTx/>
+              <a:buSzTx/>
+              <a:buFontTx/>
+              <a:buNone/>
+              <a:tabLst/>
+            </a:pPr>
+            <a:endParaRPr kumimoji="0" lang="ko-KR" altLang="en-US" sz="2200" b="0" i="0" u="none" strike="noStrike" cap="none" spc="0" normalizeH="0" baseline="0" dirty="0">
+              <a:ln>
+                <a:noFill/>
+              </a:ln>
+              <a:solidFill>
+                <a:srgbClr val="FFFFFF"/>
+              </a:solidFill>
+              <a:effectLst/>
+              <a:uFillTx/>
+              <a:latin typeface="+mn-lt"/>
+              <a:ea typeface="+mn-ea"/>
+              <a:cs typeface="+mn-cs"/>
+              <a:sym typeface="Helvetica Neue Medium"/>
+            </a:endParaRPr>
+          </a:p>
+        </p:txBody>
+      </p:sp>
+      <p:sp>
+        <p:nvSpPr>
+          <p:cNvPr id="10" name="직사각형 9">
+            <a:extLst>
+              <a:ext uri="{FF2B5EF4-FFF2-40B4-BE49-F238E27FC236}">
+                <a16:creationId xmlns:a16="http://schemas.microsoft.com/office/drawing/2014/main" id="{9BE919C3-1BC4-4A73-A101-CC80A099E215}"/>
+              </a:ext>
+            </a:extLst>
+          </p:cNvPr>
+          <p:cNvSpPr/>
+          <p:nvPr/>
+        </p:nvSpPr>
+        <p:spPr>
+          <a:xfrm>
+            <a:off x="7841558" y="2295032"/>
+            <a:ext cx="2051637" cy="1795363"/>
+          </a:xfrm>
+          <a:prstGeom prst="rect">
+            <a:avLst/>
+          </a:prstGeom>
+          <a:solidFill>
+            <a:schemeClr val="accent1">
+              <a:lumOff val="13529"/>
+            </a:schemeClr>
+          </a:solidFill>
+          <a:ln w="76200" cap="flat">
+            <a:solidFill>
+              <a:schemeClr val="tx1"/>
+            </a:solidFill>
+            <a:miter lim="400000"/>
+          </a:ln>
+          <a:effectLst/>
+          <a:sp3d/>
+        </p:spPr>
+        <p:style>
+          <a:lnRef idx="0">
+            <a:scrgbClr r="0" g="0" b="0"/>
+          </a:lnRef>
+          <a:fillRef idx="0">
+            <a:scrgbClr r="0" g="0" b="0"/>
+          </a:fillRef>
+          <a:effectRef idx="0">
+            <a:scrgbClr r="0" g="0" b="0"/>
+          </a:effectRef>
+          <a:fontRef idx="none"/>
+        </p:style>
+        <p:txBody>
+          <a:bodyPr rot="0" spcFirstLastPara="1" vertOverflow="overflow" horzOverflow="overflow" vert="horz" wrap="square" lIns="50800" tIns="50800" rIns="50800" bIns="50800" numCol="1" spcCol="38100" rtlCol="0" anchor="ctr">
+            <a:spAutoFit/>
+          </a:bodyPr>
+          <a:lstStyle/>
+          <a:p>
+            <a:pPr marL="0" marR="0" indent="0" algn="ctr" defTabSz="584200" rtl="0" fontAlgn="auto" latinLnBrk="0" hangingPunct="0">
+              <a:lnSpc>
+                <a:spcPct val="100000"/>
+              </a:lnSpc>
+              <a:spcBef>
+                <a:spcPts val="0"/>
+              </a:spcBef>
+              <a:spcAft>
+                <a:spcPts val="0"/>
+              </a:spcAft>
+              <a:buClrTx/>
+              <a:buSzTx/>
+              <a:buFontTx/>
+              <a:buNone/>
+              <a:tabLst/>
+            </a:pPr>
+            <a:endParaRPr kumimoji="0" lang="en-US" altLang="ko-KR" sz="2200" b="0" i="0" u="none" strike="noStrike" cap="none" spc="0" normalizeH="0" baseline="0" dirty="0">
+              <a:ln>
+                <a:noFill/>
+              </a:ln>
+              <a:solidFill>
+                <a:srgbClr val="FFFFFF"/>
+              </a:solidFill>
+              <a:effectLst/>
+              <a:uFillTx/>
+              <a:latin typeface="+mn-lt"/>
+              <a:ea typeface="+mn-ea"/>
+              <a:cs typeface="+mn-cs"/>
+              <a:sym typeface="Helvetica Neue Medium"/>
+            </a:endParaRPr>
+          </a:p>
+          <a:p>
+            <a:pPr marL="0" marR="0" indent="0" algn="ctr" defTabSz="584200" rtl="0" fontAlgn="auto" latinLnBrk="0" hangingPunct="0">
+              <a:lnSpc>
+                <a:spcPct val="100000"/>
+              </a:lnSpc>
+              <a:spcBef>
+                <a:spcPts val="0"/>
+              </a:spcBef>
+              <a:spcAft>
+                <a:spcPts val="0"/>
+              </a:spcAft>
+              <a:buClrTx/>
+              <a:buSzTx/>
+              <a:buFontTx/>
+              <a:buNone/>
+              <a:tabLst/>
+            </a:pPr>
+            <a:endParaRPr lang="en-US" altLang="ko-KR" sz="2200" b="0" dirty="0">
+              <a:latin typeface="+mn-lt"/>
+              <a:ea typeface="+mn-ea"/>
+              <a:cs typeface="+mn-cs"/>
+              <a:sym typeface="Helvetica Neue Medium"/>
+            </a:endParaRPr>
+          </a:p>
+          <a:p>
+            <a:pPr marL="0" marR="0" indent="0" algn="ctr" defTabSz="584200" rtl="0" fontAlgn="auto" latinLnBrk="0" hangingPunct="0">
+              <a:lnSpc>
+                <a:spcPct val="100000"/>
+              </a:lnSpc>
+              <a:spcBef>
+                <a:spcPts val="0"/>
+              </a:spcBef>
+              <a:spcAft>
+                <a:spcPts val="0"/>
+              </a:spcAft>
+              <a:buClrTx/>
+              <a:buSzTx/>
+              <a:buFontTx/>
+              <a:buNone/>
+              <a:tabLst/>
+            </a:pPr>
+            <a:r>
+              <a:rPr lang="en-US" altLang="ko-KR" sz="2200" b="0" dirty="0">
+                <a:latin typeface="+mn-lt"/>
+                <a:ea typeface="+mn-ea"/>
+                <a:cs typeface="+mn-cs"/>
+                <a:sym typeface="Helvetica Neue Medium"/>
+              </a:rPr>
+              <a:t>d</a:t>
+            </a:r>
+            <a:endParaRPr kumimoji="0" lang="en-US" altLang="ko-KR" sz="2200" b="0" i="0" u="none" strike="noStrike" cap="none" spc="0" normalizeH="0" baseline="0" dirty="0">
+              <a:ln>
+                <a:noFill/>
+              </a:ln>
+              <a:solidFill>
+                <a:srgbClr val="FFFFFF"/>
+              </a:solidFill>
+              <a:effectLst/>
+              <a:uFillTx/>
+              <a:latin typeface="+mn-lt"/>
+              <a:ea typeface="+mn-ea"/>
+              <a:cs typeface="+mn-cs"/>
+              <a:sym typeface="Helvetica Neue Medium"/>
+            </a:endParaRPr>
+          </a:p>
+          <a:p>
+            <a:pPr marL="0" marR="0" indent="0" algn="ctr" defTabSz="584200" rtl="0" fontAlgn="auto" latinLnBrk="0" hangingPunct="0">
+              <a:lnSpc>
+                <a:spcPct val="100000"/>
+              </a:lnSpc>
+              <a:spcBef>
+                <a:spcPts val="0"/>
+              </a:spcBef>
+              <a:spcAft>
+                <a:spcPts val="0"/>
+              </a:spcAft>
+              <a:buClrTx/>
+              <a:buSzTx/>
+              <a:buFontTx/>
+              <a:buNone/>
+              <a:tabLst/>
+            </a:pPr>
+            <a:endParaRPr lang="en-US" altLang="ko-KR" sz="2200" b="0" dirty="0">
+              <a:latin typeface="+mn-lt"/>
+              <a:ea typeface="+mn-ea"/>
+              <a:cs typeface="+mn-cs"/>
+              <a:sym typeface="Helvetica Neue Medium"/>
+            </a:endParaRPr>
+          </a:p>
+          <a:p>
+            <a:pPr marL="0" marR="0" indent="0" algn="ctr" defTabSz="584200" rtl="0" fontAlgn="auto" latinLnBrk="0" hangingPunct="0">
+              <a:lnSpc>
+                <a:spcPct val="100000"/>
+              </a:lnSpc>
+              <a:spcBef>
+                <a:spcPts val="0"/>
+              </a:spcBef>
+              <a:spcAft>
+                <a:spcPts val="0"/>
+              </a:spcAft>
+              <a:buClrTx/>
+              <a:buSzTx/>
+              <a:buFontTx/>
+              <a:buNone/>
+              <a:tabLst/>
+            </a:pPr>
+            <a:endParaRPr kumimoji="0" lang="ko-KR" altLang="en-US" sz="2200" b="0" i="0" u="none" strike="noStrike" cap="none" spc="0" normalizeH="0" baseline="0" dirty="0">
+              <a:ln>
+                <a:noFill/>
+              </a:ln>
+              <a:solidFill>
+                <a:srgbClr val="FFFFFF"/>
+              </a:solidFill>
+              <a:effectLst/>
+              <a:uFillTx/>
+              <a:latin typeface="+mn-lt"/>
+              <a:ea typeface="+mn-ea"/>
+              <a:cs typeface="+mn-cs"/>
+              <a:sym typeface="Helvetica Neue Medium"/>
+            </a:endParaRPr>
+          </a:p>
+        </p:txBody>
+      </p:sp>
+      <p:sp>
+        <p:nvSpPr>
+          <p:cNvPr id="11" name="직사각형 10">
+            <a:extLst>
+              <a:ext uri="{FF2B5EF4-FFF2-40B4-BE49-F238E27FC236}">
+                <a16:creationId xmlns:a16="http://schemas.microsoft.com/office/drawing/2014/main" id="{332B60A5-8BB7-46D5-8544-2474D5055687}"/>
+              </a:ext>
+            </a:extLst>
+          </p:cNvPr>
+          <p:cNvSpPr/>
+          <p:nvPr/>
+        </p:nvSpPr>
+        <p:spPr>
+          <a:xfrm>
+            <a:off x="9968755" y="2295032"/>
+            <a:ext cx="2051637" cy="1795363"/>
+          </a:xfrm>
+          <a:prstGeom prst="rect">
+            <a:avLst/>
+          </a:prstGeom>
+          <a:solidFill>
+            <a:schemeClr val="accent1">
+              <a:lumOff val="13529"/>
+            </a:schemeClr>
+          </a:solidFill>
+          <a:ln w="76200" cap="flat">
+            <a:solidFill>
+              <a:schemeClr val="tx1"/>
+            </a:solidFill>
+            <a:miter lim="400000"/>
+          </a:ln>
+          <a:effectLst/>
+          <a:sp3d/>
+        </p:spPr>
+        <p:style>
+          <a:lnRef idx="0">
+            <a:scrgbClr r="0" g="0" b="0"/>
+          </a:lnRef>
+          <a:fillRef idx="0">
+            <a:scrgbClr r="0" g="0" b="0"/>
+          </a:fillRef>
+          <a:effectRef idx="0">
+            <a:scrgbClr r="0" g="0" b="0"/>
+          </a:effectRef>
+          <a:fontRef idx="none"/>
+        </p:style>
+        <p:txBody>
+          <a:bodyPr rot="0" spcFirstLastPara="1" vertOverflow="overflow" horzOverflow="overflow" vert="horz" wrap="square" lIns="50800" tIns="50800" rIns="50800" bIns="50800" numCol="1" spcCol="38100" rtlCol="0" anchor="ctr">
+            <a:spAutoFit/>
+          </a:bodyPr>
+          <a:lstStyle/>
+          <a:p>
+            <a:pPr marL="0" marR="0" indent="0" algn="ctr" defTabSz="584200" rtl="0" fontAlgn="auto" latinLnBrk="0" hangingPunct="0">
+              <a:lnSpc>
+                <a:spcPct val="100000"/>
+              </a:lnSpc>
+              <a:spcBef>
+                <a:spcPts val="0"/>
+              </a:spcBef>
+              <a:spcAft>
+                <a:spcPts val="0"/>
+              </a:spcAft>
+              <a:buClrTx/>
+              <a:buSzTx/>
+              <a:buFontTx/>
+              <a:buNone/>
+              <a:tabLst/>
+            </a:pPr>
+            <a:endParaRPr kumimoji="0" lang="en-US" altLang="ko-KR" sz="2200" b="0" i="0" u="none" strike="noStrike" cap="none" spc="0" normalizeH="0" baseline="0" dirty="0">
+              <a:ln>
+                <a:noFill/>
+              </a:ln>
+              <a:solidFill>
+                <a:srgbClr val="FFFFFF"/>
+              </a:solidFill>
+              <a:effectLst/>
+              <a:uFillTx/>
+              <a:latin typeface="+mn-lt"/>
+              <a:ea typeface="+mn-ea"/>
+              <a:cs typeface="+mn-cs"/>
+              <a:sym typeface="Helvetica Neue Medium"/>
+            </a:endParaRPr>
+          </a:p>
+          <a:p>
+            <a:pPr marL="0" marR="0" indent="0" algn="ctr" defTabSz="584200" rtl="0" fontAlgn="auto" latinLnBrk="0" hangingPunct="0">
+              <a:lnSpc>
+                <a:spcPct val="100000"/>
+              </a:lnSpc>
+              <a:spcBef>
+                <a:spcPts val="0"/>
+              </a:spcBef>
+              <a:spcAft>
+                <a:spcPts val="0"/>
+              </a:spcAft>
+              <a:buClrTx/>
+              <a:buSzTx/>
+              <a:buFontTx/>
+              <a:buNone/>
+              <a:tabLst/>
+            </a:pPr>
+            <a:endParaRPr lang="en-US" altLang="ko-KR" sz="2200" b="0" dirty="0">
+              <a:latin typeface="+mn-lt"/>
+              <a:ea typeface="+mn-ea"/>
+              <a:cs typeface="+mn-cs"/>
+              <a:sym typeface="Helvetica Neue Medium"/>
+            </a:endParaRPr>
+          </a:p>
+          <a:p>
+            <a:pPr marL="0" marR="0" indent="0" algn="ctr" defTabSz="584200" rtl="0" fontAlgn="auto" latinLnBrk="0" hangingPunct="0">
+              <a:lnSpc>
+                <a:spcPct val="100000"/>
+              </a:lnSpc>
+              <a:spcBef>
+                <a:spcPts val="0"/>
+              </a:spcBef>
+              <a:spcAft>
+                <a:spcPts val="0"/>
+              </a:spcAft>
+              <a:buClrTx/>
+              <a:buSzTx/>
+              <a:buFontTx/>
+              <a:buNone/>
+              <a:tabLst/>
+            </a:pPr>
+            <a:r>
+              <a:rPr kumimoji="0" lang="en-US" altLang="ko-KR" sz="2200" b="0" i="0" u="none" strike="noStrike" cap="none" spc="0" normalizeH="0" baseline="0" dirty="0">
+                <a:ln>
+                  <a:noFill/>
+                </a:ln>
+                <a:solidFill>
+                  <a:srgbClr val="FFFFFF"/>
+                </a:solidFill>
+                <a:effectLst/>
+                <a:uFillTx/>
+                <a:latin typeface="+mn-lt"/>
+                <a:ea typeface="+mn-ea"/>
+                <a:cs typeface="+mn-cs"/>
+                <a:sym typeface="Helvetica Neue Medium"/>
+              </a:rPr>
+              <a:t>.</a:t>
+            </a:r>
+          </a:p>
+          <a:p>
+            <a:pPr marL="0" marR="0" indent="0" algn="ctr" defTabSz="584200" rtl="0" fontAlgn="auto" latinLnBrk="0" hangingPunct="0">
+              <a:lnSpc>
+                <a:spcPct val="100000"/>
+              </a:lnSpc>
+              <a:spcBef>
+                <a:spcPts val="0"/>
+              </a:spcBef>
+              <a:spcAft>
+                <a:spcPts val="0"/>
+              </a:spcAft>
+              <a:buClrTx/>
+              <a:buSzTx/>
+              <a:buFontTx/>
+              <a:buNone/>
+              <a:tabLst/>
+            </a:pPr>
+            <a:endParaRPr lang="en-US" altLang="ko-KR" sz="2200" b="0" dirty="0">
+              <a:latin typeface="+mn-lt"/>
+              <a:ea typeface="+mn-ea"/>
+              <a:cs typeface="+mn-cs"/>
+              <a:sym typeface="Helvetica Neue Medium"/>
+            </a:endParaRPr>
+          </a:p>
+          <a:p>
+            <a:pPr marL="0" marR="0" indent="0" algn="ctr" defTabSz="584200" rtl="0" fontAlgn="auto" latinLnBrk="0" hangingPunct="0">
+              <a:lnSpc>
+                <a:spcPct val="100000"/>
+              </a:lnSpc>
+              <a:spcBef>
+                <a:spcPts val="0"/>
+              </a:spcBef>
+              <a:spcAft>
+                <a:spcPts val="0"/>
+              </a:spcAft>
+              <a:buClrTx/>
+              <a:buSzTx/>
+              <a:buFontTx/>
+              <a:buNone/>
+              <a:tabLst/>
+            </a:pPr>
+            <a:endParaRPr kumimoji="0" lang="ko-KR" altLang="en-US" sz="2200" b="0" i="0" u="none" strike="noStrike" cap="none" spc="0" normalizeH="0" baseline="0" dirty="0">
+              <a:ln>
+                <a:noFill/>
+              </a:ln>
+              <a:solidFill>
+                <a:srgbClr val="FFFFFF"/>
+              </a:solidFill>
+              <a:effectLst/>
+              <a:uFillTx/>
+              <a:latin typeface="+mn-lt"/>
+              <a:ea typeface="+mn-ea"/>
+              <a:cs typeface="+mn-cs"/>
+              <a:sym typeface="Helvetica Neue Medium"/>
+            </a:endParaRPr>
+          </a:p>
+        </p:txBody>
+      </p:sp>
+      <p:sp>
+        <p:nvSpPr>
+          <p:cNvPr id="12" name="총 파일 개수 count…">
+            <a:extLst>
+              <a:ext uri="{FF2B5EF4-FFF2-40B4-BE49-F238E27FC236}">
+                <a16:creationId xmlns:a16="http://schemas.microsoft.com/office/drawing/2014/main" id="{33EA8D0D-2A78-4B16-A476-3DC1AC43FC5F}"/>
+              </a:ext>
+            </a:extLst>
+          </p:cNvPr>
+          <p:cNvSpPr txBox="1"/>
+          <p:nvPr/>
+        </p:nvSpPr>
+        <p:spPr>
+          <a:xfrm>
+            <a:off x="537882" y="290300"/>
+            <a:ext cx="4215215" cy="610424"/>
+          </a:xfrm>
+          <a:prstGeom prst="rect">
+            <a:avLst/>
+          </a:prstGeom>
+          <a:ln w="12700">
+            <a:miter lim="400000"/>
+          </a:ln>
+          <a:extLst>
+            <a:ext uri="{C572A759-6A51-4108-AA02-DFA0A04FC94B}">
+              <ma14:wrappingTextBoxFlag xmlns="" xmlns:ma14="http://schemas.microsoft.com/office/mac/drawingml/2011/main" val="1"/>
+            </a:ext>
+          </a:extLst>
+        </p:spPr>
+        <p:txBody>
+          <a:bodyPr wrap="square" lIns="50800" tIns="50800" rIns="50800" bIns="50800" anchor="ctr">
+            <a:spAutoFit/>
+          </a:bodyPr>
+          <a:lstStyle/>
+          <a:p>
+            <a:pPr>
+              <a:buSzPct val="100000"/>
+              <a:defRPr sz="3600"/>
+            </a:pPr>
+            <a:r>
+              <a:rPr lang="en-US" altLang="ko-KR" sz="3300" dirty="0"/>
+              <a:t>and</a:t>
+            </a:r>
+            <a:r>
+              <a:rPr lang="ko-KR" altLang="en-US" sz="3300" dirty="0"/>
+              <a:t>를 검색하니</a:t>
+            </a:r>
+            <a:r>
+              <a:rPr lang="en-US" altLang="ko-KR" sz="3300" dirty="0"/>
+              <a:t>..</a:t>
+            </a:r>
+            <a:endParaRPr sz="3300" dirty="0"/>
           </a:p>
         </p:txBody>
       </p:sp>
     </p:spTree>
+    <p:extLst>
+      <p:ext uri="{BB962C8B-B14F-4D97-AF65-F5344CB8AC3E}">
+        <p14:creationId xmlns:p14="http://schemas.microsoft.com/office/powerpoint/2010/main" val="2154688113"/>
+      </p:ext>
+    </p:extLst>
   </p:cSld>
   <p:clrMapOvr>
     <a:masterClrMapping/>

--- a/Implementation & evaluation 20172774 송정우.pptx
+++ b/Implementation & evaluation 20172774 송정우.pptx
@@ -5,7 +5,7 @@
     <p:sldMasterId id="2147483648" r:id="rId1"/>
   </p:sldMasterIdLst>
   <p:notesMasterIdLst>
-    <p:notesMasterId r:id="rId46"/>
+    <p:notesMasterId r:id="rId47"/>
   </p:notesMasterIdLst>
   <p:sldIdLst>
     <p:sldId id="256" r:id="rId2"/>
@@ -51,7 +51,8 @@
     <p:sldId id="271" r:id="rId42"/>
     <p:sldId id="272" r:id="rId43"/>
     <p:sldId id="273" r:id="rId44"/>
-    <p:sldId id="274" r:id="rId45"/>
+    <p:sldId id="300" r:id="rId45"/>
+    <p:sldId id="274" r:id="rId46"/>
   </p:sldIdLst>
   <p:sldSz cx="13004800" cy="9753600"/>
   <p:notesSz cx="6858000" cy="9144000"/>
@@ -3284,7 +3285,7 @@
         </p:nvSpPr>
         <p:spPr>
           <a:xfrm>
-            <a:off x="640216" y="1405765"/>
+            <a:off x="584092" y="701090"/>
             <a:ext cx="11544623" cy="610424"/>
           </a:xfrm>
           <a:prstGeom prst="rect">
@@ -3311,15 +3312,7 @@
             </a:pPr>
             <a:r>
               <a:rPr lang="ko-KR" altLang="en-US" sz="3300" dirty="0"/>
-              <a:t>예외처리 관련</a:t>
-            </a:r>
-            <a:r>
-              <a:rPr lang="en-US" altLang="ko-KR" sz="3300" dirty="0"/>
-              <a:t> </a:t>
-            </a:r>
-            <a:r>
-              <a:rPr lang="ko-KR" altLang="en-US" sz="3300" dirty="0"/>
-              <a:t>실제로 구현한 코드</a:t>
+              <a:t>예외처리 관련 코드</a:t>
             </a:r>
             <a:endParaRPr sz="3300" dirty="0"/>
           </a:p>
@@ -9171,6 +9164,124 @@
 </file>
 
 <file path=ppt/slides/slide44.xml><?xml version="1.0" encoding="utf-8"?>
+<p:sld xmlns:a="http://schemas.openxmlformats.org/drawingml/2006/main" xmlns:r="http://schemas.openxmlformats.org/officeDocument/2006/relationships" xmlns:p="http://schemas.openxmlformats.org/presentationml/2006/main">
+  <p:cSld>
+    <p:spTree>
+      <p:nvGrpSpPr>
+        <p:cNvPr id="1" name=""/>
+        <p:cNvGrpSpPr/>
+        <p:nvPr/>
+      </p:nvGrpSpPr>
+      <p:grpSpPr>
+        <a:xfrm>
+          <a:off x="0" y="0"/>
+          <a:ext cx="0" cy="0"/>
+          <a:chOff x="0" y="0"/>
+          <a:chExt cx="0" cy="0"/>
+        </a:xfrm>
+      </p:grpSpPr>
+      <p:sp>
+        <p:nvSpPr>
+          <p:cNvPr id="171" name="계속 업데이트 하고 있습니다."/>
+          <p:cNvSpPr txBox="1"/>
+          <p:nvPr/>
+        </p:nvSpPr>
+        <p:spPr>
+          <a:xfrm>
+            <a:off x="5591666" y="638432"/>
+            <a:ext cx="2603277" cy="564257"/>
+          </a:xfrm>
+          <a:prstGeom prst="rect">
+            <a:avLst/>
+          </a:prstGeom>
+          <a:ln w="12700">
+            <a:miter lim="400000"/>
+          </a:ln>
+          <a:extLst>
+            <a:ext uri="{C572A759-6A51-4108-AA02-DFA0A04FC94B}">
+              <ma14:wrappingTextBoxFlag xmlns="" xmlns:ma14="http://schemas.microsoft.com/office/mac/drawingml/2011/main" val="1"/>
+            </a:ext>
+          </a:extLst>
+        </p:spPr>
+        <p:txBody>
+          <a:bodyPr wrap="none" lIns="50800" tIns="50800" rIns="50800" bIns="50800" anchor="ctr">
+            <a:spAutoFit/>
+          </a:bodyPr>
+          <a:lstStyle>
+            <a:lvl1pPr>
+              <a:defRPr sz="3000"/>
+            </a:lvl1pPr>
+          </a:lstStyle>
+          <a:p>
+            <a:r>
+              <a:rPr lang="en-US" altLang="ko-KR" dirty="0"/>
+              <a:t>12</a:t>
+            </a:r>
+            <a:r>
+              <a:rPr lang="ko-KR" altLang="en-US" dirty="0"/>
+              <a:t>월 </a:t>
+            </a:r>
+            <a:r>
+              <a:rPr lang="en-US" altLang="ko-KR" dirty="0"/>
+              <a:t>1</a:t>
+            </a:r>
+            <a:r>
+              <a:rPr lang="ko-KR" altLang="en-US" dirty="0"/>
+              <a:t>일 기준</a:t>
+            </a:r>
+            <a:r>
+              <a:rPr lang="en-US" altLang="ko-KR" dirty="0"/>
+              <a:t>.</a:t>
+            </a:r>
+            <a:endParaRPr dirty="0"/>
+          </a:p>
+        </p:txBody>
+      </p:sp>
+      <p:pic>
+        <p:nvPicPr>
+          <p:cNvPr id="2" name="그림 1">
+            <a:extLst>
+              <a:ext uri="{FF2B5EF4-FFF2-40B4-BE49-F238E27FC236}">
+                <a16:creationId xmlns:a16="http://schemas.microsoft.com/office/drawing/2014/main" id="{6A8022FE-0581-4E46-B80E-D43E57BD2742}"/>
+              </a:ext>
+            </a:extLst>
+          </p:cNvPr>
+          <p:cNvPicPr>
+            <a:picLocks noChangeAspect="1"/>
+          </p:cNvPicPr>
+          <p:nvPr/>
+        </p:nvPicPr>
+        <p:blipFill>
+          <a:blip r:embed="rId2"/>
+          <a:stretch>
+            <a:fillRect/>
+          </a:stretch>
+        </p:blipFill>
+        <p:spPr>
+          <a:xfrm>
+            <a:off x="0" y="1938052"/>
+            <a:ext cx="13004800" cy="7823200"/>
+          </a:xfrm>
+          <a:prstGeom prst="rect">
+            <a:avLst/>
+          </a:prstGeom>
+        </p:spPr>
+      </p:pic>
+    </p:spTree>
+    <p:extLst>
+      <p:ext uri="{BB962C8B-B14F-4D97-AF65-F5344CB8AC3E}">
+        <p14:creationId xmlns:p14="http://schemas.microsoft.com/office/powerpoint/2010/main" val="2161553406"/>
+      </p:ext>
+    </p:extLst>
+  </p:cSld>
+  <p:clrMapOvr>
+    <a:masterClrMapping/>
+  </p:clrMapOvr>
+  <p:transition spd="med"/>
+</p:sld>
+</file>
+
+<file path=ppt/slides/slide45.xml><?xml version="1.0" encoding="utf-8"?>
 <p:sld xmlns:a="http://schemas.openxmlformats.org/drawingml/2006/main" xmlns:r="http://schemas.openxmlformats.org/officeDocument/2006/relationships" xmlns:p="http://schemas.openxmlformats.org/presentationml/2006/main">
   <p:cSld>
     <p:spTree>
